--- a/opt_study_sorting_operations.pptx
+++ b/opt_study_sorting_operations.pptx
@@ -5,7 +5,7 @@
     <p:sldMasterId id="2147483648" r:id="rId4"/>
   </p:sldMasterIdLst>
   <p:notesMasterIdLst>
-    <p:notesMasterId r:id="rId26"/>
+    <p:notesMasterId r:id="rId56"/>
   </p:notesMasterIdLst>
   <p:sldIdLst>
     <p:sldId id="256" r:id="rId5"/>
@@ -28,27 +28,52 @@
     <p:sldId id="372" r:id="rId22"/>
     <p:sldId id="375" r:id="rId23"/>
     <p:sldId id="373" r:id="rId24"/>
-    <p:sldId id="335" r:id="rId25"/>
+    <p:sldId id="377" r:id="rId25"/>
+    <p:sldId id="378" r:id="rId26"/>
+    <p:sldId id="379" r:id="rId27"/>
+    <p:sldId id="380" r:id="rId28"/>
+    <p:sldId id="376" r:id="rId29"/>
+    <p:sldId id="381" r:id="rId30"/>
+    <p:sldId id="384" r:id="rId31"/>
+    <p:sldId id="385" r:id="rId32"/>
+    <p:sldId id="386" r:id="rId33"/>
+    <p:sldId id="387" r:id="rId34"/>
+    <p:sldId id="389" r:id="rId35"/>
+    <p:sldId id="390" r:id="rId36"/>
+    <p:sldId id="391" r:id="rId37"/>
+    <p:sldId id="388" r:id="rId38"/>
+    <p:sldId id="393" r:id="rId39"/>
+    <p:sldId id="394" r:id="rId40"/>
+    <p:sldId id="395" r:id="rId41"/>
+    <p:sldId id="396" r:id="rId42"/>
+    <p:sldId id="397" r:id="rId43"/>
+    <p:sldId id="398" r:id="rId44"/>
+    <p:sldId id="399" r:id="rId45"/>
+    <p:sldId id="400" r:id="rId46"/>
+    <p:sldId id="401" r:id="rId47"/>
+    <p:sldId id="402" r:id="rId48"/>
+    <p:sldId id="403" r:id="rId49"/>
+    <p:sldId id="404" r:id="rId50"/>
+    <p:sldId id="405" r:id="rId51"/>
+    <p:sldId id="406" r:id="rId52"/>
+    <p:sldId id="407" r:id="rId53"/>
+    <p:sldId id="408" r:id="rId54"/>
+    <p:sldId id="335" r:id="rId55"/>
   </p:sldIdLst>
   <p:sldSz cx="12192000" cy="6858000"/>
   <p:notesSz cx="6858000" cy="9144000"/>
   <p:embeddedFontLst>
     <p:embeddedFont>
       <p:font typeface="Consolas" panose="020B0609020204030204" pitchFamily="49" charset="0"/>
-      <p:regular r:id="rId27"/>
-      <p:bold r:id="rId28"/>
-      <p:italic r:id="rId29"/>
-      <p:boldItalic r:id="rId30"/>
+      <p:regular r:id="rId57"/>
+      <p:bold r:id="rId58"/>
+      <p:italic r:id="rId59"/>
+      <p:boldItalic r:id="rId60"/>
     </p:embeddedFont>
     <p:embeddedFont>
       <p:font typeface="나눔바른고딕" panose="020B0603020101020101" pitchFamily="50" charset="-127"/>
-      <p:regular r:id="rId31"/>
-      <p:bold r:id="rId32"/>
-    </p:embeddedFont>
-    <p:embeddedFont>
-      <p:font typeface="맑은 고딕" panose="020B0503020000020004" pitchFamily="50" charset="-127"/>
-      <p:regular r:id="rId33"/>
-      <p:bold r:id="rId34"/>
+      <p:regular r:id="rId61"/>
+      <p:bold r:id="rId62"/>
     </p:embeddedFont>
   </p:embeddedFontLst>
   <p:defaultTextStyle>
@@ -171,6 +196,36 @@
             <p14:sldId id="372"/>
             <p14:sldId id="375"/>
             <p14:sldId id="373"/>
+            <p14:sldId id="377"/>
+            <p14:sldId id="378"/>
+            <p14:sldId id="379"/>
+            <p14:sldId id="380"/>
+            <p14:sldId id="376"/>
+            <p14:sldId id="381"/>
+            <p14:sldId id="384"/>
+            <p14:sldId id="385"/>
+            <p14:sldId id="386"/>
+            <p14:sldId id="387"/>
+            <p14:sldId id="389"/>
+            <p14:sldId id="390"/>
+            <p14:sldId id="391"/>
+            <p14:sldId id="388"/>
+            <p14:sldId id="393"/>
+            <p14:sldId id="394"/>
+            <p14:sldId id="395"/>
+            <p14:sldId id="396"/>
+            <p14:sldId id="397"/>
+            <p14:sldId id="398"/>
+            <p14:sldId id="399"/>
+            <p14:sldId id="400"/>
+            <p14:sldId id="401"/>
+            <p14:sldId id="402"/>
+            <p14:sldId id="403"/>
+            <p14:sldId id="404"/>
+            <p14:sldId id="405"/>
+            <p14:sldId id="406"/>
+            <p14:sldId id="407"/>
+            <p14:sldId id="408"/>
             <p14:sldId id="335"/>
           </p14:sldIdLst>
         </p14:section>
@@ -192,14 +247,6 @@
     </p:ext>
   </p:extLst>
 </p:presentation>
-</file>
-
-<file path=ppt/revisionInfo.xml><?xml version="1.0" encoding="utf-8"?>
-<p1510:revInfo xmlns:a="http://schemas.openxmlformats.org/drawingml/2006/main" xmlns:r="http://schemas.openxmlformats.org/officeDocument/2006/relationships" xmlns:p1510="http://schemas.microsoft.com/office/powerpoint/2015/10/main">
-  <p1510:revLst>
-    <p1510:client id="{C91EF270-252A-41BB-AFCD-9839D0216610}" v="121" dt="2020-01-19T16:48:33.819"/>
-  </p1510:revLst>
-</p1510:revInfo>
 </file>
 
 <file path=ppt/notesMasters/notesMaster1.xml><?xml version="1.0" encoding="utf-8"?>
@@ -247,11 +294,14 @@
           <a:bodyPr vert="horz" lIns="91440" tIns="45720" rIns="91440" bIns="45720" rtlCol="0"/>
           <a:lstStyle>
             <a:lvl1pPr algn="l">
-              <a:defRPr sz="1200"/>
+              <a:defRPr sz="1200">
+                <a:latin typeface="나눔바른고딕" panose="020B0603020101020101" pitchFamily="50" charset="-127"/>
+                <a:ea typeface="나눔바른고딕" panose="020B0603020101020101" pitchFamily="50" charset="-127"/>
+              </a:defRPr>
             </a:lvl1pPr>
           </a:lstStyle>
           <a:p>
-            <a:endParaRPr lang="ko-KR" altLang="en-US"/>
+            <a:endParaRPr lang="ko-KR" altLang="en-US" dirty="0"/>
           </a:p>
         </p:txBody>
       </p:sp>
@@ -278,15 +328,19 @@
           <a:bodyPr vert="horz" lIns="91440" tIns="45720" rIns="91440" bIns="45720" rtlCol="0"/>
           <a:lstStyle>
             <a:lvl1pPr algn="r">
-              <a:defRPr sz="1200"/>
+              <a:defRPr sz="1200">
+                <a:latin typeface="나눔바른고딕" panose="020B0603020101020101" pitchFamily="50" charset="-127"/>
+                <a:ea typeface="나눔바른고딕" panose="020B0603020101020101" pitchFamily="50" charset="-127"/>
+              </a:defRPr>
             </a:lvl1pPr>
           </a:lstStyle>
           <a:p>
             <a:fld id="{4753FB32-C456-4880-96F8-A68273A1DFFA}" type="datetimeFigureOut">
               <a:rPr lang="ko-KR" altLang="en-US" smtClean="0"/>
-              <a:t>2020-02-09</a:t>
+              <a:pPr/>
+              <a:t>2020-03-21</a:t>
             </a:fld>
-            <a:endParaRPr lang="ko-KR" altLang="en-US"/>
+            <a:endParaRPr lang="ko-KR" altLang="en-US" dirty="0"/>
           </a:p>
         </p:txBody>
       </p:sp>
@@ -319,7 +373,7 @@
           <a:bodyPr vert="horz" lIns="91440" tIns="45720" rIns="91440" bIns="45720" rtlCol="0" anchor="ctr"/>
           <a:lstStyle/>
           <a:p>
-            <a:endParaRPr lang="ko-KR" altLang="en-US"/>
+            <a:endParaRPr lang="ko-KR" altLang="en-US" dirty="0"/>
           </a:p>
         </p:txBody>
       </p:sp>
@@ -348,35 +402,35 @@
           <a:p>
             <a:pPr lvl="0"/>
             <a:r>
-              <a:rPr lang="ko-KR" altLang="en-US"/>
+              <a:rPr lang="ko-KR" altLang="en-US" dirty="0"/>
               <a:t>마스터 텍스트 스타일을 편집하려면 클릭</a:t>
             </a:r>
           </a:p>
           <a:p>
             <a:pPr lvl="1"/>
             <a:r>
-              <a:rPr lang="ko-KR" altLang="en-US"/>
+              <a:rPr lang="ko-KR" altLang="en-US" dirty="0"/>
               <a:t>두 번째 수준</a:t>
             </a:r>
           </a:p>
           <a:p>
             <a:pPr lvl="2"/>
             <a:r>
-              <a:rPr lang="ko-KR" altLang="en-US"/>
+              <a:rPr lang="ko-KR" altLang="en-US" dirty="0"/>
               <a:t>세 번째 수준</a:t>
             </a:r>
           </a:p>
           <a:p>
             <a:pPr lvl="3"/>
             <a:r>
-              <a:rPr lang="ko-KR" altLang="en-US"/>
+              <a:rPr lang="ko-KR" altLang="en-US" dirty="0"/>
               <a:t>네 번째 수준</a:t>
             </a:r>
           </a:p>
           <a:p>
             <a:pPr lvl="4"/>
             <a:r>
-              <a:rPr lang="ko-KR" altLang="en-US"/>
+              <a:rPr lang="ko-KR" altLang="en-US" dirty="0"/>
               <a:t>다섯 번째 수준</a:t>
             </a:r>
           </a:p>
@@ -405,11 +459,14 @@
           <a:bodyPr vert="horz" lIns="91440" tIns="45720" rIns="91440" bIns="45720" rtlCol="0" anchor="b"/>
           <a:lstStyle>
             <a:lvl1pPr algn="l">
-              <a:defRPr sz="1200"/>
+              <a:defRPr sz="1200">
+                <a:latin typeface="나눔바른고딕" panose="020B0603020101020101" pitchFamily="50" charset="-127"/>
+                <a:ea typeface="나눔바른고딕" panose="020B0603020101020101" pitchFamily="50" charset="-127"/>
+              </a:defRPr>
             </a:lvl1pPr>
           </a:lstStyle>
           <a:p>
-            <a:endParaRPr lang="ko-KR" altLang="en-US"/>
+            <a:endParaRPr lang="ko-KR" altLang="en-US" dirty="0"/>
           </a:p>
         </p:txBody>
       </p:sp>
@@ -436,15 +493,19 @@
           <a:bodyPr vert="horz" lIns="91440" tIns="45720" rIns="91440" bIns="45720" rtlCol="0" anchor="b"/>
           <a:lstStyle>
             <a:lvl1pPr algn="r">
-              <a:defRPr sz="1200"/>
+              <a:defRPr sz="1200">
+                <a:latin typeface="나눔바른고딕" panose="020B0603020101020101" pitchFamily="50" charset="-127"/>
+                <a:ea typeface="나눔바른고딕" panose="020B0603020101020101" pitchFamily="50" charset="-127"/>
+              </a:defRPr>
             </a:lvl1pPr>
           </a:lstStyle>
           <a:p>
             <a:fld id="{1C0D8A5C-7244-48C3-97C5-850B3BC84B79}" type="slidenum">
               <a:rPr lang="ko-KR" altLang="en-US" smtClean="0"/>
+              <a:pPr/>
               <a:t>‹#›</a:t>
             </a:fld>
-            <a:endParaRPr lang="ko-KR" altLang="en-US"/>
+            <a:endParaRPr lang="ko-KR" altLang="en-US" dirty="0"/>
           </a:p>
         </p:txBody>
       </p:sp>
@@ -462,8 +523,8 @@
         <a:solidFill>
           <a:schemeClr val="tx1"/>
         </a:solidFill>
-        <a:latin typeface="+mn-lt"/>
-        <a:ea typeface="+mn-ea"/>
+        <a:latin typeface="나눔바른고딕" panose="020B0603020101020101" pitchFamily="50" charset="-127"/>
+        <a:ea typeface="나눔바른고딕" panose="020B0603020101020101" pitchFamily="50" charset="-127"/>
         <a:cs typeface="+mn-cs"/>
       </a:defRPr>
     </a:lvl1pPr>
@@ -472,8 +533,8 @@
         <a:solidFill>
           <a:schemeClr val="tx1"/>
         </a:solidFill>
-        <a:latin typeface="+mn-lt"/>
-        <a:ea typeface="+mn-ea"/>
+        <a:latin typeface="나눔바른고딕" panose="020B0603020101020101" pitchFamily="50" charset="-127"/>
+        <a:ea typeface="나눔바른고딕" panose="020B0603020101020101" pitchFamily="50" charset="-127"/>
         <a:cs typeface="+mn-cs"/>
       </a:defRPr>
     </a:lvl2pPr>
@@ -482,8 +543,8 @@
         <a:solidFill>
           <a:schemeClr val="tx1"/>
         </a:solidFill>
-        <a:latin typeface="+mn-lt"/>
-        <a:ea typeface="+mn-ea"/>
+        <a:latin typeface="나눔바른고딕" panose="020B0603020101020101" pitchFamily="50" charset="-127"/>
+        <a:ea typeface="나눔바른고딕" panose="020B0603020101020101" pitchFamily="50" charset="-127"/>
         <a:cs typeface="+mn-cs"/>
       </a:defRPr>
     </a:lvl3pPr>
@@ -492,8 +553,8 @@
         <a:solidFill>
           <a:schemeClr val="tx1"/>
         </a:solidFill>
-        <a:latin typeface="+mn-lt"/>
-        <a:ea typeface="+mn-ea"/>
+        <a:latin typeface="나눔바른고딕" panose="020B0603020101020101" pitchFamily="50" charset="-127"/>
+        <a:ea typeface="나눔바른고딕" panose="020B0603020101020101" pitchFamily="50" charset="-127"/>
         <a:cs typeface="+mn-cs"/>
       </a:defRPr>
     </a:lvl4pPr>
@@ -502,8 +563,8 @@
         <a:solidFill>
           <a:schemeClr val="tx1"/>
         </a:solidFill>
-        <a:latin typeface="+mn-lt"/>
-        <a:ea typeface="+mn-ea"/>
+        <a:latin typeface="나눔바른고딕" panose="020B0603020101020101" pitchFamily="50" charset="-127"/>
+        <a:ea typeface="나눔바른고딕" panose="020B0603020101020101" pitchFamily="50" charset="-127"/>
         <a:cs typeface="+mn-cs"/>
       </a:defRPr>
     </a:lvl5pPr>
@@ -698,7 +759,7 @@
           <a:p>
             <a:fld id="{5CE5C09E-A8D0-4142-8F84-3F6F724A8C63}" type="datetimeFigureOut">
               <a:rPr lang="ko-KR" altLang="en-US" smtClean="0"/>
-              <a:t>2020-02-09</a:t>
+              <a:t>2020-03-21</a:t>
             </a:fld>
             <a:endParaRPr lang="ko-KR" altLang="en-US"/>
           </a:p>
@@ -896,7 +957,7 @@
           <a:p>
             <a:fld id="{5CE5C09E-A8D0-4142-8F84-3F6F724A8C63}" type="datetimeFigureOut">
               <a:rPr lang="ko-KR" altLang="en-US" smtClean="0"/>
-              <a:t>2020-02-09</a:t>
+              <a:t>2020-03-21</a:t>
             </a:fld>
             <a:endParaRPr lang="ko-KR" altLang="en-US"/>
           </a:p>
@@ -1104,7 +1165,7 @@
           <a:p>
             <a:fld id="{5CE5C09E-A8D0-4142-8F84-3F6F724A8C63}" type="datetimeFigureOut">
               <a:rPr lang="ko-KR" altLang="en-US" smtClean="0"/>
-              <a:t>2020-02-09</a:t>
+              <a:t>2020-03-21</a:t>
             </a:fld>
             <a:endParaRPr lang="ko-KR" altLang="en-US"/>
           </a:p>
@@ -1302,7 +1363,7 @@
           <a:p>
             <a:fld id="{5CE5C09E-A8D0-4142-8F84-3F6F724A8C63}" type="datetimeFigureOut">
               <a:rPr lang="ko-KR" altLang="en-US" smtClean="0"/>
-              <a:t>2020-02-09</a:t>
+              <a:t>2020-03-21</a:t>
             </a:fld>
             <a:endParaRPr lang="ko-KR" altLang="en-US"/>
           </a:p>
@@ -1577,7 +1638,7 @@
           <a:p>
             <a:fld id="{5CE5C09E-A8D0-4142-8F84-3F6F724A8C63}" type="datetimeFigureOut">
               <a:rPr lang="ko-KR" altLang="en-US" smtClean="0"/>
-              <a:t>2020-02-09</a:t>
+              <a:t>2020-03-21</a:t>
             </a:fld>
             <a:endParaRPr lang="ko-KR" altLang="en-US"/>
           </a:p>
@@ -1842,7 +1903,7 @@
           <a:p>
             <a:fld id="{5CE5C09E-A8D0-4142-8F84-3F6F724A8C63}" type="datetimeFigureOut">
               <a:rPr lang="ko-KR" altLang="en-US" smtClean="0"/>
-              <a:t>2020-02-09</a:t>
+              <a:t>2020-03-21</a:t>
             </a:fld>
             <a:endParaRPr lang="ko-KR" altLang="en-US"/>
           </a:p>
@@ -2254,7 +2315,7 @@
           <a:p>
             <a:fld id="{5CE5C09E-A8D0-4142-8F84-3F6F724A8C63}" type="datetimeFigureOut">
               <a:rPr lang="ko-KR" altLang="en-US" smtClean="0"/>
-              <a:t>2020-02-09</a:t>
+              <a:t>2020-03-21</a:t>
             </a:fld>
             <a:endParaRPr lang="ko-KR" altLang="en-US"/>
           </a:p>
@@ -2395,7 +2456,7 @@
           <a:p>
             <a:fld id="{5CE5C09E-A8D0-4142-8F84-3F6F724A8C63}" type="datetimeFigureOut">
               <a:rPr lang="ko-KR" altLang="en-US" smtClean="0"/>
-              <a:t>2020-02-09</a:t>
+              <a:t>2020-03-21</a:t>
             </a:fld>
             <a:endParaRPr lang="ko-KR" altLang="en-US"/>
           </a:p>
@@ -2508,7 +2569,7 @@
           <a:p>
             <a:fld id="{5CE5C09E-A8D0-4142-8F84-3F6F724A8C63}" type="datetimeFigureOut">
               <a:rPr lang="ko-KR" altLang="en-US" smtClean="0"/>
-              <a:t>2020-02-09</a:t>
+              <a:t>2020-03-21</a:t>
             </a:fld>
             <a:endParaRPr lang="ko-KR" altLang="en-US"/>
           </a:p>
@@ -2819,7 +2880,7 @@
           <a:p>
             <a:fld id="{5CE5C09E-A8D0-4142-8F84-3F6F724A8C63}" type="datetimeFigureOut">
               <a:rPr lang="ko-KR" altLang="en-US" smtClean="0"/>
-              <a:t>2020-02-09</a:t>
+              <a:t>2020-03-21</a:t>
             </a:fld>
             <a:endParaRPr lang="ko-KR" altLang="en-US"/>
           </a:p>
@@ -3107,7 +3168,7 @@
           <a:p>
             <a:fld id="{5CE5C09E-A8D0-4142-8F84-3F6F724A8C63}" type="datetimeFigureOut">
               <a:rPr lang="ko-KR" altLang="en-US" smtClean="0"/>
-              <a:t>2020-02-09</a:t>
+              <a:t>2020-03-21</a:t>
             </a:fld>
             <a:endParaRPr lang="ko-KR" altLang="en-US"/>
           </a:p>
@@ -3348,7 +3409,7 @@
           <a:p>
             <a:fld id="{5CE5C09E-A8D0-4142-8F84-3F6F724A8C63}" type="datetimeFigureOut">
               <a:rPr lang="ko-KR" altLang="en-US" smtClean="0"/>
-              <a:t>2020-02-09</a:t>
+              <a:t>2020-03-21</a:t>
             </a:fld>
             <a:endParaRPr lang="ko-KR" altLang="en-US"/>
           </a:p>
@@ -4669,7 +4730,9 @@
         </p:nvSpPr>
         <p:spPr/>
         <p:txBody>
-          <a:bodyPr/>
+          <a:bodyPr>
+            <a:normAutofit lnSpcReduction="10000"/>
+          </a:bodyPr>
           <a:lstStyle/>
           <a:p>
             <a:r>
@@ -6334,7 +6397,7 @@
           <p:cNvPr id="2" name="제목 1">
             <a:extLst>
               <a:ext uri="{FF2B5EF4-FFF2-40B4-BE49-F238E27FC236}">
-                <a16:creationId xmlns:a16="http://schemas.microsoft.com/office/drawing/2014/main" id="{93C20081-9379-4E74-A8EA-D09C19B69EB8}"/>
+                <a16:creationId xmlns:a16="http://schemas.microsoft.com/office/drawing/2014/main" id="{10646760-DD6C-49A8-AB88-6BB26C7C77C3}"/>
               </a:ext>
             </a:extLst>
           </p:cNvPr>
@@ -6342,7 +6405,7 @@
             <a:spLocks noGrp="1"/>
           </p:cNvSpPr>
           <p:nvPr>
-            <p:ph type="ctrTitle"/>
+            <p:ph type="title"/>
           </p:nvPr>
         </p:nvSpPr>
         <p:spPr/>
@@ -6351,16 +6414,2126 @@
           <a:lstStyle/>
           <a:p>
             <a:r>
-              <a:rPr lang="ko-KR" altLang="en-US" dirty="0"/>
-              <a:t>감사합니다</a:t>
-            </a:r>
+              <a:rPr lang="en-US" altLang="ko-KR" dirty="0">
+                <a:latin typeface="Consolas" panose="020B0609020204030204" pitchFamily="49" charset="0"/>
+              </a:rPr>
+              <a:t>std::</a:t>
+            </a:r>
+            <a:r>
+              <a:rPr lang="en-US" altLang="ko-KR" dirty="0" err="1">
+                <a:latin typeface="Consolas" panose="020B0609020204030204" pitchFamily="49" charset="0"/>
+              </a:rPr>
+              <a:t>partial_sort</a:t>
+            </a:r>
+            <a:endParaRPr lang="ko-KR" altLang="en-US" dirty="0">
+              <a:latin typeface="Consolas" panose="020B0609020204030204" pitchFamily="49" charset="0"/>
+            </a:endParaRPr>
+          </a:p>
+        </p:txBody>
+      </p:sp>
+      <p:sp>
+        <p:nvSpPr>
+          <p:cNvPr id="3" name="텍스트 개체 틀 2">
+            <a:extLst>
+              <a:ext uri="{FF2B5EF4-FFF2-40B4-BE49-F238E27FC236}">
+                <a16:creationId xmlns:a16="http://schemas.microsoft.com/office/drawing/2014/main" id="{DECBA3C5-7D54-45EE-AA9B-57D49A625C38}"/>
+              </a:ext>
+            </a:extLst>
+          </p:cNvPr>
+          <p:cNvSpPr>
+            <a:spLocks noGrp="1"/>
+          </p:cNvSpPr>
+          <p:nvPr>
+            <p:ph type="body" idx="1"/>
+          </p:nvPr>
+        </p:nvSpPr>
+        <p:spPr/>
+        <p:txBody>
+          <a:bodyPr/>
+          <a:lstStyle/>
+          <a:p>
+            <a:endParaRPr lang="ko-KR" altLang="en-US"/>
           </a:p>
         </p:txBody>
       </p:sp>
     </p:spTree>
     <p:extLst>
       <p:ext uri="{BB962C8B-B14F-4D97-AF65-F5344CB8AC3E}">
-        <p14:creationId xmlns:p14="http://schemas.microsoft.com/office/powerpoint/2010/main" val="2418448705"/>
+        <p14:creationId xmlns:p14="http://schemas.microsoft.com/office/powerpoint/2010/main" val="3861615851"/>
+      </p:ext>
+    </p:extLst>
+  </p:cSld>
+  <p:clrMapOvr>
+    <a:masterClrMapping/>
+  </p:clrMapOvr>
+</p:sld>
+</file>
+
+<file path=ppt/slides/slide22.xml><?xml version="1.0" encoding="utf-8"?>
+<p:sld xmlns:a="http://schemas.openxmlformats.org/drawingml/2006/main" xmlns:r="http://schemas.openxmlformats.org/officeDocument/2006/relationships" xmlns:p="http://schemas.openxmlformats.org/presentationml/2006/main">
+  <p:cSld>
+    <p:spTree>
+      <p:nvGrpSpPr>
+        <p:cNvPr id="1" name=""/>
+        <p:cNvGrpSpPr/>
+        <p:nvPr/>
+      </p:nvGrpSpPr>
+      <p:grpSpPr>
+        <a:xfrm>
+          <a:off x="0" y="0"/>
+          <a:ext cx="0" cy="0"/>
+          <a:chOff x="0" y="0"/>
+          <a:chExt cx="0" cy="0"/>
+        </a:xfrm>
+      </p:grpSpPr>
+      <p:sp>
+        <p:nvSpPr>
+          <p:cNvPr id="2" name="제목 1">
+            <a:extLst>
+              <a:ext uri="{FF2B5EF4-FFF2-40B4-BE49-F238E27FC236}">
+                <a16:creationId xmlns:a16="http://schemas.microsoft.com/office/drawing/2014/main" id="{A810EFC4-7C47-46ED-BF74-E2BB05728096}"/>
+              </a:ext>
+            </a:extLst>
+          </p:cNvPr>
+          <p:cNvSpPr>
+            <a:spLocks noGrp="1"/>
+          </p:cNvSpPr>
+          <p:nvPr>
+            <p:ph type="title"/>
+          </p:nvPr>
+        </p:nvSpPr>
+        <p:spPr/>
+        <p:txBody>
+          <a:bodyPr/>
+          <a:lstStyle/>
+          <a:p>
+            <a:r>
+              <a:rPr lang="en-US" altLang="ko-KR" dirty="0">
+                <a:latin typeface="Consolas" panose="020B0609020204030204" pitchFamily="49" charset="0"/>
+              </a:rPr>
+              <a:t>std::</a:t>
+            </a:r>
+            <a:r>
+              <a:rPr lang="en-US" altLang="ko-KR" dirty="0" err="1">
+                <a:latin typeface="Consolas" panose="020B0609020204030204" pitchFamily="49" charset="0"/>
+              </a:rPr>
+              <a:t>partial_sort</a:t>
+            </a:r>
+            <a:endParaRPr lang="ko-KR" altLang="en-US" dirty="0">
+              <a:latin typeface="Consolas" panose="020B0609020204030204" pitchFamily="49" charset="0"/>
+            </a:endParaRPr>
+          </a:p>
+        </p:txBody>
+      </p:sp>
+      <p:pic>
+        <p:nvPicPr>
+          <p:cNvPr id="9" name="내용 개체 틀 8">
+            <a:extLst>
+              <a:ext uri="{FF2B5EF4-FFF2-40B4-BE49-F238E27FC236}">
+                <a16:creationId xmlns:a16="http://schemas.microsoft.com/office/drawing/2014/main" id="{224ECBA9-D23A-4CB6-934B-26FC27FFB79B}"/>
+              </a:ext>
+            </a:extLst>
+          </p:cNvPr>
+          <p:cNvPicPr>
+            <a:picLocks noGrp="1" noChangeAspect="1"/>
+          </p:cNvPicPr>
+          <p:nvPr>
+            <p:ph idx="1"/>
+          </p:nvPr>
+        </p:nvPicPr>
+        <p:blipFill rotWithShape="1">
+          <a:blip r:embed="rId2"/>
+          <a:srcRect b="9562"/>
+          <a:stretch/>
+        </p:blipFill>
+        <p:spPr>
+          <a:xfrm>
+            <a:off x="545121" y="2221380"/>
+            <a:ext cx="11101758" cy="708460"/>
+          </a:xfrm>
+          <a:prstGeom prst="rect">
+            <a:avLst/>
+          </a:prstGeom>
+        </p:spPr>
+      </p:pic>
+      <p:pic>
+        <p:nvPicPr>
+          <p:cNvPr id="10" name="그림 9">
+            <a:extLst>
+              <a:ext uri="{FF2B5EF4-FFF2-40B4-BE49-F238E27FC236}">
+                <a16:creationId xmlns:a16="http://schemas.microsoft.com/office/drawing/2014/main" id="{3F581EA8-7B87-4F7F-92BA-7EA6FE84629D}"/>
+              </a:ext>
+            </a:extLst>
+          </p:cNvPr>
+          <p:cNvPicPr>
+            <a:picLocks noChangeAspect="1"/>
+          </p:cNvPicPr>
+          <p:nvPr/>
+        </p:nvPicPr>
+        <p:blipFill rotWithShape="1">
+          <a:blip r:embed="rId3"/>
+          <a:srcRect b="19125"/>
+          <a:stretch/>
+        </p:blipFill>
+        <p:spPr>
+          <a:xfrm>
+            <a:off x="545125" y="3539317"/>
+            <a:ext cx="11101750" cy="1049308"/>
+          </a:xfrm>
+          <a:prstGeom prst="rect">
+            <a:avLst/>
+          </a:prstGeom>
+        </p:spPr>
+      </p:pic>
+    </p:spTree>
+    <p:extLst>
+      <p:ext uri="{BB962C8B-B14F-4D97-AF65-F5344CB8AC3E}">
+        <p14:creationId xmlns:p14="http://schemas.microsoft.com/office/powerpoint/2010/main" val="662930826"/>
+      </p:ext>
+    </p:extLst>
+  </p:cSld>
+  <p:clrMapOvr>
+    <a:masterClrMapping/>
+  </p:clrMapOvr>
+</p:sld>
+</file>
+
+<file path=ppt/slides/slide23.xml><?xml version="1.0" encoding="utf-8"?>
+<p:sld xmlns:a="http://schemas.openxmlformats.org/drawingml/2006/main" xmlns:r="http://schemas.openxmlformats.org/officeDocument/2006/relationships" xmlns:p="http://schemas.openxmlformats.org/presentationml/2006/main">
+  <p:cSld>
+    <p:spTree>
+      <p:nvGrpSpPr>
+        <p:cNvPr id="1" name=""/>
+        <p:cNvGrpSpPr/>
+        <p:nvPr/>
+      </p:nvGrpSpPr>
+      <p:grpSpPr>
+        <a:xfrm>
+          <a:off x="0" y="0"/>
+          <a:ext cx="0" cy="0"/>
+          <a:chOff x="0" y="0"/>
+          <a:chExt cx="0" cy="0"/>
+        </a:xfrm>
+      </p:grpSpPr>
+      <p:sp>
+        <p:nvSpPr>
+          <p:cNvPr id="2" name="제목 1">
+            <a:extLst>
+              <a:ext uri="{FF2B5EF4-FFF2-40B4-BE49-F238E27FC236}">
+                <a16:creationId xmlns:a16="http://schemas.microsoft.com/office/drawing/2014/main" id="{A810EFC4-7C47-46ED-BF74-E2BB05728096}"/>
+              </a:ext>
+            </a:extLst>
+          </p:cNvPr>
+          <p:cNvSpPr>
+            <a:spLocks noGrp="1"/>
+          </p:cNvSpPr>
+          <p:nvPr>
+            <p:ph type="title"/>
+          </p:nvPr>
+        </p:nvSpPr>
+        <p:spPr/>
+        <p:txBody>
+          <a:bodyPr/>
+          <a:lstStyle/>
+          <a:p>
+            <a:r>
+              <a:rPr lang="en-US" altLang="ko-KR" dirty="0">
+                <a:latin typeface="Consolas" panose="020B0609020204030204" pitchFamily="49" charset="0"/>
+              </a:rPr>
+              <a:t>std::</a:t>
+            </a:r>
+            <a:r>
+              <a:rPr lang="en-US" altLang="ko-KR" dirty="0" err="1">
+                <a:latin typeface="Consolas" panose="020B0609020204030204" pitchFamily="49" charset="0"/>
+              </a:rPr>
+              <a:t>partial_sort</a:t>
+            </a:r>
+            <a:r>
+              <a:rPr lang="en-US" altLang="ko-KR" dirty="0">
+                <a:latin typeface="Consolas" panose="020B0609020204030204" pitchFamily="49" charset="0"/>
+              </a:rPr>
+              <a:t> </a:t>
+            </a:r>
+            <a:r>
+              <a:rPr lang="ko-KR" altLang="en-US" dirty="0">
+                <a:latin typeface="Consolas" panose="020B0609020204030204" pitchFamily="49" charset="0"/>
+              </a:rPr>
+              <a:t>예제</a:t>
+            </a:r>
+          </a:p>
+        </p:txBody>
+      </p:sp>
+      <p:sp>
+        <p:nvSpPr>
+          <p:cNvPr id="4" name="내용 개체 틀 3">
+            <a:extLst>
+              <a:ext uri="{FF2B5EF4-FFF2-40B4-BE49-F238E27FC236}">
+                <a16:creationId xmlns:a16="http://schemas.microsoft.com/office/drawing/2014/main" id="{3282DB9F-07E6-45B8-9D74-33BE9DD0947E}"/>
+              </a:ext>
+            </a:extLst>
+          </p:cNvPr>
+          <p:cNvSpPr>
+            <a:spLocks noGrp="1"/>
+          </p:cNvSpPr>
+          <p:nvPr>
+            <p:ph idx="1"/>
+          </p:nvPr>
+        </p:nvSpPr>
+        <p:spPr/>
+        <p:txBody>
+          <a:bodyPr/>
+          <a:lstStyle/>
+          <a:p>
+            <a:r>
+              <a:rPr lang="en-US" altLang="ko-KR" dirty="0" err="1"/>
+              <a:t>partial_sort</a:t>
+            </a:r>
+            <a:r>
+              <a:rPr lang="en-US" altLang="ko-KR" dirty="0"/>
+              <a:t> (</a:t>
+            </a:r>
+            <a:r>
+              <a:rPr lang="ko-KR" altLang="en-US" dirty="0"/>
+              <a:t>부분</a:t>
+            </a:r>
+            <a:r>
+              <a:rPr lang="en-US" altLang="ko-KR" dirty="0"/>
+              <a:t>_</a:t>
+            </a:r>
+            <a:r>
+              <a:rPr lang="ko-KR" altLang="en-US" dirty="0"/>
+              <a:t>정렬</a:t>
+            </a:r>
+            <a:r>
+              <a:rPr lang="en-US" altLang="ko-KR" dirty="0"/>
+              <a:t>?)</a:t>
+            </a:r>
+            <a:endParaRPr lang="ko-KR" altLang="en-US" dirty="0"/>
+          </a:p>
+        </p:txBody>
+      </p:sp>
+      <p:pic>
+        <p:nvPicPr>
+          <p:cNvPr id="5" name="그림 4">
+            <a:extLst>
+              <a:ext uri="{FF2B5EF4-FFF2-40B4-BE49-F238E27FC236}">
+                <a16:creationId xmlns:a16="http://schemas.microsoft.com/office/drawing/2014/main" id="{3ED5415B-A6AE-4D65-84DB-A07B8430B6E2}"/>
+              </a:ext>
+            </a:extLst>
+          </p:cNvPr>
+          <p:cNvPicPr>
+            <a:picLocks noChangeAspect="1"/>
+          </p:cNvPicPr>
+          <p:nvPr/>
+        </p:nvPicPr>
+        <p:blipFill>
+          <a:blip r:embed="rId2"/>
+          <a:stretch>
+            <a:fillRect/>
+          </a:stretch>
+        </p:blipFill>
+        <p:spPr>
+          <a:xfrm>
+            <a:off x="2352502" y="5134642"/>
+            <a:ext cx="7121236" cy="1201992"/>
+          </a:xfrm>
+          <a:prstGeom prst="rect">
+            <a:avLst/>
+          </a:prstGeom>
+        </p:spPr>
+      </p:pic>
+      <p:pic>
+        <p:nvPicPr>
+          <p:cNvPr id="6" name="그림 5">
+            <a:extLst>
+              <a:ext uri="{FF2B5EF4-FFF2-40B4-BE49-F238E27FC236}">
+                <a16:creationId xmlns:a16="http://schemas.microsoft.com/office/drawing/2014/main" id="{DEB123FF-0EF1-4D5E-8659-F8E2C97EF25C}"/>
+              </a:ext>
+            </a:extLst>
+          </p:cNvPr>
+          <p:cNvPicPr>
+            <a:picLocks noChangeAspect="1"/>
+          </p:cNvPicPr>
+          <p:nvPr/>
+        </p:nvPicPr>
+        <p:blipFill>
+          <a:blip r:embed="rId3"/>
+          <a:stretch>
+            <a:fillRect/>
+          </a:stretch>
+        </p:blipFill>
+        <p:spPr>
+          <a:xfrm>
+            <a:off x="2328829" y="2468880"/>
+            <a:ext cx="7534342" cy="2444116"/>
+          </a:xfrm>
+          <a:prstGeom prst="rect">
+            <a:avLst/>
+          </a:prstGeom>
+        </p:spPr>
+      </p:pic>
+      <p:sp>
+        <p:nvSpPr>
+          <p:cNvPr id="7" name="직사각형 6">
+            <a:extLst>
+              <a:ext uri="{FF2B5EF4-FFF2-40B4-BE49-F238E27FC236}">
+                <a16:creationId xmlns:a16="http://schemas.microsoft.com/office/drawing/2014/main" id="{FF9785F8-CBC9-4762-A0D5-AEF0AF755E91}"/>
+              </a:ext>
+            </a:extLst>
+          </p:cNvPr>
+          <p:cNvSpPr/>
+          <p:nvPr/>
+        </p:nvSpPr>
+        <p:spPr>
+          <a:xfrm>
+            <a:off x="2211185" y="5037513"/>
+            <a:ext cx="2385753" cy="1455362"/>
+          </a:xfrm>
+          <a:prstGeom prst="rect">
+            <a:avLst/>
+          </a:prstGeom>
+          <a:noFill/>
+          <a:ln>
+            <a:solidFill>
+              <a:srgbClr val="FF0000"/>
+            </a:solidFill>
+          </a:ln>
+        </p:spPr>
+        <p:style>
+          <a:lnRef idx="2">
+            <a:schemeClr val="accent1">
+              <a:shade val="50000"/>
+            </a:schemeClr>
+          </a:lnRef>
+          <a:fillRef idx="1">
+            <a:schemeClr val="accent1"/>
+          </a:fillRef>
+          <a:effectRef idx="0">
+            <a:schemeClr val="accent1"/>
+          </a:effectRef>
+          <a:fontRef idx="minor">
+            <a:schemeClr val="lt1"/>
+          </a:fontRef>
+        </p:style>
+        <p:txBody>
+          <a:bodyPr rtlCol="0" anchor="ctr"/>
+          <a:lstStyle/>
+          <a:p>
+            <a:pPr algn="ctr"/>
+            <a:endParaRPr lang="ko-KR" altLang="en-US"/>
+          </a:p>
+        </p:txBody>
+      </p:sp>
+    </p:spTree>
+    <p:extLst>
+      <p:ext uri="{BB962C8B-B14F-4D97-AF65-F5344CB8AC3E}">
+        <p14:creationId xmlns:p14="http://schemas.microsoft.com/office/powerpoint/2010/main" val="2628119471"/>
+      </p:ext>
+    </p:extLst>
+  </p:cSld>
+  <p:clrMapOvr>
+    <a:masterClrMapping/>
+  </p:clrMapOvr>
+</p:sld>
+</file>
+
+<file path=ppt/slides/slide24.xml><?xml version="1.0" encoding="utf-8"?>
+<p:sld xmlns:a="http://schemas.openxmlformats.org/drawingml/2006/main" xmlns:r="http://schemas.openxmlformats.org/officeDocument/2006/relationships" xmlns:p="http://schemas.openxmlformats.org/presentationml/2006/main">
+  <p:cSld>
+    <p:spTree>
+      <p:nvGrpSpPr>
+        <p:cNvPr id="1" name=""/>
+        <p:cNvGrpSpPr/>
+        <p:nvPr/>
+      </p:nvGrpSpPr>
+      <p:grpSpPr>
+        <a:xfrm>
+          <a:off x="0" y="0"/>
+          <a:ext cx="0" cy="0"/>
+          <a:chOff x="0" y="0"/>
+          <a:chExt cx="0" cy="0"/>
+        </a:xfrm>
+      </p:grpSpPr>
+      <p:sp>
+        <p:nvSpPr>
+          <p:cNvPr id="2" name="제목 1">
+            <a:extLst>
+              <a:ext uri="{FF2B5EF4-FFF2-40B4-BE49-F238E27FC236}">
+                <a16:creationId xmlns:a16="http://schemas.microsoft.com/office/drawing/2014/main" id="{A810EFC4-7C47-46ED-BF74-E2BB05728096}"/>
+              </a:ext>
+            </a:extLst>
+          </p:cNvPr>
+          <p:cNvSpPr>
+            <a:spLocks noGrp="1"/>
+          </p:cNvSpPr>
+          <p:nvPr>
+            <p:ph type="title"/>
+          </p:nvPr>
+        </p:nvSpPr>
+        <p:spPr/>
+        <p:txBody>
+          <a:bodyPr/>
+          <a:lstStyle/>
+          <a:p>
+            <a:r>
+              <a:rPr lang="ko-KR" altLang="en-US" dirty="0">
+                <a:latin typeface="Consolas" panose="020B0609020204030204" pitchFamily="49" charset="0"/>
+              </a:rPr>
+              <a:t>잠시 생각해봅시다</a:t>
+            </a:r>
+          </a:p>
+        </p:txBody>
+      </p:sp>
+      <p:sp>
+        <p:nvSpPr>
+          <p:cNvPr id="4" name="내용 개체 틀 3">
+            <a:extLst>
+              <a:ext uri="{FF2B5EF4-FFF2-40B4-BE49-F238E27FC236}">
+                <a16:creationId xmlns:a16="http://schemas.microsoft.com/office/drawing/2014/main" id="{3282DB9F-07E6-45B8-9D74-33BE9DD0947E}"/>
+              </a:ext>
+            </a:extLst>
+          </p:cNvPr>
+          <p:cNvSpPr>
+            <a:spLocks noGrp="1"/>
+          </p:cNvSpPr>
+          <p:nvPr>
+            <p:ph idx="1"/>
+          </p:nvPr>
+        </p:nvSpPr>
+        <p:spPr/>
+        <p:txBody>
+          <a:bodyPr/>
+          <a:lstStyle/>
+          <a:p>
+            <a:r>
+              <a:rPr lang="en-US" altLang="ko-KR" dirty="0" err="1"/>
+              <a:t>partial_sort</a:t>
+            </a:r>
+            <a:r>
+              <a:rPr lang="en-US" altLang="ko-KR" dirty="0"/>
+              <a:t> </a:t>
+            </a:r>
+            <a:r>
+              <a:rPr lang="ko-KR" altLang="en-US" dirty="0"/>
+              <a:t>는 무엇으로 구현되어 있을까요</a:t>
+            </a:r>
+            <a:r>
+              <a:rPr lang="en-US" altLang="ko-KR" dirty="0"/>
+              <a:t>?</a:t>
+            </a:r>
+            <a:endParaRPr lang="ko-KR" altLang="en-US" dirty="0"/>
+          </a:p>
+        </p:txBody>
+      </p:sp>
+      <p:pic>
+        <p:nvPicPr>
+          <p:cNvPr id="5" name="그림 4">
+            <a:extLst>
+              <a:ext uri="{FF2B5EF4-FFF2-40B4-BE49-F238E27FC236}">
+                <a16:creationId xmlns:a16="http://schemas.microsoft.com/office/drawing/2014/main" id="{3ED5415B-A6AE-4D65-84DB-A07B8430B6E2}"/>
+              </a:ext>
+            </a:extLst>
+          </p:cNvPr>
+          <p:cNvPicPr>
+            <a:picLocks noChangeAspect="1"/>
+          </p:cNvPicPr>
+          <p:nvPr/>
+        </p:nvPicPr>
+        <p:blipFill>
+          <a:blip r:embed="rId2"/>
+          <a:stretch>
+            <a:fillRect/>
+          </a:stretch>
+        </p:blipFill>
+        <p:spPr>
+          <a:xfrm>
+            <a:off x="2352502" y="3262306"/>
+            <a:ext cx="7121236" cy="1201992"/>
+          </a:xfrm>
+          <a:prstGeom prst="rect">
+            <a:avLst/>
+          </a:prstGeom>
+        </p:spPr>
+      </p:pic>
+      <p:sp>
+        <p:nvSpPr>
+          <p:cNvPr id="7" name="직사각형 6">
+            <a:extLst>
+              <a:ext uri="{FF2B5EF4-FFF2-40B4-BE49-F238E27FC236}">
+                <a16:creationId xmlns:a16="http://schemas.microsoft.com/office/drawing/2014/main" id="{FF9785F8-CBC9-4762-A0D5-AEF0AF755E91}"/>
+              </a:ext>
+            </a:extLst>
+          </p:cNvPr>
+          <p:cNvSpPr/>
+          <p:nvPr/>
+        </p:nvSpPr>
+        <p:spPr>
+          <a:xfrm>
+            <a:off x="2211185" y="3165177"/>
+            <a:ext cx="2385753" cy="1455362"/>
+          </a:xfrm>
+          <a:prstGeom prst="rect">
+            <a:avLst/>
+          </a:prstGeom>
+          <a:noFill/>
+          <a:ln>
+            <a:solidFill>
+              <a:srgbClr val="FF0000"/>
+            </a:solidFill>
+          </a:ln>
+        </p:spPr>
+        <p:style>
+          <a:lnRef idx="2">
+            <a:schemeClr val="accent1">
+              <a:shade val="50000"/>
+            </a:schemeClr>
+          </a:lnRef>
+          <a:fillRef idx="1">
+            <a:schemeClr val="accent1"/>
+          </a:fillRef>
+          <a:effectRef idx="0">
+            <a:schemeClr val="accent1"/>
+          </a:effectRef>
+          <a:fontRef idx="minor">
+            <a:schemeClr val="lt1"/>
+          </a:fontRef>
+        </p:style>
+        <p:txBody>
+          <a:bodyPr rtlCol="0" anchor="ctr"/>
+          <a:lstStyle/>
+          <a:p>
+            <a:pPr algn="ctr"/>
+            <a:endParaRPr lang="ko-KR" altLang="en-US"/>
+          </a:p>
+        </p:txBody>
+      </p:sp>
+    </p:spTree>
+    <p:extLst>
+      <p:ext uri="{BB962C8B-B14F-4D97-AF65-F5344CB8AC3E}">
+        <p14:creationId xmlns:p14="http://schemas.microsoft.com/office/powerpoint/2010/main" val="1941137999"/>
+      </p:ext>
+    </p:extLst>
+  </p:cSld>
+  <p:clrMapOvr>
+    <a:masterClrMapping/>
+  </p:clrMapOvr>
+</p:sld>
+</file>
+
+<file path=ppt/slides/slide25.xml><?xml version="1.0" encoding="utf-8"?>
+<p:sld xmlns:a="http://schemas.openxmlformats.org/drawingml/2006/main" xmlns:r="http://schemas.openxmlformats.org/officeDocument/2006/relationships" xmlns:p="http://schemas.openxmlformats.org/presentationml/2006/main">
+  <p:cSld>
+    <p:spTree>
+      <p:nvGrpSpPr>
+        <p:cNvPr id="1" name=""/>
+        <p:cNvGrpSpPr/>
+        <p:nvPr/>
+      </p:nvGrpSpPr>
+      <p:grpSpPr>
+        <a:xfrm>
+          <a:off x="0" y="0"/>
+          <a:ext cx="0" cy="0"/>
+          <a:chOff x="0" y="0"/>
+          <a:chExt cx="0" cy="0"/>
+        </a:xfrm>
+      </p:grpSpPr>
+      <p:sp>
+        <p:nvSpPr>
+          <p:cNvPr id="2" name="제목 1">
+            <a:extLst>
+              <a:ext uri="{FF2B5EF4-FFF2-40B4-BE49-F238E27FC236}">
+                <a16:creationId xmlns:a16="http://schemas.microsoft.com/office/drawing/2014/main" id="{D5D46469-D1C4-4592-8502-350434BAF8AB}"/>
+              </a:ext>
+            </a:extLst>
+          </p:cNvPr>
+          <p:cNvSpPr>
+            <a:spLocks noGrp="1"/>
+          </p:cNvSpPr>
+          <p:nvPr>
+            <p:ph type="title"/>
+          </p:nvPr>
+        </p:nvSpPr>
+        <p:spPr/>
+        <p:txBody>
+          <a:bodyPr/>
+          <a:lstStyle/>
+          <a:p>
+            <a:r>
+              <a:rPr lang="ko-KR" altLang="en-US" dirty="0"/>
+              <a:t>정답은 </a:t>
+            </a:r>
+            <a:r>
+              <a:rPr lang="ko-KR" altLang="en-US" dirty="0" err="1"/>
+              <a:t>힙정렬</a:t>
+            </a:r>
+            <a:endParaRPr lang="ko-KR" altLang="en-US" dirty="0"/>
+          </a:p>
+        </p:txBody>
+      </p:sp>
+      <p:pic>
+        <p:nvPicPr>
+          <p:cNvPr id="1026" name="Picture 2">
+            <a:extLst>
+              <a:ext uri="{FF2B5EF4-FFF2-40B4-BE49-F238E27FC236}">
+                <a16:creationId xmlns:a16="http://schemas.microsoft.com/office/drawing/2014/main" id="{1372C8B3-56EE-4CAD-ADF8-E92BEE1C7597}"/>
+              </a:ext>
+            </a:extLst>
+          </p:cNvPr>
+          <p:cNvPicPr>
+            <a:picLocks noGrp="1" noChangeAspect="1" noChangeArrowheads="1" noCrop="1"/>
+          </p:cNvPicPr>
+          <p:nvPr>
+            <p:ph idx="1"/>
+          </p:nvPr>
+        </p:nvPicPr>
+        <p:blipFill>
+          <a:blip r:embed="rId2">
+            <a:extLst>
+              <a:ext uri="{28A0092B-C50C-407E-A947-70E740481C1C}">
+                <a14:useLocalDpi xmlns:a14="http://schemas.microsoft.com/office/drawing/2010/main" val="0"/>
+              </a:ext>
+            </a:extLst>
+          </a:blip>
+          <a:srcRect/>
+          <a:stretch>
+            <a:fillRect/>
+          </a:stretch>
+        </p:blipFill>
+        <p:spPr bwMode="auto">
+          <a:xfrm>
+            <a:off x="3829050" y="1915319"/>
+            <a:ext cx="4533900" cy="4171950"/>
+          </a:xfrm>
+          <a:prstGeom prst="rect">
+            <a:avLst/>
+          </a:prstGeom>
+          <a:noFill/>
+          <a:extLst>
+            <a:ext uri="{909E8E84-426E-40DD-AFC4-6F175D3DCCD1}">
+              <a14:hiddenFill xmlns:a14="http://schemas.microsoft.com/office/drawing/2010/main">
+                <a:solidFill>
+                  <a:srgbClr val="FFFFFF"/>
+                </a:solidFill>
+              </a14:hiddenFill>
+            </a:ext>
+          </a:extLst>
+        </p:spPr>
+      </p:pic>
+      <p:sp>
+        <p:nvSpPr>
+          <p:cNvPr id="5" name="내용 개체 틀 3">
+            <a:extLst>
+              <a:ext uri="{FF2B5EF4-FFF2-40B4-BE49-F238E27FC236}">
+                <a16:creationId xmlns:a16="http://schemas.microsoft.com/office/drawing/2014/main" id="{CD8DBC51-1153-440A-9E70-AD986F53654F}"/>
+              </a:ext>
+            </a:extLst>
+          </p:cNvPr>
+          <p:cNvSpPr txBox="1">
+            <a:spLocks/>
+          </p:cNvSpPr>
+          <p:nvPr/>
+        </p:nvSpPr>
+        <p:spPr>
+          <a:xfrm>
+            <a:off x="838200" y="1825625"/>
+            <a:ext cx="10515600" cy="4351338"/>
+          </a:xfrm>
+          <a:prstGeom prst="rect">
+            <a:avLst/>
+          </a:prstGeom>
+        </p:spPr>
+        <p:txBody>
+          <a:bodyPr vert="horz" lIns="91440" tIns="45720" rIns="91440" bIns="45720" rtlCol="0">
+            <a:normAutofit/>
+          </a:bodyPr>
+          <a:lstStyle>
+            <a:lvl1pPr marL="228600" indent="-228600" algn="l" defTabSz="914400" rtl="0" eaLnBrk="1" latinLnBrk="1" hangingPunct="1">
+              <a:lnSpc>
+                <a:spcPct val="90000"/>
+              </a:lnSpc>
+              <a:spcBef>
+                <a:spcPts val="1000"/>
+              </a:spcBef>
+              <a:buFont typeface="Arial" panose="020B0604020202020204" pitchFamily="34" charset="0"/>
+              <a:buChar char="•"/>
+              <a:defRPr sz="2800" kern="1200">
+                <a:solidFill>
+                  <a:schemeClr val="tx1"/>
+                </a:solidFill>
+                <a:latin typeface="+mn-lt"/>
+                <a:ea typeface="+mn-ea"/>
+                <a:cs typeface="+mn-cs"/>
+              </a:defRPr>
+            </a:lvl1pPr>
+            <a:lvl2pPr marL="685800" indent="-228600" algn="l" defTabSz="914400" rtl="0" eaLnBrk="1" latinLnBrk="1" hangingPunct="1">
+              <a:lnSpc>
+                <a:spcPct val="90000"/>
+              </a:lnSpc>
+              <a:spcBef>
+                <a:spcPts val="500"/>
+              </a:spcBef>
+              <a:buFont typeface="Arial" panose="020B0604020202020204" pitchFamily="34" charset="0"/>
+              <a:buChar char="•"/>
+              <a:defRPr sz="2400" kern="1200">
+                <a:solidFill>
+                  <a:schemeClr val="tx1"/>
+                </a:solidFill>
+                <a:latin typeface="+mn-lt"/>
+                <a:ea typeface="+mn-ea"/>
+                <a:cs typeface="+mn-cs"/>
+              </a:defRPr>
+            </a:lvl2pPr>
+            <a:lvl3pPr marL="1143000" indent="-228600" algn="l" defTabSz="914400" rtl="0" eaLnBrk="1" latinLnBrk="1" hangingPunct="1">
+              <a:lnSpc>
+                <a:spcPct val="90000"/>
+              </a:lnSpc>
+              <a:spcBef>
+                <a:spcPts val="500"/>
+              </a:spcBef>
+              <a:buFont typeface="Arial" panose="020B0604020202020204" pitchFamily="34" charset="0"/>
+              <a:buChar char="•"/>
+              <a:defRPr sz="2000" kern="1200">
+                <a:solidFill>
+                  <a:schemeClr val="tx1"/>
+                </a:solidFill>
+                <a:latin typeface="+mn-lt"/>
+                <a:ea typeface="+mn-ea"/>
+                <a:cs typeface="+mn-cs"/>
+              </a:defRPr>
+            </a:lvl3pPr>
+            <a:lvl4pPr marL="1600200" indent="-228600" algn="l" defTabSz="914400" rtl="0" eaLnBrk="1" latinLnBrk="1" hangingPunct="1">
+              <a:lnSpc>
+                <a:spcPct val="90000"/>
+              </a:lnSpc>
+              <a:spcBef>
+                <a:spcPts val="500"/>
+              </a:spcBef>
+              <a:buFont typeface="Arial" panose="020B0604020202020204" pitchFamily="34" charset="0"/>
+              <a:buChar char="•"/>
+              <a:defRPr sz="1800" kern="1200">
+                <a:solidFill>
+                  <a:schemeClr val="tx1"/>
+                </a:solidFill>
+                <a:latin typeface="+mn-lt"/>
+                <a:ea typeface="+mn-ea"/>
+                <a:cs typeface="+mn-cs"/>
+              </a:defRPr>
+            </a:lvl4pPr>
+            <a:lvl5pPr marL="2057400" indent="-228600" algn="l" defTabSz="914400" rtl="0" eaLnBrk="1" latinLnBrk="1" hangingPunct="1">
+              <a:lnSpc>
+                <a:spcPct val="90000"/>
+              </a:lnSpc>
+              <a:spcBef>
+                <a:spcPts val="500"/>
+              </a:spcBef>
+              <a:buFont typeface="Arial" panose="020B0604020202020204" pitchFamily="34" charset="0"/>
+              <a:buChar char="•"/>
+              <a:defRPr sz="1800" kern="1200">
+                <a:solidFill>
+                  <a:schemeClr val="tx1"/>
+                </a:solidFill>
+                <a:latin typeface="+mn-lt"/>
+                <a:ea typeface="+mn-ea"/>
+                <a:cs typeface="+mn-cs"/>
+              </a:defRPr>
+            </a:lvl5pPr>
+            <a:lvl6pPr marL="2514600" indent="-228600" algn="l" defTabSz="914400" rtl="0" eaLnBrk="1" latinLnBrk="1" hangingPunct="1">
+              <a:lnSpc>
+                <a:spcPct val="90000"/>
+              </a:lnSpc>
+              <a:spcBef>
+                <a:spcPts val="500"/>
+              </a:spcBef>
+              <a:buFont typeface="Arial" panose="020B0604020202020204" pitchFamily="34" charset="0"/>
+              <a:buChar char="•"/>
+              <a:defRPr sz="1800" kern="1200">
+                <a:solidFill>
+                  <a:schemeClr val="tx1"/>
+                </a:solidFill>
+                <a:latin typeface="+mn-lt"/>
+                <a:ea typeface="+mn-ea"/>
+                <a:cs typeface="+mn-cs"/>
+              </a:defRPr>
+            </a:lvl6pPr>
+            <a:lvl7pPr marL="2971800" indent="-228600" algn="l" defTabSz="914400" rtl="0" eaLnBrk="1" latinLnBrk="1" hangingPunct="1">
+              <a:lnSpc>
+                <a:spcPct val="90000"/>
+              </a:lnSpc>
+              <a:spcBef>
+                <a:spcPts val="500"/>
+              </a:spcBef>
+              <a:buFont typeface="Arial" panose="020B0604020202020204" pitchFamily="34" charset="0"/>
+              <a:buChar char="•"/>
+              <a:defRPr sz="1800" kern="1200">
+                <a:solidFill>
+                  <a:schemeClr val="tx1"/>
+                </a:solidFill>
+                <a:latin typeface="+mn-lt"/>
+                <a:ea typeface="+mn-ea"/>
+                <a:cs typeface="+mn-cs"/>
+              </a:defRPr>
+            </a:lvl7pPr>
+            <a:lvl8pPr marL="3429000" indent="-228600" algn="l" defTabSz="914400" rtl="0" eaLnBrk="1" latinLnBrk="1" hangingPunct="1">
+              <a:lnSpc>
+                <a:spcPct val="90000"/>
+              </a:lnSpc>
+              <a:spcBef>
+                <a:spcPts val="500"/>
+              </a:spcBef>
+              <a:buFont typeface="Arial" panose="020B0604020202020204" pitchFamily="34" charset="0"/>
+              <a:buChar char="•"/>
+              <a:defRPr sz="1800" kern="1200">
+                <a:solidFill>
+                  <a:schemeClr val="tx1"/>
+                </a:solidFill>
+                <a:latin typeface="+mn-lt"/>
+                <a:ea typeface="+mn-ea"/>
+                <a:cs typeface="+mn-cs"/>
+              </a:defRPr>
+            </a:lvl8pPr>
+            <a:lvl9pPr marL="3886200" indent="-228600" algn="l" defTabSz="914400" rtl="0" eaLnBrk="1" latinLnBrk="1" hangingPunct="1">
+              <a:lnSpc>
+                <a:spcPct val="90000"/>
+              </a:lnSpc>
+              <a:spcBef>
+                <a:spcPts val="500"/>
+              </a:spcBef>
+              <a:buFont typeface="Arial" panose="020B0604020202020204" pitchFamily="34" charset="0"/>
+              <a:buChar char="•"/>
+              <a:defRPr sz="1800" kern="1200">
+                <a:solidFill>
+                  <a:schemeClr val="tx1"/>
+                </a:solidFill>
+                <a:latin typeface="+mn-lt"/>
+                <a:ea typeface="+mn-ea"/>
+                <a:cs typeface="+mn-cs"/>
+              </a:defRPr>
+            </a:lvl9pPr>
+          </a:lstStyle>
+          <a:p>
+            <a:r>
+              <a:rPr lang="ko-KR" altLang="en-US" dirty="0"/>
+              <a:t>용도 </a:t>
+            </a:r>
+            <a:r>
+              <a:rPr lang="en-US" altLang="ko-KR" dirty="0"/>
+              <a:t>: </a:t>
+            </a:r>
+            <a:r>
+              <a:rPr lang="ko-KR" altLang="en-US" dirty="0"/>
+              <a:t>유저 스코어 중 상위 </a:t>
+            </a:r>
+            <a:r>
+              <a:rPr lang="en-US" altLang="ko-KR" dirty="0"/>
+              <a:t>1, 2, 3</a:t>
+            </a:r>
+            <a:r>
+              <a:rPr lang="ko-KR" altLang="en-US" dirty="0"/>
+              <a:t>등만 구하기 </a:t>
+            </a:r>
+          </a:p>
+        </p:txBody>
+      </p:sp>
+    </p:spTree>
+    <p:extLst>
+      <p:ext uri="{BB962C8B-B14F-4D97-AF65-F5344CB8AC3E}">
+        <p14:creationId xmlns:p14="http://schemas.microsoft.com/office/powerpoint/2010/main" val="4246782884"/>
+      </p:ext>
+    </p:extLst>
+  </p:cSld>
+  <p:clrMapOvr>
+    <a:masterClrMapping/>
+  </p:clrMapOvr>
+</p:sld>
+</file>
+
+<file path=ppt/slides/slide26.xml><?xml version="1.0" encoding="utf-8"?>
+<p:sld xmlns:a="http://schemas.openxmlformats.org/drawingml/2006/main" xmlns:r="http://schemas.openxmlformats.org/officeDocument/2006/relationships" xmlns:p="http://schemas.openxmlformats.org/presentationml/2006/main">
+  <p:cSld>
+    <p:spTree>
+      <p:nvGrpSpPr>
+        <p:cNvPr id="1" name=""/>
+        <p:cNvGrpSpPr/>
+        <p:nvPr/>
+      </p:nvGrpSpPr>
+      <p:grpSpPr>
+        <a:xfrm>
+          <a:off x="0" y="0"/>
+          <a:ext cx="0" cy="0"/>
+          <a:chOff x="0" y="0"/>
+          <a:chExt cx="0" cy="0"/>
+        </a:xfrm>
+      </p:grpSpPr>
+      <p:pic>
+        <p:nvPicPr>
+          <p:cNvPr id="9" name="내용 개체 틀 8">
+            <a:extLst>
+              <a:ext uri="{FF2B5EF4-FFF2-40B4-BE49-F238E27FC236}">
+                <a16:creationId xmlns:a16="http://schemas.microsoft.com/office/drawing/2014/main" id="{A22155FA-1036-4F0A-9191-AD3253FCD8F9}"/>
+              </a:ext>
+            </a:extLst>
+          </p:cNvPr>
+          <p:cNvPicPr>
+            <a:picLocks noGrp="1" noChangeAspect="1"/>
+          </p:cNvPicPr>
+          <p:nvPr>
+            <p:ph idx="1"/>
+          </p:nvPr>
+        </p:nvPicPr>
+        <p:blipFill>
+          <a:blip r:embed="rId2"/>
+          <a:stretch>
+            <a:fillRect/>
+          </a:stretch>
+        </p:blipFill>
+        <p:spPr>
+          <a:xfrm>
+            <a:off x="2155372" y="1615353"/>
+            <a:ext cx="7881256" cy="4771882"/>
+          </a:xfrm>
+          <a:prstGeom prst="rect">
+            <a:avLst/>
+          </a:prstGeom>
+        </p:spPr>
+      </p:pic>
+      <p:sp>
+        <p:nvSpPr>
+          <p:cNvPr id="2" name="제목 1">
+            <a:extLst>
+              <a:ext uri="{FF2B5EF4-FFF2-40B4-BE49-F238E27FC236}">
+                <a16:creationId xmlns:a16="http://schemas.microsoft.com/office/drawing/2014/main" id="{A810EFC4-7C47-46ED-BF74-E2BB05728096}"/>
+              </a:ext>
+            </a:extLst>
+          </p:cNvPr>
+          <p:cNvSpPr>
+            <a:spLocks noGrp="1"/>
+          </p:cNvSpPr>
+          <p:nvPr>
+            <p:ph type="title"/>
+          </p:nvPr>
+        </p:nvSpPr>
+        <p:spPr/>
+        <p:txBody>
+          <a:bodyPr/>
+          <a:lstStyle/>
+          <a:p>
+            <a:r>
+              <a:rPr lang="en-US" altLang="ko-KR" dirty="0">
+                <a:latin typeface="Consolas" panose="020B0609020204030204" pitchFamily="49" charset="0"/>
+              </a:rPr>
+              <a:t>std::</a:t>
+            </a:r>
+            <a:r>
+              <a:rPr lang="en-US" altLang="ko-KR" dirty="0" err="1">
+                <a:latin typeface="Consolas" panose="020B0609020204030204" pitchFamily="49" charset="0"/>
+              </a:rPr>
+              <a:t>partial_sort</a:t>
+            </a:r>
+            <a:r>
+              <a:rPr lang="en-US" altLang="ko-KR" dirty="0">
+                <a:latin typeface="Consolas" panose="020B0609020204030204" pitchFamily="49" charset="0"/>
+              </a:rPr>
+              <a:t> </a:t>
+            </a:r>
+            <a:r>
+              <a:rPr lang="ko-KR" altLang="en-US" dirty="0">
+                <a:latin typeface="Consolas" panose="020B0609020204030204" pitchFamily="49" charset="0"/>
+              </a:rPr>
+              <a:t>구현</a:t>
+            </a:r>
+          </a:p>
+        </p:txBody>
+      </p:sp>
+      <p:sp>
+        <p:nvSpPr>
+          <p:cNvPr id="7" name="직사각형 6">
+            <a:extLst>
+              <a:ext uri="{FF2B5EF4-FFF2-40B4-BE49-F238E27FC236}">
+                <a16:creationId xmlns:a16="http://schemas.microsoft.com/office/drawing/2014/main" id="{FF9785F8-CBC9-4762-A0D5-AEF0AF755E91}"/>
+              </a:ext>
+            </a:extLst>
+          </p:cNvPr>
+          <p:cNvSpPr/>
+          <p:nvPr/>
+        </p:nvSpPr>
+        <p:spPr>
+          <a:xfrm>
+            <a:off x="2472442" y="4355342"/>
+            <a:ext cx="4552472" cy="281972"/>
+          </a:xfrm>
+          <a:prstGeom prst="rect">
+            <a:avLst/>
+          </a:prstGeom>
+          <a:noFill/>
+          <a:ln>
+            <a:solidFill>
+              <a:srgbClr val="FF0000"/>
+            </a:solidFill>
+          </a:ln>
+        </p:spPr>
+        <p:style>
+          <a:lnRef idx="2">
+            <a:schemeClr val="accent1">
+              <a:shade val="50000"/>
+            </a:schemeClr>
+          </a:lnRef>
+          <a:fillRef idx="1">
+            <a:schemeClr val="accent1"/>
+          </a:fillRef>
+          <a:effectRef idx="0">
+            <a:schemeClr val="accent1"/>
+          </a:effectRef>
+          <a:fontRef idx="minor">
+            <a:schemeClr val="lt1"/>
+          </a:fontRef>
+        </p:style>
+        <p:txBody>
+          <a:bodyPr rtlCol="0" anchor="ctr"/>
+          <a:lstStyle/>
+          <a:p>
+            <a:pPr algn="ctr"/>
+            <a:endParaRPr lang="ko-KR" altLang="en-US"/>
+          </a:p>
+        </p:txBody>
+      </p:sp>
+    </p:spTree>
+    <p:extLst>
+      <p:ext uri="{BB962C8B-B14F-4D97-AF65-F5344CB8AC3E}">
+        <p14:creationId xmlns:p14="http://schemas.microsoft.com/office/powerpoint/2010/main" val="4092492913"/>
+      </p:ext>
+    </p:extLst>
+  </p:cSld>
+  <p:clrMapOvr>
+    <a:masterClrMapping/>
+  </p:clrMapOvr>
+</p:sld>
+</file>
+
+<file path=ppt/slides/slide27.xml><?xml version="1.0" encoding="utf-8"?>
+<p:sld xmlns:a="http://schemas.openxmlformats.org/drawingml/2006/main" xmlns:r="http://schemas.openxmlformats.org/officeDocument/2006/relationships" xmlns:p="http://schemas.openxmlformats.org/presentationml/2006/main">
+  <p:cSld>
+    <p:spTree>
+      <p:nvGrpSpPr>
+        <p:cNvPr id="1" name=""/>
+        <p:cNvGrpSpPr/>
+        <p:nvPr/>
+      </p:nvGrpSpPr>
+      <p:grpSpPr>
+        <a:xfrm>
+          <a:off x="0" y="0"/>
+          <a:ext cx="0" cy="0"/>
+          <a:chOff x="0" y="0"/>
+          <a:chExt cx="0" cy="0"/>
+        </a:xfrm>
+      </p:grpSpPr>
+      <p:pic>
+        <p:nvPicPr>
+          <p:cNvPr id="9" name="내용 개체 틀 8">
+            <a:extLst>
+              <a:ext uri="{FF2B5EF4-FFF2-40B4-BE49-F238E27FC236}">
+                <a16:creationId xmlns:a16="http://schemas.microsoft.com/office/drawing/2014/main" id="{A22155FA-1036-4F0A-9191-AD3253FCD8F9}"/>
+              </a:ext>
+            </a:extLst>
+          </p:cNvPr>
+          <p:cNvPicPr>
+            <a:picLocks noGrp="1" noChangeAspect="1"/>
+          </p:cNvPicPr>
+          <p:nvPr>
+            <p:ph idx="1"/>
+          </p:nvPr>
+        </p:nvPicPr>
+        <p:blipFill rotWithShape="1">
+          <a:blip r:embed="rId2"/>
+          <a:srcRect t="52633"/>
+          <a:stretch/>
+        </p:blipFill>
+        <p:spPr>
+          <a:xfrm>
+            <a:off x="2155372" y="4126937"/>
+            <a:ext cx="7881256" cy="2260297"/>
+          </a:xfrm>
+          <a:prstGeom prst="rect">
+            <a:avLst/>
+          </a:prstGeom>
+        </p:spPr>
+      </p:pic>
+      <p:sp>
+        <p:nvSpPr>
+          <p:cNvPr id="2" name="제목 1">
+            <a:extLst>
+              <a:ext uri="{FF2B5EF4-FFF2-40B4-BE49-F238E27FC236}">
+                <a16:creationId xmlns:a16="http://schemas.microsoft.com/office/drawing/2014/main" id="{A810EFC4-7C47-46ED-BF74-E2BB05728096}"/>
+              </a:ext>
+            </a:extLst>
+          </p:cNvPr>
+          <p:cNvSpPr>
+            <a:spLocks noGrp="1"/>
+          </p:cNvSpPr>
+          <p:nvPr>
+            <p:ph type="title"/>
+          </p:nvPr>
+        </p:nvSpPr>
+        <p:spPr/>
+        <p:txBody>
+          <a:bodyPr/>
+          <a:lstStyle/>
+          <a:p>
+            <a:r>
+              <a:rPr lang="en-US" altLang="ko-KR" dirty="0">
+                <a:latin typeface="Consolas" panose="020B0609020204030204" pitchFamily="49" charset="0"/>
+              </a:rPr>
+              <a:t>std::</a:t>
+            </a:r>
+            <a:r>
+              <a:rPr lang="en-US" altLang="ko-KR" dirty="0" err="1">
+                <a:latin typeface="Consolas" panose="020B0609020204030204" pitchFamily="49" charset="0"/>
+              </a:rPr>
+              <a:t>partial_sort</a:t>
+            </a:r>
+            <a:r>
+              <a:rPr lang="en-US" altLang="ko-KR" dirty="0">
+                <a:latin typeface="Consolas" panose="020B0609020204030204" pitchFamily="49" charset="0"/>
+              </a:rPr>
+              <a:t> </a:t>
+            </a:r>
+            <a:r>
+              <a:rPr lang="ko-KR" altLang="en-US" dirty="0">
+                <a:latin typeface="Consolas" panose="020B0609020204030204" pitchFamily="49" charset="0"/>
+              </a:rPr>
+              <a:t>구현</a:t>
+            </a:r>
+          </a:p>
+        </p:txBody>
+      </p:sp>
+      <p:sp>
+        <p:nvSpPr>
+          <p:cNvPr id="7" name="직사각형 6">
+            <a:extLst>
+              <a:ext uri="{FF2B5EF4-FFF2-40B4-BE49-F238E27FC236}">
+                <a16:creationId xmlns:a16="http://schemas.microsoft.com/office/drawing/2014/main" id="{FF9785F8-CBC9-4762-A0D5-AEF0AF755E91}"/>
+              </a:ext>
+            </a:extLst>
+          </p:cNvPr>
+          <p:cNvSpPr/>
+          <p:nvPr/>
+        </p:nvSpPr>
+        <p:spPr>
+          <a:xfrm>
+            <a:off x="2472442" y="4355342"/>
+            <a:ext cx="4552472" cy="281972"/>
+          </a:xfrm>
+          <a:prstGeom prst="rect">
+            <a:avLst/>
+          </a:prstGeom>
+          <a:noFill/>
+          <a:ln>
+            <a:solidFill>
+              <a:srgbClr val="FF0000"/>
+            </a:solidFill>
+          </a:ln>
+        </p:spPr>
+        <p:style>
+          <a:lnRef idx="2">
+            <a:schemeClr val="accent1">
+              <a:shade val="50000"/>
+            </a:schemeClr>
+          </a:lnRef>
+          <a:fillRef idx="1">
+            <a:schemeClr val="accent1"/>
+          </a:fillRef>
+          <a:effectRef idx="0">
+            <a:schemeClr val="accent1"/>
+          </a:effectRef>
+          <a:fontRef idx="minor">
+            <a:schemeClr val="lt1"/>
+          </a:fontRef>
+        </p:style>
+        <p:txBody>
+          <a:bodyPr rtlCol="0" anchor="ctr"/>
+          <a:lstStyle/>
+          <a:p>
+            <a:pPr algn="ctr"/>
+            <a:endParaRPr lang="ko-KR" altLang="en-US"/>
+          </a:p>
+        </p:txBody>
+      </p:sp>
+      <p:pic>
+        <p:nvPicPr>
+          <p:cNvPr id="10" name="그림 9">
+            <a:extLst>
+              <a:ext uri="{FF2B5EF4-FFF2-40B4-BE49-F238E27FC236}">
+                <a16:creationId xmlns:a16="http://schemas.microsoft.com/office/drawing/2014/main" id="{136AC34B-8B6B-4D02-8878-D1CD1B69E71A}"/>
+              </a:ext>
+            </a:extLst>
+          </p:cNvPr>
+          <p:cNvPicPr>
+            <a:picLocks noChangeAspect="1"/>
+          </p:cNvPicPr>
+          <p:nvPr/>
+        </p:nvPicPr>
+        <p:blipFill>
+          <a:blip r:embed="rId3"/>
+          <a:stretch>
+            <a:fillRect/>
+          </a:stretch>
+        </p:blipFill>
+        <p:spPr>
+          <a:xfrm>
+            <a:off x="2552700" y="2377017"/>
+            <a:ext cx="7086600" cy="638175"/>
+          </a:xfrm>
+          <a:prstGeom prst="rect">
+            <a:avLst/>
+          </a:prstGeom>
+        </p:spPr>
+      </p:pic>
+      <p:sp>
+        <p:nvSpPr>
+          <p:cNvPr id="6" name="직사각형 5">
+            <a:extLst>
+              <a:ext uri="{FF2B5EF4-FFF2-40B4-BE49-F238E27FC236}">
+                <a16:creationId xmlns:a16="http://schemas.microsoft.com/office/drawing/2014/main" id="{AF6A8017-A519-4237-BE44-A9D92923FFA5}"/>
+              </a:ext>
+            </a:extLst>
+          </p:cNvPr>
+          <p:cNvSpPr/>
+          <p:nvPr/>
+        </p:nvSpPr>
+        <p:spPr>
+          <a:xfrm>
+            <a:off x="4631667" y="2555117"/>
+            <a:ext cx="1655845" cy="349923"/>
+          </a:xfrm>
+          <a:prstGeom prst="rect">
+            <a:avLst/>
+          </a:prstGeom>
+          <a:noFill/>
+          <a:ln>
+            <a:solidFill>
+              <a:srgbClr val="FF0000"/>
+            </a:solidFill>
+          </a:ln>
+        </p:spPr>
+        <p:style>
+          <a:lnRef idx="2">
+            <a:schemeClr val="accent1">
+              <a:shade val="50000"/>
+            </a:schemeClr>
+          </a:lnRef>
+          <a:fillRef idx="1">
+            <a:schemeClr val="accent1"/>
+          </a:fillRef>
+          <a:effectRef idx="0">
+            <a:schemeClr val="accent1"/>
+          </a:effectRef>
+          <a:fontRef idx="minor">
+            <a:schemeClr val="lt1"/>
+          </a:fontRef>
+        </p:style>
+        <p:txBody>
+          <a:bodyPr rtlCol="0" anchor="ctr"/>
+          <a:lstStyle/>
+          <a:p>
+            <a:pPr algn="ctr"/>
+            <a:endParaRPr lang="ko-KR" altLang="en-US"/>
+          </a:p>
+        </p:txBody>
+      </p:sp>
+      <p:sp>
+        <p:nvSpPr>
+          <p:cNvPr id="3" name="TextBox 2">
+            <a:extLst>
+              <a:ext uri="{FF2B5EF4-FFF2-40B4-BE49-F238E27FC236}">
+                <a16:creationId xmlns:a16="http://schemas.microsoft.com/office/drawing/2014/main" id="{D2397B7D-5408-4ECA-9CE2-02933E057AEF}"/>
+              </a:ext>
+            </a:extLst>
+          </p:cNvPr>
+          <p:cNvSpPr txBox="1"/>
+          <p:nvPr/>
+        </p:nvSpPr>
+        <p:spPr>
+          <a:xfrm>
+            <a:off x="5801989" y="3252998"/>
+            <a:ext cx="2031325" cy="369332"/>
+          </a:xfrm>
+          <a:prstGeom prst="rect">
+            <a:avLst/>
+          </a:prstGeom>
+          <a:noFill/>
+        </p:spPr>
+        <p:txBody>
+          <a:bodyPr wrap="none" rtlCol="0">
+            <a:spAutoFit/>
+          </a:bodyPr>
+          <a:lstStyle/>
+          <a:p>
+            <a:r>
+              <a:rPr lang="ko-KR" altLang="en-US" dirty="0"/>
+              <a:t>앞 세 원소로 </a:t>
+            </a:r>
+            <a:r>
+              <a:rPr lang="ko-KR" altLang="en-US" dirty="0" err="1"/>
+              <a:t>힙</a:t>
+            </a:r>
+            <a:r>
+              <a:rPr lang="ko-KR" altLang="en-US" dirty="0"/>
+              <a:t> 구성</a:t>
+            </a:r>
+          </a:p>
+        </p:txBody>
+      </p:sp>
+    </p:spTree>
+    <p:extLst>
+      <p:ext uri="{BB962C8B-B14F-4D97-AF65-F5344CB8AC3E}">
+        <p14:creationId xmlns:p14="http://schemas.microsoft.com/office/powerpoint/2010/main" val="501816521"/>
+      </p:ext>
+    </p:extLst>
+  </p:cSld>
+  <p:clrMapOvr>
+    <a:masterClrMapping/>
+  </p:clrMapOvr>
+</p:sld>
+</file>
+
+<file path=ppt/slides/slide28.xml><?xml version="1.0" encoding="utf-8"?>
+<p:sld xmlns:a="http://schemas.openxmlformats.org/drawingml/2006/main" xmlns:r="http://schemas.openxmlformats.org/officeDocument/2006/relationships" xmlns:p="http://schemas.openxmlformats.org/presentationml/2006/main">
+  <p:cSld>
+    <p:spTree>
+      <p:nvGrpSpPr>
+        <p:cNvPr id="1" name=""/>
+        <p:cNvGrpSpPr/>
+        <p:nvPr/>
+      </p:nvGrpSpPr>
+      <p:grpSpPr>
+        <a:xfrm>
+          <a:off x="0" y="0"/>
+          <a:ext cx="0" cy="0"/>
+          <a:chOff x="0" y="0"/>
+          <a:chExt cx="0" cy="0"/>
+        </a:xfrm>
+      </p:grpSpPr>
+      <p:pic>
+        <p:nvPicPr>
+          <p:cNvPr id="9" name="내용 개체 틀 8">
+            <a:extLst>
+              <a:ext uri="{FF2B5EF4-FFF2-40B4-BE49-F238E27FC236}">
+                <a16:creationId xmlns:a16="http://schemas.microsoft.com/office/drawing/2014/main" id="{A22155FA-1036-4F0A-9191-AD3253FCD8F9}"/>
+              </a:ext>
+            </a:extLst>
+          </p:cNvPr>
+          <p:cNvPicPr>
+            <a:picLocks noGrp="1" noChangeAspect="1"/>
+          </p:cNvPicPr>
+          <p:nvPr>
+            <p:ph idx="1"/>
+          </p:nvPr>
+        </p:nvPicPr>
+        <p:blipFill rotWithShape="1">
+          <a:blip r:embed="rId2"/>
+          <a:srcRect t="52633"/>
+          <a:stretch/>
+        </p:blipFill>
+        <p:spPr>
+          <a:xfrm>
+            <a:off x="2155372" y="4126937"/>
+            <a:ext cx="7881256" cy="2260297"/>
+          </a:xfrm>
+          <a:prstGeom prst="rect">
+            <a:avLst/>
+          </a:prstGeom>
+        </p:spPr>
+      </p:pic>
+      <p:sp>
+        <p:nvSpPr>
+          <p:cNvPr id="2" name="제목 1">
+            <a:extLst>
+              <a:ext uri="{FF2B5EF4-FFF2-40B4-BE49-F238E27FC236}">
+                <a16:creationId xmlns:a16="http://schemas.microsoft.com/office/drawing/2014/main" id="{A810EFC4-7C47-46ED-BF74-E2BB05728096}"/>
+              </a:ext>
+            </a:extLst>
+          </p:cNvPr>
+          <p:cNvSpPr>
+            <a:spLocks noGrp="1"/>
+          </p:cNvSpPr>
+          <p:nvPr>
+            <p:ph type="title"/>
+          </p:nvPr>
+        </p:nvSpPr>
+        <p:spPr/>
+        <p:txBody>
+          <a:bodyPr/>
+          <a:lstStyle/>
+          <a:p>
+            <a:r>
+              <a:rPr lang="en-US" altLang="ko-KR" dirty="0">
+                <a:latin typeface="Consolas" panose="020B0609020204030204" pitchFamily="49" charset="0"/>
+              </a:rPr>
+              <a:t>std::</a:t>
+            </a:r>
+            <a:r>
+              <a:rPr lang="en-US" altLang="ko-KR" dirty="0" err="1">
+                <a:latin typeface="Consolas" panose="020B0609020204030204" pitchFamily="49" charset="0"/>
+              </a:rPr>
+              <a:t>partial_sort</a:t>
+            </a:r>
+            <a:r>
+              <a:rPr lang="en-US" altLang="ko-KR" dirty="0">
+                <a:latin typeface="Consolas" panose="020B0609020204030204" pitchFamily="49" charset="0"/>
+              </a:rPr>
+              <a:t> </a:t>
+            </a:r>
+            <a:r>
+              <a:rPr lang="ko-KR" altLang="en-US" dirty="0">
+                <a:latin typeface="Consolas" panose="020B0609020204030204" pitchFamily="49" charset="0"/>
+              </a:rPr>
+              <a:t>구현</a:t>
+            </a:r>
+          </a:p>
+        </p:txBody>
+      </p:sp>
+      <p:sp>
+        <p:nvSpPr>
+          <p:cNvPr id="7" name="직사각형 6">
+            <a:extLst>
+              <a:ext uri="{FF2B5EF4-FFF2-40B4-BE49-F238E27FC236}">
+                <a16:creationId xmlns:a16="http://schemas.microsoft.com/office/drawing/2014/main" id="{FF9785F8-CBC9-4762-A0D5-AEF0AF755E91}"/>
+              </a:ext>
+            </a:extLst>
+          </p:cNvPr>
+          <p:cNvSpPr/>
+          <p:nvPr/>
+        </p:nvSpPr>
+        <p:spPr>
+          <a:xfrm>
+            <a:off x="2472442" y="4598101"/>
+            <a:ext cx="7488854" cy="1203887"/>
+          </a:xfrm>
+          <a:prstGeom prst="rect">
+            <a:avLst/>
+          </a:prstGeom>
+          <a:noFill/>
+          <a:ln>
+            <a:solidFill>
+              <a:srgbClr val="FF0000"/>
+            </a:solidFill>
+          </a:ln>
+        </p:spPr>
+        <p:style>
+          <a:lnRef idx="2">
+            <a:schemeClr val="accent1">
+              <a:shade val="50000"/>
+            </a:schemeClr>
+          </a:lnRef>
+          <a:fillRef idx="1">
+            <a:schemeClr val="accent1"/>
+          </a:fillRef>
+          <a:effectRef idx="0">
+            <a:schemeClr val="accent1"/>
+          </a:effectRef>
+          <a:fontRef idx="minor">
+            <a:schemeClr val="lt1"/>
+          </a:fontRef>
+        </p:style>
+        <p:txBody>
+          <a:bodyPr rtlCol="0" anchor="ctr"/>
+          <a:lstStyle/>
+          <a:p>
+            <a:pPr algn="ctr"/>
+            <a:endParaRPr lang="ko-KR" altLang="en-US"/>
+          </a:p>
+        </p:txBody>
+      </p:sp>
+      <p:pic>
+        <p:nvPicPr>
+          <p:cNvPr id="10" name="그림 9">
+            <a:extLst>
+              <a:ext uri="{FF2B5EF4-FFF2-40B4-BE49-F238E27FC236}">
+                <a16:creationId xmlns:a16="http://schemas.microsoft.com/office/drawing/2014/main" id="{136AC34B-8B6B-4D02-8878-D1CD1B69E71A}"/>
+              </a:ext>
+            </a:extLst>
+          </p:cNvPr>
+          <p:cNvPicPr>
+            <a:picLocks noChangeAspect="1"/>
+          </p:cNvPicPr>
+          <p:nvPr/>
+        </p:nvPicPr>
+        <p:blipFill>
+          <a:blip r:embed="rId3"/>
+          <a:stretch>
+            <a:fillRect/>
+          </a:stretch>
+        </p:blipFill>
+        <p:spPr>
+          <a:xfrm>
+            <a:off x="2552700" y="2377017"/>
+            <a:ext cx="7086600" cy="638175"/>
+          </a:xfrm>
+          <a:prstGeom prst="rect">
+            <a:avLst/>
+          </a:prstGeom>
+        </p:spPr>
+      </p:pic>
+      <p:sp>
+        <p:nvSpPr>
+          <p:cNvPr id="6" name="직사각형 5">
+            <a:extLst>
+              <a:ext uri="{FF2B5EF4-FFF2-40B4-BE49-F238E27FC236}">
+                <a16:creationId xmlns:a16="http://schemas.microsoft.com/office/drawing/2014/main" id="{AF6A8017-A519-4237-BE44-A9D92923FFA5}"/>
+              </a:ext>
+            </a:extLst>
+          </p:cNvPr>
+          <p:cNvSpPr/>
+          <p:nvPr/>
+        </p:nvSpPr>
+        <p:spPr>
+          <a:xfrm>
+            <a:off x="4631667" y="2555117"/>
+            <a:ext cx="1655845" cy="349923"/>
+          </a:xfrm>
+          <a:prstGeom prst="rect">
+            <a:avLst/>
+          </a:prstGeom>
+          <a:noFill/>
+          <a:ln>
+            <a:solidFill>
+              <a:srgbClr val="FF0000"/>
+            </a:solidFill>
+          </a:ln>
+        </p:spPr>
+        <p:style>
+          <a:lnRef idx="2">
+            <a:schemeClr val="accent1">
+              <a:shade val="50000"/>
+            </a:schemeClr>
+          </a:lnRef>
+          <a:fillRef idx="1">
+            <a:schemeClr val="accent1"/>
+          </a:fillRef>
+          <a:effectRef idx="0">
+            <a:schemeClr val="accent1"/>
+          </a:effectRef>
+          <a:fontRef idx="minor">
+            <a:schemeClr val="lt1"/>
+          </a:fontRef>
+        </p:style>
+        <p:txBody>
+          <a:bodyPr rtlCol="0" anchor="ctr"/>
+          <a:lstStyle/>
+          <a:p>
+            <a:pPr algn="ctr"/>
+            <a:endParaRPr lang="ko-KR" altLang="en-US"/>
+          </a:p>
+        </p:txBody>
+      </p:sp>
+      <p:sp>
+        <p:nvSpPr>
+          <p:cNvPr id="3" name="TextBox 2">
+            <a:extLst>
+              <a:ext uri="{FF2B5EF4-FFF2-40B4-BE49-F238E27FC236}">
+                <a16:creationId xmlns:a16="http://schemas.microsoft.com/office/drawing/2014/main" id="{D2397B7D-5408-4ECA-9CE2-02933E057AEF}"/>
+              </a:ext>
+            </a:extLst>
+          </p:cNvPr>
+          <p:cNvSpPr txBox="1"/>
+          <p:nvPr/>
+        </p:nvSpPr>
+        <p:spPr>
+          <a:xfrm>
+            <a:off x="5801989" y="3252998"/>
+            <a:ext cx="3451586" cy="646331"/>
+          </a:xfrm>
+          <a:prstGeom prst="rect">
+            <a:avLst/>
+          </a:prstGeom>
+          <a:noFill/>
+        </p:spPr>
+        <p:txBody>
+          <a:bodyPr wrap="none" rtlCol="0">
+            <a:spAutoFit/>
+          </a:bodyPr>
+          <a:lstStyle/>
+          <a:p>
+            <a:r>
+              <a:rPr lang="ko-KR" altLang="en-US" dirty="0" err="1"/>
+              <a:t>힙에</a:t>
+            </a:r>
+            <a:r>
+              <a:rPr lang="ko-KR" altLang="en-US" dirty="0"/>
+              <a:t> 뒤 원소들을 하나씩 넣으며 </a:t>
+            </a:r>
+            <a:br>
+              <a:rPr lang="en-US" altLang="ko-KR" dirty="0"/>
+            </a:br>
+            <a:r>
+              <a:rPr lang="en-US" altLang="ko-KR" dirty="0"/>
+              <a:t>"</a:t>
+            </a:r>
+            <a:r>
+              <a:rPr lang="ko-KR" altLang="en-US" dirty="0"/>
+              <a:t>가장 작은 원소들로 구성된 </a:t>
+            </a:r>
+            <a:r>
+              <a:rPr lang="ko-KR" altLang="en-US" dirty="0" err="1"/>
+              <a:t>힙</a:t>
+            </a:r>
+            <a:r>
+              <a:rPr lang="en-US" altLang="ko-KR" dirty="0"/>
+              <a:t>" </a:t>
+            </a:r>
+            <a:r>
+              <a:rPr lang="ko-KR" altLang="en-US" dirty="0"/>
+              <a:t>만듦</a:t>
+            </a:r>
+          </a:p>
+        </p:txBody>
+      </p:sp>
+      <p:sp>
+        <p:nvSpPr>
+          <p:cNvPr id="4" name="화살표: U자형 3">
+            <a:extLst>
+              <a:ext uri="{FF2B5EF4-FFF2-40B4-BE49-F238E27FC236}">
+                <a16:creationId xmlns:a16="http://schemas.microsoft.com/office/drawing/2014/main" id="{BCF8EF8D-44C5-48E7-8D75-386BBEC32CE5}"/>
+              </a:ext>
+            </a:extLst>
+          </p:cNvPr>
+          <p:cNvSpPr/>
+          <p:nvPr/>
+        </p:nvSpPr>
+        <p:spPr>
+          <a:xfrm flipH="1">
+            <a:off x="5699490" y="1738842"/>
+            <a:ext cx="793020" cy="638175"/>
+          </a:xfrm>
+          <a:prstGeom prst="uturnArrow">
+            <a:avLst/>
+          </a:prstGeom>
+        </p:spPr>
+        <p:style>
+          <a:lnRef idx="2">
+            <a:schemeClr val="accent1">
+              <a:shade val="50000"/>
+            </a:schemeClr>
+          </a:lnRef>
+          <a:fillRef idx="1">
+            <a:schemeClr val="accent1"/>
+          </a:fillRef>
+          <a:effectRef idx="0">
+            <a:schemeClr val="accent1"/>
+          </a:effectRef>
+          <a:fontRef idx="minor">
+            <a:schemeClr val="lt1"/>
+          </a:fontRef>
+        </p:style>
+        <p:txBody>
+          <a:bodyPr rtlCol="0" anchor="ctr"/>
+          <a:lstStyle/>
+          <a:p>
+            <a:pPr algn="ctr"/>
+            <a:endParaRPr lang="ko-KR" altLang="en-US">
+              <a:solidFill>
+                <a:schemeClr val="tx1"/>
+              </a:solidFill>
+            </a:endParaRPr>
+          </a:p>
+        </p:txBody>
+      </p:sp>
+      <p:sp>
+        <p:nvSpPr>
+          <p:cNvPr id="11" name="화살표: U자형 10">
+            <a:extLst>
+              <a:ext uri="{FF2B5EF4-FFF2-40B4-BE49-F238E27FC236}">
+                <a16:creationId xmlns:a16="http://schemas.microsoft.com/office/drawing/2014/main" id="{8159C263-053D-428A-B1B7-7803693AE8E4}"/>
+              </a:ext>
+            </a:extLst>
+          </p:cNvPr>
+          <p:cNvSpPr/>
+          <p:nvPr/>
+        </p:nvSpPr>
+        <p:spPr>
+          <a:xfrm flipH="1">
+            <a:off x="5243639" y="1440383"/>
+            <a:ext cx="1742487" cy="936634"/>
+          </a:xfrm>
+          <a:prstGeom prst="uturnArrow">
+            <a:avLst>
+              <a:gd name="adj1" fmla="val 16361"/>
+              <a:gd name="adj2" fmla="val 25000"/>
+              <a:gd name="adj3" fmla="val 25864"/>
+              <a:gd name="adj4" fmla="val 43750"/>
+              <a:gd name="adj5" fmla="val 75000"/>
+            </a:avLst>
+          </a:prstGeom>
+        </p:spPr>
+        <p:style>
+          <a:lnRef idx="2">
+            <a:schemeClr val="accent1">
+              <a:shade val="50000"/>
+            </a:schemeClr>
+          </a:lnRef>
+          <a:fillRef idx="1">
+            <a:schemeClr val="accent1"/>
+          </a:fillRef>
+          <a:effectRef idx="0">
+            <a:schemeClr val="accent1"/>
+          </a:effectRef>
+          <a:fontRef idx="minor">
+            <a:schemeClr val="lt1"/>
+          </a:fontRef>
+        </p:style>
+        <p:txBody>
+          <a:bodyPr rtlCol="0" anchor="ctr"/>
+          <a:lstStyle/>
+          <a:p>
+            <a:pPr algn="ctr"/>
+            <a:endParaRPr lang="ko-KR" altLang="en-US">
+              <a:solidFill>
+                <a:schemeClr val="tx1"/>
+              </a:solidFill>
+            </a:endParaRPr>
+          </a:p>
+        </p:txBody>
+      </p:sp>
+      <p:sp>
+        <p:nvSpPr>
+          <p:cNvPr id="5" name="TextBox 4">
+            <a:extLst>
+              <a:ext uri="{FF2B5EF4-FFF2-40B4-BE49-F238E27FC236}">
+                <a16:creationId xmlns:a16="http://schemas.microsoft.com/office/drawing/2014/main" id="{471BF906-9398-4633-ACDE-8A518B92300F}"/>
+              </a:ext>
+            </a:extLst>
+          </p:cNvPr>
+          <p:cNvSpPr txBox="1"/>
+          <p:nvPr/>
+        </p:nvSpPr>
+        <p:spPr>
+          <a:xfrm>
+            <a:off x="7129083" y="1724034"/>
+            <a:ext cx="460382" cy="369332"/>
+          </a:xfrm>
+          <a:prstGeom prst="rect">
+            <a:avLst/>
+          </a:prstGeom>
+          <a:noFill/>
+        </p:spPr>
+        <p:txBody>
+          <a:bodyPr wrap="none" rtlCol="0">
+            <a:spAutoFit/>
+          </a:bodyPr>
+          <a:lstStyle/>
+          <a:p>
+            <a:r>
+              <a:rPr lang="en-US" altLang="ko-KR" dirty="0"/>
+              <a:t>....</a:t>
+            </a:r>
+            <a:endParaRPr lang="ko-KR" altLang="en-US" dirty="0"/>
+          </a:p>
+        </p:txBody>
+      </p:sp>
+    </p:spTree>
+    <p:extLst>
+      <p:ext uri="{BB962C8B-B14F-4D97-AF65-F5344CB8AC3E}">
+        <p14:creationId xmlns:p14="http://schemas.microsoft.com/office/powerpoint/2010/main" val="3438232235"/>
+      </p:ext>
+    </p:extLst>
+  </p:cSld>
+  <p:clrMapOvr>
+    <a:masterClrMapping/>
+  </p:clrMapOvr>
+</p:sld>
+</file>
+
+<file path=ppt/slides/slide29.xml><?xml version="1.0" encoding="utf-8"?>
+<p:sld xmlns:a="http://schemas.openxmlformats.org/drawingml/2006/main" xmlns:r="http://schemas.openxmlformats.org/officeDocument/2006/relationships" xmlns:p="http://schemas.openxmlformats.org/presentationml/2006/main">
+  <p:cSld>
+    <p:spTree>
+      <p:nvGrpSpPr>
+        <p:cNvPr id="1" name=""/>
+        <p:cNvGrpSpPr/>
+        <p:nvPr/>
+      </p:nvGrpSpPr>
+      <p:grpSpPr>
+        <a:xfrm>
+          <a:off x="0" y="0"/>
+          <a:ext cx="0" cy="0"/>
+          <a:chOff x="0" y="0"/>
+          <a:chExt cx="0" cy="0"/>
+        </a:xfrm>
+      </p:grpSpPr>
+      <p:pic>
+        <p:nvPicPr>
+          <p:cNvPr id="8" name="그림 7">
+            <a:extLst>
+              <a:ext uri="{FF2B5EF4-FFF2-40B4-BE49-F238E27FC236}">
+                <a16:creationId xmlns:a16="http://schemas.microsoft.com/office/drawing/2014/main" id="{74D490DA-764A-42ED-957F-8253280FA2D0}"/>
+              </a:ext>
+            </a:extLst>
+          </p:cNvPr>
+          <p:cNvPicPr>
+            <a:picLocks noChangeAspect="1"/>
+          </p:cNvPicPr>
+          <p:nvPr/>
+        </p:nvPicPr>
+        <p:blipFill>
+          <a:blip r:embed="rId2"/>
+          <a:stretch>
+            <a:fillRect/>
+          </a:stretch>
+        </p:blipFill>
+        <p:spPr>
+          <a:xfrm>
+            <a:off x="2559215" y="2425171"/>
+            <a:ext cx="6485547" cy="560172"/>
+          </a:xfrm>
+          <a:prstGeom prst="rect">
+            <a:avLst/>
+          </a:prstGeom>
+        </p:spPr>
+      </p:pic>
+      <p:pic>
+        <p:nvPicPr>
+          <p:cNvPr id="9" name="내용 개체 틀 8">
+            <a:extLst>
+              <a:ext uri="{FF2B5EF4-FFF2-40B4-BE49-F238E27FC236}">
+                <a16:creationId xmlns:a16="http://schemas.microsoft.com/office/drawing/2014/main" id="{A22155FA-1036-4F0A-9191-AD3253FCD8F9}"/>
+              </a:ext>
+            </a:extLst>
+          </p:cNvPr>
+          <p:cNvPicPr>
+            <a:picLocks noGrp="1" noChangeAspect="1"/>
+          </p:cNvPicPr>
+          <p:nvPr>
+            <p:ph idx="1"/>
+          </p:nvPr>
+        </p:nvPicPr>
+        <p:blipFill rotWithShape="1">
+          <a:blip r:embed="rId3"/>
+          <a:srcRect t="52633"/>
+          <a:stretch/>
+        </p:blipFill>
+        <p:spPr>
+          <a:xfrm>
+            <a:off x="2155372" y="4126937"/>
+            <a:ext cx="7881256" cy="2260297"/>
+          </a:xfrm>
+          <a:prstGeom prst="rect">
+            <a:avLst/>
+          </a:prstGeom>
+        </p:spPr>
+      </p:pic>
+      <p:sp>
+        <p:nvSpPr>
+          <p:cNvPr id="2" name="제목 1">
+            <a:extLst>
+              <a:ext uri="{FF2B5EF4-FFF2-40B4-BE49-F238E27FC236}">
+                <a16:creationId xmlns:a16="http://schemas.microsoft.com/office/drawing/2014/main" id="{A810EFC4-7C47-46ED-BF74-E2BB05728096}"/>
+              </a:ext>
+            </a:extLst>
+          </p:cNvPr>
+          <p:cNvSpPr>
+            <a:spLocks noGrp="1"/>
+          </p:cNvSpPr>
+          <p:nvPr>
+            <p:ph type="title"/>
+          </p:nvPr>
+        </p:nvSpPr>
+        <p:spPr/>
+        <p:txBody>
+          <a:bodyPr/>
+          <a:lstStyle/>
+          <a:p>
+            <a:r>
+              <a:rPr lang="en-US" altLang="ko-KR" dirty="0">
+                <a:latin typeface="Consolas" panose="020B0609020204030204" pitchFamily="49" charset="0"/>
+              </a:rPr>
+              <a:t>std::</a:t>
+            </a:r>
+            <a:r>
+              <a:rPr lang="en-US" altLang="ko-KR" dirty="0" err="1">
+                <a:latin typeface="Consolas" panose="020B0609020204030204" pitchFamily="49" charset="0"/>
+              </a:rPr>
+              <a:t>partial_sort</a:t>
+            </a:r>
+            <a:r>
+              <a:rPr lang="en-US" altLang="ko-KR" dirty="0">
+                <a:latin typeface="Consolas" panose="020B0609020204030204" pitchFamily="49" charset="0"/>
+              </a:rPr>
+              <a:t> </a:t>
+            </a:r>
+            <a:r>
+              <a:rPr lang="ko-KR" altLang="en-US" dirty="0">
+                <a:latin typeface="Consolas" panose="020B0609020204030204" pitchFamily="49" charset="0"/>
+              </a:rPr>
+              <a:t>구현</a:t>
+            </a:r>
+          </a:p>
+        </p:txBody>
+      </p:sp>
+      <p:sp>
+        <p:nvSpPr>
+          <p:cNvPr id="7" name="직사각형 6">
+            <a:extLst>
+              <a:ext uri="{FF2B5EF4-FFF2-40B4-BE49-F238E27FC236}">
+                <a16:creationId xmlns:a16="http://schemas.microsoft.com/office/drawing/2014/main" id="{FF9785F8-CBC9-4762-A0D5-AEF0AF755E91}"/>
+              </a:ext>
+            </a:extLst>
+          </p:cNvPr>
+          <p:cNvSpPr/>
+          <p:nvPr/>
+        </p:nvSpPr>
+        <p:spPr>
+          <a:xfrm>
+            <a:off x="2472442" y="5931461"/>
+            <a:ext cx="4672825" cy="299405"/>
+          </a:xfrm>
+          <a:prstGeom prst="rect">
+            <a:avLst/>
+          </a:prstGeom>
+          <a:noFill/>
+          <a:ln>
+            <a:solidFill>
+              <a:srgbClr val="FF0000"/>
+            </a:solidFill>
+          </a:ln>
+        </p:spPr>
+        <p:style>
+          <a:lnRef idx="2">
+            <a:schemeClr val="accent1">
+              <a:shade val="50000"/>
+            </a:schemeClr>
+          </a:lnRef>
+          <a:fillRef idx="1">
+            <a:schemeClr val="accent1"/>
+          </a:fillRef>
+          <a:effectRef idx="0">
+            <a:schemeClr val="accent1"/>
+          </a:effectRef>
+          <a:fontRef idx="minor">
+            <a:schemeClr val="lt1"/>
+          </a:fontRef>
+        </p:style>
+        <p:txBody>
+          <a:bodyPr rtlCol="0" anchor="ctr"/>
+          <a:lstStyle/>
+          <a:p>
+            <a:pPr algn="ctr"/>
+            <a:endParaRPr lang="ko-KR" altLang="en-US"/>
+          </a:p>
+        </p:txBody>
+      </p:sp>
+      <p:sp>
+        <p:nvSpPr>
+          <p:cNvPr id="6" name="직사각형 5">
+            <a:extLst>
+              <a:ext uri="{FF2B5EF4-FFF2-40B4-BE49-F238E27FC236}">
+                <a16:creationId xmlns:a16="http://schemas.microsoft.com/office/drawing/2014/main" id="{AF6A8017-A519-4237-BE44-A9D92923FFA5}"/>
+              </a:ext>
+            </a:extLst>
+          </p:cNvPr>
+          <p:cNvSpPr/>
+          <p:nvPr/>
+        </p:nvSpPr>
+        <p:spPr>
+          <a:xfrm>
+            <a:off x="4631667" y="2555117"/>
+            <a:ext cx="1364531" cy="349924"/>
+          </a:xfrm>
+          <a:prstGeom prst="rect">
+            <a:avLst/>
+          </a:prstGeom>
+          <a:noFill/>
+          <a:ln>
+            <a:solidFill>
+              <a:srgbClr val="FF0000"/>
+            </a:solidFill>
+          </a:ln>
+        </p:spPr>
+        <p:style>
+          <a:lnRef idx="2">
+            <a:schemeClr val="accent1">
+              <a:shade val="50000"/>
+            </a:schemeClr>
+          </a:lnRef>
+          <a:fillRef idx="1">
+            <a:schemeClr val="accent1"/>
+          </a:fillRef>
+          <a:effectRef idx="0">
+            <a:schemeClr val="accent1"/>
+          </a:effectRef>
+          <a:fontRef idx="minor">
+            <a:schemeClr val="lt1"/>
+          </a:fontRef>
+        </p:style>
+        <p:txBody>
+          <a:bodyPr rtlCol="0" anchor="ctr"/>
+          <a:lstStyle/>
+          <a:p>
+            <a:pPr algn="ctr"/>
+            <a:endParaRPr lang="ko-KR" altLang="en-US"/>
+          </a:p>
+        </p:txBody>
+      </p:sp>
+      <p:sp>
+        <p:nvSpPr>
+          <p:cNvPr id="3" name="TextBox 2">
+            <a:extLst>
+              <a:ext uri="{FF2B5EF4-FFF2-40B4-BE49-F238E27FC236}">
+                <a16:creationId xmlns:a16="http://schemas.microsoft.com/office/drawing/2014/main" id="{D2397B7D-5408-4ECA-9CE2-02933E057AEF}"/>
+              </a:ext>
+            </a:extLst>
+          </p:cNvPr>
+          <p:cNvSpPr txBox="1"/>
+          <p:nvPr/>
+        </p:nvSpPr>
+        <p:spPr>
+          <a:xfrm>
+            <a:off x="5801989" y="3252998"/>
+            <a:ext cx="2441694" cy="646331"/>
+          </a:xfrm>
+          <a:prstGeom prst="rect">
+            <a:avLst/>
+          </a:prstGeom>
+          <a:noFill/>
+        </p:spPr>
+        <p:txBody>
+          <a:bodyPr wrap="none" rtlCol="0">
+            <a:spAutoFit/>
+          </a:bodyPr>
+          <a:lstStyle/>
+          <a:p>
+            <a:r>
+              <a:rPr lang="ko-KR" altLang="en-US" dirty="0"/>
+              <a:t>완성된 </a:t>
+            </a:r>
+            <a:r>
+              <a:rPr lang="ko-KR" altLang="en-US" dirty="0" err="1"/>
+              <a:t>힙에서</a:t>
+            </a:r>
+            <a:r>
+              <a:rPr lang="ko-KR" altLang="en-US" dirty="0"/>
+              <a:t> </a:t>
+            </a:r>
+            <a:r>
+              <a:rPr lang="ko-KR" altLang="en-US" dirty="0" err="1"/>
+              <a:t>힙소트로</a:t>
+            </a:r>
+            <a:r>
+              <a:rPr lang="ko-KR" altLang="en-US" dirty="0"/>
+              <a:t> </a:t>
+            </a:r>
+            <a:br>
+              <a:rPr lang="en-US" altLang="ko-KR" dirty="0"/>
+            </a:br>
+            <a:r>
+              <a:rPr lang="ko-KR" altLang="en-US" dirty="0"/>
+              <a:t>모든 원소 순서대로 추출</a:t>
+            </a:r>
+          </a:p>
+        </p:txBody>
+      </p:sp>
+    </p:spTree>
+    <p:extLst>
+      <p:ext uri="{BB962C8B-B14F-4D97-AF65-F5344CB8AC3E}">
+        <p14:creationId xmlns:p14="http://schemas.microsoft.com/office/powerpoint/2010/main" val="2027656506"/>
       </p:ext>
     </p:extLst>
   </p:cSld>
@@ -6487,6 +8660,2441 @@
 </p:sld>
 </file>
 
+<file path=ppt/slides/slide30.xml><?xml version="1.0" encoding="utf-8"?>
+<p:sld xmlns:a="http://schemas.openxmlformats.org/drawingml/2006/main" xmlns:r="http://schemas.openxmlformats.org/officeDocument/2006/relationships" xmlns:p="http://schemas.openxmlformats.org/presentationml/2006/main">
+  <p:cSld>
+    <p:spTree>
+      <p:nvGrpSpPr>
+        <p:cNvPr id="1" name=""/>
+        <p:cNvGrpSpPr/>
+        <p:nvPr/>
+      </p:nvGrpSpPr>
+      <p:grpSpPr>
+        <a:xfrm>
+          <a:off x="0" y="0"/>
+          <a:ext cx="0" cy="0"/>
+          <a:chOff x="0" y="0"/>
+          <a:chExt cx="0" cy="0"/>
+        </a:xfrm>
+      </p:grpSpPr>
+      <p:sp>
+        <p:nvSpPr>
+          <p:cNvPr id="2" name="제목 1">
+            <a:extLst>
+              <a:ext uri="{FF2B5EF4-FFF2-40B4-BE49-F238E27FC236}">
+                <a16:creationId xmlns:a16="http://schemas.microsoft.com/office/drawing/2014/main" id="{10646760-DD6C-49A8-AB88-6BB26C7C77C3}"/>
+              </a:ext>
+            </a:extLst>
+          </p:cNvPr>
+          <p:cNvSpPr>
+            <a:spLocks noGrp="1"/>
+          </p:cNvSpPr>
+          <p:nvPr>
+            <p:ph type="title"/>
+          </p:nvPr>
+        </p:nvSpPr>
+        <p:spPr/>
+        <p:txBody>
+          <a:bodyPr/>
+          <a:lstStyle/>
+          <a:p>
+            <a:r>
+              <a:rPr lang="en-US" altLang="ko-KR" dirty="0">
+                <a:latin typeface="Consolas" panose="020B0609020204030204" pitchFamily="49" charset="0"/>
+              </a:rPr>
+              <a:t>std::</a:t>
+            </a:r>
+            <a:r>
+              <a:rPr lang="en-US" altLang="ko-KR" dirty="0" err="1">
+                <a:latin typeface="Consolas" panose="020B0609020204030204" pitchFamily="49" charset="0"/>
+              </a:rPr>
+              <a:t>partial_sort_copy</a:t>
+            </a:r>
+            <a:endParaRPr lang="ko-KR" altLang="en-US" dirty="0">
+              <a:latin typeface="Consolas" panose="020B0609020204030204" pitchFamily="49" charset="0"/>
+            </a:endParaRPr>
+          </a:p>
+        </p:txBody>
+      </p:sp>
+      <p:sp>
+        <p:nvSpPr>
+          <p:cNvPr id="3" name="텍스트 개체 틀 2">
+            <a:extLst>
+              <a:ext uri="{FF2B5EF4-FFF2-40B4-BE49-F238E27FC236}">
+                <a16:creationId xmlns:a16="http://schemas.microsoft.com/office/drawing/2014/main" id="{DECBA3C5-7D54-45EE-AA9B-57D49A625C38}"/>
+              </a:ext>
+            </a:extLst>
+          </p:cNvPr>
+          <p:cNvSpPr>
+            <a:spLocks noGrp="1"/>
+          </p:cNvSpPr>
+          <p:nvPr>
+            <p:ph type="body" idx="1"/>
+          </p:nvPr>
+        </p:nvSpPr>
+        <p:spPr/>
+        <p:txBody>
+          <a:bodyPr/>
+          <a:lstStyle/>
+          <a:p>
+            <a:endParaRPr lang="ko-KR" altLang="en-US"/>
+          </a:p>
+        </p:txBody>
+      </p:sp>
+    </p:spTree>
+    <p:extLst>
+      <p:ext uri="{BB962C8B-B14F-4D97-AF65-F5344CB8AC3E}">
+        <p14:creationId xmlns:p14="http://schemas.microsoft.com/office/powerpoint/2010/main" val="1177318092"/>
+      </p:ext>
+    </p:extLst>
+  </p:cSld>
+  <p:clrMapOvr>
+    <a:masterClrMapping/>
+  </p:clrMapOvr>
+</p:sld>
+</file>
+
+<file path=ppt/slides/slide31.xml><?xml version="1.0" encoding="utf-8"?>
+<p:sld xmlns:a="http://schemas.openxmlformats.org/drawingml/2006/main" xmlns:r="http://schemas.openxmlformats.org/officeDocument/2006/relationships" xmlns:p="http://schemas.openxmlformats.org/presentationml/2006/main">
+  <p:cSld>
+    <p:spTree>
+      <p:nvGrpSpPr>
+        <p:cNvPr id="1" name=""/>
+        <p:cNvGrpSpPr/>
+        <p:nvPr/>
+      </p:nvGrpSpPr>
+      <p:grpSpPr>
+        <a:xfrm>
+          <a:off x="0" y="0"/>
+          <a:ext cx="0" cy="0"/>
+          <a:chOff x="0" y="0"/>
+          <a:chExt cx="0" cy="0"/>
+        </a:xfrm>
+      </p:grpSpPr>
+      <p:sp>
+        <p:nvSpPr>
+          <p:cNvPr id="2" name="제목 1">
+            <a:extLst>
+              <a:ext uri="{FF2B5EF4-FFF2-40B4-BE49-F238E27FC236}">
+                <a16:creationId xmlns:a16="http://schemas.microsoft.com/office/drawing/2014/main" id="{A810EFC4-7C47-46ED-BF74-E2BB05728096}"/>
+              </a:ext>
+            </a:extLst>
+          </p:cNvPr>
+          <p:cNvSpPr>
+            <a:spLocks noGrp="1"/>
+          </p:cNvSpPr>
+          <p:nvPr>
+            <p:ph type="title"/>
+          </p:nvPr>
+        </p:nvSpPr>
+        <p:spPr/>
+        <p:txBody>
+          <a:bodyPr/>
+          <a:lstStyle/>
+          <a:p>
+            <a:r>
+              <a:rPr lang="en-US" altLang="ko-KR" dirty="0">
+                <a:latin typeface="Consolas" panose="020B0609020204030204" pitchFamily="49" charset="0"/>
+              </a:rPr>
+              <a:t>std::</a:t>
+            </a:r>
+            <a:r>
+              <a:rPr lang="en-US" altLang="ko-KR" dirty="0" err="1">
+                <a:latin typeface="Consolas" panose="020B0609020204030204" pitchFamily="49" charset="0"/>
+              </a:rPr>
+              <a:t>partial_sort_copy</a:t>
+            </a:r>
+            <a:endParaRPr lang="ko-KR" altLang="en-US" dirty="0">
+              <a:latin typeface="Consolas" panose="020B0609020204030204" pitchFamily="49" charset="0"/>
+            </a:endParaRPr>
+          </a:p>
+        </p:txBody>
+      </p:sp>
+      <p:pic>
+        <p:nvPicPr>
+          <p:cNvPr id="8" name="내용 개체 틀 7">
+            <a:extLst>
+              <a:ext uri="{FF2B5EF4-FFF2-40B4-BE49-F238E27FC236}">
+                <a16:creationId xmlns:a16="http://schemas.microsoft.com/office/drawing/2014/main" id="{55FBFC2D-DEE2-436A-BD54-59AF1AAAEFC3}"/>
+              </a:ext>
+            </a:extLst>
+          </p:cNvPr>
+          <p:cNvPicPr>
+            <a:picLocks noGrp="1" noChangeAspect="1"/>
+          </p:cNvPicPr>
+          <p:nvPr>
+            <p:ph idx="1"/>
+          </p:nvPr>
+        </p:nvPicPr>
+        <p:blipFill>
+          <a:blip r:embed="rId2"/>
+          <a:stretch>
+            <a:fillRect/>
+          </a:stretch>
+        </p:blipFill>
+        <p:spPr>
+          <a:xfrm>
+            <a:off x="1166323" y="1753092"/>
+            <a:ext cx="9859354" cy="1272980"/>
+          </a:xfrm>
+          <a:prstGeom prst="rect">
+            <a:avLst/>
+          </a:prstGeom>
+        </p:spPr>
+      </p:pic>
+      <p:pic>
+        <p:nvPicPr>
+          <p:cNvPr id="6" name="그림 5">
+            <a:extLst>
+              <a:ext uri="{FF2B5EF4-FFF2-40B4-BE49-F238E27FC236}">
+                <a16:creationId xmlns:a16="http://schemas.microsoft.com/office/drawing/2014/main" id="{A9B630EF-861C-4A0D-886B-A04E5606BCAE}"/>
+              </a:ext>
+            </a:extLst>
+          </p:cNvPr>
+          <p:cNvPicPr>
+            <a:picLocks noChangeAspect="1"/>
+          </p:cNvPicPr>
+          <p:nvPr/>
+        </p:nvPicPr>
+        <p:blipFill>
+          <a:blip r:embed="rId3"/>
+          <a:stretch>
+            <a:fillRect/>
+          </a:stretch>
+        </p:blipFill>
+        <p:spPr>
+          <a:xfrm>
+            <a:off x="1176235" y="3927315"/>
+            <a:ext cx="9839530" cy="1226874"/>
+          </a:xfrm>
+          <a:prstGeom prst="rect">
+            <a:avLst/>
+          </a:prstGeom>
+        </p:spPr>
+      </p:pic>
+    </p:spTree>
+    <p:extLst>
+      <p:ext uri="{BB962C8B-B14F-4D97-AF65-F5344CB8AC3E}">
+        <p14:creationId xmlns:p14="http://schemas.microsoft.com/office/powerpoint/2010/main" val="791532893"/>
+      </p:ext>
+    </p:extLst>
+  </p:cSld>
+  <p:clrMapOvr>
+    <a:masterClrMapping/>
+  </p:clrMapOvr>
+</p:sld>
+</file>
+
+<file path=ppt/slides/slide32.xml><?xml version="1.0" encoding="utf-8"?>
+<p:sld xmlns:a="http://schemas.openxmlformats.org/drawingml/2006/main" xmlns:r="http://schemas.openxmlformats.org/officeDocument/2006/relationships" xmlns:p="http://schemas.openxmlformats.org/presentationml/2006/main">
+  <p:cSld>
+    <p:spTree>
+      <p:nvGrpSpPr>
+        <p:cNvPr id="1" name=""/>
+        <p:cNvGrpSpPr/>
+        <p:nvPr/>
+      </p:nvGrpSpPr>
+      <p:grpSpPr>
+        <a:xfrm>
+          <a:off x="0" y="0"/>
+          <a:ext cx="0" cy="0"/>
+          <a:chOff x="0" y="0"/>
+          <a:chExt cx="0" cy="0"/>
+        </a:xfrm>
+      </p:grpSpPr>
+      <p:sp>
+        <p:nvSpPr>
+          <p:cNvPr id="2" name="제목 1">
+            <a:extLst>
+              <a:ext uri="{FF2B5EF4-FFF2-40B4-BE49-F238E27FC236}">
+                <a16:creationId xmlns:a16="http://schemas.microsoft.com/office/drawing/2014/main" id="{A810EFC4-7C47-46ED-BF74-E2BB05728096}"/>
+              </a:ext>
+            </a:extLst>
+          </p:cNvPr>
+          <p:cNvSpPr>
+            <a:spLocks noGrp="1"/>
+          </p:cNvSpPr>
+          <p:nvPr>
+            <p:ph type="title"/>
+          </p:nvPr>
+        </p:nvSpPr>
+        <p:spPr/>
+        <p:txBody>
+          <a:bodyPr/>
+          <a:lstStyle/>
+          <a:p>
+            <a:r>
+              <a:rPr lang="en-US" altLang="ko-KR" dirty="0">
+                <a:latin typeface="Consolas" panose="020B0609020204030204" pitchFamily="49" charset="0"/>
+              </a:rPr>
+              <a:t>std::</a:t>
+            </a:r>
+            <a:r>
+              <a:rPr lang="en-US" altLang="ko-KR" dirty="0" err="1">
+                <a:latin typeface="Consolas" panose="020B0609020204030204" pitchFamily="49" charset="0"/>
+              </a:rPr>
+              <a:t>partial_sort_copy</a:t>
+            </a:r>
+            <a:r>
+              <a:rPr lang="en-US" altLang="ko-KR" dirty="0">
+                <a:latin typeface="Consolas" panose="020B0609020204030204" pitchFamily="49" charset="0"/>
+              </a:rPr>
+              <a:t> </a:t>
+            </a:r>
+            <a:r>
+              <a:rPr lang="ko-KR" altLang="en-US" dirty="0">
+                <a:latin typeface="Consolas" panose="020B0609020204030204" pitchFamily="49" charset="0"/>
+              </a:rPr>
+              <a:t>예제</a:t>
+            </a:r>
+          </a:p>
+        </p:txBody>
+      </p:sp>
+      <p:sp>
+        <p:nvSpPr>
+          <p:cNvPr id="10" name="TextBox 9">
+            <a:extLst>
+              <a:ext uri="{FF2B5EF4-FFF2-40B4-BE49-F238E27FC236}">
+                <a16:creationId xmlns:a16="http://schemas.microsoft.com/office/drawing/2014/main" id="{9221E34A-CF56-4F12-B8C5-A0B601F174D0}"/>
+              </a:ext>
+            </a:extLst>
+          </p:cNvPr>
+          <p:cNvSpPr txBox="1"/>
+          <p:nvPr/>
+        </p:nvSpPr>
+        <p:spPr>
+          <a:xfrm>
+            <a:off x="1065528" y="4634405"/>
+            <a:ext cx="8552982" cy="369332"/>
+          </a:xfrm>
+          <a:prstGeom prst="rect">
+            <a:avLst/>
+          </a:prstGeom>
+          <a:noFill/>
+        </p:spPr>
+        <p:txBody>
+          <a:bodyPr wrap="none" rtlCol="0">
+            <a:spAutoFit/>
+          </a:bodyPr>
+          <a:lstStyle/>
+          <a:p>
+            <a:r>
+              <a:rPr lang="en-US" altLang="ko-KR" dirty="0" err="1"/>
+              <a:t>src</a:t>
+            </a:r>
+            <a:r>
+              <a:rPr lang="ko-KR" altLang="en-US" dirty="0"/>
+              <a:t>의 원소를 </a:t>
+            </a:r>
+            <a:r>
+              <a:rPr lang="en-US" altLang="ko-KR" dirty="0"/>
+              <a:t>n</a:t>
+            </a:r>
+            <a:r>
+              <a:rPr lang="ko-KR" altLang="en-US" dirty="0"/>
+              <a:t>개만큼 </a:t>
+            </a:r>
+            <a:r>
+              <a:rPr lang="ko-KR" altLang="en-US" dirty="0" err="1"/>
+              <a:t>힙정렬하여</a:t>
+            </a:r>
+            <a:r>
+              <a:rPr lang="en-US" altLang="ko-KR" dirty="0"/>
+              <a:t>, </a:t>
+            </a:r>
+            <a:r>
+              <a:rPr lang="en-US" altLang="ko-KR" dirty="0" err="1"/>
+              <a:t>dest</a:t>
+            </a:r>
+            <a:r>
+              <a:rPr lang="ko-KR" altLang="en-US" dirty="0"/>
+              <a:t>에 복사    </a:t>
+            </a:r>
+            <a:r>
+              <a:rPr lang="en-US" altLang="ko-KR" sz="1600" dirty="0">
+                <a:latin typeface="Consolas" panose="020B0609020204030204" pitchFamily="49" charset="0"/>
+              </a:rPr>
+              <a:t>※</a:t>
+            </a:r>
+            <a:r>
+              <a:rPr lang="ko-KR" altLang="en-US" sz="1600" dirty="0">
+                <a:latin typeface="Consolas" panose="020B0609020204030204" pitchFamily="49" charset="0"/>
+              </a:rPr>
+              <a:t> </a:t>
+            </a:r>
+            <a:r>
+              <a:rPr lang="en-US" altLang="ko-KR" sz="1600" dirty="0">
+                <a:latin typeface="Consolas" panose="020B0609020204030204" pitchFamily="49" charset="0"/>
+              </a:rPr>
+              <a:t>n = min( size(</a:t>
+            </a:r>
+            <a:r>
+              <a:rPr lang="en-US" altLang="ko-KR" sz="1600" dirty="0" err="1">
+                <a:latin typeface="Consolas" panose="020B0609020204030204" pitchFamily="49" charset="0"/>
+              </a:rPr>
+              <a:t>src</a:t>
+            </a:r>
+            <a:r>
+              <a:rPr lang="en-US" altLang="ko-KR" sz="1600" dirty="0">
+                <a:latin typeface="Consolas" panose="020B0609020204030204" pitchFamily="49" charset="0"/>
+              </a:rPr>
+              <a:t>), size(</a:t>
+            </a:r>
+            <a:r>
+              <a:rPr lang="en-US" altLang="ko-KR" sz="1600" dirty="0" err="1">
+                <a:latin typeface="Consolas" panose="020B0609020204030204" pitchFamily="49" charset="0"/>
+              </a:rPr>
+              <a:t>dest</a:t>
+            </a:r>
+            <a:r>
+              <a:rPr lang="en-US" altLang="ko-KR" sz="1600" dirty="0">
+                <a:latin typeface="Consolas" panose="020B0609020204030204" pitchFamily="49" charset="0"/>
+              </a:rPr>
+              <a:t>) )</a:t>
+            </a:r>
+            <a:endParaRPr lang="ko-KR" altLang="en-US" sz="1600" dirty="0">
+              <a:latin typeface="Consolas" panose="020B0609020204030204" pitchFamily="49" charset="0"/>
+            </a:endParaRPr>
+          </a:p>
+        </p:txBody>
+      </p:sp>
+      <p:pic>
+        <p:nvPicPr>
+          <p:cNvPr id="7" name="그림 6">
+            <a:extLst>
+              <a:ext uri="{FF2B5EF4-FFF2-40B4-BE49-F238E27FC236}">
+                <a16:creationId xmlns:a16="http://schemas.microsoft.com/office/drawing/2014/main" id="{5C098979-F941-4336-8D2C-273434711185}"/>
+              </a:ext>
+            </a:extLst>
+          </p:cNvPr>
+          <p:cNvPicPr>
+            <a:picLocks noChangeAspect="1"/>
+          </p:cNvPicPr>
+          <p:nvPr/>
+        </p:nvPicPr>
+        <p:blipFill>
+          <a:blip r:embed="rId2"/>
+          <a:stretch>
+            <a:fillRect/>
+          </a:stretch>
+        </p:blipFill>
+        <p:spPr>
+          <a:xfrm>
+            <a:off x="2677417" y="5061561"/>
+            <a:ext cx="5916190" cy="1726344"/>
+          </a:xfrm>
+          <a:prstGeom prst="rect">
+            <a:avLst/>
+          </a:prstGeom>
+        </p:spPr>
+      </p:pic>
+      <p:pic>
+        <p:nvPicPr>
+          <p:cNvPr id="13" name="내용 개체 틀 12">
+            <a:extLst>
+              <a:ext uri="{FF2B5EF4-FFF2-40B4-BE49-F238E27FC236}">
+                <a16:creationId xmlns:a16="http://schemas.microsoft.com/office/drawing/2014/main" id="{2928B75A-5418-4291-B0C1-6D090F0CF57A}"/>
+              </a:ext>
+            </a:extLst>
+          </p:cNvPr>
+          <p:cNvPicPr>
+            <a:picLocks noGrp="1" noChangeAspect="1"/>
+          </p:cNvPicPr>
+          <p:nvPr>
+            <p:ph idx="1"/>
+          </p:nvPr>
+        </p:nvPicPr>
+        <p:blipFill>
+          <a:blip r:embed="rId3"/>
+          <a:stretch>
+            <a:fillRect/>
+          </a:stretch>
+        </p:blipFill>
+        <p:spPr>
+          <a:xfrm>
+            <a:off x="1025134" y="1748512"/>
+            <a:ext cx="10141732" cy="2689922"/>
+          </a:xfrm>
+          <a:prstGeom prst="rect">
+            <a:avLst/>
+          </a:prstGeom>
+        </p:spPr>
+      </p:pic>
+    </p:spTree>
+    <p:extLst>
+      <p:ext uri="{BB962C8B-B14F-4D97-AF65-F5344CB8AC3E}">
+        <p14:creationId xmlns:p14="http://schemas.microsoft.com/office/powerpoint/2010/main" val="1368704859"/>
+      </p:ext>
+    </p:extLst>
+  </p:cSld>
+  <p:clrMapOvr>
+    <a:masterClrMapping/>
+  </p:clrMapOvr>
+</p:sld>
+</file>
+
+<file path=ppt/slides/slide33.xml><?xml version="1.0" encoding="utf-8"?>
+<p:sld xmlns:a="http://schemas.openxmlformats.org/drawingml/2006/main" xmlns:r="http://schemas.openxmlformats.org/officeDocument/2006/relationships" xmlns:p="http://schemas.openxmlformats.org/presentationml/2006/main">
+  <p:cSld>
+    <p:spTree>
+      <p:nvGrpSpPr>
+        <p:cNvPr id="1" name=""/>
+        <p:cNvGrpSpPr/>
+        <p:nvPr/>
+      </p:nvGrpSpPr>
+      <p:grpSpPr>
+        <a:xfrm>
+          <a:off x="0" y="0"/>
+          <a:ext cx="0" cy="0"/>
+          <a:chOff x="0" y="0"/>
+          <a:chExt cx="0" cy="0"/>
+        </a:xfrm>
+      </p:grpSpPr>
+      <p:sp>
+        <p:nvSpPr>
+          <p:cNvPr id="2" name="제목 1">
+            <a:extLst>
+              <a:ext uri="{FF2B5EF4-FFF2-40B4-BE49-F238E27FC236}">
+                <a16:creationId xmlns:a16="http://schemas.microsoft.com/office/drawing/2014/main" id="{A810EFC4-7C47-46ED-BF74-E2BB05728096}"/>
+              </a:ext>
+            </a:extLst>
+          </p:cNvPr>
+          <p:cNvSpPr>
+            <a:spLocks noGrp="1"/>
+          </p:cNvSpPr>
+          <p:nvPr>
+            <p:ph type="title"/>
+          </p:nvPr>
+        </p:nvSpPr>
+        <p:spPr/>
+        <p:txBody>
+          <a:bodyPr/>
+          <a:lstStyle/>
+          <a:p>
+            <a:r>
+              <a:rPr lang="en-US" altLang="ko-KR" dirty="0">
+                <a:latin typeface="Consolas" panose="020B0609020204030204" pitchFamily="49" charset="0"/>
+              </a:rPr>
+              <a:t>std::</a:t>
+            </a:r>
+            <a:r>
+              <a:rPr lang="en-US" altLang="ko-KR" dirty="0" err="1">
+                <a:latin typeface="Consolas" panose="020B0609020204030204" pitchFamily="49" charset="0"/>
+              </a:rPr>
+              <a:t>partial_sort_copy</a:t>
+            </a:r>
+            <a:r>
+              <a:rPr lang="en-US" altLang="ko-KR" dirty="0">
+                <a:latin typeface="Consolas" panose="020B0609020204030204" pitchFamily="49" charset="0"/>
+              </a:rPr>
+              <a:t> </a:t>
+            </a:r>
+            <a:r>
+              <a:rPr lang="ko-KR" altLang="en-US" dirty="0">
+                <a:latin typeface="Consolas" panose="020B0609020204030204" pitchFamily="49" charset="0"/>
+              </a:rPr>
+              <a:t>구현</a:t>
+            </a:r>
+          </a:p>
+        </p:txBody>
+      </p:sp>
+      <p:pic>
+        <p:nvPicPr>
+          <p:cNvPr id="5" name="내용 개체 틀 4">
+            <a:extLst>
+              <a:ext uri="{FF2B5EF4-FFF2-40B4-BE49-F238E27FC236}">
+                <a16:creationId xmlns:a16="http://schemas.microsoft.com/office/drawing/2014/main" id="{DD91FBCF-3DA8-4659-853F-C26F867DA3CB}"/>
+              </a:ext>
+            </a:extLst>
+          </p:cNvPr>
+          <p:cNvPicPr>
+            <a:picLocks noGrp="1" noChangeAspect="1"/>
+          </p:cNvPicPr>
+          <p:nvPr>
+            <p:ph idx="1"/>
+          </p:nvPr>
+        </p:nvPicPr>
+        <p:blipFill>
+          <a:blip r:embed="rId2"/>
+          <a:stretch>
+            <a:fillRect/>
+          </a:stretch>
+        </p:blipFill>
+        <p:spPr>
+          <a:xfrm>
+            <a:off x="838200" y="1845520"/>
+            <a:ext cx="10515600" cy="4311548"/>
+          </a:xfrm>
+          <a:prstGeom prst="rect">
+            <a:avLst/>
+          </a:prstGeom>
+        </p:spPr>
+      </p:pic>
+      <p:sp>
+        <p:nvSpPr>
+          <p:cNvPr id="11" name="직사각형 10">
+            <a:extLst>
+              <a:ext uri="{FF2B5EF4-FFF2-40B4-BE49-F238E27FC236}">
+                <a16:creationId xmlns:a16="http://schemas.microsoft.com/office/drawing/2014/main" id="{AB6F983E-1294-4DEB-9AD2-999B492222FF}"/>
+              </a:ext>
+            </a:extLst>
+          </p:cNvPr>
+          <p:cNvSpPr/>
+          <p:nvPr/>
+        </p:nvSpPr>
+        <p:spPr>
+          <a:xfrm>
+            <a:off x="1209386" y="2083087"/>
+            <a:ext cx="7414919" cy="679848"/>
+          </a:xfrm>
+          <a:prstGeom prst="rect">
+            <a:avLst/>
+          </a:prstGeom>
+          <a:noFill/>
+          <a:ln>
+            <a:solidFill>
+              <a:srgbClr val="FF0000"/>
+            </a:solidFill>
+          </a:ln>
+        </p:spPr>
+        <p:style>
+          <a:lnRef idx="2">
+            <a:schemeClr val="accent1">
+              <a:shade val="50000"/>
+            </a:schemeClr>
+          </a:lnRef>
+          <a:fillRef idx="1">
+            <a:schemeClr val="accent1"/>
+          </a:fillRef>
+          <a:effectRef idx="0">
+            <a:schemeClr val="accent1"/>
+          </a:effectRef>
+          <a:fontRef idx="minor">
+            <a:schemeClr val="lt1"/>
+          </a:fontRef>
+        </p:style>
+        <p:txBody>
+          <a:bodyPr rtlCol="0" anchor="ctr"/>
+          <a:lstStyle/>
+          <a:p>
+            <a:pPr algn="ctr"/>
+            <a:endParaRPr lang="ko-KR" altLang="en-US"/>
+          </a:p>
+        </p:txBody>
+      </p:sp>
+      <p:sp>
+        <p:nvSpPr>
+          <p:cNvPr id="12" name="TextBox 11">
+            <a:extLst>
+              <a:ext uri="{FF2B5EF4-FFF2-40B4-BE49-F238E27FC236}">
+                <a16:creationId xmlns:a16="http://schemas.microsoft.com/office/drawing/2014/main" id="{421DA7AF-A5A2-4DC5-B9A5-74ED6D5BC65E}"/>
+              </a:ext>
+            </a:extLst>
+          </p:cNvPr>
+          <p:cNvSpPr txBox="1"/>
+          <p:nvPr/>
+        </p:nvSpPr>
+        <p:spPr>
+          <a:xfrm>
+            <a:off x="6472987" y="2815836"/>
+            <a:ext cx="4704173" cy="861774"/>
+          </a:xfrm>
+          <a:prstGeom prst="rect">
+            <a:avLst/>
+          </a:prstGeom>
+          <a:noFill/>
+        </p:spPr>
+        <p:txBody>
+          <a:bodyPr wrap="none" rtlCol="0">
+            <a:spAutoFit/>
+          </a:bodyPr>
+          <a:lstStyle/>
+          <a:p>
+            <a:r>
+              <a:rPr lang="ko-KR" altLang="en-US" dirty="0">
+                <a:solidFill>
+                  <a:srgbClr val="FF0000"/>
+                </a:solidFill>
+              </a:rPr>
+              <a:t>최초 </a:t>
+            </a:r>
+            <a:r>
+              <a:rPr lang="ko-KR" altLang="en-US" dirty="0" err="1">
+                <a:solidFill>
+                  <a:srgbClr val="FF0000"/>
+                </a:solidFill>
+              </a:rPr>
+              <a:t>힙</a:t>
+            </a:r>
+            <a:r>
+              <a:rPr lang="ko-KR" altLang="en-US" dirty="0">
+                <a:solidFill>
+                  <a:srgbClr val="FF0000"/>
+                </a:solidFill>
+              </a:rPr>
+              <a:t> 구성을 </a:t>
+            </a:r>
+            <a:r>
+              <a:rPr lang="en-US" altLang="ko-KR" dirty="0" err="1">
+                <a:solidFill>
+                  <a:srgbClr val="FF0000"/>
+                </a:solidFill>
+              </a:rPr>
+              <a:t>src</a:t>
+            </a:r>
+            <a:r>
+              <a:rPr lang="ko-KR" altLang="en-US" dirty="0">
+                <a:solidFill>
+                  <a:srgbClr val="FF0000"/>
+                </a:solidFill>
+              </a:rPr>
+              <a:t>에 하는게 아니라</a:t>
+            </a:r>
+            <a:r>
+              <a:rPr lang="en-US" altLang="ko-KR" dirty="0">
+                <a:solidFill>
+                  <a:srgbClr val="FF0000"/>
+                </a:solidFill>
+              </a:rPr>
+              <a:t>, </a:t>
+            </a:r>
+            <a:r>
+              <a:rPr lang="en-US" altLang="ko-KR" dirty="0" err="1">
+                <a:solidFill>
+                  <a:srgbClr val="FF0000"/>
+                </a:solidFill>
+              </a:rPr>
+              <a:t>dest</a:t>
+            </a:r>
+            <a:r>
+              <a:rPr lang="en-US" altLang="ko-KR" dirty="0">
+                <a:solidFill>
+                  <a:srgbClr val="FF0000"/>
+                </a:solidFill>
+              </a:rPr>
+              <a:t> </a:t>
+            </a:r>
+            <a:r>
+              <a:rPr lang="ko-KR" altLang="en-US" dirty="0">
+                <a:solidFill>
+                  <a:srgbClr val="FF0000"/>
+                </a:solidFill>
+              </a:rPr>
+              <a:t>에 한다</a:t>
+            </a:r>
+            <a:endParaRPr lang="en-US" altLang="ko-KR" dirty="0">
+              <a:solidFill>
+                <a:srgbClr val="FF0000"/>
+              </a:solidFill>
+            </a:endParaRPr>
+          </a:p>
+          <a:p>
+            <a:endParaRPr lang="en-US" altLang="ko-KR" sz="1600" dirty="0">
+              <a:solidFill>
+                <a:srgbClr val="FF0000"/>
+              </a:solidFill>
+              <a:latin typeface="Consolas" panose="020B0609020204030204" pitchFamily="49" charset="0"/>
+            </a:endParaRPr>
+          </a:p>
+          <a:p>
+            <a:r>
+              <a:rPr lang="ko-KR" altLang="en-US" sz="1600" dirty="0">
+                <a:solidFill>
+                  <a:srgbClr val="FF0000"/>
+                </a:solidFill>
+                <a:latin typeface="Consolas" panose="020B0609020204030204" pitchFamily="49" charset="0"/>
+              </a:rPr>
+              <a:t>이후 </a:t>
+            </a:r>
+            <a:r>
+              <a:rPr lang="en-US" altLang="ko-KR" sz="1600" dirty="0" err="1">
+                <a:solidFill>
+                  <a:srgbClr val="FF0000"/>
+                </a:solidFill>
+                <a:latin typeface="Consolas" panose="020B0609020204030204" pitchFamily="49" charset="0"/>
+              </a:rPr>
+              <a:t>dest</a:t>
+            </a:r>
+            <a:r>
+              <a:rPr lang="ko-KR" altLang="en-US" sz="1600" dirty="0">
+                <a:solidFill>
+                  <a:srgbClr val="FF0000"/>
+                </a:solidFill>
+                <a:latin typeface="Consolas" panose="020B0609020204030204" pitchFamily="49" charset="0"/>
+              </a:rPr>
+              <a:t>에서 </a:t>
+            </a:r>
+            <a:r>
+              <a:rPr lang="en-US" altLang="ko-KR" sz="1600" dirty="0" err="1">
+                <a:solidFill>
+                  <a:srgbClr val="FF0000"/>
+                </a:solidFill>
+                <a:latin typeface="Consolas" panose="020B0609020204030204" pitchFamily="49" charset="0"/>
+              </a:rPr>
+              <a:t>partial_sort</a:t>
+            </a:r>
+            <a:r>
+              <a:rPr lang="en-US" altLang="ko-KR" sz="1600" dirty="0">
+                <a:solidFill>
+                  <a:srgbClr val="FF0000"/>
+                </a:solidFill>
+                <a:latin typeface="Consolas" panose="020B0609020204030204" pitchFamily="49" charset="0"/>
+              </a:rPr>
+              <a:t> </a:t>
+            </a:r>
+            <a:r>
+              <a:rPr lang="ko-KR" altLang="en-US" sz="1600" dirty="0">
+                <a:solidFill>
+                  <a:srgbClr val="FF0000"/>
+                </a:solidFill>
+                <a:latin typeface="Consolas" panose="020B0609020204030204" pitchFamily="49" charset="0"/>
+              </a:rPr>
+              <a:t>와 동일하게 동작</a:t>
+            </a:r>
+          </a:p>
+        </p:txBody>
+      </p:sp>
+    </p:spTree>
+    <p:extLst>
+      <p:ext uri="{BB962C8B-B14F-4D97-AF65-F5344CB8AC3E}">
+        <p14:creationId xmlns:p14="http://schemas.microsoft.com/office/powerpoint/2010/main" val="2921093257"/>
+      </p:ext>
+    </p:extLst>
+  </p:cSld>
+  <p:clrMapOvr>
+    <a:masterClrMapping/>
+  </p:clrMapOvr>
+</p:sld>
+</file>
+
+<file path=ppt/slides/slide34.xml><?xml version="1.0" encoding="utf-8"?>
+<p:sld xmlns:a="http://schemas.openxmlformats.org/drawingml/2006/main" xmlns:r="http://schemas.openxmlformats.org/officeDocument/2006/relationships" xmlns:p="http://schemas.openxmlformats.org/presentationml/2006/main">
+  <p:cSld>
+    <p:spTree>
+      <p:nvGrpSpPr>
+        <p:cNvPr id="1" name=""/>
+        <p:cNvGrpSpPr/>
+        <p:nvPr/>
+      </p:nvGrpSpPr>
+      <p:grpSpPr>
+        <a:xfrm>
+          <a:off x="0" y="0"/>
+          <a:ext cx="0" cy="0"/>
+          <a:chOff x="0" y="0"/>
+          <a:chExt cx="0" cy="0"/>
+        </a:xfrm>
+      </p:grpSpPr>
+      <p:sp>
+        <p:nvSpPr>
+          <p:cNvPr id="2" name="제목 1">
+            <a:extLst>
+              <a:ext uri="{FF2B5EF4-FFF2-40B4-BE49-F238E27FC236}">
+                <a16:creationId xmlns:a16="http://schemas.microsoft.com/office/drawing/2014/main" id="{A810EFC4-7C47-46ED-BF74-E2BB05728096}"/>
+              </a:ext>
+            </a:extLst>
+          </p:cNvPr>
+          <p:cNvSpPr>
+            <a:spLocks noGrp="1"/>
+          </p:cNvSpPr>
+          <p:nvPr>
+            <p:ph type="title"/>
+          </p:nvPr>
+        </p:nvSpPr>
+        <p:spPr/>
+        <p:txBody>
+          <a:bodyPr/>
+          <a:lstStyle/>
+          <a:p>
+            <a:r>
+              <a:rPr lang="ko-KR" altLang="en-US" dirty="0">
+                <a:latin typeface="Consolas" panose="020B0609020204030204" pitchFamily="49" charset="0"/>
+              </a:rPr>
+              <a:t>주의사항</a:t>
+            </a:r>
+          </a:p>
+        </p:txBody>
+      </p:sp>
+      <p:sp>
+        <p:nvSpPr>
+          <p:cNvPr id="5" name="내용 개체 틀 4">
+            <a:extLst>
+              <a:ext uri="{FF2B5EF4-FFF2-40B4-BE49-F238E27FC236}">
+                <a16:creationId xmlns:a16="http://schemas.microsoft.com/office/drawing/2014/main" id="{19E09069-8F85-4BFE-ABC2-E3A09C7FA7AA}"/>
+              </a:ext>
+            </a:extLst>
+          </p:cNvPr>
+          <p:cNvSpPr>
+            <a:spLocks noGrp="1"/>
+          </p:cNvSpPr>
+          <p:nvPr>
+            <p:ph idx="1"/>
+          </p:nvPr>
+        </p:nvSpPr>
+        <p:spPr/>
+        <p:txBody>
+          <a:bodyPr/>
+          <a:lstStyle/>
+          <a:p>
+            <a:r>
+              <a:rPr lang="en-US" altLang="ko-KR" dirty="0"/>
+              <a:t>std::</a:t>
+            </a:r>
+            <a:r>
+              <a:rPr lang="en-US" altLang="ko-KR" dirty="0" err="1"/>
+              <a:t>partial_sort</a:t>
+            </a:r>
+            <a:r>
+              <a:rPr lang="en-US" altLang="ko-KR" dirty="0"/>
+              <a:t>, std::</a:t>
+            </a:r>
+            <a:r>
+              <a:rPr lang="en-US" altLang="ko-KR" dirty="0" err="1"/>
+              <a:t>partial_sort_copy</a:t>
+            </a:r>
+            <a:r>
+              <a:rPr lang="en-US" altLang="ko-KR" dirty="0"/>
+              <a:t> </a:t>
+            </a:r>
+            <a:r>
+              <a:rPr lang="ko-KR" altLang="en-US" dirty="0"/>
+              <a:t>는</a:t>
+            </a:r>
+            <a:br>
+              <a:rPr lang="en-US" altLang="ko-KR" dirty="0"/>
+            </a:br>
+            <a:r>
+              <a:rPr lang="ko-KR" altLang="en-US" dirty="0"/>
+              <a:t>동일한 원소가 여러 개 있을 때</a:t>
+            </a:r>
+            <a:r>
+              <a:rPr lang="en-US" altLang="ko-KR" dirty="0"/>
+              <a:t>, </a:t>
+            </a:r>
+            <a:br>
+              <a:rPr lang="en-US" altLang="ko-KR" dirty="0"/>
+            </a:br>
+            <a:r>
+              <a:rPr lang="ko-KR" altLang="en-US" dirty="0"/>
+              <a:t>정렬할 개수가 애매하게 </a:t>
+            </a:r>
+            <a:r>
+              <a:rPr lang="ko-KR" altLang="en-US" dirty="0" err="1"/>
+              <a:t>짤리면</a:t>
+            </a:r>
+            <a:r>
+              <a:rPr lang="en-US" altLang="ko-KR" dirty="0"/>
+              <a:t>, </a:t>
+            </a:r>
+            <a:br>
+              <a:rPr lang="en-US" altLang="ko-KR" dirty="0"/>
+            </a:br>
+            <a:r>
+              <a:rPr lang="ko-KR" altLang="en-US" dirty="0"/>
+              <a:t>동일한 원소 중 일부는 정렬범위에 포함되지 않음</a:t>
+            </a:r>
+            <a:r>
+              <a:rPr lang="en-US" altLang="ko-KR" dirty="0"/>
+              <a:t>.</a:t>
+            </a:r>
+            <a:endParaRPr lang="ko-KR" altLang="en-US" dirty="0"/>
+          </a:p>
+        </p:txBody>
+      </p:sp>
+      <p:pic>
+        <p:nvPicPr>
+          <p:cNvPr id="10" name="그림 9">
+            <a:extLst>
+              <a:ext uri="{FF2B5EF4-FFF2-40B4-BE49-F238E27FC236}">
+                <a16:creationId xmlns:a16="http://schemas.microsoft.com/office/drawing/2014/main" id="{4AAA0A32-B4D2-4986-9C43-20AFFEF8A34A}"/>
+              </a:ext>
+            </a:extLst>
+          </p:cNvPr>
+          <p:cNvPicPr>
+            <a:picLocks noChangeAspect="1"/>
+          </p:cNvPicPr>
+          <p:nvPr/>
+        </p:nvPicPr>
+        <p:blipFill>
+          <a:blip r:embed="rId2"/>
+          <a:stretch>
+            <a:fillRect/>
+          </a:stretch>
+        </p:blipFill>
+        <p:spPr>
+          <a:xfrm>
+            <a:off x="1690686" y="3508974"/>
+            <a:ext cx="8810628" cy="984640"/>
+          </a:xfrm>
+          <a:prstGeom prst="rect">
+            <a:avLst/>
+          </a:prstGeom>
+        </p:spPr>
+      </p:pic>
+      <p:pic>
+        <p:nvPicPr>
+          <p:cNvPr id="11" name="그림 10">
+            <a:extLst>
+              <a:ext uri="{FF2B5EF4-FFF2-40B4-BE49-F238E27FC236}">
+                <a16:creationId xmlns:a16="http://schemas.microsoft.com/office/drawing/2014/main" id="{3B99C687-8AA5-4F12-8076-56DC26805EF6}"/>
+              </a:ext>
+            </a:extLst>
+          </p:cNvPr>
+          <p:cNvPicPr>
+            <a:picLocks noChangeAspect="1"/>
+          </p:cNvPicPr>
+          <p:nvPr/>
+        </p:nvPicPr>
+        <p:blipFill>
+          <a:blip r:embed="rId3"/>
+          <a:stretch>
+            <a:fillRect/>
+          </a:stretch>
+        </p:blipFill>
+        <p:spPr>
+          <a:xfrm>
+            <a:off x="1690686" y="4923728"/>
+            <a:ext cx="8810625" cy="1457325"/>
+          </a:xfrm>
+          <a:prstGeom prst="rect">
+            <a:avLst/>
+          </a:prstGeom>
+        </p:spPr>
+      </p:pic>
+      <p:sp>
+        <p:nvSpPr>
+          <p:cNvPr id="12" name="직사각형 11">
+            <a:extLst>
+              <a:ext uri="{FF2B5EF4-FFF2-40B4-BE49-F238E27FC236}">
+                <a16:creationId xmlns:a16="http://schemas.microsoft.com/office/drawing/2014/main" id="{6F0A7F76-6C66-4D97-B529-D97D536E600F}"/>
+              </a:ext>
+            </a:extLst>
+          </p:cNvPr>
+          <p:cNvSpPr/>
+          <p:nvPr/>
+        </p:nvSpPr>
+        <p:spPr>
+          <a:xfrm>
+            <a:off x="6663937" y="5150901"/>
+            <a:ext cx="835459" cy="1341974"/>
+          </a:xfrm>
+          <a:prstGeom prst="rect">
+            <a:avLst/>
+          </a:prstGeom>
+          <a:noFill/>
+          <a:ln>
+            <a:solidFill>
+              <a:srgbClr val="FF0000"/>
+            </a:solidFill>
+          </a:ln>
+        </p:spPr>
+        <p:style>
+          <a:lnRef idx="2">
+            <a:schemeClr val="accent1">
+              <a:shade val="50000"/>
+            </a:schemeClr>
+          </a:lnRef>
+          <a:fillRef idx="1">
+            <a:schemeClr val="accent1"/>
+          </a:fillRef>
+          <a:effectRef idx="0">
+            <a:schemeClr val="accent1"/>
+          </a:effectRef>
+          <a:fontRef idx="minor">
+            <a:schemeClr val="lt1"/>
+          </a:fontRef>
+        </p:style>
+        <p:txBody>
+          <a:bodyPr rtlCol="0" anchor="ctr"/>
+          <a:lstStyle/>
+          <a:p>
+            <a:pPr algn="ctr"/>
+            <a:endParaRPr lang="ko-KR" altLang="en-US"/>
+          </a:p>
+        </p:txBody>
+      </p:sp>
+      <p:sp>
+        <p:nvSpPr>
+          <p:cNvPr id="13" name="직사각형 12">
+            <a:extLst>
+              <a:ext uri="{FF2B5EF4-FFF2-40B4-BE49-F238E27FC236}">
+                <a16:creationId xmlns:a16="http://schemas.microsoft.com/office/drawing/2014/main" id="{8C94CDEC-AD06-4C0B-90F5-DCEEA82EE064}"/>
+              </a:ext>
+            </a:extLst>
+          </p:cNvPr>
+          <p:cNvSpPr/>
+          <p:nvPr/>
+        </p:nvSpPr>
+        <p:spPr>
+          <a:xfrm>
+            <a:off x="1625966" y="5150901"/>
+            <a:ext cx="2893407" cy="1341974"/>
+          </a:xfrm>
+          <a:prstGeom prst="rect">
+            <a:avLst/>
+          </a:prstGeom>
+          <a:noFill/>
+          <a:ln>
+            <a:solidFill>
+              <a:srgbClr val="FF0000"/>
+            </a:solidFill>
+          </a:ln>
+        </p:spPr>
+        <p:style>
+          <a:lnRef idx="2">
+            <a:schemeClr val="accent1">
+              <a:shade val="50000"/>
+            </a:schemeClr>
+          </a:lnRef>
+          <a:fillRef idx="1">
+            <a:schemeClr val="accent1"/>
+          </a:fillRef>
+          <a:effectRef idx="0">
+            <a:schemeClr val="accent1"/>
+          </a:effectRef>
+          <a:fontRef idx="minor">
+            <a:schemeClr val="lt1"/>
+          </a:fontRef>
+        </p:style>
+        <p:txBody>
+          <a:bodyPr rtlCol="0" anchor="ctr"/>
+          <a:lstStyle/>
+          <a:p>
+            <a:pPr algn="ctr"/>
+            <a:endParaRPr lang="ko-KR" altLang="en-US"/>
+          </a:p>
+        </p:txBody>
+      </p:sp>
+    </p:spTree>
+    <p:extLst>
+      <p:ext uri="{BB962C8B-B14F-4D97-AF65-F5344CB8AC3E}">
+        <p14:creationId xmlns:p14="http://schemas.microsoft.com/office/powerpoint/2010/main" val="2316088544"/>
+      </p:ext>
+    </p:extLst>
+  </p:cSld>
+  <p:clrMapOvr>
+    <a:masterClrMapping/>
+  </p:clrMapOvr>
+</p:sld>
+</file>
+
+<file path=ppt/slides/slide35.xml><?xml version="1.0" encoding="utf-8"?>
+<p:sld xmlns:a="http://schemas.openxmlformats.org/drawingml/2006/main" xmlns:r="http://schemas.openxmlformats.org/officeDocument/2006/relationships" xmlns:p="http://schemas.openxmlformats.org/presentationml/2006/main">
+  <p:cSld>
+    <p:spTree>
+      <p:nvGrpSpPr>
+        <p:cNvPr id="1" name=""/>
+        <p:cNvGrpSpPr/>
+        <p:nvPr/>
+      </p:nvGrpSpPr>
+      <p:grpSpPr>
+        <a:xfrm>
+          <a:off x="0" y="0"/>
+          <a:ext cx="0" cy="0"/>
+          <a:chOff x="0" y="0"/>
+          <a:chExt cx="0" cy="0"/>
+        </a:xfrm>
+      </p:grpSpPr>
+      <p:sp>
+        <p:nvSpPr>
+          <p:cNvPr id="2" name="제목 1">
+            <a:extLst>
+              <a:ext uri="{FF2B5EF4-FFF2-40B4-BE49-F238E27FC236}">
+                <a16:creationId xmlns:a16="http://schemas.microsoft.com/office/drawing/2014/main" id="{10646760-DD6C-49A8-AB88-6BB26C7C77C3}"/>
+              </a:ext>
+            </a:extLst>
+          </p:cNvPr>
+          <p:cNvSpPr>
+            <a:spLocks noGrp="1"/>
+          </p:cNvSpPr>
+          <p:nvPr>
+            <p:ph type="title"/>
+          </p:nvPr>
+        </p:nvSpPr>
+        <p:spPr/>
+        <p:txBody>
+          <a:bodyPr/>
+          <a:lstStyle/>
+          <a:p>
+            <a:r>
+              <a:rPr lang="en-US" altLang="ko-KR" dirty="0">
+                <a:latin typeface="Consolas" panose="020B0609020204030204" pitchFamily="49" charset="0"/>
+              </a:rPr>
+              <a:t>std::</a:t>
+            </a:r>
+            <a:r>
+              <a:rPr lang="en-US" altLang="ko-KR" dirty="0" err="1">
+                <a:latin typeface="Consolas" panose="020B0609020204030204" pitchFamily="49" charset="0"/>
+              </a:rPr>
+              <a:t>stable_sort</a:t>
+            </a:r>
+            <a:endParaRPr lang="ko-KR" altLang="en-US" dirty="0">
+              <a:latin typeface="Consolas" panose="020B0609020204030204" pitchFamily="49" charset="0"/>
+            </a:endParaRPr>
+          </a:p>
+        </p:txBody>
+      </p:sp>
+      <p:sp>
+        <p:nvSpPr>
+          <p:cNvPr id="3" name="텍스트 개체 틀 2">
+            <a:extLst>
+              <a:ext uri="{FF2B5EF4-FFF2-40B4-BE49-F238E27FC236}">
+                <a16:creationId xmlns:a16="http://schemas.microsoft.com/office/drawing/2014/main" id="{DECBA3C5-7D54-45EE-AA9B-57D49A625C38}"/>
+              </a:ext>
+            </a:extLst>
+          </p:cNvPr>
+          <p:cNvSpPr>
+            <a:spLocks noGrp="1"/>
+          </p:cNvSpPr>
+          <p:nvPr>
+            <p:ph type="body" idx="1"/>
+          </p:nvPr>
+        </p:nvSpPr>
+        <p:spPr/>
+        <p:txBody>
+          <a:bodyPr/>
+          <a:lstStyle/>
+          <a:p>
+            <a:endParaRPr lang="ko-KR" altLang="en-US"/>
+          </a:p>
+        </p:txBody>
+      </p:sp>
+    </p:spTree>
+    <p:extLst>
+      <p:ext uri="{BB962C8B-B14F-4D97-AF65-F5344CB8AC3E}">
+        <p14:creationId xmlns:p14="http://schemas.microsoft.com/office/powerpoint/2010/main" val="478860693"/>
+      </p:ext>
+    </p:extLst>
+  </p:cSld>
+  <p:clrMapOvr>
+    <a:masterClrMapping/>
+  </p:clrMapOvr>
+</p:sld>
+</file>
+
+<file path=ppt/slides/slide36.xml><?xml version="1.0" encoding="utf-8"?>
+<p:sld xmlns:a="http://schemas.openxmlformats.org/drawingml/2006/main" xmlns:r="http://schemas.openxmlformats.org/officeDocument/2006/relationships" xmlns:p="http://schemas.openxmlformats.org/presentationml/2006/main">
+  <p:cSld>
+    <p:spTree>
+      <p:nvGrpSpPr>
+        <p:cNvPr id="1" name=""/>
+        <p:cNvGrpSpPr/>
+        <p:nvPr/>
+      </p:nvGrpSpPr>
+      <p:grpSpPr>
+        <a:xfrm>
+          <a:off x="0" y="0"/>
+          <a:ext cx="0" cy="0"/>
+          <a:chOff x="0" y="0"/>
+          <a:chExt cx="0" cy="0"/>
+        </a:xfrm>
+      </p:grpSpPr>
+      <p:sp>
+        <p:nvSpPr>
+          <p:cNvPr id="2" name="제목 1">
+            <a:extLst>
+              <a:ext uri="{FF2B5EF4-FFF2-40B4-BE49-F238E27FC236}">
+                <a16:creationId xmlns:a16="http://schemas.microsoft.com/office/drawing/2014/main" id="{A810EFC4-7C47-46ED-BF74-E2BB05728096}"/>
+              </a:ext>
+            </a:extLst>
+          </p:cNvPr>
+          <p:cNvSpPr>
+            <a:spLocks noGrp="1"/>
+          </p:cNvSpPr>
+          <p:nvPr>
+            <p:ph type="title"/>
+          </p:nvPr>
+        </p:nvSpPr>
+        <p:spPr/>
+        <p:txBody>
+          <a:bodyPr/>
+          <a:lstStyle/>
+          <a:p>
+            <a:r>
+              <a:rPr lang="en-US" altLang="ko-KR" dirty="0">
+                <a:latin typeface="Consolas" panose="020B0609020204030204" pitchFamily="49" charset="0"/>
+              </a:rPr>
+              <a:t>std::</a:t>
+            </a:r>
+            <a:r>
+              <a:rPr lang="en-US" altLang="ko-KR" dirty="0" err="1">
+                <a:latin typeface="Consolas" panose="020B0609020204030204" pitchFamily="49" charset="0"/>
+              </a:rPr>
+              <a:t>stable_sort</a:t>
+            </a:r>
+            <a:endParaRPr lang="ko-KR" altLang="en-US" dirty="0">
+              <a:latin typeface="Consolas" panose="020B0609020204030204" pitchFamily="49" charset="0"/>
+            </a:endParaRPr>
+          </a:p>
+        </p:txBody>
+      </p:sp>
+      <p:pic>
+        <p:nvPicPr>
+          <p:cNvPr id="5" name="내용 개체 틀 4">
+            <a:extLst>
+              <a:ext uri="{FF2B5EF4-FFF2-40B4-BE49-F238E27FC236}">
+                <a16:creationId xmlns:a16="http://schemas.microsoft.com/office/drawing/2014/main" id="{C671FAD7-F3A0-4576-98CB-CF7CB0382944}"/>
+              </a:ext>
+            </a:extLst>
+          </p:cNvPr>
+          <p:cNvPicPr>
+            <a:picLocks noGrp="1" noChangeAspect="1"/>
+          </p:cNvPicPr>
+          <p:nvPr>
+            <p:ph idx="1"/>
+          </p:nvPr>
+        </p:nvPicPr>
+        <p:blipFill>
+          <a:blip r:embed="rId2"/>
+          <a:stretch>
+            <a:fillRect/>
+          </a:stretch>
+        </p:blipFill>
+        <p:spPr>
+          <a:xfrm>
+            <a:off x="832838" y="2206276"/>
+            <a:ext cx="8665968" cy="1179138"/>
+          </a:xfrm>
+          <a:prstGeom prst="rect">
+            <a:avLst/>
+          </a:prstGeom>
+        </p:spPr>
+      </p:pic>
+      <p:pic>
+        <p:nvPicPr>
+          <p:cNvPr id="7" name="그림 6">
+            <a:extLst>
+              <a:ext uri="{FF2B5EF4-FFF2-40B4-BE49-F238E27FC236}">
+                <a16:creationId xmlns:a16="http://schemas.microsoft.com/office/drawing/2014/main" id="{91F3EC11-F8AD-47E3-9CC1-0A308774C3E3}"/>
+              </a:ext>
+            </a:extLst>
+          </p:cNvPr>
+          <p:cNvPicPr>
+            <a:picLocks noChangeAspect="1"/>
+          </p:cNvPicPr>
+          <p:nvPr/>
+        </p:nvPicPr>
+        <p:blipFill>
+          <a:blip r:embed="rId3"/>
+          <a:stretch>
+            <a:fillRect/>
+          </a:stretch>
+        </p:blipFill>
+        <p:spPr>
+          <a:xfrm>
+            <a:off x="832838" y="3901002"/>
+            <a:ext cx="10999964" cy="753226"/>
+          </a:xfrm>
+          <a:prstGeom prst="rect">
+            <a:avLst/>
+          </a:prstGeom>
+        </p:spPr>
+      </p:pic>
+    </p:spTree>
+    <p:extLst>
+      <p:ext uri="{BB962C8B-B14F-4D97-AF65-F5344CB8AC3E}">
+        <p14:creationId xmlns:p14="http://schemas.microsoft.com/office/powerpoint/2010/main" val="3077380489"/>
+      </p:ext>
+    </p:extLst>
+  </p:cSld>
+  <p:clrMapOvr>
+    <a:masterClrMapping/>
+  </p:clrMapOvr>
+</p:sld>
+</file>
+
+<file path=ppt/slides/slide37.xml><?xml version="1.0" encoding="utf-8"?>
+<p:sld xmlns:a="http://schemas.openxmlformats.org/drawingml/2006/main" xmlns:r="http://schemas.openxmlformats.org/officeDocument/2006/relationships" xmlns:p="http://schemas.openxmlformats.org/presentationml/2006/main">
+  <p:cSld>
+    <p:spTree>
+      <p:nvGrpSpPr>
+        <p:cNvPr id="1" name=""/>
+        <p:cNvGrpSpPr/>
+        <p:nvPr/>
+      </p:nvGrpSpPr>
+      <p:grpSpPr>
+        <a:xfrm>
+          <a:off x="0" y="0"/>
+          <a:ext cx="0" cy="0"/>
+          <a:chOff x="0" y="0"/>
+          <a:chExt cx="0" cy="0"/>
+        </a:xfrm>
+      </p:grpSpPr>
+      <p:sp>
+        <p:nvSpPr>
+          <p:cNvPr id="2" name="제목 1">
+            <a:extLst>
+              <a:ext uri="{FF2B5EF4-FFF2-40B4-BE49-F238E27FC236}">
+                <a16:creationId xmlns:a16="http://schemas.microsoft.com/office/drawing/2014/main" id="{A810EFC4-7C47-46ED-BF74-E2BB05728096}"/>
+              </a:ext>
+            </a:extLst>
+          </p:cNvPr>
+          <p:cNvSpPr>
+            <a:spLocks noGrp="1"/>
+          </p:cNvSpPr>
+          <p:nvPr>
+            <p:ph type="title"/>
+          </p:nvPr>
+        </p:nvSpPr>
+        <p:spPr/>
+        <p:txBody>
+          <a:bodyPr/>
+          <a:lstStyle/>
+          <a:p>
+            <a:r>
+              <a:rPr lang="en-US" altLang="ko-KR" dirty="0">
+                <a:latin typeface="Consolas" panose="020B0609020204030204" pitchFamily="49" charset="0"/>
+              </a:rPr>
+              <a:t>std::</a:t>
+            </a:r>
+            <a:r>
+              <a:rPr lang="en-US" altLang="ko-KR" dirty="0" err="1">
+                <a:latin typeface="Consolas" panose="020B0609020204030204" pitchFamily="49" charset="0"/>
+              </a:rPr>
+              <a:t>stable_sort</a:t>
+            </a:r>
+            <a:endParaRPr lang="ko-KR" altLang="en-US" dirty="0">
+              <a:latin typeface="Consolas" panose="020B0609020204030204" pitchFamily="49" charset="0"/>
+            </a:endParaRPr>
+          </a:p>
+        </p:txBody>
+      </p:sp>
+      <p:sp>
+        <p:nvSpPr>
+          <p:cNvPr id="4" name="내용 개체 틀 3">
+            <a:extLst>
+              <a:ext uri="{FF2B5EF4-FFF2-40B4-BE49-F238E27FC236}">
+                <a16:creationId xmlns:a16="http://schemas.microsoft.com/office/drawing/2014/main" id="{22CAECCB-9429-4FDB-8F86-A0C3F10345C7}"/>
+              </a:ext>
+            </a:extLst>
+          </p:cNvPr>
+          <p:cNvSpPr>
+            <a:spLocks noGrp="1"/>
+          </p:cNvSpPr>
+          <p:nvPr>
+            <p:ph idx="1"/>
+          </p:nvPr>
+        </p:nvSpPr>
+        <p:spPr/>
+        <p:txBody>
+          <a:bodyPr/>
+          <a:lstStyle/>
+          <a:p>
+            <a:r>
+              <a:rPr lang="en-US" altLang="ko-KR" dirty="0"/>
+              <a:t>?? </a:t>
+            </a:r>
+            <a:r>
+              <a:rPr lang="ko-KR" altLang="en-US" dirty="0"/>
+              <a:t>차이점이 </a:t>
+            </a:r>
+            <a:r>
+              <a:rPr lang="ko-KR" altLang="en-US" dirty="0" err="1"/>
+              <a:t>뭐지</a:t>
+            </a:r>
+            <a:r>
+              <a:rPr lang="en-US" altLang="ko-KR" dirty="0"/>
+              <a:t>?</a:t>
+            </a:r>
+            <a:endParaRPr lang="ko-KR" altLang="en-US" dirty="0"/>
+          </a:p>
+        </p:txBody>
+      </p:sp>
+      <p:pic>
+        <p:nvPicPr>
+          <p:cNvPr id="6" name="그림 5">
+            <a:extLst>
+              <a:ext uri="{FF2B5EF4-FFF2-40B4-BE49-F238E27FC236}">
+                <a16:creationId xmlns:a16="http://schemas.microsoft.com/office/drawing/2014/main" id="{429976CE-A655-4591-B0F7-31F1BE4D11AB}"/>
+              </a:ext>
+            </a:extLst>
+          </p:cNvPr>
+          <p:cNvPicPr>
+            <a:picLocks noChangeAspect="1"/>
+          </p:cNvPicPr>
+          <p:nvPr/>
+        </p:nvPicPr>
+        <p:blipFill>
+          <a:blip r:embed="rId2"/>
+          <a:stretch>
+            <a:fillRect/>
+          </a:stretch>
+        </p:blipFill>
+        <p:spPr>
+          <a:xfrm>
+            <a:off x="2776229" y="2515080"/>
+            <a:ext cx="5981700" cy="3867150"/>
+          </a:xfrm>
+          <a:prstGeom prst="rect">
+            <a:avLst/>
+          </a:prstGeom>
+        </p:spPr>
+      </p:pic>
+    </p:spTree>
+    <p:extLst>
+      <p:ext uri="{BB962C8B-B14F-4D97-AF65-F5344CB8AC3E}">
+        <p14:creationId xmlns:p14="http://schemas.microsoft.com/office/powerpoint/2010/main" val="2853387926"/>
+      </p:ext>
+    </p:extLst>
+  </p:cSld>
+  <p:clrMapOvr>
+    <a:masterClrMapping/>
+  </p:clrMapOvr>
+</p:sld>
+</file>
+
+<file path=ppt/slides/slide38.xml><?xml version="1.0" encoding="utf-8"?>
+<p:sld xmlns:a="http://schemas.openxmlformats.org/drawingml/2006/main" xmlns:r="http://schemas.openxmlformats.org/officeDocument/2006/relationships" xmlns:p="http://schemas.openxmlformats.org/presentationml/2006/main">
+  <p:cSld>
+    <p:spTree>
+      <p:nvGrpSpPr>
+        <p:cNvPr id="1" name=""/>
+        <p:cNvGrpSpPr/>
+        <p:nvPr/>
+      </p:nvGrpSpPr>
+      <p:grpSpPr>
+        <a:xfrm>
+          <a:off x="0" y="0"/>
+          <a:ext cx="0" cy="0"/>
+          <a:chOff x="0" y="0"/>
+          <a:chExt cx="0" cy="0"/>
+        </a:xfrm>
+      </p:grpSpPr>
+      <p:sp>
+        <p:nvSpPr>
+          <p:cNvPr id="2" name="제목 1">
+            <a:extLst>
+              <a:ext uri="{FF2B5EF4-FFF2-40B4-BE49-F238E27FC236}">
+                <a16:creationId xmlns:a16="http://schemas.microsoft.com/office/drawing/2014/main" id="{A810EFC4-7C47-46ED-BF74-E2BB05728096}"/>
+              </a:ext>
+            </a:extLst>
+          </p:cNvPr>
+          <p:cNvSpPr>
+            <a:spLocks noGrp="1"/>
+          </p:cNvSpPr>
+          <p:nvPr>
+            <p:ph type="title"/>
+          </p:nvPr>
+        </p:nvSpPr>
+        <p:spPr/>
+        <p:txBody>
+          <a:bodyPr/>
+          <a:lstStyle/>
+          <a:p>
+            <a:r>
+              <a:rPr lang="en-US" altLang="ko-KR" dirty="0">
+                <a:latin typeface="Consolas" panose="020B0609020204030204" pitchFamily="49" charset="0"/>
+              </a:rPr>
+              <a:t>std::</a:t>
+            </a:r>
+            <a:r>
+              <a:rPr lang="en-US" altLang="ko-KR" dirty="0" err="1">
+                <a:latin typeface="Consolas" panose="020B0609020204030204" pitchFamily="49" charset="0"/>
+              </a:rPr>
+              <a:t>stable_sort</a:t>
+            </a:r>
+            <a:endParaRPr lang="ko-KR" altLang="en-US" dirty="0">
+              <a:latin typeface="Consolas" panose="020B0609020204030204" pitchFamily="49" charset="0"/>
+            </a:endParaRPr>
+          </a:p>
+        </p:txBody>
+      </p:sp>
+      <p:sp>
+        <p:nvSpPr>
+          <p:cNvPr id="4" name="내용 개체 틀 3">
+            <a:extLst>
+              <a:ext uri="{FF2B5EF4-FFF2-40B4-BE49-F238E27FC236}">
+                <a16:creationId xmlns:a16="http://schemas.microsoft.com/office/drawing/2014/main" id="{22CAECCB-9429-4FDB-8F86-A0C3F10345C7}"/>
+              </a:ext>
+            </a:extLst>
+          </p:cNvPr>
+          <p:cNvSpPr>
+            <a:spLocks noGrp="1"/>
+          </p:cNvSpPr>
+          <p:nvPr>
+            <p:ph idx="1"/>
+          </p:nvPr>
+        </p:nvSpPr>
+        <p:spPr/>
+        <p:txBody>
+          <a:bodyPr/>
+          <a:lstStyle/>
+          <a:p>
+            <a:pPr marL="0" lvl="0" indent="0" eaLnBrk="0" fontAlgn="base" latinLnBrk="0" hangingPunct="0">
+              <a:lnSpc>
+                <a:spcPct val="100000"/>
+              </a:lnSpc>
+              <a:spcBef>
+                <a:spcPct val="0"/>
+              </a:spcBef>
+              <a:spcAft>
+                <a:spcPct val="0"/>
+              </a:spcAft>
+              <a:buNone/>
+            </a:pPr>
+            <a:r>
+              <a:rPr lang="ko-KR" altLang="ko-KR" dirty="0" err="1">
+                <a:solidFill>
+                  <a:srgbClr val="000000"/>
+                </a:solidFill>
+                <a:latin typeface="Consolas" panose="020B0609020204030204" pitchFamily="49" charset="0"/>
+                <a:ea typeface="DejaVuSans"/>
+              </a:rPr>
+              <a:t>Sorts</a:t>
+            </a:r>
+            <a:r>
+              <a:rPr lang="ko-KR" altLang="ko-KR" dirty="0">
+                <a:solidFill>
+                  <a:srgbClr val="000000"/>
+                </a:solidFill>
+                <a:latin typeface="Consolas" panose="020B0609020204030204" pitchFamily="49" charset="0"/>
+                <a:ea typeface="DejaVuSans"/>
+              </a:rPr>
+              <a:t> </a:t>
+            </a:r>
+            <a:r>
+              <a:rPr lang="ko-KR" altLang="ko-KR" dirty="0" err="1">
+                <a:solidFill>
+                  <a:srgbClr val="000000"/>
+                </a:solidFill>
+                <a:latin typeface="Consolas" panose="020B0609020204030204" pitchFamily="49" charset="0"/>
+                <a:ea typeface="DejaVuSans"/>
+              </a:rPr>
+              <a:t>the</a:t>
+            </a:r>
+            <a:r>
+              <a:rPr lang="ko-KR" altLang="ko-KR" dirty="0">
+                <a:solidFill>
+                  <a:srgbClr val="000000"/>
+                </a:solidFill>
+                <a:latin typeface="Consolas" panose="020B0609020204030204" pitchFamily="49" charset="0"/>
+                <a:ea typeface="DejaVuSans"/>
+              </a:rPr>
+              <a:t> </a:t>
+            </a:r>
+            <a:r>
+              <a:rPr lang="ko-KR" altLang="ko-KR" dirty="0" err="1">
+                <a:solidFill>
+                  <a:srgbClr val="000000"/>
+                </a:solidFill>
+                <a:latin typeface="Consolas" panose="020B0609020204030204" pitchFamily="49" charset="0"/>
+                <a:ea typeface="DejaVuSans"/>
+              </a:rPr>
+              <a:t>elements</a:t>
+            </a:r>
+            <a:r>
+              <a:rPr lang="ko-KR" altLang="ko-KR" dirty="0">
+                <a:solidFill>
+                  <a:srgbClr val="000000"/>
+                </a:solidFill>
+                <a:latin typeface="Consolas" panose="020B0609020204030204" pitchFamily="49" charset="0"/>
+                <a:ea typeface="DejaVuSans"/>
+              </a:rPr>
+              <a:t> </a:t>
+            </a:r>
+            <a:r>
+              <a:rPr lang="ko-KR" altLang="ko-KR" dirty="0" err="1">
+                <a:solidFill>
+                  <a:srgbClr val="000000"/>
+                </a:solidFill>
+                <a:latin typeface="Consolas" panose="020B0609020204030204" pitchFamily="49" charset="0"/>
+                <a:ea typeface="DejaVuSans"/>
+              </a:rPr>
+              <a:t>in</a:t>
+            </a:r>
+            <a:r>
+              <a:rPr lang="ko-KR" altLang="ko-KR" dirty="0">
+                <a:solidFill>
+                  <a:srgbClr val="000000"/>
+                </a:solidFill>
+                <a:latin typeface="Consolas" panose="020B0609020204030204" pitchFamily="49" charset="0"/>
+                <a:ea typeface="DejaVuSans"/>
+              </a:rPr>
+              <a:t> </a:t>
+            </a:r>
+            <a:r>
+              <a:rPr lang="ko-KR" altLang="ko-KR" dirty="0" err="1">
+                <a:solidFill>
+                  <a:srgbClr val="000000"/>
+                </a:solidFill>
+                <a:latin typeface="Consolas" panose="020B0609020204030204" pitchFamily="49" charset="0"/>
+                <a:ea typeface="DejaVuSans"/>
+              </a:rPr>
+              <a:t>the</a:t>
+            </a:r>
+            <a:r>
+              <a:rPr lang="ko-KR" altLang="ko-KR" dirty="0">
+                <a:solidFill>
+                  <a:srgbClr val="000000"/>
+                </a:solidFill>
+                <a:latin typeface="Consolas" panose="020B0609020204030204" pitchFamily="49" charset="0"/>
+                <a:ea typeface="DejaVuSans"/>
+              </a:rPr>
+              <a:t> </a:t>
+            </a:r>
+            <a:r>
+              <a:rPr lang="ko-KR" altLang="ko-KR" dirty="0" err="1">
+                <a:solidFill>
+                  <a:srgbClr val="000000"/>
+                </a:solidFill>
+                <a:latin typeface="Consolas" panose="020B0609020204030204" pitchFamily="49" charset="0"/>
+                <a:ea typeface="DejaVuSans"/>
+              </a:rPr>
+              <a:t>range</a:t>
+            </a:r>
+            <a:r>
+              <a:rPr lang="ko-KR" altLang="ko-KR" dirty="0">
+                <a:solidFill>
+                  <a:srgbClr val="000000"/>
+                </a:solidFill>
+                <a:latin typeface="Consolas" panose="020B0609020204030204" pitchFamily="49" charset="0"/>
+                <a:ea typeface="DejaVuSans"/>
+              </a:rPr>
+              <a:t> </a:t>
+            </a:r>
+            <a:r>
+              <a:rPr lang="ko-KR" altLang="ko-KR" dirty="0">
+                <a:solidFill>
+                  <a:srgbClr val="000000"/>
+                </a:solidFill>
+                <a:latin typeface="Consolas" panose="020B0609020204030204" pitchFamily="49" charset="0"/>
+                <a:ea typeface="DejaVuSansMono"/>
+              </a:rPr>
+              <a:t>[</a:t>
+            </a:r>
+            <a:r>
+              <a:rPr lang="ko-KR" altLang="ko-KR" dirty="0" err="1">
+                <a:solidFill>
+                  <a:srgbClr val="000000"/>
+                </a:solidFill>
+                <a:latin typeface="Consolas" panose="020B0609020204030204" pitchFamily="49" charset="0"/>
+                <a:ea typeface="DejaVuSansMono"/>
+              </a:rPr>
+              <a:t>first</a:t>
+            </a:r>
+            <a:r>
+              <a:rPr lang="ko-KR" altLang="ko-KR" dirty="0">
+                <a:solidFill>
+                  <a:srgbClr val="000000"/>
+                </a:solidFill>
+                <a:latin typeface="Consolas" panose="020B0609020204030204" pitchFamily="49" charset="0"/>
+                <a:ea typeface="DejaVuSansMono"/>
+              </a:rPr>
+              <a:t>, </a:t>
+            </a:r>
+            <a:r>
+              <a:rPr lang="ko-KR" altLang="ko-KR" dirty="0" err="1">
+                <a:solidFill>
+                  <a:srgbClr val="000000"/>
+                </a:solidFill>
+                <a:latin typeface="Consolas" panose="020B0609020204030204" pitchFamily="49" charset="0"/>
+                <a:ea typeface="DejaVuSansMono"/>
+              </a:rPr>
+              <a:t>last</a:t>
+            </a:r>
+            <a:r>
+              <a:rPr lang="ko-KR" altLang="ko-KR" dirty="0">
+                <a:solidFill>
+                  <a:srgbClr val="000000"/>
+                </a:solidFill>
+                <a:latin typeface="Consolas" panose="020B0609020204030204" pitchFamily="49" charset="0"/>
+                <a:ea typeface="DejaVuSansMono"/>
+              </a:rPr>
+              <a:t>)</a:t>
+            </a:r>
+            <a:r>
+              <a:rPr lang="ko-KR" altLang="ko-KR" dirty="0">
+                <a:solidFill>
+                  <a:srgbClr val="000000"/>
+                </a:solidFill>
+                <a:ea typeface="DejaVuSans"/>
+              </a:rPr>
+              <a:t> </a:t>
+            </a:r>
+            <a:r>
+              <a:rPr lang="ko-KR" altLang="ko-KR" dirty="0" err="1">
+                <a:solidFill>
+                  <a:srgbClr val="000000"/>
+                </a:solidFill>
+                <a:latin typeface="Consolas" panose="020B0609020204030204" pitchFamily="49" charset="0"/>
+                <a:ea typeface="DejaVuSans"/>
+              </a:rPr>
+              <a:t>in</a:t>
+            </a:r>
+            <a:r>
+              <a:rPr lang="ko-KR" altLang="ko-KR" dirty="0">
+                <a:solidFill>
+                  <a:srgbClr val="000000"/>
+                </a:solidFill>
+                <a:latin typeface="Consolas" panose="020B0609020204030204" pitchFamily="49" charset="0"/>
+                <a:ea typeface="DejaVuSans"/>
+              </a:rPr>
+              <a:t> </a:t>
+            </a:r>
+            <a:r>
+              <a:rPr lang="ko-KR" altLang="ko-KR" dirty="0" err="1">
+                <a:solidFill>
+                  <a:srgbClr val="000000"/>
+                </a:solidFill>
+                <a:latin typeface="Consolas" panose="020B0609020204030204" pitchFamily="49" charset="0"/>
+                <a:ea typeface="DejaVuSans"/>
+              </a:rPr>
+              <a:t>ascending</a:t>
+            </a:r>
+            <a:r>
+              <a:rPr lang="ko-KR" altLang="ko-KR" dirty="0">
+                <a:solidFill>
+                  <a:srgbClr val="000000"/>
+                </a:solidFill>
+                <a:latin typeface="Consolas" panose="020B0609020204030204" pitchFamily="49" charset="0"/>
+                <a:ea typeface="DejaVuSans"/>
+              </a:rPr>
+              <a:t> </a:t>
+            </a:r>
+            <a:r>
+              <a:rPr lang="ko-KR" altLang="ko-KR" dirty="0" err="1">
+                <a:solidFill>
+                  <a:srgbClr val="000000"/>
+                </a:solidFill>
+                <a:latin typeface="Consolas" panose="020B0609020204030204" pitchFamily="49" charset="0"/>
+                <a:ea typeface="DejaVuSans"/>
+              </a:rPr>
+              <a:t>order</a:t>
+            </a:r>
+            <a:r>
+              <a:rPr lang="ko-KR" altLang="ko-KR" dirty="0">
+                <a:solidFill>
+                  <a:srgbClr val="000000"/>
+                </a:solidFill>
+                <a:latin typeface="Consolas" panose="020B0609020204030204" pitchFamily="49" charset="0"/>
+                <a:ea typeface="DejaVuSans"/>
+              </a:rPr>
+              <a:t>. </a:t>
+            </a:r>
+            <a:r>
+              <a:rPr lang="ko-KR" altLang="ko-KR" b="1" dirty="0">
+                <a:solidFill>
+                  <a:srgbClr val="000000"/>
+                </a:solidFill>
+                <a:latin typeface="Consolas" panose="020B0609020204030204" pitchFamily="49" charset="0"/>
+                <a:ea typeface="DejaVuSans"/>
+              </a:rPr>
+              <a:t>The </a:t>
+            </a:r>
+            <a:r>
+              <a:rPr lang="ko-KR" altLang="ko-KR" b="1" dirty="0" err="1">
+                <a:solidFill>
+                  <a:srgbClr val="000000"/>
+                </a:solidFill>
+                <a:latin typeface="Consolas" panose="020B0609020204030204" pitchFamily="49" charset="0"/>
+                <a:ea typeface="DejaVuSans"/>
+              </a:rPr>
+              <a:t>order</a:t>
+            </a:r>
+            <a:r>
+              <a:rPr lang="ko-KR" altLang="ko-KR" b="1" dirty="0">
+                <a:solidFill>
+                  <a:srgbClr val="000000"/>
+                </a:solidFill>
+                <a:latin typeface="Consolas" panose="020B0609020204030204" pitchFamily="49" charset="0"/>
+                <a:ea typeface="DejaVuSans"/>
+              </a:rPr>
+              <a:t> of </a:t>
+            </a:r>
+            <a:r>
+              <a:rPr lang="ko-KR" altLang="ko-KR" b="1" dirty="0" err="1">
+                <a:solidFill>
+                  <a:srgbClr val="000000"/>
+                </a:solidFill>
+                <a:latin typeface="Consolas" panose="020B0609020204030204" pitchFamily="49" charset="0"/>
+                <a:ea typeface="DejaVuSans"/>
+              </a:rPr>
+              <a:t>equivalent</a:t>
+            </a:r>
+            <a:r>
+              <a:rPr lang="ko-KR" altLang="ko-KR" b="1" dirty="0">
+                <a:solidFill>
+                  <a:srgbClr val="000000"/>
+                </a:solidFill>
+                <a:latin typeface="Consolas" panose="020B0609020204030204" pitchFamily="49" charset="0"/>
+                <a:ea typeface="DejaVuSans"/>
+              </a:rPr>
+              <a:t> </a:t>
+            </a:r>
+            <a:r>
+              <a:rPr lang="ko-KR" altLang="ko-KR" b="1" dirty="0" err="1">
+                <a:solidFill>
+                  <a:srgbClr val="000000"/>
+                </a:solidFill>
+                <a:latin typeface="Consolas" panose="020B0609020204030204" pitchFamily="49" charset="0"/>
+                <a:ea typeface="DejaVuSans"/>
+              </a:rPr>
+              <a:t>elements</a:t>
+            </a:r>
+            <a:r>
+              <a:rPr lang="ko-KR" altLang="ko-KR" b="1" dirty="0">
+                <a:solidFill>
+                  <a:srgbClr val="000000"/>
+                </a:solidFill>
+                <a:latin typeface="Consolas" panose="020B0609020204030204" pitchFamily="49" charset="0"/>
+                <a:ea typeface="DejaVuSans"/>
+              </a:rPr>
+              <a:t> </a:t>
+            </a:r>
+            <a:r>
+              <a:rPr lang="ko-KR" altLang="ko-KR" b="1" dirty="0" err="1">
+                <a:solidFill>
+                  <a:srgbClr val="000000"/>
+                </a:solidFill>
+                <a:latin typeface="Consolas" panose="020B0609020204030204" pitchFamily="49" charset="0"/>
+                <a:ea typeface="DejaVuSans"/>
+              </a:rPr>
+              <a:t>is</a:t>
+            </a:r>
+            <a:r>
+              <a:rPr lang="ko-KR" altLang="ko-KR" b="1" dirty="0">
+                <a:solidFill>
+                  <a:srgbClr val="000000"/>
+                </a:solidFill>
+                <a:latin typeface="Consolas" panose="020B0609020204030204" pitchFamily="49" charset="0"/>
+                <a:ea typeface="DejaVuSans"/>
+              </a:rPr>
+              <a:t> </a:t>
+            </a:r>
+            <a:r>
+              <a:rPr lang="ko-KR" altLang="ko-KR" b="1" dirty="0" err="1">
+                <a:solidFill>
+                  <a:srgbClr val="000000"/>
+                </a:solidFill>
+                <a:latin typeface="Consolas" panose="020B0609020204030204" pitchFamily="49" charset="0"/>
+                <a:ea typeface="DejaVuSans"/>
+              </a:rPr>
+              <a:t>guaranteed</a:t>
+            </a:r>
+            <a:r>
+              <a:rPr lang="ko-KR" altLang="ko-KR" b="1" dirty="0">
+                <a:solidFill>
+                  <a:srgbClr val="000000"/>
+                </a:solidFill>
+                <a:latin typeface="Consolas" panose="020B0609020204030204" pitchFamily="49" charset="0"/>
+                <a:ea typeface="DejaVuSans"/>
+              </a:rPr>
+              <a:t> </a:t>
+            </a:r>
+            <a:r>
+              <a:rPr lang="ko-KR" altLang="ko-KR" b="1" dirty="0" err="1">
+                <a:solidFill>
+                  <a:srgbClr val="000000"/>
+                </a:solidFill>
+                <a:latin typeface="Consolas" panose="020B0609020204030204" pitchFamily="49" charset="0"/>
+                <a:ea typeface="DejaVuSans"/>
+              </a:rPr>
+              <a:t>to</a:t>
+            </a:r>
+            <a:r>
+              <a:rPr lang="ko-KR" altLang="ko-KR" b="1" dirty="0">
+                <a:solidFill>
+                  <a:srgbClr val="000000"/>
+                </a:solidFill>
+                <a:latin typeface="Consolas" panose="020B0609020204030204" pitchFamily="49" charset="0"/>
+                <a:ea typeface="DejaVuSans"/>
+              </a:rPr>
+              <a:t> </a:t>
+            </a:r>
+            <a:r>
+              <a:rPr lang="ko-KR" altLang="ko-KR" b="1" dirty="0" err="1">
+                <a:solidFill>
+                  <a:srgbClr val="000000"/>
+                </a:solidFill>
+                <a:latin typeface="Consolas" panose="020B0609020204030204" pitchFamily="49" charset="0"/>
+                <a:ea typeface="DejaVuSans"/>
+              </a:rPr>
+              <a:t>be</a:t>
+            </a:r>
+            <a:r>
+              <a:rPr lang="ko-KR" altLang="ko-KR" b="1" dirty="0">
+                <a:solidFill>
+                  <a:srgbClr val="000000"/>
+                </a:solidFill>
+                <a:latin typeface="Consolas" panose="020B0609020204030204" pitchFamily="49" charset="0"/>
+                <a:ea typeface="DejaVuSans"/>
+              </a:rPr>
+              <a:t> </a:t>
+            </a:r>
+            <a:r>
+              <a:rPr lang="ko-KR" altLang="ko-KR" b="1" dirty="0" err="1">
+                <a:solidFill>
+                  <a:srgbClr val="000000"/>
+                </a:solidFill>
+                <a:latin typeface="Consolas" panose="020B0609020204030204" pitchFamily="49" charset="0"/>
+                <a:ea typeface="DejaVuSans"/>
+              </a:rPr>
+              <a:t>preserved</a:t>
+            </a:r>
+            <a:r>
+              <a:rPr lang="ko-KR" altLang="ko-KR" b="1" dirty="0">
+                <a:solidFill>
+                  <a:srgbClr val="000000"/>
+                </a:solidFill>
+                <a:latin typeface="Consolas" panose="020B0609020204030204" pitchFamily="49" charset="0"/>
+                <a:ea typeface="DejaVuSans"/>
+              </a:rPr>
+              <a:t>.</a:t>
+            </a:r>
+            <a:r>
+              <a:rPr lang="ko-KR" altLang="ko-KR" sz="800" b="1" dirty="0">
+                <a:latin typeface="Consolas" panose="020B0609020204030204" pitchFamily="49" charset="0"/>
+              </a:rPr>
+              <a:t> </a:t>
+            </a:r>
+            <a:endParaRPr lang="en-US" altLang="ko-KR" sz="800" b="1" dirty="0">
+              <a:latin typeface="Consolas" panose="020B0609020204030204" pitchFamily="49" charset="0"/>
+            </a:endParaRPr>
+          </a:p>
+          <a:p>
+            <a:pPr marL="0" lvl="0" indent="0" eaLnBrk="0" fontAlgn="base" latinLnBrk="0" hangingPunct="0">
+              <a:lnSpc>
+                <a:spcPct val="100000"/>
+              </a:lnSpc>
+              <a:spcBef>
+                <a:spcPct val="0"/>
+              </a:spcBef>
+              <a:spcAft>
+                <a:spcPct val="0"/>
+              </a:spcAft>
+              <a:buNone/>
+            </a:pPr>
+            <a:endParaRPr lang="en-US" altLang="ko-KR" sz="800" b="1" dirty="0">
+              <a:latin typeface="Consolas" panose="020B0609020204030204" pitchFamily="49" charset="0"/>
+            </a:endParaRPr>
+          </a:p>
+          <a:p>
+            <a:pPr marL="0" lvl="0" indent="0" eaLnBrk="0" fontAlgn="base" latinLnBrk="0" hangingPunct="0">
+              <a:lnSpc>
+                <a:spcPct val="100000"/>
+              </a:lnSpc>
+              <a:spcBef>
+                <a:spcPct val="0"/>
+              </a:spcBef>
+              <a:spcAft>
+                <a:spcPct val="0"/>
+              </a:spcAft>
+              <a:buNone/>
+            </a:pPr>
+            <a:r>
+              <a:rPr lang="ko-KR" altLang="en-US" sz="3200" b="1" dirty="0">
+                <a:latin typeface="Consolas" panose="020B0609020204030204" pitchFamily="49" charset="0"/>
+              </a:rPr>
+              <a:t>정렬 시</a:t>
+            </a:r>
+            <a:r>
+              <a:rPr lang="en-US" altLang="ko-KR" sz="3200" b="1" dirty="0">
+                <a:latin typeface="Consolas" panose="020B0609020204030204" pitchFamily="49" charset="0"/>
+              </a:rPr>
+              <a:t>, </a:t>
+            </a:r>
+            <a:r>
+              <a:rPr lang="ko-KR" altLang="en-US" sz="3200" b="1" dirty="0">
+                <a:latin typeface="Consolas" panose="020B0609020204030204" pitchFamily="49" charset="0"/>
+              </a:rPr>
+              <a:t>동등한 원소의 순서 유지</a:t>
+            </a:r>
+            <a:endParaRPr lang="ko-KR" altLang="ko-KR" sz="34400" b="1" dirty="0">
+              <a:latin typeface="Consolas" panose="020B0609020204030204" pitchFamily="49" charset="0"/>
+            </a:endParaRPr>
+          </a:p>
+        </p:txBody>
+      </p:sp>
+    </p:spTree>
+    <p:extLst>
+      <p:ext uri="{BB962C8B-B14F-4D97-AF65-F5344CB8AC3E}">
+        <p14:creationId xmlns:p14="http://schemas.microsoft.com/office/powerpoint/2010/main" val="1101525577"/>
+      </p:ext>
+    </p:extLst>
+  </p:cSld>
+  <p:clrMapOvr>
+    <a:masterClrMapping/>
+  </p:clrMapOvr>
+</p:sld>
+</file>
+
+<file path=ppt/slides/slide39.xml><?xml version="1.0" encoding="utf-8"?>
+<p:sld xmlns:a="http://schemas.openxmlformats.org/drawingml/2006/main" xmlns:r="http://schemas.openxmlformats.org/officeDocument/2006/relationships" xmlns:p="http://schemas.openxmlformats.org/presentationml/2006/main">
+  <p:cSld>
+    <p:spTree>
+      <p:nvGrpSpPr>
+        <p:cNvPr id="1" name=""/>
+        <p:cNvGrpSpPr/>
+        <p:nvPr/>
+      </p:nvGrpSpPr>
+      <p:grpSpPr>
+        <a:xfrm>
+          <a:off x="0" y="0"/>
+          <a:ext cx="0" cy="0"/>
+          <a:chOff x="0" y="0"/>
+          <a:chExt cx="0" cy="0"/>
+        </a:xfrm>
+      </p:grpSpPr>
+      <p:sp>
+        <p:nvSpPr>
+          <p:cNvPr id="2" name="제목 1">
+            <a:extLst>
+              <a:ext uri="{FF2B5EF4-FFF2-40B4-BE49-F238E27FC236}">
+                <a16:creationId xmlns:a16="http://schemas.microsoft.com/office/drawing/2014/main" id="{A810EFC4-7C47-46ED-BF74-E2BB05728096}"/>
+              </a:ext>
+            </a:extLst>
+          </p:cNvPr>
+          <p:cNvSpPr>
+            <a:spLocks noGrp="1"/>
+          </p:cNvSpPr>
+          <p:nvPr>
+            <p:ph type="title"/>
+          </p:nvPr>
+        </p:nvSpPr>
+        <p:spPr/>
+        <p:txBody>
+          <a:bodyPr/>
+          <a:lstStyle/>
+          <a:p>
+            <a:r>
+              <a:rPr lang="en-US" altLang="ko-KR" dirty="0">
+                <a:latin typeface="Consolas" panose="020B0609020204030204" pitchFamily="49" charset="0"/>
+              </a:rPr>
+              <a:t>std::</a:t>
+            </a:r>
+            <a:r>
+              <a:rPr lang="en-US" altLang="ko-KR" dirty="0" err="1">
+                <a:latin typeface="Consolas" panose="020B0609020204030204" pitchFamily="49" charset="0"/>
+              </a:rPr>
+              <a:t>stable_sort</a:t>
+            </a:r>
+            <a:endParaRPr lang="ko-KR" altLang="en-US" dirty="0">
+              <a:latin typeface="Consolas" panose="020B0609020204030204" pitchFamily="49" charset="0"/>
+            </a:endParaRPr>
+          </a:p>
+        </p:txBody>
+      </p:sp>
+      <p:sp>
+        <p:nvSpPr>
+          <p:cNvPr id="4" name="내용 개체 틀 3">
+            <a:extLst>
+              <a:ext uri="{FF2B5EF4-FFF2-40B4-BE49-F238E27FC236}">
+                <a16:creationId xmlns:a16="http://schemas.microsoft.com/office/drawing/2014/main" id="{22CAECCB-9429-4FDB-8F86-A0C3F10345C7}"/>
+              </a:ext>
+            </a:extLst>
+          </p:cNvPr>
+          <p:cNvSpPr>
+            <a:spLocks noGrp="1"/>
+          </p:cNvSpPr>
+          <p:nvPr>
+            <p:ph idx="1"/>
+          </p:nvPr>
+        </p:nvSpPr>
+        <p:spPr/>
+        <p:txBody>
+          <a:bodyPr/>
+          <a:lstStyle/>
+          <a:p>
+            <a:r>
+              <a:rPr lang="ko-KR" altLang="en-US" dirty="0"/>
+              <a:t>아하</a:t>
+            </a:r>
+            <a:r>
+              <a:rPr lang="en-US" altLang="ko-KR" dirty="0"/>
+              <a:t>. </a:t>
+            </a:r>
+            <a:endParaRPr lang="ko-KR" altLang="en-US" dirty="0"/>
+          </a:p>
+        </p:txBody>
+      </p:sp>
+      <p:pic>
+        <p:nvPicPr>
+          <p:cNvPr id="3" name="그림 2">
+            <a:extLst>
+              <a:ext uri="{FF2B5EF4-FFF2-40B4-BE49-F238E27FC236}">
+                <a16:creationId xmlns:a16="http://schemas.microsoft.com/office/drawing/2014/main" id="{DBAA012F-137C-4FA1-B539-C88D2E20CED6}"/>
+              </a:ext>
+            </a:extLst>
+          </p:cNvPr>
+          <p:cNvPicPr>
+            <a:picLocks noChangeAspect="1"/>
+          </p:cNvPicPr>
+          <p:nvPr/>
+        </p:nvPicPr>
+        <p:blipFill>
+          <a:blip r:embed="rId2"/>
+          <a:stretch>
+            <a:fillRect/>
+          </a:stretch>
+        </p:blipFill>
+        <p:spPr>
+          <a:xfrm>
+            <a:off x="1123950" y="2368550"/>
+            <a:ext cx="9944100" cy="3943350"/>
+          </a:xfrm>
+          <a:prstGeom prst="rect">
+            <a:avLst/>
+          </a:prstGeom>
+        </p:spPr>
+      </p:pic>
+      <p:sp>
+        <p:nvSpPr>
+          <p:cNvPr id="5" name="직사각형 4">
+            <a:extLst>
+              <a:ext uri="{FF2B5EF4-FFF2-40B4-BE49-F238E27FC236}">
+                <a16:creationId xmlns:a16="http://schemas.microsoft.com/office/drawing/2014/main" id="{A0D7C6C0-5E08-423C-91AB-A70D2E904BE8}"/>
+              </a:ext>
+            </a:extLst>
+          </p:cNvPr>
+          <p:cNvSpPr/>
+          <p:nvPr/>
+        </p:nvSpPr>
+        <p:spPr>
+          <a:xfrm>
+            <a:off x="5793390" y="4441606"/>
+            <a:ext cx="2441694" cy="369332"/>
+          </a:xfrm>
+          <a:prstGeom prst="rect">
+            <a:avLst/>
+          </a:prstGeom>
+        </p:spPr>
+        <p:txBody>
+          <a:bodyPr wrap="none">
+            <a:spAutoFit/>
+          </a:bodyPr>
+          <a:lstStyle/>
+          <a:p>
+            <a:r>
+              <a:rPr lang="ko-KR" altLang="en-US" dirty="0">
+                <a:solidFill>
+                  <a:srgbClr val="FF0000"/>
+                </a:solidFill>
+              </a:rPr>
+              <a:t>정렬 전 쌍둥이 순서 유지</a:t>
+            </a:r>
+          </a:p>
+        </p:txBody>
+      </p:sp>
+      <p:sp>
+        <p:nvSpPr>
+          <p:cNvPr id="7" name="직사각형 6">
+            <a:extLst>
+              <a:ext uri="{FF2B5EF4-FFF2-40B4-BE49-F238E27FC236}">
+                <a16:creationId xmlns:a16="http://schemas.microsoft.com/office/drawing/2014/main" id="{D5EC512C-1519-422B-8DCB-10E42BBD93B3}"/>
+              </a:ext>
+            </a:extLst>
+          </p:cNvPr>
+          <p:cNvSpPr/>
+          <p:nvPr/>
+        </p:nvSpPr>
+        <p:spPr>
+          <a:xfrm>
+            <a:off x="4927235" y="3039229"/>
+            <a:ext cx="1999838" cy="328921"/>
+          </a:xfrm>
+          <a:prstGeom prst="rect">
+            <a:avLst/>
+          </a:prstGeom>
+          <a:noFill/>
+          <a:ln>
+            <a:solidFill>
+              <a:srgbClr val="FF0000"/>
+            </a:solidFill>
+          </a:ln>
+        </p:spPr>
+        <p:style>
+          <a:lnRef idx="2">
+            <a:schemeClr val="accent1">
+              <a:shade val="50000"/>
+            </a:schemeClr>
+          </a:lnRef>
+          <a:fillRef idx="1">
+            <a:schemeClr val="accent1"/>
+          </a:fillRef>
+          <a:effectRef idx="0">
+            <a:schemeClr val="accent1"/>
+          </a:effectRef>
+          <a:fontRef idx="minor">
+            <a:schemeClr val="lt1"/>
+          </a:fontRef>
+        </p:style>
+        <p:txBody>
+          <a:bodyPr rtlCol="0" anchor="ctr"/>
+          <a:lstStyle/>
+          <a:p>
+            <a:pPr algn="ctr"/>
+            <a:endParaRPr lang="ko-KR" altLang="en-US"/>
+          </a:p>
+        </p:txBody>
+      </p:sp>
+      <p:sp>
+        <p:nvSpPr>
+          <p:cNvPr id="8" name="직사각형 7">
+            <a:extLst>
+              <a:ext uri="{FF2B5EF4-FFF2-40B4-BE49-F238E27FC236}">
+                <a16:creationId xmlns:a16="http://schemas.microsoft.com/office/drawing/2014/main" id="{2E9AF76C-4128-4F61-888B-0313A19436E8}"/>
+              </a:ext>
+            </a:extLst>
+          </p:cNvPr>
+          <p:cNvSpPr/>
+          <p:nvPr/>
+        </p:nvSpPr>
+        <p:spPr>
+          <a:xfrm>
+            <a:off x="8430243" y="3023959"/>
+            <a:ext cx="1999838" cy="328921"/>
+          </a:xfrm>
+          <a:prstGeom prst="rect">
+            <a:avLst/>
+          </a:prstGeom>
+          <a:noFill/>
+          <a:ln>
+            <a:solidFill>
+              <a:srgbClr val="FF0000"/>
+            </a:solidFill>
+          </a:ln>
+        </p:spPr>
+        <p:style>
+          <a:lnRef idx="2">
+            <a:schemeClr val="accent1">
+              <a:shade val="50000"/>
+            </a:schemeClr>
+          </a:lnRef>
+          <a:fillRef idx="1">
+            <a:schemeClr val="accent1"/>
+          </a:fillRef>
+          <a:effectRef idx="0">
+            <a:schemeClr val="accent1"/>
+          </a:effectRef>
+          <a:fontRef idx="minor">
+            <a:schemeClr val="lt1"/>
+          </a:fontRef>
+        </p:style>
+        <p:txBody>
+          <a:bodyPr rtlCol="0" anchor="ctr"/>
+          <a:lstStyle/>
+          <a:p>
+            <a:pPr algn="ctr"/>
+            <a:endParaRPr lang="ko-KR" altLang="en-US"/>
+          </a:p>
+        </p:txBody>
+      </p:sp>
+      <p:sp>
+        <p:nvSpPr>
+          <p:cNvPr id="9" name="직사각형 8">
+            <a:extLst>
+              <a:ext uri="{FF2B5EF4-FFF2-40B4-BE49-F238E27FC236}">
+                <a16:creationId xmlns:a16="http://schemas.microsoft.com/office/drawing/2014/main" id="{BDDA9356-881D-41A0-B9BC-556942A2C8F5}"/>
+              </a:ext>
+            </a:extLst>
+          </p:cNvPr>
+          <p:cNvSpPr/>
+          <p:nvPr/>
+        </p:nvSpPr>
+        <p:spPr>
+          <a:xfrm>
+            <a:off x="1260865" y="5752306"/>
+            <a:ext cx="1999838" cy="328921"/>
+          </a:xfrm>
+          <a:prstGeom prst="rect">
+            <a:avLst/>
+          </a:prstGeom>
+          <a:noFill/>
+          <a:ln>
+            <a:solidFill>
+              <a:srgbClr val="FF0000"/>
+            </a:solidFill>
+          </a:ln>
+        </p:spPr>
+        <p:style>
+          <a:lnRef idx="2">
+            <a:schemeClr val="accent1">
+              <a:shade val="50000"/>
+            </a:schemeClr>
+          </a:lnRef>
+          <a:fillRef idx="1">
+            <a:schemeClr val="accent1"/>
+          </a:fillRef>
+          <a:effectRef idx="0">
+            <a:schemeClr val="accent1"/>
+          </a:effectRef>
+          <a:fontRef idx="minor">
+            <a:schemeClr val="lt1"/>
+          </a:fontRef>
+        </p:style>
+        <p:txBody>
+          <a:bodyPr rtlCol="0" anchor="ctr"/>
+          <a:lstStyle/>
+          <a:p>
+            <a:pPr algn="ctr"/>
+            <a:endParaRPr lang="ko-KR" altLang="en-US"/>
+          </a:p>
+        </p:txBody>
+      </p:sp>
+      <p:sp>
+        <p:nvSpPr>
+          <p:cNvPr id="10" name="직사각형 9">
+            <a:extLst>
+              <a:ext uri="{FF2B5EF4-FFF2-40B4-BE49-F238E27FC236}">
+                <a16:creationId xmlns:a16="http://schemas.microsoft.com/office/drawing/2014/main" id="{E6DB3BC6-0890-40DE-8E63-E63006BE6E18}"/>
+              </a:ext>
+            </a:extLst>
+          </p:cNvPr>
+          <p:cNvSpPr/>
+          <p:nvPr/>
+        </p:nvSpPr>
+        <p:spPr>
+          <a:xfrm>
+            <a:off x="3840701" y="5780133"/>
+            <a:ext cx="1999838" cy="328921"/>
+          </a:xfrm>
+          <a:prstGeom prst="rect">
+            <a:avLst/>
+          </a:prstGeom>
+          <a:noFill/>
+          <a:ln>
+            <a:solidFill>
+              <a:srgbClr val="FF0000"/>
+            </a:solidFill>
+          </a:ln>
+        </p:spPr>
+        <p:style>
+          <a:lnRef idx="2">
+            <a:schemeClr val="accent1">
+              <a:shade val="50000"/>
+            </a:schemeClr>
+          </a:lnRef>
+          <a:fillRef idx="1">
+            <a:schemeClr val="accent1"/>
+          </a:fillRef>
+          <a:effectRef idx="0">
+            <a:schemeClr val="accent1"/>
+          </a:effectRef>
+          <a:fontRef idx="minor">
+            <a:schemeClr val="lt1"/>
+          </a:fontRef>
+        </p:style>
+        <p:txBody>
+          <a:bodyPr rtlCol="0" anchor="ctr"/>
+          <a:lstStyle/>
+          <a:p>
+            <a:pPr algn="ctr"/>
+            <a:endParaRPr lang="ko-KR" altLang="en-US"/>
+          </a:p>
+        </p:txBody>
+      </p:sp>
+    </p:spTree>
+    <p:extLst>
+      <p:ext uri="{BB962C8B-B14F-4D97-AF65-F5344CB8AC3E}">
+        <p14:creationId xmlns:p14="http://schemas.microsoft.com/office/powerpoint/2010/main" val="445777753"/>
+      </p:ext>
+    </p:extLst>
+  </p:cSld>
+  <p:clrMapOvr>
+    <a:masterClrMapping/>
+  </p:clrMapOvr>
+</p:sld>
+</file>
+
 <file path=ppt/slides/slide4.xml><?xml version="1.0" encoding="utf-8"?>
 <p:sld xmlns:a="http://schemas.openxmlformats.org/drawingml/2006/main" xmlns:r="http://schemas.openxmlformats.org/officeDocument/2006/relationships" xmlns:p="http://schemas.openxmlformats.org/presentationml/2006/main">
   <p:cSld>
@@ -6735,6 +11343,3644 @@
     <p:extLst>
       <p:ext uri="{BB962C8B-B14F-4D97-AF65-F5344CB8AC3E}">
         <p14:creationId xmlns:p14="http://schemas.microsoft.com/office/powerpoint/2010/main" val="2313241031"/>
+      </p:ext>
+    </p:extLst>
+  </p:cSld>
+  <p:clrMapOvr>
+    <a:masterClrMapping/>
+  </p:clrMapOvr>
+</p:sld>
+</file>
+
+<file path=ppt/slides/slide40.xml><?xml version="1.0" encoding="utf-8"?>
+<p:sld xmlns:a="http://schemas.openxmlformats.org/drawingml/2006/main" xmlns:r="http://schemas.openxmlformats.org/officeDocument/2006/relationships" xmlns:p="http://schemas.openxmlformats.org/presentationml/2006/main">
+  <p:cSld>
+    <p:spTree>
+      <p:nvGrpSpPr>
+        <p:cNvPr id="1" name=""/>
+        <p:cNvGrpSpPr/>
+        <p:nvPr/>
+      </p:nvGrpSpPr>
+      <p:grpSpPr>
+        <a:xfrm>
+          <a:off x="0" y="0"/>
+          <a:ext cx="0" cy="0"/>
+          <a:chOff x="0" y="0"/>
+          <a:chExt cx="0" cy="0"/>
+        </a:xfrm>
+      </p:grpSpPr>
+      <p:sp>
+        <p:nvSpPr>
+          <p:cNvPr id="2" name="제목 1">
+            <a:extLst>
+              <a:ext uri="{FF2B5EF4-FFF2-40B4-BE49-F238E27FC236}">
+                <a16:creationId xmlns:a16="http://schemas.microsoft.com/office/drawing/2014/main" id="{A810EFC4-7C47-46ED-BF74-E2BB05728096}"/>
+              </a:ext>
+            </a:extLst>
+          </p:cNvPr>
+          <p:cNvSpPr>
+            <a:spLocks noGrp="1"/>
+          </p:cNvSpPr>
+          <p:nvPr>
+            <p:ph type="title"/>
+          </p:nvPr>
+        </p:nvSpPr>
+        <p:spPr/>
+        <p:txBody>
+          <a:bodyPr/>
+          <a:lstStyle/>
+          <a:p>
+            <a:r>
+              <a:rPr lang="en-US" altLang="ko-KR" dirty="0">
+                <a:latin typeface="Consolas" panose="020B0609020204030204" pitchFamily="49" charset="0"/>
+              </a:rPr>
+              <a:t>std::</a:t>
+            </a:r>
+            <a:r>
+              <a:rPr lang="en-US" altLang="ko-KR" dirty="0" err="1">
+                <a:latin typeface="Consolas" panose="020B0609020204030204" pitchFamily="49" charset="0"/>
+              </a:rPr>
+              <a:t>stable_sort</a:t>
+            </a:r>
+            <a:r>
+              <a:rPr lang="en-US" altLang="ko-KR" dirty="0">
+                <a:latin typeface="Consolas" panose="020B0609020204030204" pitchFamily="49" charset="0"/>
+              </a:rPr>
+              <a:t> </a:t>
+            </a:r>
+            <a:r>
+              <a:rPr lang="ko-KR" altLang="en-US" dirty="0">
+                <a:latin typeface="Consolas" panose="020B0609020204030204" pitchFamily="49" charset="0"/>
+              </a:rPr>
+              <a:t>용례</a:t>
+            </a:r>
+          </a:p>
+        </p:txBody>
+      </p:sp>
+      <p:pic>
+        <p:nvPicPr>
+          <p:cNvPr id="3" name="내용 개체 틀 2">
+            <a:extLst>
+              <a:ext uri="{FF2B5EF4-FFF2-40B4-BE49-F238E27FC236}">
+                <a16:creationId xmlns:a16="http://schemas.microsoft.com/office/drawing/2014/main" id="{716D87DF-0799-48F4-A247-217A78FF3E34}"/>
+              </a:ext>
+            </a:extLst>
+          </p:cNvPr>
+          <p:cNvPicPr>
+            <a:picLocks noGrp="1" noChangeAspect="1"/>
+          </p:cNvPicPr>
+          <p:nvPr>
+            <p:ph idx="1"/>
+          </p:nvPr>
+        </p:nvPicPr>
+        <p:blipFill>
+          <a:blip r:embed="rId2"/>
+          <a:stretch>
+            <a:fillRect/>
+          </a:stretch>
+        </p:blipFill>
+        <p:spPr>
+          <a:xfrm>
+            <a:off x="1050939" y="1871674"/>
+            <a:ext cx="5787837" cy="4351338"/>
+          </a:xfrm>
+          <a:prstGeom prst="rect">
+            <a:avLst/>
+          </a:prstGeom>
+        </p:spPr>
+      </p:pic>
+      <p:pic>
+        <p:nvPicPr>
+          <p:cNvPr id="5" name="그림 4">
+            <a:extLst>
+              <a:ext uri="{FF2B5EF4-FFF2-40B4-BE49-F238E27FC236}">
+                <a16:creationId xmlns:a16="http://schemas.microsoft.com/office/drawing/2014/main" id="{0AE19D53-61CB-42D0-B988-AE4D438BCFB8}"/>
+              </a:ext>
+            </a:extLst>
+          </p:cNvPr>
+          <p:cNvPicPr>
+            <a:picLocks noChangeAspect="1"/>
+          </p:cNvPicPr>
+          <p:nvPr/>
+        </p:nvPicPr>
+        <p:blipFill>
+          <a:blip r:embed="rId3"/>
+          <a:stretch>
+            <a:fillRect/>
+          </a:stretch>
+        </p:blipFill>
+        <p:spPr>
+          <a:xfrm>
+            <a:off x="5158814" y="5356237"/>
+            <a:ext cx="6505575" cy="866775"/>
+          </a:xfrm>
+          <a:prstGeom prst="rect">
+            <a:avLst/>
+          </a:prstGeom>
+        </p:spPr>
+      </p:pic>
+      <p:sp>
+        <p:nvSpPr>
+          <p:cNvPr id="6" name="직사각형 5">
+            <a:extLst>
+              <a:ext uri="{FF2B5EF4-FFF2-40B4-BE49-F238E27FC236}">
+                <a16:creationId xmlns:a16="http://schemas.microsoft.com/office/drawing/2014/main" id="{A7696374-1DA2-449F-87DE-FEDF4F01D9BD}"/>
+              </a:ext>
+            </a:extLst>
+          </p:cNvPr>
+          <p:cNvSpPr/>
+          <p:nvPr/>
+        </p:nvSpPr>
+        <p:spPr>
+          <a:xfrm>
+            <a:off x="6838776" y="4507390"/>
+            <a:ext cx="2481770" cy="369332"/>
+          </a:xfrm>
+          <a:prstGeom prst="rect">
+            <a:avLst/>
+          </a:prstGeom>
+        </p:spPr>
+        <p:txBody>
+          <a:bodyPr wrap="none">
+            <a:spAutoFit/>
+          </a:bodyPr>
+          <a:lstStyle/>
+          <a:p>
+            <a:r>
+              <a:rPr lang="en-US" altLang="ko-KR" dirty="0">
+                <a:solidFill>
+                  <a:srgbClr val="FF0000"/>
+                </a:solidFill>
+              </a:rPr>
+              <a:t>X</a:t>
+            </a:r>
+            <a:r>
+              <a:rPr lang="ko-KR" altLang="en-US" dirty="0">
+                <a:solidFill>
+                  <a:srgbClr val="FF0000"/>
+                </a:solidFill>
+              </a:rPr>
+              <a:t>순으로 정렬된 컨테이너</a:t>
+            </a:r>
+          </a:p>
+        </p:txBody>
+      </p:sp>
+      <p:sp>
+        <p:nvSpPr>
+          <p:cNvPr id="7" name="직사각형 6">
+            <a:extLst>
+              <a:ext uri="{FF2B5EF4-FFF2-40B4-BE49-F238E27FC236}">
+                <a16:creationId xmlns:a16="http://schemas.microsoft.com/office/drawing/2014/main" id="{CBDA5FD0-9369-404C-94D4-1E766CAA049F}"/>
+              </a:ext>
+            </a:extLst>
+          </p:cNvPr>
+          <p:cNvSpPr/>
+          <p:nvPr/>
+        </p:nvSpPr>
+        <p:spPr>
+          <a:xfrm>
+            <a:off x="6838776" y="4876722"/>
+            <a:ext cx="2190728" cy="369332"/>
+          </a:xfrm>
+          <a:prstGeom prst="rect">
+            <a:avLst/>
+          </a:prstGeom>
+        </p:spPr>
+        <p:txBody>
+          <a:bodyPr wrap="none">
+            <a:spAutoFit/>
+          </a:bodyPr>
+          <a:lstStyle/>
+          <a:p>
+            <a:r>
+              <a:rPr lang="en-US" altLang="ko-KR" dirty="0">
+                <a:solidFill>
+                  <a:srgbClr val="FF0000"/>
+                </a:solidFill>
+              </a:rPr>
+              <a:t>Y</a:t>
+            </a:r>
+            <a:r>
+              <a:rPr lang="ko-KR" altLang="en-US" dirty="0">
+                <a:solidFill>
+                  <a:srgbClr val="FF0000"/>
+                </a:solidFill>
+              </a:rPr>
+              <a:t>순으로 </a:t>
+            </a:r>
+            <a:r>
+              <a:rPr lang="en-US" altLang="ko-KR" dirty="0" err="1">
+                <a:solidFill>
+                  <a:srgbClr val="FF0000"/>
+                </a:solidFill>
+              </a:rPr>
+              <a:t>stable_sort</a:t>
+            </a:r>
+            <a:r>
+              <a:rPr lang="ko-KR" altLang="en-US" dirty="0">
+                <a:solidFill>
+                  <a:srgbClr val="FF0000"/>
+                </a:solidFill>
+              </a:rPr>
+              <a:t> </a:t>
+            </a:r>
+          </a:p>
+        </p:txBody>
+      </p:sp>
+      <p:sp>
+        <p:nvSpPr>
+          <p:cNvPr id="8" name="직사각형 7">
+            <a:extLst>
+              <a:ext uri="{FF2B5EF4-FFF2-40B4-BE49-F238E27FC236}">
+                <a16:creationId xmlns:a16="http://schemas.microsoft.com/office/drawing/2014/main" id="{63D6D324-6A04-4461-984F-54CAF0A4893E}"/>
+              </a:ext>
+            </a:extLst>
+          </p:cNvPr>
+          <p:cNvSpPr/>
+          <p:nvPr/>
+        </p:nvSpPr>
+        <p:spPr>
+          <a:xfrm>
+            <a:off x="9029504" y="6308209"/>
+            <a:ext cx="2736647" cy="369332"/>
+          </a:xfrm>
+          <a:prstGeom prst="rect">
+            <a:avLst/>
+          </a:prstGeom>
+        </p:spPr>
+        <p:txBody>
+          <a:bodyPr wrap="none">
+            <a:spAutoFit/>
+          </a:bodyPr>
+          <a:lstStyle/>
+          <a:p>
+            <a:r>
+              <a:rPr lang="ko-KR" altLang="en-US" dirty="0">
+                <a:solidFill>
+                  <a:srgbClr val="FF0000"/>
+                </a:solidFill>
+              </a:rPr>
+              <a:t>같은 </a:t>
+            </a:r>
+            <a:r>
+              <a:rPr lang="en-US" altLang="ko-KR" dirty="0">
+                <a:solidFill>
+                  <a:srgbClr val="FF0000"/>
+                </a:solidFill>
+              </a:rPr>
+              <a:t>y</a:t>
+            </a:r>
+            <a:r>
+              <a:rPr lang="ko-KR" altLang="en-US" dirty="0">
+                <a:solidFill>
+                  <a:srgbClr val="FF0000"/>
+                </a:solidFill>
+              </a:rPr>
+              <a:t>값 내에서는 </a:t>
+            </a:r>
+            <a:r>
+              <a:rPr lang="en-US" altLang="ko-KR" dirty="0">
+                <a:solidFill>
+                  <a:srgbClr val="FF0000"/>
+                </a:solidFill>
+              </a:rPr>
+              <a:t>x</a:t>
+            </a:r>
+            <a:r>
+              <a:rPr lang="ko-KR" altLang="en-US" dirty="0">
+                <a:solidFill>
+                  <a:srgbClr val="FF0000"/>
+                </a:solidFill>
+              </a:rPr>
+              <a:t>순  정렬</a:t>
+            </a:r>
+          </a:p>
+        </p:txBody>
+      </p:sp>
+    </p:spTree>
+    <p:extLst>
+      <p:ext uri="{BB962C8B-B14F-4D97-AF65-F5344CB8AC3E}">
+        <p14:creationId xmlns:p14="http://schemas.microsoft.com/office/powerpoint/2010/main" val="3577862716"/>
+      </p:ext>
+    </p:extLst>
+  </p:cSld>
+  <p:clrMapOvr>
+    <a:masterClrMapping/>
+  </p:clrMapOvr>
+</p:sld>
+</file>
+
+<file path=ppt/slides/slide41.xml><?xml version="1.0" encoding="utf-8"?>
+<p:sld xmlns:a="http://schemas.openxmlformats.org/drawingml/2006/main" xmlns:r="http://schemas.openxmlformats.org/officeDocument/2006/relationships" xmlns:p="http://schemas.openxmlformats.org/presentationml/2006/main">
+  <p:cSld>
+    <p:spTree>
+      <p:nvGrpSpPr>
+        <p:cNvPr id="1" name=""/>
+        <p:cNvGrpSpPr/>
+        <p:nvPr/>
+      </p:nvGrpSpPr>
+      <p:grpSpPr>
+        <a:xfrm>
+          <a:off x="0" y="0"/>
+          <a:ext cx="0" cy="0"/>
+          <a:chOff x="0" y="0"/>
+          <a:chExt cx="0" cy="0"/>
+        </a:xfrm>
+      </p:grpSpPr>
+      <p:sp>
+        <p:nvSpPr>
+          <p:cNvPr id="2" name="제목 1">
+            <a:extLst>
+              <a:ext uri="{FF2B5EF4-FFF2-40B4-BE49-F238E27FC236}">
+                <a16:creationId xmlns:a16="http://schemas.microsoft.com/office/drawing/2014/main" id="{A810EFC4-7C47-46ED-BF74-E2BB05728096}"/>
+              </a:ext>
+            </a:extLst>
+          </p:cNvPr>
+          <p:cNvSpPr>
+            <a:spLocks noGrp="1"/>
+          </p:cNvSpPr>
+          <p:nvPr>
+            <p:ph type="title"/>
+          </p:nvPr>
+        </p:nvSpPr>
+        <p:spPr/>
+        <p:txBody>
+          <a:bodyPr/>
+          <a:lstStyle/>
+          <a:p>
+            <a:r>
+              <a:rPr lang="en-US" altLang="ko-KR" dirty="0">
+                <a:latin typeface="Consolas" panose="020B0609020204030204" pitchFamily="49" charset="0"/>
+              </a:rPr>
+              <a:t>std::</a:t>
+            </a:r>
+            <a:r>
+              <a:rPr lang="en-US" altLang="ko-KR" dirty="0" err="1">
+                <a:latin typeface="Consolas" panose="020B0609020204030204" pitchFamily="49" charset="0"/>
+              </a:rPr>
+              <a:t>stable_sort</a:t>
+            </a:r>
+            <a:r>
+              <a:rPr lang="en-US" altLang="ko-KR" dirty="0">
+                <a:latin typeface="Consolas" panose="020B0609020204030204" pitchFamily="49" charset="0"/>
+              </a:rPr>
+              <a:t> </a:t>
+            </a:r>
+            <a:r>
+              <a:rPr lang="ko-KR" altLang="en-US" dirty="0">
+                <a:latin typeface="Consolas" panose="020B0609020204030204" pitchFamily="49" charset="0"/>
+              </a:rPr>
+              <a:t>구현</a:t>
+            </a:r>
+          </a:p>
+        </p:txBody>
+      </p:sp>
+      <p:pic>
+        <p:nvPicPr>
+          <p:cNvPr id="13" name="내용 개체 틀 12">
+            <a:extLst>
+              <a:ext uri="{FF2B5EF4-FFF2-40B4-BE49-F238E27FC236}">
+                <a16:creationId xmlns:a16="http://schemas.microsoft.com/office/drawing/2014/main" id="{E6AAEBEC-B2F7-4070-8CF9-2662E87CDAC6}"/>
+              </a:ext>
+            </a:extLst>
+          </p:cNvPr>
+          <p:cNvPicPr>
+            <a:picLocks noGrp="1" noChangeAspect="1"/>
+          </p:cNvPicPr>
+          <p:nvPr>
+            <p:ph idx="1"/>
+          </p:nvPr>
+        </p:nvPicPr>
+        <p:blipFill>
+          <a:blip r:embed="rId2"/>
+          <a:stretch>
+            <a:fillRect/>
+          </a:stretch>
+        </p:blipFill>
+        <p:spPr>
+          <a:xfrm>
+            <a:off x="863516" y="1825625"/>
+            <a:ext cx="10464967" cy="4351338"/>
+          </a:xfrm>
+          <a:prstGeom prst="rect">
+            <a:avLst/>
+          </a:prstGeom>
+        </p:spPr>
+      </p:pic>
+    </p:spTree>
+    <p:extLst>
+      <p:ext uri="{BB962C8B-B14F-4D97-AF65-F5344CB8AC3E}">
+        <p14:creationId xmlns:p14="http://schemas.microsoft.com/office/powerpoint/2010/main" val="3018063162"/>
+      </p:ext>
+    </p:extLst>
+  </p:cSld>
+  <p:clrMapOvr>
+    <a:masterClrMapping/>
+  </p:clrMapOvr>
+</p:sld>
+</file>
+
+<file path=ppt/slides/slide42.xml><?xml version="1.0" encoding="utf-8"?>
+<p:sld xmlns:a="http://schemas.openxmlformats.org/drawingml/2006/main" xmlns:r="http://schemas.openxmlformats.org/officeDocument/2006/relationships" xmlns:p="http://schemas.openxmlformats.org/presentationml/2006/main">
+  <p:cSld>
+    <p:spTree>
+      <p:nvGrpSpPr>
+        <p:cNvPr id="1" name=""/>
+        <p:cNvGrpSpPr/>
+        <p:nvPr/>
+      </p:nvGrpSpPr>
+      <p:grpSpPr>
+        <a:xfrm>
+          <a:off x="0" y="0"/>
+          <a:ext cx="0" cy="0"/>
+          <a:chOff x="0" y="0"/>
+          <a:chExt cx="0" cy="0"/>
+        </a:xfrm>
+      </p:grpSpPr>
+      <p:sp>
+        <p:nvSpPr>
+          <p:cNvPr id="2" name="제목 1">
+            <a:extLst>
+              <a:ext uri="{FF2B5EF4-FFF2-40B4-BE49-F238E27FC236}">
+                <a16:creationId xmlns:a16="http://schemas.microsoft.com/office/drawing/2014/main" id="{A810EFC4-7C47-46ED-BF74-E2BB05728096}"/>
+              </a:ext>
+            </a:extLst>
+          </p:cNvPr>
+          <p:cNvSpPr>
+            <a:spLocks noGrp="1"/>
+          </p:cNvSpPr>
+          <p:nvPr>
+            <p:ph type="title"/>
+          </p:nvPr>
+        </p:nvSpPr>
+        <p:spPr/>
+        <p:txBody>
+          <a:bodyPr/>
+          <a:lstStyle/>
+          <a:p>
+            <a:r>
+              <a:rPr lang="en-US" altLang="ko-KR" dirty="0">
+                <a:latin typeface="Consolas" panose="020B0609020204030204" pitchFamily="49" charset="0"/>
+              </a:rPr>
+              <a:t>std::</a:t>
+            </a:r>
+            <a:r>
+              <a:rPr lang="en-US" altLang="ko-KR" dirty="0" err="1">
+                <a:latin typeface="Consolas" panose="020B0609020204030204" pitchFamily="49" charset="0"/>
+              </a:rPr>
+              <a:t>stable_sort</a:t>
+            </a:r>
+            <a:r>
+              <a:rPr lang="en-US" altLang="ko-KR" dirty="0">
+                <a:latin typeface="Consolas" panose="020B0609020204030204" pitchFamily="49" charset="0"/>
+              </a:rPr>
+              <a:t> </a:t>
+            </a:r>
+            <a:r>
+              <a:rPr lang="ko-KR" altLang="en-US" dirty="0">
+                <a:latin typeface="Consolas" panose="020B0609020204030204" pitchFamily="49" charset="0"/>
+              </a:rPr>
+              <a:t>구현</a:t>
+            </a:r>
+          </a:p>
+        </p:txBody>
+      </p:sp>
+      <p:pic>
+        <p:nvPicPr>
+          <p:cNvPr id="13" name="내용 개체 틀 12">
+            <a:extLst>
+              <a:ext uri="{FF2B5EF4-FFF2-40B4-BE49-F238E27FC236}">
+                <a16:creationId xmlns:a16="http://schemas.microsoft.com/office/drawing/2014/main" id="{E6AAEBEC-B2F7-4070-8CF9-2662E87CDAC6}"/>
+              </a:ext>
+            </a:extLst>
+          </p:cNvPr>
+          <p:cNvPicPr>
+            <a:picLocks noGrp="1" noChangeAspect="1"/>
+          </p:cNvPicPr>
+          <p:nvPr>
+            <p:ph idx="1"/>
+          </p:nvPr>
+        </p:nvPicPr>
+        <p:blipFill>
+          <a:blip r:embed="rId2"/>
+          <a:stretch>
+            <a:fillRect/>
+          </a:stretch>
+        </p:blipFill>
+        <p:spPr>
+          <a:xfrm>
+            <a:off x="863516" y="1825625"/>
+            <a:ext cx="10464967" cy="4351338"/>
+          </a:xfrm>
+          <a:prstGeom prst="rect">
+            <a:avLst/>
+          </a:prstGeom>
+        </p:spPr>
+      </p:pic>
+      <p:sp>
+        <p:nvSpPr>
+          <p:cNvPr id="3" name="직사각형 2">
+            <a:extLst>
+              <a:ext uri="{FF2B5EF4-FFF2-40B4-BE49-F238E27FC236}">
+                <a16:creationId xmlns:a16="http://schemas.microsoft.com/office/drawing/2014/main" id="{E8CF9B51-250A-4164-865E-FF6E3B41FE1A}"/>
+              </a:ext>
+            </a:extLst>
+          </p:cNvPr>
+          <p:cNvSpPr/>
+          <p:nvPr/>
+        </p:nvSpPr>
+        <p:spPr>
+          <a:xfrm>
+            <a:off x="1102179" y="3572081"/>
+            <a:ext cx="6964135" cy="1644898"/>
+          </a:xfrm>
+          <a:prstGeom prst="rect">
+            <a:avLst/>
+          </a:prstGeom>
+          <a:noFill/>
+          <a:ln>
+            <a:solidFill>
+              <a:srgbClr val="FF0000"/>
+            </a:solidFill>
+          </a:ln>
+        </p:spPr>
+        <p:style>
+          <a:lnRef idx="2">
+            <a:schemeClr val="accent1">
+              <a:shade val="50000"/>
+            </a:schemeClr>
+          </a:lnRef>
+          <a:fillRef idx="1">
+            <a:schemeClr val="accent1"/>
+          </a:fillRef>
+          <a:effectRef idx="0">
+            <a:schemeClr val="accent1"/>
+          </a:effectRef>
+          <a:fontRef idx="minor">
+            <a:schemeClr val="lt1"/>
+          </a:fontRef>
+        </p:style>
+        <p:txBody>
+          <a:bodyPr rtlCol="0" anchor="ctr"/>
+          <a:lstStyle/>
+          <a:p>
+            <a:pPr algn="ctr"/>
+            <a:endParaRPr lang="ko-KR" altLang="en-US"/>
+          </a:p>
+        </p:txBody>
+      </p:sp>
+      <p:sp>
+        <p:nvSpPr>
+          <p:cNvPr id="4" name="TextBox 3">
+            <a:extLst>
+              <a:ext uri="{FF2B5EF4-FFF2-40B4-BE49-F238E27FC236}">
+                <a16:creationId xmlns:a16="http://schemas.microsoft.com/office/drawing/2014/main" id="{FA5BF674-1AC5-435B-827C-020B4A703EFC}"/>
+              </a:ext>
+            </a:extLst>
+          </p:cNvPr>
+          <p:cNvSpPr txBox="1"/>
+          <p:nvPr/>
+        </p:nvSpPr>
+        <p:spPr>
+          <a:xfrm>
+            <a:off x="4035857" y="3516164"/>
+            <a:ext cx="3424067" cy="369332"/>
+          </a:xfrm>
+          <a:prstGeom prst="rect">
+            <a:avLst/>
+          </a:prstGeom>
+          <a:noFill/>
+        </p:spPr>
+        <p:txBody>
+          <a:bodyPr wrap="square" rtlCol="0">
+            <a:spAutoFit/>
+          </a:bodyPr>
+          <a:lstStyle/>
+          <a:p>
+            <a:r>
+              <a:rPr lang="en-US" altLang="ko-KR" sz="1800" kern="1200" dirty="0">
+                <a:solidFill>
+                  <a:srgbClr val="FF0000"/>
+                </a:solidFill>
+                <a:latin typeface="+mn-lt"/>
+                <a:ea typeface="+mn-ea"/>
+                <a:cs typeface="+mn-cs"/>
+              </a:rPr>
+              <a:t>_ISORT_MAX == 32 (</a:t>
+            </a:r>
+            <a:r>
+              <a:rPr lang="ko-KR" altLang="en-US" sz="1800" kern="1200" dirty="0">
+                <a:solidFill>
+                  <a:srgbClr val="FF0000"/>
+                </a:solidFill>
+                <a:latin typeface="+mn-lt"/>
+                <a:ea typeface="+mn-ea"/>
+                <a:cs typeface="+mn-cs"/>
+              </a:rPr>
+              <a:t>하드코딩</a:t>
+            </a:r>
+            <a:r>
+              <a:rPr lang="en-US" altLang="ko-KR" sz="1800" kern="1200" dirty="0">
+                <a:solidFill>
+                  <a:srgbClr val="FF0000"/>
+                </a:solidFill>
+                <a:latin typeface="+mn-lt"/>
+                <a:ea typeface="+mn-ea"/>
+                <a:cs typeface="+mn-cs"/>
+              </a:rPr>
+              <a:t>)</a:t>
+            </a:r>
+            <a:endParaRPr lang="ko-KR" altLang="en-US" sz="1800" kern="1200" dirty="0">
+              <a:solidFill>
+                <a:srgbClr val="FF0000"/>
+              </a:solidFill>
+              <a:latin typeface="+mn-lt"/>
+              <a:ea typeface="+mn-ea"/>
+              <a:cs typeface="+mn-cs"/>
+            </a:endParaRPr>
+          </a:p>
+        </p:txBody>
+      </p:sp>
+      <p:sp>
+        <p:nvSpPr>
+          <p:cNvPr id="6" name="TextBox 5">
+            <a:extLst>
+              <a:ext uri="{FF2B5EF4-FFF2-40B4-BE49-F238E27FC236}">
+                <a16:creationId xmlns:a16="http://schemas.microsoft.com/office/drawing/2014/main" id="{31A9E15F-E6E2-4830-99CE-6F858544772A}"/>
+              </a:ext>
+            </a:extLst>
+          </p:cNvPr>
+          <p:cNvSpPr txBox="1"/>
+          <p:nvPr/>
+        </p:nvSpPr>
+        <p:spPr>
+          <a:xfrm>
+            <a:off x="4727688" y="4209864"/>
+            <a:ext cx="6034603" cy="646331"/>
+          </a:xfrm>
+          <a:prstGeom prst="rect">
+            <a:avLst/>
+          </a:prstGeom>
+          <a:noFill/>
+        </p:spPr>
+        <p:txBody>
+          <a:bodyPr wrap="square" rtlCol="0">
+            <a:spAutoFit/>
+          </a:bodyPr>
+          <a:lstStyle/>
+          <a:p>
+            <a:r>
+              <a:rPr lang="ko-KR" altLang="en-US" sz="1800" kern="1200" dirty="0" err="1">
+                <a:solidFill>
+                  <a:srgbClr val="FF0000"/>
+                </a:solidFill>
+                <a:latin typeface="+mn-lt"/>
+                <a:ea typeface="+mn-ea"/>
+                <a:cs typeface="+mn-cs"/>
+              </a:rPr>
+              <a:t>삽입정렬</a:t>
+            </a:r>
+            <a:r>
+              <a:rPr lang="ko-KR" altLang="en-US" sz="1800" kern="1200" dirty="0">
+                <a:solidFill>
+                  <a:srgbClr val="FF0000"/>
+                </a:solidFill>
+                <a:latin typeface="+mn-lt"/>
+                <a:ea typeface="+mn-ea"/>
+                <a:cs typeface="+mn-cs"/>
+              </a:rPr>
+              <a:t> </a:t>
+            </a:r>
+            <a:r>
+              <a:rPr lang="en-US" altLang="ko-KR" dirty="0">
+                <a:solidFill>
+                  <a:srgbClr val="FF0000"/>
+                </a:solidFill>
+              </a:rPr>
+              <a:t>: </a:t>
+            </a:r>
+            <a:r>
+              <a:rPr lang="ko-KR" altLang="en-US" dirty="0">
+                <a:solidFill>
+                  <a:srgbClr val="FF0000"/>
+                </a:solidFill>
+              </a:rPr>
+              <a:t>앞 원소부터 순서대로 삽입할 곳을 찾기 때문에</a:t>
+            </a:r>
+            <a:r>
+              <a:rPr lang="en-US" altLang="ko-KR" dirty="0">
+                <a:solidFill>
+                  <a:srgbClr val="FF0000"/>
+                </a:solidFill>
+              </a:rPr>
+              <a:t>, </a:t>
+            </a:r>
+            <a:br>
+              <a:rPr lang="en-US" altLang="ko-KR" dirty="0">
+                <a:solidFill>
+                  <a:srgbClr val="FF0000"/>
+                </a:solidFill>
+              </a:rPr>
+            </a:br>
+            <a:r>
+              <a:rPr lang="en-US" altLang="ko-KR" dirty="0">
+                <a:solidFill>
+                  <a:srgbClr val="FF0000"/>
+                </a:solidFill>
+              </a:rPr>
+              <a:t>                   </a:t>
+            </a:r>
+            <a:r>
+              <a:rPr lang="ko-KR" altLang="en-US" dirty="0">
+                <a:solidFill>
+                  <a:srgbClr val="FF0000"/>
+                </a:solidFill>
+              </a:rPr>
+              <a:t>자연스레 순서가 유지된다</a:t>
+            </a:r>
+            <a:r>
+              <a:rPr lang="en-US" altLang="ko-KR" dirty="0">
+                <a:solidFill>
+                  <a:srgbClr val="FF0000"/>
+                </a:solidFill>
+              </a:rPr>
+              <a:t>.</a:t>
+            </a:r>
+            <a:endParaRPr lang="ko-KR" altLang="en-US" sz="1800" kern="1200" dirty="0">
+              <a:solidFill>
+                <a:srgbClr val="FF0000"/>
+              </a:solidFill>
+              <a:latin typeface="+mn-lt"/>
+              <a:ea typeface="+mn-ea"/>
+              <a:cs typeface="+mn-cs"/>
+            </a:endParaRPr>
+          </a:p>
+        </p:txBody>
+      </p:sp>
+    </p:spTree>
+    <p:extLst>
+      <p:ext uri="{BB962C8B-B14F-4D97-AF65-F5344CB8AC3E}">
+        <p14:creationId xmlns:p14="http://schemas.microsoft.com/office/powerpoint/2010/main" val="392582918"/>
+      </p:ext>
+    </p:extLst>
+  </p:cSld>
+  <p:clrMapOvr>
+    <a:masterClrMapping/>
+  </p:clrMapOvr>
+</p:sld>
+</file>
+
+<file path=ppt/slides/slide43.xml><?xml version="1.0" encoding="utf-8"?>
+<p:sld xmlns:a="http://schemas.openxmlformats.org/drawingml/2006/main" xmlns:r="http://schemas.openxmlformats.org/officeDocument/2006/relationships" xmlns:p="http://schemas.openxmlformats.org/presentationml/2006/main">
+  <p:cSld>
+    <p:spTree>
+      <p:nvGrpSpPr>
+        <p:cNvPr id="1" name=""/>
+        <p:cNvGrpSpPr/>
+        <p:nvPr/>
+      </p:nvGrpSpPr>
+      <p:grpSpPr>
+        <a:xfrm>
+          <a:off x="0" y="0"/>
+          <a:ext cx="0" cy="0"/>
+          <a:chOff x="0" y="0"/>
+          <a:chExt cx="0" cy="0"/>
+        </a:xfrm>
+      </p:grpSpPr>
+      <p:sp>
+        <p:nvSpPr>
+          <p:cNvPr id="2" name="제목 1">
+            <a:extLst>
+              <a:ext uri="{FF2B5EF4-FFF2-40B4-BE49-F238E27FC236}">
+                <a16:creationId xmlns:a16="http://schemas.microsoft.com/office/drawing/2014/main" id="{A810EFC4-7C47-46ED-BF74-E2BB05728096}"/>
+              </a:ext>
+            </a:extLst>
+          </p:cNvPr>
+          <p:cNvSpPr>
+            <a:spLocks noGrp="1"/>
+          </p:cNvSpPr>
+          <p:nvPr>
+            <p:ph type="title"/>
+          </p:nvPr>
+        </p:nvSpPr>
+        <p:spPr/>
+        <p:txBody>
+          <a:bodyPr/>
+          <a:lstStyle/>
+          <a:p>
+            <a:r>
+              <a:rPr lang="en-US" altLang="ko-KR" dirty="0">
+                <a:latin typeface="Consolas" panose="020B0609020204030204" pitchFamily="49" charset="0"/>
+              </a:rPr>
+              <a:t>std::</a:t>
+            </a:r>
+            <a:r>
+              <a:rPr lang="en-US" altLang="ko-KR" dirty="0" err="1">
+                <a:latin typeface="Consolas" panose="020B0609020204030204" pitchFamily="49" charset="0"/>
+              </a:rPr>
+              <a:t>stable_sort</a:t>
+            </a:r>
+            <a:r>
+              <a:rPr lang="en-US" altLang="ko-KR" dirty="0">
+                <a:latin typeface="Consolas" panose="020B0609020204030204" pitchFamily="49" charset="0"/>
+              </a:rPr>
+              <a:t> </a:t>
+            </a:r>
+            <a:r>
+              <a:rPr lang="ko-KR" altLang="en-US" dirty="0">
+                <a:latin typeface="Consolas" panose="020B0609020204030204" pitchFamily="49" charset="0"/>
+              </a:rPr>
+              <a:t>구현</a:t>
+            </a:r>
+          </a:p>
+        </p:txBody>
+      </p:sp>
+      <p:pic>
+        <p:nvPicPr>
+          <p:cNvPr id="13" name="내용 개체 틀 12">
+            <a:extLst>
+              <a:ext uri="{FF2B5EF4-FFF2-40B4-BE49-F238E27FC236}">
+                <a16:creationId xmlns:a16="http://schemas.microsoft.com/office/drawing/2014/main" id="{E6AAEBEC-B2F7-4070-8CF9-2662E87CDAC6}"/>
+              </a:ext>
+            </a:extLst>
+          </p:cNvPr>
+          <p:cNvPicPr>
+            <a:picLocks noGrp="1" noChangeAspect="1"/>
+          </p:cNvPicPr>
+          <p:nvPr>
+            <p:ph idx="1"/>
+          </p:nvPr>
+        </p:nvPicPr>
+        <p:blipFill>
+          <a:blip r:embed="rId2"/>
+          <a:stretch>
+            <a:fillRect/>
+          </a:stretch>
+        </p:blipFill>
+        <p:spPr>
+          <a:xfrm>
+            <a:off x="863516" y="1825625"/>
+            <a:ext cx="10464967" cy="4351338"/>
+          </a:xfrm>
+          <a:prstGeom prst="rect">
+            <a:avLst/>
+          </a:prstGeom>
+        </p:spPr>
+      </p:pic>
+      <p:sp>
+        <p:nvSpPr>
+          <p:cNvPr id="3" name="직사각형 2">
+            <a:extLst>
+              <a:ext uri="{FF2B5EF4-FFF2-40B4-BE49-F238E27FC236}">
+                <a16:creationId xmlns:a16="http://schemas.microsoft.com/office/drawing/2014/main" id="{E8CF9B51-250A-4164-865E-FF6E3B41FE1A}"/>
+              </a:ext>
+            </a:extLst>
+          </p:cNvPr>
+          <p:cNvSpPr/>
+          <p:nvPr/>
+        </p:nvSpPr>
+        <p:spPr>
+          <a:xfrm>
+            <a:off x="1214010" y="5354832"/>
+            <a:ext cx="10114473" cy="585772"/>
+          </a:xfrm>
+          <a:prstGeom prst="rect">
+            <a:avLst/>
+          </a:prstGeom>
+          <a:noFill/>
+          <a:ln>
+            <a:solidFill>
+              <a:srgbClr val="FF0000"/>
+            </a:solidFill>
+          </a:ln>
+        </p:spPr>
+        <p:style>
+          <a:lnRef idx="2">
+            <a:schemeClr val="accent1">
+              <a:shade val="50000"/>
+            </a:schemeClr>
+          </a:lnRef>
+          <a:fillRef idx="1">
+            <a:schemeClr val="accent1"/>
+          </a:fillRef>
+          <a:effectRef idx="0">
+            <a:schemeClr val="accent1"/>
+          </a:effectRef>
+          <a:fontRef idx="minor">
+            <a:schemeClr val="lt1"/>
+          </a:fontRef>
+        </p:style>
+        <p:txBody>
+          <a:bodyPr rtlCol="0" anchor="ctr"/>
+          <a:lstStyle/>
+          <a:p>
+            <a:pPr algn="ctr"/>
+            <a:endParaRPr lang="ko-KR" altLang="en-US"/>
+          </a:p>
+        </p:txBody>
+      </p:sp>
+      <p:sp>
+        <p:nvSpPr>
+          <p:cNvPr id="6" name="TextBox 5">
+            <a:extLst>
+              <a:ext uri="{FF2B5EF4-FFF2-40B4-BE49-F238E27FC236}">
+                <a16:creationId xmlns:a16="http://schemas.microsoft.com/office/drawing/2014/main" id="{31A9E15F-E6E2-4830-99CE-6F858544772A}"/>
+              </a:ext>
+            </a:extLst>
+          </p:cNvPr>
+          <p:cNvSpPr txBox="1"/>
+          <p:nvPr/>
+        </p:nvSpPr>
+        <p:spPr>
+          <a:xfrm>
+            <a:off x="8376698" y="4929502"/>
+            <a:ext cx="2815186" cy="369332"/>
+          </a:xfrm>
+          <a:prstGeom prst="rect">
+            <a:avLst/>
+          </a:prstGeom>
+          <a:noFill/>
+        </p:spPr>
+        <p:txBody>
+          <a:bodyPr wrap="square" rtlCol="0">
+            <a:spAutoFit/>
+          </a:bodyPr>
+          <a:lstStyle/>
+          <a:p>
+            <a:pPr algn="ctr"/>
+            <a:r>
+              <a:rPr lang="ko-KR" altLang="en-US" sz="1800" kern="1200" dirty="0">
+                <a:solidFill>
+                  <a:srgbClr val="FF0000"/>
+                </a:solidFill>
+                <a:latin typeface="+mn-lt"/>
+                <a:ea typeface="+mn-ea"/>
+                <a:cs typeface="+mn-cs"/>
+              </a:rPr>
+              <a:t>별도 구현된 순서유지 정렬</a:t>
+            </a:r>
+          </a:p>
+        </p:txBody>
+      </p:sp>
+    </p:spTree>
+    <p:extLst>
+      <p:ext uri="{BB962C8B-B14F-4D97-AF65-F5344CB8AC3E}">
+        <p14:creationId xmlns:p14="http://schemas.microsoft.com/office/powerpoint/2010/main" val="2537144219"/>
+      </p:ext>
+    </p:extLst>
+  </p:cSld>
+  <p:clrMapOvr>
+    <a:masterClrMapping/>
+  </p:clrMapOvr>
+</p:sld>
+</file>
+
+<file path=ppt/slides/slide44.xml><?xml version="1.0" encoding="utf-8"?>
+<p:sld xmlns:a="http://schemas.openxmlformats.org/drawingml/2006/main" xmlns:r="http://schemas.openxmlformats.org/officeDocument/2006/relationships" xmlns:p="http://schemas.openxmlformats.org/presentationml/2006/main">
+  <p:cSld>
+    <p:spTree>
+      <p:nvGrpSpPr>
+        <p:cNvPr id="1" name=""/>
+        <p:cNvGrpSpPr/>
+        <p:nvPr/>
+      </p:nvGrpSpPr>
+      <p:grpSpPr>
+        <a:xfrm>
+          <a:off x="0" y="0"/>
+          <a:ext cx="0" cy="0"/>
+          <a:chOff x="0" y="0"/>
+          <a:chExt cx="0" cy="0"/>
+        </a:xfrm>
+      </p:grpSpPr>
+      <p:pic>
+        <p:nvPicPr>
+          <p:cNvPr id="7" name="내용 개체 틀 6">
+            <a:extLst>
+              <a:ext uri="{FF2B5EF4-FFF2-40B4-BE49-F238E27FC236}">
+                <a16:creationId xmlns:a16="http://schemas.microsoft.com/office/drawing/2014/main" id="{4A442E8E-56FD-4256-A1E4-216F6532CD95}"/>
+              </a:ext>
+            </a:extLst>
+          </p:cNvPr>
+          <p:cNvPicPr>
+            <a:picLocks noGrp="1" noChangeAspect="1"/>
+          </p:cNvPicPr>
+          <p:nvPr>
+            <p:ph idx="1"/>
+          </p:nvPr>
+        </p:nvPicPr>
+        <p:blipFill>
+          <a:blip r:embed="rId2"/>
+          <a:stretch>
+            <a:fillRect/>
+          </a:stretch>
+        </p:blipFill>
+        <p:spPr>
+          <a:xfrm>
+            <a:off x="1456453" y="1608058"/>
+            <a:ext cx="9279094" cy="4786472"/>
+          </a:xfrm>
+          <a:prstGeom prst="rect">
+            <a:avLst/>
+          </a:prstGeom>
+        </p:spPr>
+      </p:pic>
+      <p:sp>
+        <p:nvSpPr>
+          <p:cNvPr id="2" name="제목 1">
+            <a:extLst>
+              <a:ext uri="{FF2B5EF4-FFF2-40B4-BE49-F238E27FC236}">
+                <a16:creationId xmlns:a16="http://schemas.microsoft.com/office/drawing/2014/main" id="{A810EFC4-7C47-46ED-BF74-E2BB05728096}"/>
+              </a:ext>
+            </a:extLst>
+          </p:cNvPr>
+          <p:cNvSpPr>
+            <a:spLocks noGrp="1"/>
+          </p:cNvSpPr>
+          <p:nvPr>
+            <p:ph type="title"/>
+          </p:nvPr>
+        </p:nvSpPr>
+        <p:spPr/>
+        <p:txBody>
+          <a:bodyPr/>
+          <a:lstStyle/>
+          <a:p>
+            <a:r>
+              <a:rPr lang="en-US" altLang="ko-KR" dirty="0">
+                <a:latin typeface="Consolas" panose="020B0609020204030204" pitchFamily="49" charset="0"/>
+              </a:rPr>
+              <a:t>_</a:t>
+            </a:r>
+            <a:r>
+              <a:rPr lang="en-US" altLang="ko-KR" dirty="0" err="1">
+                <a:latin typeface="Consolas" panose="020B0609020204030204" pitchFamily="49" charset="0"/>
+              </a:rPr>
+              <a:t>Stable_sort_unchecked</a:t>
+            </a:r>
+            <a:r>
+              <a:rPr lang="en-US" altLang="ko-KR" dirty="0">
+                <a:latin typeface="Consolas" panose="020B0609020204030204" pitchFamily="49" charset="0"/>
+              </a:rPr>
+              <a:t> </a:t>
+            </a:r>
+            <a:r>
+              <a:rPr lang="ko-KR" altLang="en-US" dirty="0">
+                <a:latin typeface="Consolas" panose="020B0609020204030204" pitchFamily="49" charset="0"/>
+              </a:rPr>
+              <a:t>구현</a:t>
+            </a:r>
+          </a:p>
+        </p:txBody>
+      </p:sp>
+      <p:sp>
+        <p:nvSpPr>
+          <p:cNvPr id="3" name="직사각형 2">
+            <a:extLst>
+              <a:ext uri="{FF2B5EF4-FFF2-40B4-BE49-F238E27FC236}">
+                <a16:creationId xmlns:a16="http://schemas.microsoft.com/office/drawing/2014/main" id="{E8CF9B51-250A-4164-865E-FF6E3B41FE1A}"/>
+              </a:ext>
+            </a:extLst>
+          </p:cNvPr>
+          <p:cNvSpPr/>
+          <p:nvPr/>
+        </p:nvSpPr>
+        <p:spPr>
+          <a:xfrm>
+            <a:off x="1727127" y="2640735"/>
+            <a:ext cx="5719641" cy="418229"/>
+          </a:xfrm>
+          <a:prstGeom prst="rect">
+            <a:avLst/>
+          </a:prstGeom>
+          <a:noFill/>
+          <a:ln>
+            <a:solidFill>
+              <a:srgbClr val="FF0000"/>
+            </a:solidFill>
+          </a:ln>
+        </p:spPr>
+        <p:style>
+          <a:lnRef idx="2">
+            <a:schemeClr val="accent1">
+              <a:shade val="50000"/>
+            </a:schemeClr>
+          </a:lnRef>
+          <a:fillRef idx="1">
+            <a:schemeClr val="accent1"/>
+          </a:fillRef>
+          <a:effectRef idx="0">
+            <a:schemeClr val="accent1"/>
+          </a:effectRef>
+          <a:fontRef idx="minor">
+            <a:schemeClr val="lt1"/>
+          </a:fontRef>
+        </p:style>
+        <p:txBody>
+          <a:bodyPr rtlCol="0" anchor="ctr"/>
+          <a:lstStyle/>
+          <a:p>
+            <a:pPr algn="ctr"/>
+            <a:endParaRPr lang="ko-KR" altLang="en-US"/>
+          </a:p>
+        </p:txBody>
+      </p:sp>
+      <p:sp>
+        <p:nvSpPr>
+          <p:cNvPr id="6" name="TextBox 5">
+            <a:extLst>
+              <a:ext uri="{FF2B5EF4-FFF2-40B4-BE49-F238E27FC236}">
+                <a16:creationId xmlns:a16="http://schemas.microsoft.com/office/drawing/2014/main" id="{31A9E15F-E6E2-4830-99CE-6F858544772A}"/>
+              </a:ext>
+            </a:extLst>
+          </p:cNvPr>
+          <p:cNvSpPr txBox="1"/>
+          <p:nvPr/>
+        </p:nvSpPr>
+        <p:spPr>
+          <a:xfrm>
+            <a:off x="7297838" y="2689632"/>
+            <a:ext cx="2815186" cy="369332"/>
+          </a:xfrm>
+          <a:prstGeom prst="rect">
+            <a:avLst/>
+          </a:prstGeom>
+          <a:noFill/>
+        </p:spPr>
+        <p:txBody>
+          <a:bodyPr wrap="square" rtlCol="0">
+            <a:spAutoFit/>
+          </a:bodyPr>
+          <a:lstStyle/>
+          <a:p>
+            <a:pPr algn="ctr"/>
+            <a:r>
+              <a:rPr lang="ko-KR" altLang="en-US" sz="1800" kern="1200" dirty="0">
+                <a:solidFill>
+                  <a:srgbClr val="FF0000"/>
+                </a:solidFill>
+                <a:latin typeface="+mn-lt"/>
+                <a:ea typeface="+mn-ea"/>
+                <a:cs typeface="+mn-cs"/>
+              </a:rPr>
+              <a:t>중복코드 </a:t>
+            </a:r>
+            <a:r>
+              <a:rPr lang="en-US" altLang="ko-KR" sz="1800" kern="1200" dirty="0">
+                <a:solidFill>
+                  <a:srgbClr val="FF0000"/>
+                </a:solidFill>
+                <a:latin typeface="+mn-lt"/>
+                <a:ea typeface="+mn-ea"/>
+                <a:cs typeface="+mn-cs"/>
+              </a:rPr>
+              <a:t>?</a:t>
+            </a:r>
+            <a:endParaRPr lang="ko-KR" altLang="en-US" sz="1800" kern="1200" dirty="0">
+              <a:solidFill>
+                <a:srgbClr val="FF0000"/>
+              </a:solidFill>
+              <a:latin typeface="+mn-lt"/>
+              <a:ea typeface="+mn-ea"/>
+              <a:cs typeface="+mn-cs"/>
+            </a:endParaRPr>
+          </a:p>
+        </p:txBody>
+      </p:sp>
+    </p:spTree>
+    <p:extLst>
+      <p:ext uri="{BB962C8B-B14F-4D97-AF65-F5344CB8AC3E}">
+        <p14:creationId xmlns:p14="http://schemas.microsoft.com/office/powerpoint/2010/main" val="3794158976"/>
+      </p:ext>
+    </p:extLst>
+  </p:cSld>
+  <p:clrMapOvr>
+    <a:masterClrMapping/>
+  </p:clrMapOvr>
+</p:sld>
+</file>
+
+<file path=ppt/slides/slide45.xml><?xml version="1.0" encoding="utf-8"?>
+<p:sld xmlns:a="http://schemas.openxmlformats.org/drawingml/2006/main" xmlns:r="http://schemas.openxmlformats.org/officeDocument/2006/relationships" xmlns:p="http://schemas.openxmlformats.org/presentationml/2006/main">
+  <p:cSld>
+    <p:spTree>
+      <p:nvGrpSpPr>
+        <p:cNvPr id="1" name=""/>
+        <p:cNvGrpSpPr/>
+        <p:nvPr/>
+      </p:nvGrpSpPr>
+      <p:grpSpPr>
+        <a:xfrm>
+          <a:off x="0" y="0"/>
+          <a:ext cx="0" cy="0"/>
+          <a:chOff x="0" y="0"/>
+          <a:chExt cx="0" cy="0"/>
+        </a:xfrm>
+      </p:grpSpPr>
+      <p:pic>
+        <p:nvPicPr>
+          <p:cNvPr id="7" name="내용 개체 틀 6">
+            <a:extLst>
+              <a:ext uri="{FF2B5EF4-FFF2-40B4-BE49-F238E27FC236}">
+                <a16:creationId xmlns:a16="http://schemas.microsoft.com/office/drawing/2014/main" id="{4A442E8E-56FD-4256-A1E4-216F6532CD95}"/>
+              </a:ext>
+            </a:extLst>
+          </p:cNvPr>
+          <p:cNvPicPr>
+            <a:picLocks noGrp="1" noChangeAspect="1"/>
+          </p:cNvPicPr>
+          <p:nvPr>
+            <p:ph idx="1"/>
+          </p:nvPr>
+        </p:nvPicPr>
+        <p:blipFill>
+          <a:blip r:embed="rId2"/>
+          <a:stretch>
+            <a:fillRect/>
+          </a:stretch>
+        </p:blipFill>
+        <p:spPr>
+          <a:xfrm>
+            <a:off x="1456453" y="1608058"/>
+            <a:ext cx="9279094" cy="4786472"/>
+          </a:xfrm>
+          <a:prstGeom prst="rect">
+            <a:avLst/>
+          </a:prstGeom>
+        </p:spPr>
+      </p:pic>
+      <p:sp>
+        <p:nvSpPr>
+          <p:cNvPr id="2" name="제목 1">
+            <a:extLst>
+              <a:ext uri="{FF2B5EF4-FFF2-40B4-BE49-F238E27FC236}">
+                <a16:creationId xmlns:a16="http://schemas.microsoft.com/office/drawing/2014/main" id="{A810EFC4-7C47-46ED-BF74-E2BB05728096}"/>
+              </a:ext>
+            </a:extLst>
+          </p:cNvPr>
+          <p:cNvSpPr>
+            <a:spLocks noGrp="1"/>
+          </p:cNvSpPr>
+          <p:nvPr>
+            <p:ph type="title"/>
+          </p:nvPr>
+        </p:nvSpPr>
+        <p:spPr/>
+        <p:txBody>
+          <a:bodyPr/>
+          <a:lstStyle/>
+          <a:p>
+            <a:r>
+              <a:rPr lang="en-US" altLang="ko-KR" dirty="0">
+                <a:latin typeface="Consolas" panose="020B0609020204030204" pitchFamily="49" charset="0"/>
+              </a:rPr>
+              <a:t>_</a:t>
+            </a:r>
+            <a:r>
+              <a:rPr lang="en-US" altLang="ko-KR" dirty="0" err="1">
+                <a:latin typeface="Consolas" panose="020B0609020204030204" pitchFamily="49" charset="0"/>
+              </a:rPr>
+              <a:t>Stable_sort_unchecked</a:t>
+            </a:r>
+            <a:r>
+              <a:rPr lang="en-US" altLang="ko-KR" dirty="0">
+                <a:latin typeface="Consolas" panose="020B0609020204030204" pitchFamily="49" charset="0"/>
+              </a:rPr>
+              <a:t> </a:t>
+            </a:r>
+            <a:r>
+              <a:rPr lang="ko-KR" altLang="en-US" dirty="0">
+                <a:latin typeface="Consolas" panose="020B0609020204030204" pitchFamily="49" charset="0"/>
+              </a:rPr>
+              <a:t>구현</a:t>
+            </a:r>
+          </a:p>
+        </p:txBody>
+      </p:sp>
+      <p:sp>
+        <p:nvSpPr>
+          <p:cNvPr id="3" name="직사각형 2">
+            <a:extLst>
+              <a:ext uri="{FF2B5EF4-FFF2-40B4-BE49-F238E27FC236}">
+                <a16:creationId xmlns:a16="http://schemas.microsoft.com/office/drawing/2014/main" id="{E8CF9B51-250A-4164-865E-FF6E3B41FE1A}"/>
+              </a:ext>
+            </a:extLst>
+          </p:cNvPr>
+          <p:cNvSpPr/>
+          <p:nvPr/>
+        </p:nvSpPr>
+        <p:spPr>
+          <a:xfrm>
+            <a:off x="2032543" y="3848374"/>
+            <a:ext cx="8332231" cy="1539349"/>
+          </a:xfrm>
+          <a:prstGeom prst="rect">
+            <a:avLst/>
+          </a:prstGeom>
+          <a:noFill/>
+          <a:ln>
+            <a:solidFill>
+              <a:srgbClr val="FF0000"/>
+            </a:solidFill>
+          </a:ln>
+        </p:spPr>
+        <p:style>
+          <a:lnRef idx="2">
+            <a:schemeClr val="accent1">
+              <a:shade val="50000"/>
+            </a:schemeClr>
+          </a:lnRef>
+          <a:fillRef idx="1">
+            <a:schemeClr val="accent1"/>
+          </a:fillRef>
+          <a:effectRef idx="0">
+            <a:schemeClr val="accent1"/>
+          </a:effectRef>
+          <a:fontRef idx="minor">
+            <a:schemeClr val="lt1"/>
+          </a:fontRef>
+        </p:style>
+        <p:txBody>
+          <a:bodyPr rtlCol="0" anchor="ctr"/>
+          <a:lstStyle/>
+          <a:p>
+            <a:pPr algn="ctr"/>
+            <a:endParaRPr lang="ko-KR" altLang="en-US"/>
+          </a:p>
+        </p:txBody>
+      </p:sp>
+      <p:sp>
+        <p:nvSpPr>
+          <p:cNvPr id="6" name="TextBox 5">
+            <a:extLst>
+              <a:ext uri="{FF2B5EF4-FFF2-40B4-BE49-F238E27FC236}">
+                <a16:creationId xmlns:a16="http://schemas.microsoft.com/office/drawing/2014/main" id="{31A9E15F-E6E2-4830-99CE-6F858544772A}"/>
+              </a:ext>
+            </a:extLst>
+          </p:cNvPr>
+          <p:cNvSpPr txBox="1"/>
+          <p:nvPr/>
+        </p:nvSpPr>
+        <p:spPr>
+          <a:xfrm>
+            <a:off x="6876820" y="5064557"/>
+            <a:ext cx="2815186" cy="646331"/>
+          </a:xfrm>
+          <a:prstGeom prst="rect">
+            <a:avLst/>
+          </a:prstGeom>
+          <a:noFill/>
+        </p:spPr>
+        <p:txBody>
+          <a:bodyPr wrap="square" rtlCol="0">
+            <a:spAutoFit/>
+          </a:bodyPr>
+          <a:lstStyle/>
+          <a:p>
+            <a:pPr algn="ctr"/>
+            <a:r>
+              <a:rPr lang="ko-KR" altLang="en-US" sz="1800" kern="1200" dirty="0">
+                <a:solidFill>
+                  <a:srgbClr val="FF0000"/>
+                </a:solidFill>
+                <a:latin typeface="+mn-lt"/>
+                <a:ea typeface="+mn-ea"/>
+                <a:cs typeface="+mn-cs"/>
+              </a:rPr>
+              <a:t>스택 최적화가 가능할 때까지 </a:t>
+            </a:r>
+            <a:r>
+              <a:rPr lang="en-US" altLang="ko-KR" sz="1800" kern="1200" dirty="0" err="1">
+                <a:solidFill>
+                  <a:srgbClr val="FF0000"/>
+                </a:solidFill>
+                <a:latin typeface="+mn-lt"/>
+                <a:ea typeface="+mn-ea"/>
+                <a:cs typeface="+mn-cs"/>
+              </a:rPr>
+              <a:t>divide&amp;conquer</a:t>
+            </a:r>
+            <a:endParaRPr lang="ko-KR" altLang="en-US" sz="1800" kern="1200" dirty="0">
+              <a:solidFill>
+                <a:srgbClr val="FF0000"/>
+              </a:solidFill>
+              <a:latin typeface="+mn-lt"/>
+              <a:ea typeface="+mn-ea"/>
+              <a:cs typeface="+mn-cs"/>
+            </a:endParaRPr>
+          </a:p>
+        </p:txBody>
+      </p:sp>
+    </p:spTree>
+    <p:extLst>
+      <p:ext uri="{BB962C8B-B14F-4D97-AF65-F5344CB8AC3E}">
+        <p14:creationId xmlns:p14="http://schemas.microsoft.com/office/powerpoint/2010/main" val="768489274"/>
+      </p:ext>
+    </p:extLst>
+  </p:cSld>
+  <p:clrMapOvr>
+    <a:masterClrMapping/>
+  </p:clrMapOvr>
+</p:sld>
+</file>
+
+<file path=ppt/slides/slide46.xml><?xml version="1.0" encoding="utf-8"?>
+<p:sld xmlns:a="http://schemas.openxmlformats.org/drawingml/2006/main" xmlns:r="http://schemas.openxmlformats.org/officeDocument/2006/relationships" xmlns:p="http://schemas.openxmlformats.org/presentationml/2006/main">
+  <p:cSld>
+    <p:spTree>
+      <p:nvGrpSpPr>
+        <p:cNvPr id="1" name=""/>
+        <p:cNvGrpSpPr/>
+        <p:nvPr/>
+      </p:nvGrpSpPr>
+      <p:grpSpPr>
+        <a:xfrm>
+          <a:off x="0" y="0"/>
+          <a:ext cx="0" cy="0"/>
+          <a:chOff x="0" y="0"/>
+          <a:chExt cx="0" cy="0"/>
+        </a:xfrm>
+      </p:grpSpPr>
+      <p:pic>
+        <p:nvPicPr>
+          <p:cNvPr id="7" name="내용 개체 틀 6">
+            <a:extLst>
+              <a:ext uri="{FF2B5EF4-FFF2-40B4-BE49-F238E27FC236}">
+                <a16:creationId xmlns:a16="http://schemas.microsoft.com/office/drawing/2014/main" id="{4A442E8E-56FD-4256-A1E4-216F6532CD95}"/>
+              </a:ext>
+            </a:extLst>
+          </p:cNvPr>
+          <p:cNvPicPr>
+            <a:picLocks noGrp="1" noChangeAspect="1"/>
+          </p:cNvPicPr>
+          <p:nvPr>
+            <p:ph idx="1"/>
+          </p:nvPr>
+        </p:nvPicPr>
+        <p:blipFill>
+          <a:blip r:embed="rId2"/>
+          <a:stretch>
+            <a:fillRect/>
+          </a:stretch>
+        </p:blipFill>
+        <p:spPr>
+          <a:xfrm>
+            <a:off x="1456453" y="1608058"/>
+            <a:ext cx="9279094" cy="4786472"/>
+          </a:xfrm>
+          <a:prstGeom prst="rect">
+            <a:avLst/>
+          </a:prstGeom>
+        </p:spPr>
+      </p:pic>
+      <p:sp>
+        <p:nvSpPr>
+          <p:cNvPr id="2" name="제목 1">
+            <a:extLst>
+              <a:ext uri="{FF2B5EF4-FFF2-40B4-BE49-F238E27FC236}">
+                <a16:creationId xmlns:a16="http://schemas.microsoft.com/office/drawing/2014/main" id="{A810EFC4-7C47-46ED-BF74-E2BB05728096}"/>
+              </a:ext>
+            </a:extLst>
+          </p:cNvPr>
+          <p:cNvSpPr>
+            <a:spLocks noGrp="1"/>
+          </p:cNvSpPr>
+          <p:nvPr>
+            <p:ph type="title"/>
+          </p:nvPr>
+        </p:nvSpPr>
+        <p:spPr/>
+        <p:txBody>
+          <a:bodyPr/>
+          <a:lstStyle/>
+          <a:p>
+            <a:r>
+              <a:rPr lang="en-US" altLang="ko-KR" dirty="0">
+                <a:latin typeface="Consolas" panose="020B0609020204030204" pitchFamily="49" charset="0"/>
+              </a:rPr>
+              <a:t>_</a:t>
+            </a:r>
+            <a:r>
+              <a:rPr lang="en-US" altLang="ko-KR" dirty="0" err="1">
+                <a:latin typeface="Consolas" panose="020B0609020204030204" pitchFamily="49" charset="0"/>
+              </a:rPr>
+              <a:t>Stable_sort_unchecked</a:t>
+            </a:r>
+            <a:r>
+              <a:rPr lang="en-US" altLang="ko-KR" dirty="0">
+                <a:latin typeface="Consolas" panose="020B0609020204030204" pitchFamily="49" charset="0"/>
+              </a:rPr>
+              <a:t> </a:t>
+            </a:r>
+            <a:r>
+              <a:rPr lang="ko-KR" altLang="en-US" dirty="0">
+                <a:latin typeface="Consolas" panose="020B0609020204030204" pitchFamily="49" charset="0"/>
+              </a:rPr>
+              <a:t>구현</a:t>
+            </a:r>
+          </a:p>
+        </p:txBody>
+      </p:sp>
+      <p:sp>
+        <p:nvSpPr>
+          <p:cNvPr id="3" name="직사각형 2">
+            <a:extLst>
+              <a:ext uri="{FF2B5EF4-FFF2-40B4-BE49-F238E27FC236}">
+                <a16:creationId xmlns:a16="http://schemas.microsoft.com/office/drawing/2014/main" id="{E8CF9B51-250A-4164-865E-FF6E3B41FE1A}"/>
+              </a:ext>
+            </a:extLst>
+          </p:cNvPr>
+          <p:cNvSpPr/>
+          <p:nvPr/>
+        </p:nvSpPr>
+        <p:spPr>
+          <a:xfrm>
+            <a:off x="2032543" y="3848374"/>
+            <a:ext cx="8332231" cy="1539349"/>
+          </a:xfrm>
+          <a:prstGeom prst="rect">
+            <a:avLst/>
+          </a:prstGeom>
+          <a:noFill/>
+          <a:ln>
+            <a:solidFill>
+              <a:srgbClr val="FF0000"/>
+            </a:solidFill>
+          </a:ln>
+        </p:spPr>
+        <p:style>
+          <a:lnRef idx="2">
+            <a:schemeClr val="accent1">
+              <a:shade val="50000"/>
+            </a:schemeClr>
+          </a:lnRef>
+          <a:fillRef idx="1">
+            <a:schemeClr val="accent1"/>
+          </a:fillRef>
+          <a:effectRef idx="0">
+            <a:schemeClr val="accent1"/>
+          </a:effectRef>
+          <a:fontRef idx="minor">
+            <a:schemeClr val="lt1"/>
+          </a:fontRef>
+        </p:style>
+        <p:txBody>
+          <a:bodyPr rtlCol="0" anchor="ctr"/>
+          <a:lstStyle/>
+          <a:p>
+            <a:pPr algn="ctr"/>
+            <a:endParaRPr lang="ko-KR" altLang="en-US"/>
+          </a:p>
+        </p:txBody>
+      </p:sp>
+      <p:sp>
+        <p:nvSpPr>
+          <p:cNvPr id="6" name="TextBox 5">
+            <a:extLst>
+              <a:ext uri="{FF2B5EF4-FFF2-40B4-BE49-F238E27FC236}">
+                <a16:creationId xmlns:a16="http://schemas.microsoft.com/office/drawing/2014/main" id="{31A9E15F-E6E2-4830-99CE-6F858544772A}"/>
+              </a:ext>
+            </a:extLst>
+          </p:cNvPr>
+          <p:cNvSpPr txBox="1"/>
+          <p:nvPr/>
+        </p:nvSpPr>
+        <p:spPr>
+          <a:xfrm>
+            <a:off x="6876820" y="5064557"/>
+            <a:ext cx="2815186" cy="646331"/>
+          </a:xfrm>
+          <a:prstGeom prst="rect">
+            <a:avLst/>
+          </a:prstGeom>
+          <a:noFill/>
+        </p:spPr>
+        <p:txBody>
+          <a:bodyPr wrap="square" rtlCol="0">
+            <a:spAutoFit/>
+          </a:bodyPr>
+          <a:lstStyle/>
+          <a:p>
+            <a:pPr algn="ctr"/>
+            <a:r>
+              <a:rPr lang="ko-KR" altLang="en-US" sz="1800" kern="1200" dirty="0">
+                <a:solidFill>
+                  <a:srgbClr val="FF0000"/>
+                </a:solidFill>
+                <a:latin typeface="+mn-lt"/>
+                <a:ea typeface="+mn-ea"/>
+                <a:cs typeface="+mn-cs"/>
+              </a:rPr>
+              <a:t>스택 최적화가 가능할 때까지 </a:t>
+            </a:r>
+            <a:r>
+              <a:rPr lang="en-US" altLang="ko-KR" sz="1800" kern="1200" dirty="0" err="1">
+                <a:solidFill>
+                  <a:srgbClr val="FF0000"/>
+                </a:solidFill>
+                <a:latin typeface="+mn-lt"/>
+                <a:ea typeface="+mn-ea"/>
+                <a:cs typeface="+mn-cs"/>
+              </a:rPr>
+              <a:t>divide&amp;conquer</a:t>
+            </a:r>
+            <a:endParaRPr lang="ko-KR" altLang="en-US" sz="1800" kern="1200" dirty="0">
+              <a:solidFill>
+                <a:srgbClr val="FF0000"/>
+              </a:solidFill>
+              <a:latin typeface="+mn-lt"/>
+              <a:ea typeface="+mn-ea"/>
+              <a:cs typeface="+mn-cs"/>
+            </a:endParaRPr>
+          </a:p>
+        </p:txBody>
+      </p:sp>
+    </p:spTree>
+    <p:extLst>
+      <p:ext uri="{BB962C8B-B14F-4D97-AF65-F5344CB8AC3E}">
+        <p14:creationId xmlns:p14="http://schemas.microsoft.com/office/powerpoint/2010/main" val="2433690490"/>
+      </p:ext>
+    </p:extLst>
+  </p:cSld>
+  <p:clrMapOvr>
+    <a:masterClrMapping/>
+  </p:clrMapOvr>
+</p:sld>
+</file>
+
+<file path=ppt/slides/slide47.xml><?xml version="1.0" encoding="utf-8"?>
+<p:sld xmlns:a="http://schemas.openxmlformats.org/drawingml/2006/main" xmlns:r="http://schemas.openxmlformats.org/officeDocument/2006/relationships" xmlns:p="http://schemas.openxmlformats.org/presentationml/2006/main">
+  <p:cSld>
+    <p:spTree>
+      <p:nvGrpSpPr>
+        <p:cNvPr id="1" name=""/>
+        <p:cNvGrpSpPr/>
+        <p:nvPr/>
+      </p:nvGrpSpPr>
+      <p:grpSpPr>
+        <a:xfrm>
+          <a:off x="0" y="0"/>
+          <a:ext cx="0" cy="0"/>
+          <a:chOff x="0" y="0"/>
+          <a:chExt cx="0" cy="0"/>
+        </a:xfrm>
+      </p:grpSpPr>
+      <p:pic>
+        <p:nvPicPr>
+          <p:cNvPr id="9" name="내용 개체 틀 8">
+            <a:extLst>
+              <a:ext uri="{FF2B5EF4-FFF2-40B4-BE49-F238E27FC236}">
+                <a16:creationId xmlns:a16="http://schemas.microsoft.com/office/drawing/2014/main" id="{BC052223-957C-4A90-8582-DF85F4767690}"/>
+              </a:ext>
+            </a:extLst>
+          </p:cNvPr>
+          <p:cNvPicPr>
+            <a:picLocks noGrp="1" noChangeAspect="1"/>
+          </p:cNvPicPr>
+          <p:nvPr>
+            <p:ph idx="1"/>
+          </p:nvPr>
+        </p:nvPicPr>
+        <p:blipFill>
+          <a:blip r:embed="rId2"/>
+          <a:stretch>
+            <a:fillRect/>
+          </a:stretch>
+        </p:blipFill>
+        <p:spPr>
+          <a:xfrm>
+            <a:off x="2133834" y="1608058"/>
+            <a:ext cx="7924331" cy="4786472"/>
+          </a:xfrm>
+          <a:prstGeom prst="rect">
+            <a:avLst/>
+          </a:prstGeom>
+        </p:spPr>
+      </p:pic>
+      <p:sp>
+        <p:nvSpPr>
+          <p:cNvPr id="2" name="제목 1">
+            <a:extLst>
+              <a:ext uri="{FF2B5EF4-FFF2-40B4-BE49-F238E27FC236}">
+                <a16:creationId xmlns:a16="http://schemas.microsoft.com/office/drawing/2014/main" id="{A810EFC4-7C47-46ED-BF74-E2BB05728096}"/>
+              </a:ext>
+            </a:extLst>
+          </p:cNvPr>
+          <p:cNvSpPr>
+            <a:spLocks noGrp="1"/>
+          </p:cNvSpPr>
+          <p:nvPr>
+            <p:ph type="title"/>
+          </p:nvPr>
+        </p:nvSpPr>
+        <p:spPr/>
+        <p:txBody>
+          <a:bodyPr/>
+          <a:lstStyle/>
+          <a:p>
+            <a:r>
+              <a:rPr lang="en-US" altLang="ko-KR" dirty="0">
+                <a:latin typeface="Consolas" panose="020B0609020204030204" pitchFamily="49" charset="0"/>
+              </a:rPr>
+              <a:t>_</a:t>
+            </a:r>
+            <a:r>
+              <a:rPr lang="en-US" altLang="ko-KR" dirty="0" err="1">
+                <a:latin typeface="Consolas" panose="020B0609020204030204" pitchFamily="49" charset="0"/>
+              </a:rPr>
+              <a:t>Stable_sort_unchecked</a:t>
+            </a:r>
+            <a:r>
+              <a:rPr lang="en-US" altLang="ko-KR" dirty="0">
+                <a:latin typeface="Consolas" panose="020B0609020204030204" pitchFamily="49" charset="0"/>
+              </a:rPr>
+              <a:t> </a:t>
+            </a:r>
+            <a:r>
+              <a:rPr lang="ko-KR" altLang="en-US" dirty="0">
+                <a:latin typeface="Consolas" panose="020B0609020204030204" pitchFamily="49" charset="0"/>
+              </a:rPr>
+              <a:t>구현</a:t>
+            </a:r>
+          </a:p>
+        </p:txBody>
+      </p:sp>
+      <p:sp>
+        <p:nvSpPr>
+          <p:cNvPr id="3" name="직사각형 2">
+            <a:extLst>
+              <a:ext uri="{FF2B5EF4-FFF2-40B4-BE49-F238E27FC236}">
+                <a16:creationId xmlns:a16="http://schemas.microsoft.com/office/drawing/2014/main" id="{E8CF9B51-250A-4164-865E-FF6E3B41FE1A}"/>
+              </a:ext>
+            </a:extLst>
+          </p:cNvPr>
+          <p:cNvSpPr/>
+          <p:nvPr/>
+        </p:nvSpPr>
+        <p:spPr>
+          <a:xfrm>
+            <a:off x="2373751" y="2503259"/>
+            <a:ext cx="4665155" cy="1062243"/>
+          </a:xfrm>
+          <a:prstGeom prst="rect">
+            <a:avLst/>
+          </a:prstGeom>
+          <a:noFill/>
+          <a:ln>
+            <a:solidFill>
+              <a:srgbClr val="FF0000"/>
+            </a:solidFill>
+          </a:ln>
+        </p:spPr>
+        <p:style>
+          <a:lnRef idx="2">
+            <a:schemeClr val="accent1">
+              <a:shade val="50000"/>
+            </a:schemeClr>
+          </a:lnRef>
+          <a:fillRef idx="1">
+            <a:schemeClr val="accent1"/>
+          </a:fillRef>
+          <a:effectRef idx="0">
+            <a:schemeClr val="accent1"/>
+          </a:effectRef>
+          <a:fontRef idx="minor">
+            <a:schemeClr val="lt1"/>
+          </a:fontRef>
+        </p:style>
+        <p:txBody>
+          <a:bodyPr rtlCol="0" anchor="ctr"/>
+          <a:lstStyle/>
+          <a:p>
+            <a:pPr algn="ctr"/>
+            <a:endParaRPr lang="ko-KR" altLang="en-US"/>
+          </a:p>
+        </p:txBody>
+      </p:sp>
+      <p:sp>
+        <p:nvSpPr>
+          <p:cNvPr id="6" name="TextBox 5">
+            <a:extLst>
+              <a:ext uri="{FF2B5EF4-FFF2-40B4-BE49-F238E27FC236}">
+                <a16:creationId xmlns:a16="http://schemas.microsoft.com/office/drawing/2014/main" id="{31A9E15F-E6E2-4830-99CE-6F858544772A}"/>
+              </a:ext>
+            </a:extLst>
+          </p:cNvPr>
+          <p:cNvSpPr txBox="1"/>
+          <p:nvPr/>
+        </p:nvSpPr>
+        <p:spPr>
+          <a:xfrm>
+            <a:off x="6898147" y="2919171"/>
+            <a:ext cx="3096705" cy="646331"/>
+          </a:xfrm>
+          <a:prstGeom prst="rect">
+            <a:avLst/>
+          </a:prstGeom>
+          <a:noFill/>
+        </p:spPr>
+        <p:txBody>
+          <a:bodyPr wrap="square" rtlCol="0">
+            <a:spAutoFit/>
+          </a:bodyPr>
+          <a:lstStyle/>
+          <a:p>
+            <a:pPr algn="ctr"/>
+            <a:r>
+              <a:rPr lang="en-US" altLang="ko-KR" dirty="0">
+                <a:solidFill>
+                  <a:srgbClr val="FF0000"/>
+                </a:solidFill>
+              </a:rPr>
+              <a:t>Chunk(32</a:t>
+            </a:r>
+            <a:r>
+              <a:rPr lang="ko-KR" altLang="en-US" dirty="0">
+                <a:solidFill>
+                  <a:srgbClr val="FF0000"/>
+                </a:solidFill>
+              </a:rPr>
+              <a:t>개</a:t>
+            </a:r>
+            <a:r>
+              <a:rPr lang="en-US" altLang="ko-KR" dirty="0">
+                <a:solidFill>
+                  <a:srgbClr val="FF0000"/>
+                </a:solidFill>
+              </a:rPr>
+              <a:t>) </a:t>
+            </a:r>
+            <a:r>
+              <a:rPr lang="ko-KR" altLang="en-US" dirty="0">
+                <a:solidFill>
+                  <a:srgbClr val="FF0000"/>
+                </a:solidFill>
+              </a:rPr>
+              <a:t>단위로 나누어 </a:t>
+            </a:r>
+            <a:r>
+              <a:rPr lang="en-US" altLang="ko-KR" dirty="0">
+                <a:solidFill>
+                  <a:srgbClr val="FF0000"/>
+                </a:solidFill>
+              </a:rPr>
+              <a:t>Insertion Sort</a:t>
+            </a:r>
+            <a:endParaRPr lang="ko-KR" altLang="en-US" sz="1800" kern="1200" dirty="0">
+              <a:solidFill>
+                <a:srgbClr val="FF0000"/>
+              </a:solidFill>
+              <a:latin typeface="+mn-lt"/>
+              <a:ea typeface="+mn-ea"/>
+              <a:cs typeface="+mn-cs"/>
+            </a:endParaRPr>
+          </a:p>
+        </p:txBody>
+      </p:sp>
+      <p:sp>
+        <p:nvSpPr>
+          <p:cNvPr id="10" name="직사각형 9">
+            <a:extLst>
+              <a:ext uri="{FF2B5EF4-FFF2-40B4-BE49-F238E27FC236}">
+                <a16:creationId xmlns:a16="http://schemas.microsoft.com/office/drawing/2014/main" id="{87317EAC-ACA3-4613-9B3E-29E6CE923A95}"/>
+              </a:ext>
+            </a:extLst>
+          </p:cNvPr>
+          <p:cNvSpPr/>
+          <p:nvPr/>
+        </p:nvSpPr>
+        <p:spPr>
+          <a:xfrm>
+            <a:off x="9170312" y="3697072"/>
+            <a:ext cx="486803" cy="348656"/>
+          </a:xfrm>
+          <a:prstGeom prst="rect">
+            <a:avLst/>
+          </a:prstGeom>
+          <a:ln>
+            <a:solidFill>
+              <a:schemeClr val="tx1"/>
+            </a:solidFill>
+          </a:ln>
+        </p:spPr>
+        <p:style>
+          <a:lnRef idx="2">
+            <a:schemeClr val="accent1">
+              <a:shade val="50000"/>
+            </a:schemeClr>
+          </a:lnRef>
+          <a:fillRef idx="1">
+            <a:schemeClr val="accent1"/>
+          </a:fillRef>
+          <a:effectRef idx="0">
+            <a:schemeClr val="accent1"/>
+          </a:effectRef>
+          <a:fontRef idx="minor">
+            <a:schemeClr val="lt1"/>
+          </a:fontRef>
+        </p:style>
+        <p:txBody>
+          <a:bodyPr rtlCol="0" anchor="ctr"/>
+          <a:lstStyle/>
+          <a:p>
+            <a:pPr algn="ctr"/>
+            <a:endParaRPr lang="ko-KR" altLang="en-US"/>
+          </a:p>
+        </p:txBody>
+      </p:sp>
+      <p:sp>
+        <p:nvSpPr>
+          <p:cNvPr id="11" name="직사각형 10">
+            <a:extLst>
+              <a:ext uri="{FF2B5EF4-FFF2-40B4-BE49-F238E27FC236}">
+                <a16:creationId xmlns:a16="http://schemas.microsoft.com/office/drawing/2014/main" id="{44AAD1F8-B55D-490B-AC11-0EBFCBC488E1}"/>
+              </a:ext>
+            </a:extLst>
+          </p:cNvPr>
+          <p:cNvSpPr/>
+          <p:nvPr/>
+        </p:nvSpPr>
+        <p:spPr>
+          <a:xfrm>
+            <a:off x="9656998" y="3697072"/>
+            <a:ext cx="486803" cy="348656"/>
+          </a:xfrm>
+          <a:prstGeom prst="rect">
+            <a:avLst/>
+          </a:prstGeom>
+          <a:ln>
+            <a:solidFill>
+              <a:schemeClr val="tx1"/>
+            </a:solidFill>
+          </a:ln>
+        </p:spPr>
+        <p:style>
+          <a:lnRef idx="2">
+            <a:schemeClr val="accent1">
+              <a:shade val="50000"/>
+            </a:schemeClr>
+          </a:lnRef>
+          <a:fillRef idx="1">
+            <a:schemeClr val="accent1"/>
+          </a:fillRef>
+          <a:effectRef idx="0">
+            <a:schemeClr val="accent1"/>
+          </a:effectRef>
+          <a:fontRef idx="minor">
+            <a:schemeClr val="lt1"/>
+          </a:fontRef>
+        </p:style>
+        <p:txBody>
+          <a:bodyPr rtlCol="0" anchor="ctr"/>
+          <a:lstStyle/>
+          <a:p>
+            <a:pPr algn="ctr"/>
+            <a:endParaRPr lang="ko-KR" altLang="en-US"/>
+          </a:p>
+        </p:txBody>
+      </p:sp>
+      <p:sp>
+        <p:nvSpPr>
+          <p:cNvPr id="12" name="직사각형 11">
+            <a:extLst>
+              <a:ext uri="{FF2B5EF4-FFF2-40B4-BE49-F238E27FC236}">
+                <a16:creationId xmlns:a16="http://schemas.microsoft.com/office/drawing/2014/main" id="{4AABC7F2-F2AA-4873-B437-62A65E455C74}"/>
+              </a:ext>
+            </a:extLst>
+          </p:cNvPr>
+          <p:cNvSpPr/>
+          <p:nvPr/>
+        </p:nvSpPr>
+        <p:spPr>
+          <a:xfrm>
+            <a:off x="10143448" y="3697072"/>
+            <a:ext cx="486803" cy="348656"/>
+          </a:xfrm>
+          <a:prstGeom prst="rect">
+            <a:avLst/>
+          </a:prstGeom>
+          <a:ln>
+            <a:solidFill>
+              <a:schemeClr val="tx1"/>
+            </a:solidFill>
+          </a:ln>
+        </p:spPr>
+        <p:style>
+          <a:lnRef idx="2">
+            <a:schemeClr val="accent1">
+              <a:shade val="50000"/>
+            </a:schemeClr>
+          </a:lnRef>
+          <a:fillRef idx="1">
+            <a:schemeClr val="accent1"/>
+          </a:fillRef>
+          <a:effectRef idx="0">
+            <a:schemeClr val="accent1"/>
+          </a:effectRef>
+          <a:fontRef idx="minor">
+            <a:schemeClr val="lt1"/>
+          </a:fontRef>
+        </p:style>
+        <p:txBody>
+          <a:bodyPr rtlCol="0" anchor="ctr"/>
+          <a:lstStyle/>
+          <a:p>
+            <a:pPr algn="ctr"/>
+            <a:endParaRPr lang="ko-KR" altLang="en-US"/>
+          </a:p>
+        </p:txBody>
+      </p:sp>
+      <p:sp>
+        <p:nvSpPr>
+          <p:cNvPr id="13" name="직사각형 12">
+            <a:extLst>
+              <a:ext uri="{FF2B5EF4-FFF2-40B4-BE49-F238E27FC236}">
+                <a16:creationId xmlns:a16="http://schemas.microsoft.com/office/drawing/2014/main" id="{E89F7E14-0024-40DC-AF13-80E4AB4AC04D}"/>
+              </a:ext>
+            </a:extLst>
+          </p:cNvPr>
+          <p:cNvSpPr/>
+          <p:nvPr/>
+        </p:nvSpPr>
+        <p:spPr>
+          <a:xfrm>
+            <a:off x="10629546" y="3697072"/>
+            <a:ext cx="486803" cy="348656"/>
+          </a:xfrm>
+          <a:prstGeom prst="rect">
+            <a:avLst/>
+          </a:prstGeom>
+          <a:ln>
+            <a:solidFill>
+              <a:schemeClr val="tx1"/>
+            </a:solidFill>
+          </a:ln>
+        </p:spPr>
+        <p:style>
+          <a:lnRef idx="2">
+            <a:schemeClr val="accent1">
+              <a:shade val="50000"/>
+            </a:schemeClr>
+          </a:lnRef>
+          <a:fillRef idx="1">
+            <a:schemeClr val="accent1"/>
+          </a:fillRef>
+          <a:effectRef idx="0">
+            <a:schemeClr val="accent1"/>
+          </a:effectRef>
+          <a:fontRef idx="minor">
+            <a:schemeClr val="lt1"/>
+          </a:fontRef>
+        </p:style>
+        <p:txBody>
+          <a:bodyPr rtlCol="0" anchor="ctr"/>
+          <a:lstStyle/>
+          <a:p>
+            <a:pPr algn="ctr"/>
+            <a:endParaRPr lang="ko-KR" altLang="en-US"/>
+          </a:p>
+        </p:txBody>
+      </p:sp>
+      <p:sp>
+        <p:nvSpPr>
+          <p:cNvPr id="14" name="직사각형 13">
+            <a:extLst>
+              <a:ext uri="{FF2B5EF4-FFF2-40B4-BE49-F238E27FC236}">
+                <a16:creationId xmlns:a16="http://schemas.microsoft.com/office/drawing/2014/main" id="{E9DBF05C-81B8-4A82-8872-DA5C48EBA92F}"/>
+              </a:ext>
+            </a:extLst>
+          </p:cNvPr>
+          <p:cNvSpPr/>
+          <p:nvPr/>
+        </p:nvSpPr>
+        <p:spPr>
+          <a:xfrm>
+            <a:off x="11115996" y="3697072"/>
+            <a:ext cx="486803" cy="348656"/>
+          </a:xfrm>
+          <a:prstGeom prst="rect">
+            <a:avLst/>
+          </a:prstGeom>
+          <a:ln>
+            <a:solidFill>
+              <a:schemeClr val="tx1"/>
+            </a:solidFill>
+          </a:ln>
+        </p:spPr>
+        <p:style>
+          <a:lnRef idx="2">
+            <a:schemeClr val="accent1">
+              <a:shade val="50000"/>
+            </a:schemeClr>
+          </a:lnRef>
+          <a:fillRef idx="1">
+            <a:schemeClr val="accent1"/>
+          </a:fillRef>
+          <a:effectRef idx="0">
+            <a:schemeClr val="accent1"/>
+          </a:effectRef>
+          <a:fontRef idx="minor">
+            <a:schemeClr val="lt1"/>
+          </a:fontRef>
+        </p:style>
+        <p:txBody>
+          <a:bodyPr rtlCol="0" anchor="ctr"/>
+          <a:lstStyle/>
+          <a:p>
+            <a:pPr algn="ctr"/>
+            <a:endParaRPr lang="ko-KR" altLang="en-US"/>
+          </a:p>
+        </p:txBody>
+      </p:sp>
+      <p:sp>
+        <p:nvSpPr>
+          <p:cNvPr id="15" name="직사각형 14">
+            <a:extLst>
+              <a:ext uri="{FF2B5EF4-FFF2-40B4-BE49-F238E27FC236}">
+                <a16:creationId xmlns:a16="http://schemas.microsoft.com/office/drawing/2014/main" id="{DC719925-0AB3-443D-872B-B2715CD1FFAC}"/>
+              </a:ext>
+            </a:extLst>
+          </p:cNvPr>
+          <p:cNvSpPr/>
+          <p:nvPr/>
+        </p:nvSpPr>
+        <p:spPr>
+          <a:xfrm>
+            <a:off x="11601741" y="3697072"/>
+            <a:ext cx="486803" cy="348656"/>
+          </a:xfrm>
+          <a:prstGeom prst="rect">
+            <a:avLst/>
+          </a:prstGeom>
+          <a:ln>
+            <a:solidFill>
+              <a:schemeClr val="tx1"/>
+            </a:solidFill>
+          </a:ln>
+        </p:spPr>
+        <p:style>
+          <a:lnRef idx="2">
+            <a:schemeClr val="accent1">
+              <a:shade val="50000"/>
+            </a:schemeClr>
+          </a:lnRef>
+          <a:fillRef idx="1">
+            <a:schemeClr val="accent1"/>
+          </a:fillRef>
+          <a:effectRef idx="0">
+            <a:schemeClr val="accent1"/>
+          </a:effectRef>
+          <a:fontRef idx="minor">
+            <a:schemeClr val="lt1"/>
+          </a:fontRef>
+        </p:style>
+        <p:txBody>
+          <a:bodyPr rtlCol="0" anchor="ctr"/>
+          <a:lstStyle/>
+          <a:p>
+            <a:pPr algn="ctr"/>
+            <a:endParaRPr lang="ko-KR" altLang="en-US"/>
+          </a:p>
+        </p:txBody>
+      </p:sp>
+      <p:sp>
+        <p:nvSpPr>
+          <p:cNvPr id="22" name="직사각형 21">
+            <a:extLst>
+              <a:ext uri="{FF2B5EF4-FFF2-40B4-BE49-F238E27FC236}">
+                <a16:creationId xmlns:a16="http://schemas.microsoft.com/office/drawing/2014/main" id="{ED3677B2-C769-4ED7-8DEF-47D138B64704}"/>
+              </a:ext>
+            </a:extLst>
+          </p:cNvPr>
+          <p:cNvSpPr/>
+          <p:nvPr/>
+        </p:nvSpPr>
+        <p:spPr>
+          <a:xfrm>
+            <a:off x="9170312" y="2483525"/>
+            <a:ext cx="2918232" cy="415912"/>
+          </a:xfrm>
+          <a:prstGeom prst="rect">
+            <a:avLst/>
+          </a:prstGeom>
+          <a:ln>
+            <a:solidFill>
+              <a:schemeClr val="tx1"/>
+            </a:solidFill>
+          </a:ln>
+        </p:spPr>
+        <p:style>
+          <a:lnRef idx="2">
+            <a:schemeClr val="accent1">
+              <a:shade val="50000"/>
+            </a:schemeClr>
+          </a:lnRef>
+          <a:fillRef idx="1">
+            <a:schemeClr val="accent1"/>
+          </a:fillRef>
+          <a:effectRef idx="0">
+            <a:schemeClr val="accent1"/>
+          </a:effectRef>
+          <a:fontRef idx="minor">
+            <a:schemeClr val="lt1"/>
+          </a:fontRef>
+        </p:style>
+        <p:txBody>
+          <a:bodyPr rtlCol="0" anchor="ctr"/>
+          <a:lstStyle/>
+          <a:p>
+            <a:pPr algn="ctr"/>
+            <a:endParaRPr lang="ko-KR" altLang="en-US"/>
+          </a:p>
+        </p:txBody>
+      </p:sp>
+      <p:sp>
+        <p:nvSpPr>
+          <p:cNvPr id="23" name="화살표: 오른쪽 22">
+            <a:extLst>
+              <a:ext uri="{FF2B5EF4-FFF2-40B4-BE49-F238E27FC236}">
+                <a16:creationId xmlns:a16="http://schemas.microsoft.com/office/drawing/2014/main" id="{65DECF3D-C48D-47E7-8303-CFA59C6055DA}"/>
+              </a:ext>
+            </a:extLst>
+          </p:cNvPr>
+          <p:cNvSpPr/>
+          <p:nvPr/>
+        </p:nvSpPr>
+        <p:spPr>
+          <a:xfrm rot="5400000">
+            <a:off x="10407055" y="3105016"/>
+            <a:ext cx="486803" cy="315764"/>
+          </a:xfrm>
+          <a:prstGeom prst="rightArrow">
+            <a:avLst/>
+          </a:prstGeom>
+        </p:spPr>
+        <p:style>
+          <a:lnRef idx="2">
+            <a:schemeClr val="accent1">
+              <a:shade val="50000"/>
+            </a:schemeClr>
+          </a:lnRef>
+          <a:fillRef idx="1">
+            <a:schemeClr val="accent1"/>
+          </a:fillRef>
+          <a:effectRef idx="0">
+            <a:schemeClr val="accent1"/>
+          </a:effectRef>
+          <a:fontRef idx="minor">
+            <a:schemeClr val="lt1"/>
+          </a:fontRef>
+        </p:style>
+        <p:txBody>
+          <a:bodyPr rtlCol="0" anchor="ctr"/>
+          <a:lstStyle/>
+          <a:p>
+            <a:pPr algn="ctr"/>
+            <a:endParaRPr lang="ko-KR" altLang="en-US"/>
+          </a:p>
+        </p:txBody>
+      </p:sp>
+    </p:spTree>
+    <p:extLst>
+      <p:ext uri="{BB962C8B-B14F-4D97-AF65-F5344CB8AC3E}">
+        <p14:creationId xmlns:p14="http://schemas.microsoft.com/office/powerpoint/2010/main" val="2383044025"/>
+      </p:ext>
+    </p:extLst>
+  </p:cSld>
+  <p:clrMapOvr>
+    <a:masterClrMapping/>
+  </p:clrMapOvr>
+</p:sld>
+</file>
+
+<file path=ppt/slides/slide48.xml><?xml version="1.0" encoding="utf-8"?>
+<p:sld xmlns:a="http://schemas.openxmlformats.org/drawingml/2006/main" xmlns:r="http://schemas.openxmlformats.org/officeDocument/2006/relationships" xmlns:p="http://schemas.openxmlformats.org/presentationml/2006/main">
+  <p:cSld>
+    <p:spTree>
+      <p:nvGrpSpPr>
+        <p:cNvPr id="1" name=""/>
+        <p:cNvGrpSpPr/>
+        <p:nvPr/>
+      </p:nvGrpSpPr>
+      <p:grpSpPr>
+        <a:xfrm>
+          <a:off x="0" y="0"/>
+          <a:ext cx="0" cy="0"/>
+          <a:chOff x="0" y="0"/>
+          <a:chExt cx="0" cy="0"/>
+        </a:xfrm>
+      </p:grpSpPr>
+      <p:pic>
+        <p:nvPicPr>
+          <p:cNvPr id="9" name="내용 개체 틀 8">
+            <a:extLst>
+              <a:ext uri="{FF2B5EF4-FFF2-40B4-BE49-F238E27FC236}">
+                <a16:creationId xmlns:a16="http://schemas.microsoft.com/office/drawing/2014/main" id="{BC052223-957C-4A90-8582-DF85F4767690}"/>
+              </a:ext>
+            </a:extLst>
+          </p:cNvPr>
+          <p:cNvPicPr>
+            <a:picLocks noGrp="1" noChangeAspect="1"/>
+          </p:cNvPicPr>
+          <p:nvPr>
+            <p:ph idx="1"/>
+          </p:nvPr>
+        </p:nvPicPr>
+        <p:blipFill>
+          <a:blip r:embed="rId2"/>
+          <a:stretch>
+            <a:fillRect/>
+          </a:stretch>
+        </p:blipFill>
+        <p:spPr>
+          <a:xfrm>
+            <a:off x="2133834" y="1608058"/>
+            <a:ext cx="7924331" cy="4786472"/>
+          </a:xfrm>
+          <a:prstGeom prst="rect">
+            <a:avLst/>
+          </a:prstGeom>
+        </p:spPr>
+      </p:pic>
+      <p:sp>
+        <p:nvSpPr>
+          <p:cNvPr id="2" name="제목 1">
+            <a:extLst>
+              <a:ext uri="{FF2B5EF4-FFF2-40B4-BE49-F238E27FC236}">
+                <a16:creationId xmlns:a16="http://schemas.microsoft.com/office/drawing/2014/main" id="{A810EFC4-7C47-46ED-BF74-E2BB05728096}"/>
+              </a:ext>
+            </a:extLst>
+          </p:cNvPr>
+          <p:cNvSpPr>
+            <a:spLocks noGrp="1"/>
+          </p:cNvSpPr>
+          <p:nvPr>
+            <p:ph type="title"/>
+          </p:nvPr>
+        </p:nvSpPr>
+        <p:spPr/>
+        <p:txBody>
+          <a:bodyPr>
+            <a:normAutofit/>
+          </a:bodyPr>
+          <a:lstStyle/>
+          <a:p>
+            <a:r>
+              <a:rPr lang="en-US" altLang="ko-KR" sz="4000" dirty="0">
+                <a:latin typeface="Consolas" panose="020B0609020204030204" pitchFamily="49" charset="0"/>
+              </a:rPr>
+              <a:t>_</a:t>
+            </a:r>
+            <a:r>
+              <a:rPr lang="en-US" altLang="ko-KR" sz="4000" dirty="0" err="1">
+                <a:latin typeface="Consolas" panose="020B0609020204030204" pitchFamily="49" charset="0"/>
+              </a:rPr>
+              <a:t>Buffered_merge_sort_unchecked</a:t>
+            </a:r>
+            <a:r>
+              <a:rPr lang="en-US" altLang="ko-KR" sz="4000" dirty="0">
+                <a:latin typeface="Consolas" panose="020B0609020204030204" pitchFamily="49" charset="0"/>
+              </a:rPr>
+              <a:t> </a:t>
+            </a:r>
+            <a:r>
+              <a:rPr lang="ko-KR" altLang="en-US" sz="4000" dirty="0">
+                <a:latin typeface="Consolas" panose="020B0609020204030204" pitchFamily="49" charset="0"/>
+              </a:rPr>
+              <a:t>구현</a:t>
+            </a:r>
+          </a:p>
+        </p:txBody>
+      </p:sp>
+      <p:sp>
+        <p:nvSpPr>
+          <p:cNvPr id="3" name="직사각형 2">
+            <a:extLst>
+              <a:ext uri="{FF2B5EF4-FFF2-40B4-BE49-F238E27FC236}">
+                <a16:creationId xmlns:a16="http://schemas.microsoft.com/office/drawing/2014/main" id="{E8CF9B51-250A-4164-865E-FF6E3B41FE1A}"/>
+              </a:ext>
+            </a:extLst>
+          </p:cNvPr>
+          <p:cNvSpPr/>
+          <p:nvPr/>
+        </p:nvSpPr>
+        <p:spPr>
+          <a:xfrm>
+            <a:off x="2354015" y="3634747"/>
+            <a:ext cx="7507032" cy="2608171"/>
+          </a:xfrm>
+          <a:prstGeom prst="rect">
+            <a:avLst/>
+          </a:prstGeom>
+          <a:noFill/>
+          <a:ln>
+            <a:solidFill>
+              <a:srgbClr val="FF0000"/>
+            </a:solidFill>
+          </a:ln>
+        </p:spPr>
+        <p:style>
+          <a:lnRef idx="2">
+            <a:schemeClr val="accent1">
+              <a:shade val="50000"/>
+            </a:schemeClr>
+          </a:lnRef>
+          <a:fillRef idx="1">
+            <a:schemeClr val="accent1"/>
+          </a:fillRef>
+          <a:effectRef idx="0">
+            <a:schemeClr val="accent1"/>
+          </a:effectRef>
+          <a:fontRef idx="minor">
+            <a:schemeClr val="lt1"/>
+          </a:fontRef>
+        </p:style>
+        <p:txBody>
+          <a:bodyPr rtlCol="0" anchor="ctr"/>
+          <a:lstStyle/>
+          <a:p>
+            <a:pPr algn="ctr"/>
+            <a:endParaRPr lang="ko-KR" altLang="en-US"/>
+          </a:p>
+        </p:txBody>
+      </p:sp>
+      <p:sp>
+        <p:nvSpPr>
+          <p:cNvPr id="6" name="TextBox 5">
+            <a:extLst>
+              <a:ext uri="{FF2B5EF4-FFF2-40B4-BE49-F238E27FC236}">
+                <a16:creationId xmlns:a16="http://schemas.microsoft.com/office/drawing/2014/main" id="{31A9E15F-E6E2-4830-99CE-6F858544772A}"/>
+              </a:ext>
+            </a:extLst>
+          </p:cNvPr>
+          <p:cNvSpPr txBox="1"/>
+          <p:nvPr/>
+        </p:nvSpPr>
+        <p:spPr>
+          <a:xfrm>
+            <a:off x="6878411" y="3333612"/>
+            <a:ext cx="3096705" cy="646331"/>
+          </a:xfrm>
+          <a:prstGeom prst="rect">
+            <a:avLst/>
+          </a:prstGeom>
+          <a:noFill/>
+        </p:spPr>
+        <p:txBody>
+          <a:bodyPr wrap="square" rtlCol="0">
+            <a:spAutoFit/>
+          </a:bodyPr>
+          <a:lstStyle/>
+          <a:p>
+            <a:pPr algn="ctr"/>
+            <a:r>
+              <a:rPr lang="ko-KR" altLang="en-US" sz="1800" kern="1200" dirty="0">
+                <a:solidFill>
+                  <a:srgbClr val="FF0000"/>
+                </a:solidFill>
+                <a:latin typeface="+mn-lt"/>
+                <a:ea typeface="+mn-ea"/>
+                <a:cs typeface="+mn-cs"/>
+              </a:rPr>
+              <a:t>이후 각 </a:t>
+            </a:r>
+            <a:r>
+              <a:rPr lang="en-US" altLang="ko-KR" sz="1800" kern="1200" dirty="0">
+                <a:solidFill>
+                  <a:srgbClr val="FF0000"/>
+                </a:solidFill>
+                <a:latin typeface="+mn-lt"/>
+                <a:ea typeface="+mn-ea"/>
+                <a:cs typeface="+mn-cs"/>
+              </a:rPr>
+              <a:t>Chunk </a:t>
+            </a:r>
+            <a:r>
+              <a:rPr lang="ko-KR" altLang="en-US" sz="1800" kern="1200" dirty="0">
+                <a:solidFill>
+                  <a:srgbClr val="FF0000"/>
+                </a:solidFill>
+                <a:latin typeface="+mn-lt"/>
+                <a:ea typeface="+mn-ea"/>
+                <a:cs typeface="+mn-cs"/>
+              </a:rPr>
+              <a:t>를 </a:t>
+            </a:r>
+            <a:endParaRPr lang="en-US" altLang="ko-KR" sz="1800" kern="1200" dirty="0">
+              <a:solidFill>
+                <a:srgbClr val="FF0000"/>
+              </a:solidFill>
+              <a:latin typeface="+mn-lt"/>
+              <a:ea typeface="+mn-ea"/>
+              <a:cs typeface="+mn-cs"/>
+            </a:endParaRPr>
+          </a:p>
+          <a:p>
+            <a:pPr algn="ctr"/>
+            <a:r>
+              <a:rPr lang="en-US" altLang="ko-KR" dirty="0">
+                <a:solidFill>
+                  <a:srgbClr val="FF0000"/>
+                </a:solidFill>
+              </a:rPr>
+              <a:t>Merge Sort</a:t>
+            </a:r>
+            <a:endParaRPr lang="ko-KR" altLang="en-US" sz="1800" kern="1200" dirty="0">
+              <a:solidFill>
+                <a:srgbClr val="FF0000"/>
+              </a:solidFill>
+              <a:latin typeface="+mn-lt"/>
+              <a:ea typeface="+mn-ea"/>
+              <a:cs typeface="+mn-cs"/>
+            </a:endParaRPr>
+          </a:p>
+        </p:txBody>
+      </p:sp>
+      <p:sp>
+        <p:nvSpPr>
+          <p:cNvPr id="7" name="직사각형 6">
+            <a:extLst>
+              <a:ext uri="{FF2B5EF4-FFF2-40B4-BE49-F238E27FC236}">
+                <a16:creationId xmlns:a16="http://schemas.microsoft.com/office/drawing/2014/main" id="{15F84145-3DB7-4724-9DF8-9DEDFDE7BD8A}"/>
+              </a:ext>
+            </a:extLst>
+          </p:cNvPr>
+          <p:cNvSpPr/>
+          <p:nvPr/>
+        </p:nvSpPr>
+        <p:spPr>
+          <a:xfrm>
+            <a:off x="9157154" y="2782671"/>
+            <a:ext cx="486803" cy="348656"/>
+          </a:xfrm>
+          <a:prstGeom prst="rect">
+            <a:avLst/>
+          </a:prstGeom>
+          <a:ln>
+            <a:solidFill>
+              <a:schemeClr val="tx1"/>
+            </a:solidFill>
+          </a:ln>
+        </p:spPr>
+        <p:style>
+          <a:lnRef idx="2">
+            <a:schemeClr val="accent1">
+              <a:shade val="50000"/>
+            </a:schemeClr>
+          </a:lnRef>
+          <a:fillRef idx="1">
+            <a:schemeClr val="accent1"/>
+          </a:fillRef>
+          <a:effectRef idx="0">
+            <a:schemeClr val="accent1"/>
+          </a:effectRef>
+          <a:fontRef idx="minor">
+            <a:schemeClr val="lt1"/>
+          </a:fontRef>
+        </p:style>
+        <p:txBody>
+          <a:bodyPr rtlCol="0" anchor="ctr"/>
+          <a:lstStyle/>
+          <a:p>
+            <a:pPr algn="ctr"/>
+            <a:endParaRPr lang="ko-KR" altLang="en-US"/>
+          </a:p>
+        </p:txBody>
+      </p:sp>
+      <p:sp>
+        <p:nvSpPr>
+          <p:cNvPr id="8" name="직사각형 7">
+            <a:extLst>
+              <a:ext uri="{FF2B5EF4-FFF2-40B4-BE49-F238E27FC236}">
+                <a16:creationId xmlns:a16="http://schemas.microsoft.com/office/drawing/2014/main" id="{E02201BB-36D2-4670-B5E2-2EA914C9EA97}"/>
+              </a:ext>
+            </a:extLst>
+          </p:cNvPr>
+          <p:cNvSpPr/>
+          <p:nvPr/>
+        </p:nvSpPr>
+        <p:spPr>
+          <a:xfrm>
+            <a:off x="9643840" y="2782671"/>
+            <a:ext cx="486803" cy="348656"/>
+          </a:xfrm>
+          <a:prstGeom prst="rect">
+            <a:avLst/>
+          </a:prstGeom>
+          <a:ln>
+            <a:solidFill>
+              <a:schemeClr val="tx1"/>
+            </a:solidFill>
+          </a:ln>
+        </p:spPr>
+        <p:style>
+          <a:lnRef idx="2">
+            <a:schemeClr val="accent1">
+              <a:shade val="50000"/>
+            </a:schemeClr>
+          </a:lnRef>
+          <a:fillRef idx="1">
+            <a:schemeClr val="accent1"/>
+          </a:fillRef>
+          <a:effectRef idx="0">
+            <a:schemeClr val="accent1"/>
+          </a:effectRef>
+          <a:fontRef idx="minor">
+            <a:schemeClr val="lt1"/>
+          </a:fontRef>
+        </p:style>
+        <p:txBody>
+          <a:bodyPr rtlCol="0" anchor="ctr"/>
+          <a:lstStyle/>
+          <a:p>
+            <a:pPr algn="ctr"/>
+            <a:endParaRPr lang="ko-KR" altLang="en-US"/>
+          </a:p>
+        </p:txBody>
+      </p:sp>
+      <p:sp>
+        <p:nvSpPr>
+          <p:cNvPr id="10" name="직사각형 9">
+            <a:extLst>
+              <a:ext uri="{FF2B5EF4-FFF2-40B4-BE49-F238E27FC236}">
+                <a16:creationId xmlns:a16="http://schemas.microsoft.com/office/drawing/2014/main" id="{A714D414-3B55-42D9-85EC-BE83FE86D852}"/>
+              </a:ext>
+            </a:extLst>
+          </p:cNvPr>
+          <p:cNvSpPr/>
+          <p:nvPr/>
+        </p:nvSpPr>
+        <p:spPr>
+          <a:xfrm>
+            <a:off x="10130290" y="2782671"/>
+            <a:ext cx="486803" cy="348656"/>
+          </a:xfrm>
+          <a:prstGeom prst="rect">
+            <a:avLst/>
+          </a:prstGeom>
+          <a:ln>
+            <a:solidFill>
+              <a:schemeClr val="tx1"/>
+            </a:solidFill>
+          </a:ln>
+        </p:spPr>
+        <p:style>
+          <a:lnRef idx="2">
+            <a:schemeClr val="accent1">
+              <a:shade val="50000"/>
+            </a:schemeClr>
+          </a:lnRef>
+          <a:fillRef idx="1">
+            <a:schemeClr val="accent1"/>
+          </a:fillRef>
+          <a:effectRef idx="0">
+            <a:schemeClr val="accent1"/>
+          </a:effectRef>
+          <a:fontRef idx="minor">
+            <a:schemeClr val="lt1"/>
+          </a:fontRef>
+        </p:style>
+        <p:txBody>
+          <a:bodyPr rtlCol="0" anchor="ctr"/>
+          <a:lstStyle/>
+          <a:p>
+            <a:pPr algn="ctr"/>
+            <a:endParaRPr lang="ko-KR" altLang="en-US"/>
+          </a:p>
+        </p:txBody>
+      </p:sp>
+      <p:sp>
+        <p:nvSpPr>
+          <p:cNvPr id="11" name="직사각형 10">
+            <a:extLst>
+              <a:ext uri="{FF2B5EF4-FFF2-40B4-BE49-F238E27FC236}">
+                <a16:creationId xmlns:a16="http://schemas.microsoft.com/office/drawing/2014/main" id="{47B1AC83-4F19-42ED-9C63-A7EEE106AADD}"/>
+              </a:ext>
+            </a:extLst>
+          </p:cNvPr>
+          <p:cNvSpPr/>
+          <p:nvPr/>
+        </p:nvSpPr>
+        <p:spPr>
+          <a:xfrm>
+            <a:off x="10616388" y="2782671"/>
+            <a:ext cx="486803" cy="348656"/>
+          </a:xfrm>
+          <a:prstGeom prst="rect">
+            <a:avLst/>
+          </a:prstGeom>
+          <a:ln>
+            <a:solidFill>
+              <a:schemeClr val="tx1"/>
+            </a:solidFill>
+          </a:ln>
+        </p:spPr>
+        <p:style>
+          <a:lnRef idx="2">
+            <a:schemeClr val="accent1">
+              <a:shade val="50000"/>
+            </a:schemeClr>
+          </a:lnRef>
+          <a:fillRef idx="1">
+            <a:schemeClr val="accent1"/>
+          </a:fillRef>
+          <a:effectRef idx="0">
+            <a:schemeClr val="accent1"/>
+          </a:effectRef>
+          <a:fontRef idx="minor">
+            <a:schemeClr val="lt1"/>
+          </a:fontRef>
+        </p:style>
+        <p:txBody>
+          <a:bodyPr rtlCol="0" anchor="ctr"/>
+          <a:lstStyle/>
+          <a:p>
+            <a:pPr algn="ctr"/>
+            <a:endParaRPr lang="ko-KR" altLang="en-US"/>
+          </a:p>
+        </p:txBody>
+      </p:sp>
+      <p:sp>
+        <p:nvSpPr>
+          <p:cNvPr id="12" name="직사각형 11">
+            <a:extLst>
+              <a:ext uri="{FF2B5EF4-FFF2-40B4-BE49-F238E27FC236}">
+                <a16:creationId xmlns:a16="http://schemas.microsoft.com/office/drawing/2014/main" id="{CB52F434-1864-4C4B-A9B5-0F3C548EFA2E}"/>
+              </a:ext>
+            </a:extLst>
+          </p:cNvPr>
+          <p:cNvSpPr/>
+          <p:nvPr/>
+        </p:nvSpPr>
+        <p:spPr>
+          <a:xfrm>
+            <a:off x="11102838" y="2782671"/>
+            <a:ext cx="486803" cy="348656"/>
+          </a:xfrm>
+          <a:prstGeom prst="rect">
+            <a:avLst/>
+          </a:prstGeom>
+          <a:ln>
+            <a:solidFill>
+              <a:schemeClr val="tx1"/>
+            </a:solidFill>
+          </a:ln>
+        </p:spPr>
+        <p:style>
+          <a:lnRef idx="2">
+            <a:schemeClr val="accent1">
+              <a:shade val="50000"/>
+            </a:schemeClr>
+          </a:lnRef>
+          <a:fillRef idx="1">
+            <a:schemeClr val="accent1"/>
+          </a:fillRef>
+          <a:effectRef idx="0">
+            <a:schemeClr val="accent1"/>
+          </a:effectRef>
+          <a:fontRef idx="minor">
+            <a:schemeClr val="lt1"/>
+          </a:fontRef>
+        </p:style>
+        <p:txBody>
+          <a:bodyPr rtlCol="0" anchor="ctr"/>
+          <a:lstStyle/>
+          <a:p>
+            <a:pPr algn="ctr"/>
+            <a:endParaRPr lang="ko-KR" altLang="en-US"/>
+          </a:p>
+        </p:txBody>
+      </p:sp>
+      <p:sp>
+        <p:nvSpPr>
+          <p:cNvPr id="13" name="직사각형 12">
+            <a:extLst>
+              <a:ext uri="{FF2B5EF4-FFF2-40B4-BE49-F238E27FC236}">
+                <a16:creationId xmlns:a16="http://schemas.microsoft.com/office/drawing/2014/main" id="{0E5D8DD7-84E6-4ED9-BDFD-19A483E3FC21}"/>
+              </a:ext>
+            </a:extLst>
+          </p:cNvPr>
+          <p:cNvSpPr/>
+          <p:nvPr/>
+        </p:nvSpPr>
+        <p:spPr>
+          <a:xfrm>
+            <a:off x="11588583" y="2782671"/>
+            <a:ext cx="486803" cy="348656"/>
+          </a:xfrm>
+          <a:prstGeom prst="rect">
+            <a:avLst/>
+          </a:prstGeom>
+          <a:ln>
+            <a:solidFill>
+              <a:schemeClr val="tx1"/>
+            </a:solidFill>
+          </a:ln>
+        </p:spPr>
+        <p:style>
+          <a:lnRef idx="2">
+            <a:schemeClr val="accent1">
+              <a:shade val="50000"/>
+            </a:schemeClr>
+          </a:lnRef>
+          <a:fillRef idx="1">
+            <a:schemeClr val="accent1"/>
+          </a:fillRef>
+          <a:effectRef idx="0">
+            <a:schemeClr val="accent1"/>
+          </a:effectRef>
+          <a:fontRef idx="minor">
+            <a:schemeClr val="lt1"/>
+          </a:fontRef>
+        </p:style>
+        <p:txBody>
+          <a:bodyPr rtlCol="0" anchor="ctr"/>
+          <a:lstStyle/>
+          <a:p>
+            <a:pPr algn="ctr"/>
+            <a:endParaRPr lang="ko-KR" altLang="en-US"/>
+          </a:p>
+        </p:txBody>
+      </p:sp>
+      <p:sp>
+        <p:nvSpPr>
+          <p:cNvPr id="14" name="화살표: 오른쪽 13">
+            <a:extLst>
+              <a:ext uri="{FF2B5EF4-FFF2-40B4-BE49-F238E27FC236}">
+                <a16:creationId xmlns:a16="http://schemas.microsoft.com/office/drawing/2014/main" id="{CCE481A4-86C1-4877-A73F-38AA8AE71CC9}"/>
+              </a:ext>
+            </a:extLst>
+          </p:cNvPr>
+          <p:cNvSpPr/>
+          <p:nvPr/>
+        </p:nvSpPr>
+        <p:spPr>
+          <a:xfrm rot="5400000">
+            <a:off x="10393897" y="3302366"/>
+            <a:ext cx="486803" cy="315764"/>
+          </a:xfrm>
+          <a:prstGeom prst="rightArrow">
+            <a:avLst/>
+          </a:prstGeom>
+        </p:spPr>
+        <p:style>
+          <a:lnRef idx="2">
+            <a:schemeClr val="accent1">
+              <a:shade val="50000"/>
+            </a:schemeClr>
+          </a:lnRef>
+          <a:fillRef idx="1">
+            <a:schemeClr val="accent1"/>
+          </a:fillRef>
+          <a:effectRef idx="0">
+            <a:schemeClr val="accent1"/>
+          </a:effectRef>
+          <a:fontRef idx="minor">
+            <a:schemeClr val="lt1"/>
+          </a:fontRef>
+        </p:style>
+        <p:txBody>
+          <a:bodyPr rtlCol="0" anchor="ctr"/>
+          <a:lstStyle/>
+          <a:p>
+            <a:pPr algn="ctr"/>
+            <a:endParaRPr lang="ko-KR" altLang="en-US"/>
+          </a:p>
+        </p:txBody>
+      </p:sp>
+      <p:sp>
+        <p:nvSpPr>
+          <p:cNvPr id="15" name="직사각형 14">
+            <a:extLst>
+              <a:ext uri="{FF2B5EF4-FFF2-40B4-BE49-F238E27FC236}">
+                <a16:creationId xmlns:a16="http://schemas.microsoft.com/office/drawing/2014/main" id="{FA51E43C-B962-47E0-9738-414D83EFA16E}"/>
+              </a:ext>
+            </a:extLst>
+          </p:cNvPr>
+          <p:cNvSpPr/>
+          <p:nvPr/>
+        </p:nvSpPr>
+        <p:spPr>
+          <a:xfrm>
+            <a:off x="9156801" y="3808903"/>
+            <a:ext cx="973136" cy="348656"/>
+          </a:xfrm>
+          <a:prstGeom prst="rect">
+            <a:avLst/>
+          </a:prstGeom>
+          <a:ln>
+            <a:solidFill>
+              <a:schemeClr val="tx1"/>
+            </a:solidFill>
+          </a:ln>
+        </p:spPr>
+        <p:style>
+          <a:lnRef idx="2">
+            <a:schemeClr val="accent1">
+              <a:shade val="50000"/>
+            </a:schemeClr>
+          </a:lnRef>
+          <a:fillRef idx="1">
+            <a:schemeClr val="accent1"/>
+          </a:fillRef>
+          <a:effectRef idx="0">
+            <a:schemeClr val="accent1"/>
+          </a:effectRef>
+          <a:fontRef idx="minor">
+            <a:schemeClr val="lt1"/>
+          </a:fontRef>
+        </p:style>
+        <p:txBody>
+          <a:bodyPr rtlCol="0" anchor="ctr"/>
+          <a:lstStyle/>
+          <a:p>
+            <a:pPr algn="ctr"/>
+            <a:endParaRPr lang="ko-KR" altLang="en-US"/>
+          </a:p>
+        </p:txBody>
+      </p:sp>
+      <p:sp>
+        <p:nvSpPr>
+          <p:cNvPr id="17" name="직사각형 16">
+            <a:extLst>
+              <a:ext uri="{FF2B5EF4-FFF2-40B4-BE49-F238E27FC236}">
+                <a16:creationId xmlns:a16="http://schemas.microsoft.com/office/drawing/2014/main" id="{5F205B1B-6676-434B-BF6C-C63AEF77B7CA}"/>
+              </a:ext>
+            </a:extLst>
+          </p:cNvPr>
+          <p:cNvSpPr/>
+          <p:nvPr/>
+        </p:nvSpPr>
+        <p:spPr>
+          <a:xfrm>
+            <a:off x="10129937" y="3808903"/>
+            <a:ext cx="971960" cy="348656"/>
+          </a:xfrm>
+          <a:prstGeom prst="rect">
+            <a:avLst/>
+          </a:prstGeom>
+          <a:ln>
+            <a:solidFill>
+              <a:schemeClr val="tx1"/>
+            </a:solidFill>
+          </a:ln>
+        </p:spPr>
+        <p:style>
+          <a:lnRef idx="2">
+            <a:schemeClr val="accent1">
+              <a:shade val="50000"/>
+            </a:schemeClr>
+          </a:lnRef>
+          <a:fillRef idx="1">
+            <a:schemeClr val="accent1"/>
+          </a:fillRef>
+          <a:effectRef idx="0">
+            <a:schemeClr val="accent1"/>
+          </a:effectRef>
+          <a:fontRef idx="minor">
+            <a:schemeClr val="lt1"/>
+          </a:fontRef>
+        </p:style>
+        <p:txBody>
+          <a:bodyPr rtlCol="0" anchor="ctr"/>
+          <a:lstStyle/>
+          <a:p>
+            <a:pPr algn="ctr"/>
+            <a:endParaRPr lang="ko-KR" altLang="en-US"/>
+          </a:p>
+        </p:txBody>
+      </p:sp>
+      <p:sp>
+        <p:nvSpPr>
+          <p:cNvPr id="19" name="직사각형 18">
+            <a:extLst>
+              <a:ext uri="{FF2B5EF4-FFF2-40B4-BE49-F238E27FC236}">
+                <a16:creationId xmlns:a16="http://schemas.microsoft.com/office/drawing/2014/main" id="{11BF5E0F-468D-46E1-863B-29EAF115D892}"/>
+              </a:ext>
+            </a:extLst>
+          </p:cNvPr>
+          <p:cNvSpPr/>
+          <p:nvPr/>
+        </p:nvSpPr>
+        <p:spPr>
+          <a:xfrm>
+            <a:off x="11102485" y="3808903"/>
+            <a:ext cx="971960" cy="348656"/>
+          </a:xfrm>
+          <a:prstGeom prst="rect">
+            <a:avLst/>
+          </a:prstGeom>
+          <a:ln>
+            <a:solidFill>
+              <a:schemeClr val="tx1"/>
+            </a:solidFill>
+          </a:ln>
+        </p:spPr>
+        <p:style>
+          <a:lnRef idx="2">
+            <a:schemeClr val="accent1">
+              <a:shade val="50000"/>
+            </a:schemeClr>
+          </a:lnRef>
+          <a:fillRef idx="1">
+            <a:schemeClr val="accent1"/>
+          </a:fillRef>
+          <a:effectRef idx="0">
+            <a:schemeClr val="accent1"/>
+          </a:effectRef>
+          <a:fontRef idx="minor">
+            <a:schemeClr val="lt1"/>
+          </a:fontRef>
+        </p:style>
+        <p:txBody>
+          <a:bodyPr rtlCol="0" anchor="ctr"/>
+          <a:lstStyle/>
+          <a:p>
+            <a:pPr algn="ctr"/>
+            <a:endParaRPr lang="ko-KR" altLang="en-US"/>
+          </a:p>
+        </p:txBody>
+      </p:sp>
+      <p:sp>
+        <p:nvSpPr>
+          <p:cNvPr id="21" name="화살표: 오른쪽 20">
+            <a:extLst>
+              <a:ext uri="{FF2B5EF4-FFF2-40B4-BE49-F238E27FC236}">
+                <a16:creationId xmlns:a16="http://schemas.microsoft.com/office/drawing/2014/main" id="{C3A76FB1-7D4D-4E30-B566-5DC293089D66}"/>
+              </a:ext>
+            </a:extLst>
+          </p:cNvPr>
+          <p:cNvSpPr/>
+          <p:nvPr/>
+        </p:nvSpPr>
+        <p:spPr>
+          <a:xfrm rot="5400000">
+            <a:off x="10393896" y="4433852"/>
+            <a:ext cx="486803" cy="315764"/>
+          </a:xfrm>
+          <a:prstGeom prst="rightArrow">
+            <a:avLst/>
+          </a:prstGeom>
+        </p:spPr>
+        <p:style>
+          <a:lnRef idx="2">
+            <a:schemeClr val="accent1">
+              <a:shade val="50000"/>
+            </a:schemeClr>
+          </a:lnRef>
+          <a:fillRef idx="1">
+            <a:schemeClr val="accent1"/>
+          </a:fillRef>
+          <a:effectRef idx="0">
+            <a:schemeClr val="accent1"/>
+          </a:effectRef>
+          <a:fontRef idx="minor">
+            <a:schemeClr val="lt1"/>
+          </a:fontRef>
+        </p:style>
+        <p:txBody>
+          <a:bodyPr rtlCol="0" anchor="ctr"/>
+          <a:lstStyle/>
+          <a:p>
+            <a:pPr algn="ctr"/>
+            <a:endParaRPr lang="ko-KR" altLang="en-US"/>
+          </a:p>
+        </p:txBody>
+      </p:sp>
+      <p:sp>
+        <p:nvSpPr>
+          <p:cNvPr id="22" name="직사각형 21">
+            <a:extLst>
+              <a:ext uri="{FF2B5EF4-FFF2-40B4-BE49-F238E27FC236}">
+                <a16:creationId xmlns:a16="http://schemas.microsoft.com/office/drawing/2014/main" id="{2705D43E-0892-4368-92D1-8AF2FE48966A}"/>
+              </a:ext>
+            </a:extLst>
+          </p:cNvPr>
+          <p:cNvSpPr/>
+          <p:nvPr/>
+        </p:nvSpPr>
+        <p:spPr>
+          <a:xfrm>
+            <a:off x="9156801" y="4940390"/>
+            <a:ext cx="1945096" cy="348656"/>
+          </a:xfrm>
+          <a:prstGeom prst="rect">
+            <a:avLst/>
+          </a:prstGeom>
+          <a:ln>
+            <a:solidFill>
+              <a:schemeClr val="tx1"/>
+            </a:solidFill>
+          </a:ln>
+        </p:spPr>
+        <p:style>
+          <a:lnRef idx="2">
+            <a:schemeClr val="accent1">
+              <a:shade val="50000"/>
+            </a:schemeClr>
+          </a:lnRef>
+          <a:fillRef idx="1">
+            <a:schemeClr val="accent1"/>
+          </a:fillRef>
+          <a:effectRef idx="0">
+            <a:schemeClr val="accent1"/>
+          </a:effectRef>
+          <a:fontRef idx="minor">
+            <a:schemeClr val="lt1"/>
+          </a:fontRef>
+        </p:style>
+        <p:txBody>
+          <a:bodyPr rtlCol="0" anchor="ctr"/>
+          <a:lstStyle/>
+          <a:p>
+            <a:pPr algn="ctr"/>
+            <a:endParaRPr lang="ko-KR" altLang="en-US"/>
+          </a:p>
+        </p:txBody>
+      </p:sp>
+      <p:sp>
+        <p:nvSpPr>
+          <p:cNvPr id="24" name="직사각형 23">
+            <a:extLst>
+              <a:ext uri="{FF2B5EF4-FFF2-40B4-BE49-F238E27FC236}">
+                <a16:creationId xmlns:a16="http://schemas.microsoft.com/office/drawing/2014/main" id="{BDEA29C6-0803-46EF-BE79-EA7FE31D9317}"/>
+              </a:ext>
+            </a:extLst>
+          </p:cNvPr>
+          <p:cNvSpPr/>
+          <p:nvPr/>
+        </p:nvSpPr>
+        <p:spPr>
+          <a:xfrm>
+            <a:off x="11102485" y="4940390"/>
+            <a:ext cx="971960" cy="348656"/>
+          </a:xfrm>
+          <a:prstGeom prst="rect">
+            <a:avLst/>
+          </a:prstGeom>
+          <a:ln>
+            <a:solidFill>
+              <a:schemeClr val="tx1"/>
+            </a:solidFill>
+          </a:ln>
+        </p:spPr>
+        <p:style>
+          <a:lnRef idx="2">
+            <a:schemeClr val="accent1">
+              <a:shade val="50000"/>
+            </a:schemeClr>
+          </a:lnRef>
+          <a:fillRef idx="1">
+            <a:schemeClr val="accent1"/>
+          </a:fillRef>
+          <a:effectRef idx="0">
+            <a:schemeClr val="accent1"/>
+          </a:effectRef>
+          <a:fontRef idx="minor">
+            <a:schemeClr val="lt1"/>
+          </a:fontRef>
+        </p:style>
+        <p:txBody>
+          <a:bodyPr rtlCol="0" anchor="ctr"/>
+          <a:lstStyle/>
+          <a:p>
+            <a:pPr algn="ctr"/>
+            <a:endParaRPr lang="ko-KR" altLang="en-US"/>
+          </a:p>
+        </p:txBody>
+      </p:sp>
+      <p:sp>
+        <p:nvSpPr>
+          <p:cNvPr id="25" name="화살표: 오른쪽 24">
+            <a:extLst>
+              <a:ext uri="{FF2B5EF4-FFF2-40B4-BE49-F238E27FC236}">
+                <a16:creationId xmlns:a16="http://schemas.microsoft.com/office/drawing/2014/main" id="{92076FD1-99A7-42F0-A928-E9E1BB4ECEA1}"/>
+              </a:ext>
+            </a:extLst>
+          </p:cNvPr>
+          <p:cNvSpPr/>
+          <p:nvPr/>
+        </p:nvSpPr>
+        <p:spPr>
+          <a:xfrm rot="5400000">
+            <a:off x="10372515" y="5499555"/>
+            <a:ext cx="486803" cy="315764"/>
+          </a:xfrm>
+          <a:prstGeom prst="rightArrow">
+            <a:avLst/>
+          </a:prstGeom>
+        </p:spPr>
+        <p:style>
+          <a:lnRef idx="2">
+            <a:schemeClr val="accent1">
+              <a:shade val="50000"/>
+            </a:schemeClr>
+          </a:lnRef>
+          <a:fillRef idx="1">
+            <a:schemeClr val="accent1"/>
+          </a:fillRef>
+          <a:effectRef idx="0">
+            <a:schemeClr val="accent1"/>
+          </a:effectRef>
+          <a:fontRef idx="minor">
+            <a:schemeClr val="lt1"/>
+          </a:fontRef>
+        </p:style>
+        <p:txBody>
+          <a:bodyPr rtlCol="0" anchor="ctr"/>
+          <a:lstStyle/>
+          <a:p>
+            <a:pPr algn="ctr"/>
+            <a:endParaRPr lang="ko-KR" altLang="en-US"/>
+          </a:p>
+        </p:txBody>
+      </p:sp>
+      <p:sp>
+        <p:nvSpPr>
+          <p:cNvPr id="26" name="직사각형 25">
+            <a:extLst>
+              <a:ext uri="{FF2B5EF4-FFF2-40B4-BE49-F238E27FC236}">
+                <a16:creationId xmlns:a16="http://schemas.microsoft.com/office/drawing/2014/main" id="{6F3F3CEA-D22C-4B50-90E1-D920BDE19036}"/>
+              </a:ext>
+            </a:extLst>
+          </p:cNvPr>
+          <p:cNvSpPr/>
+          <p:nvPr/>
+        </p:nvSpPr>
+        <p:spPr>
+          <a:xfrm>
+            <a:off x="9163375" y="6025828"/>
+            <a:ext cx="2911069" cy="348656"/>
+          </a:xfrm>
+          <a:prstGeom prst="rect">
+            <a:avLst/>
+          </a:prstGeom>
+          <a:ln>
+            <a:solidFill>
+              <a:schemeClr val="tx1"/>
+            </a:solidFill>
+          </a:ln>
+        </p:spPr>
+        <p:style>
+          <a:lnRef idx="2">
+            <a:schemeClr val="accent1">
+              <a:shade val="50000"/>
+            </a:schemeClr>
+          </a:lnRef>
+          <a:fillRef idx="1">
+            <a:schemeClr val="accent1"/>
+          </a:fillRef>
+          <a:effectRef idx="0">
+            <a:schemeClr val="accent1"/>
+          </a:effectRef>
+          <a:fontRef idx="minor">
+            <a:schemeClr val="lt1"/>
+          </a:fontRef>
+        </p:style>
+        <p:txBody>
+          <a:bodyPr rtlCol="0" anchor="ctr"/>
+          <a:lstStyle/>
+          <a:p>
+            <a:pPr algn="ctr"/>
+            <a:endParaRPr lang="ko-KR" altLang="en-US"/>
+          </a:p>
+        </p:txBody>
+      </p:sp>
+    </p:spTree>
+    <p:extLst>
+      <p:ext uri="{BB962C8B-B14F-4D97-AF65-F5344CB8AC3E}">
+        <p14:creationId xmlns:p14="http://schemas.microsoft.com/office/powerpoint/2010/main" val="2513810766"/>
+      </p:ext>
+    </p:extLst>
+  </p:cSld>
+  <p:clrMapOvr>
+    <a:masterClrMapping/>
+  </p:clrMapOvr>
+</p:sld>
+</file>
+
+<file path=ppt/slides/slide49.xml><?xml version="1.0" encoding="utf-8"?>
+<p:sld xmlns:a="http://schemas.openxmlformats.org/drawingml/2006/main" xmlns:r="http://schemas.openxmlformats.org/officeDocument/2006/relationships" xmlns:p="http://schemas.openxmlformats.org/presentationml/2006/main">
+  <p:cSld>
+    <p:spTree>
+      <p:nvGrpSpPr>
+        <p:cNvPr id="1" name=""/>
+        <p:cNvGrpSpPr/>
+        <p:nvPr/>
+      </p:nvGrpSpPr>
+      <p:grpSpPr>
+        <a:xfrm>
+          <a:off x="0" y="0"/>
+          <a:ext cx="0" cy="0"/>
+          <a:chOff x="0" y="0"/>
+          <a:chExt cx="0" cy="0"/>
+        </a:xfrm>
+      </p:grpSpPr>
+      <p:pic>
+        <p:nvPicPr>
+          <p:cNvPr id="7" name="내용 개체 틀 6">
+            <a:extLst>
+              <a:ext uri="{FF2B5EF4-FFF2-40B4-BE49-F238E27FC236}">
+                <a16:creationId xmlns:a16="http://schemas.microsoft.com/office/drawing/2014/main" id="{4A442E8E-56FD-4256-A1E4-216F6532CD95}"/>
+              </a:ext>
+            </a:extLst>
+          </p:cNvPr>
+          <p:cNvPicPr>
+            <a:picLocks noGrp="1" noChangeAspect="1"/>
+          </p:cNvPicPr>
+          <p:nvPr>
+            <p:ph idx="1"/>
+          </p:nvPr>
+        </p:nvPicPr>
+        <p:blipFill>
+          <a:blip r:embed="rId2"/>
+          <a:stretch>
+            <a:fillRect/>
+          </a:stretch>
+        </p:blipFill>
+        <p:spPr>
+          <a:xfrm>
+            <a:off x="1456453" y="1608058"/>
+            <a:ext cx="9279094" cy="4786472"/>
+          </a:xfrm>
+          <a:prstGeom prst="rect">
+            <a:avLst/>
+          </a:prstGeom>
+        </p:spPr>
+      </p:pic>
+      <p:sp>
+        <p:nvSpPr>
+          <p:cNvPr id="2" name="제목 1">
+            <a:extLst>
+              <a:ext uri="{FF2B5EF4-FFF2-40B4-BE49-F238E27FC236}">
+                <a16:creationId xmlns:a16="http://schemas.microsoft.com/office/drawing/2014/main" id="{A810EFC4-7C47-46ED-BF74-E2BB05728096}"/>
+              </a:ext>
+            </a:extLst>
+          </p:cNvPr>
+          <p:cNvSpPr>
+            <a:spLocks noGrp="1"/>
+          </p:cNvSpPr>
+          <p:nvPr>
+            <p:ph type="title"/>
+          </p:nvPr>
+        </p:nvSpPr>
+        <p:spPr/>
+        <p:txBody>
+          <a:bodyPr/>
+          <a:lstStyle/>
+          <a:p>
+            <a:r>
+              <a:rPr lang="en-US" altLang="ko-KR" dirty="0">
+                <a:latin typeface="Consolas" panose="020B0609020204030204" pitchFamily="49" charset="0"/>
+              </a:rPr>
+              <a:t>(</a:t>
+            </a:r>
+            <a:r>
+              <a:rPr lang="ko-KR" altLang="en-US" dirty="0">
+                <a:latin typeface="Consolas" panose="020B0609020204030204" pitchFamily="49" charset="0"/>
+              </a:rPr>
+              <a:t>다시</a:t>
+            </a:r>
+            <a:r>
+              <a:rPr lang="en-US" altLang="ko-KR" dirty="0">
+                <a:latin typeface="Consolas" panose="020B0609020204030204" pitchFamily="49" charset="0"/>
+              </a:rPr>
+              <a:t>)_</a:t>
+            </a:r>
+            <a:r>
+              <a:rPr lang="en-US" altLang="ko-KR" dirty="0" err="1">
+                <a:latin typeface="Consolas" panose="020B0609020204030204" pitchFamily="49" charset="0"/>
+              </a:rPr>
+              <a:t>Stable_sort_unchecked</a:t>
+            </a:r>
+            <a:r>
+              <a:rPr lang="en-US" altLang="ko-KR" dirty="0">
+                <a:latin typeface="Consolas" panose="020B0609020204030204" pitchFamily="49" charset="0"/>
+              </a:rPr>
+              <a:t> </a:t>
+            </a:r>
+            <a:r>
+              <a:rPr lang="ko-KR" altLang="en-US" dirty="0">
+                <a:latin typeface="Consolas" panose="020B0609020204030204" pitchFamily="49" charset="0"/>
+              </a:rPr>
+              <a:t>구현</a:t>
+            </a:r>
+          </a:p>
+        </p:txBody>
+      </p:sp>
+      <p:sp>
+        <p:nvSpPr>
+          <p:cNvPr id="3" name="직사각형 2">
+            <a:extLst>
+              <a:ext uri="{FF2B5EF4-FFF2-40B4-BE49-F238E27FC236}">
+                <a16:creationId xmlns:a16="http://schemas.microsoft.com/office/drawing/2014/main" id="{E8CF9B51-250A-4164-865E-FF6E3B41FE1A}"/>
+              </a:ext>
+            </a:extLst>
+          </p:cNvPr>
+          <p:cNvSpPr/>
+          <p:nvPr/>
+        </p:nvSpPr>
+        <p:spPr>
+          <a:xfrm>
+            <a:off x="2089627" y="5535236"/>
+            <a:ext cx="7612843" cy="418229"/>
+          </a:xfrm>
+          <a:prstGeom prst="rect">
+            <a:avLst/>
+          </a:prstGeom>
+          <a:noFill/>
+          <a:ln>
+            <a:solidFill>
+              <a:srgbClr val="FF0000"/>
+            </a:solidFill>
+          </a:ln>
+        </p:spPr>
+        <p:style>
+          <a:lnRef idx="2">
+            <a:schemeClr val="accent1">
+              <a:shade val="50000"/>
+            </a:schemeClr>
+          </a:lnRef>
+          <a:fillRef idx="1">
+            <a:schemeClr val="accent1"/>
+          </a:fillRef>
+          <a:effectRef idx="0">
+            <a:schemeClr val="accent1"/>
+          </a:effectRef>
+          <a:fontRef idx="minor">
+            <a:schemeClr val="lt1"/>
+          </a:fontRef>
+        </p:style>
+        <p:txBody>
+          <a:bodyPr rtlCol="0" anchor="ctr"/>
+          <a:lstStyle/>
+          <a:p>
+            <a:pPr algn="ctr"/>
+            <a:endParaRPr lang="ko-KR" altLang="en-US"/>
+          </a:p>
+        </p:txBody>
+      </p:sp>
+      <p:sp>
+        <p:nvSpPr>
+          <p:cNvPr id="6" name="TextBox 5">
+            <a:extLst>
+              <a:ext uri="{FF2B5EF4-FFF2-40B4-BE49-F238E27FC236}">
+                <a16:creationId xmlns:a16="http://schemas.microsoft.com/office/drawing/2014/main" id="{31A9E15F-E6E2-4830-99CE-6F858544772A}"/>
+              </a:ext>
+            </a:extLst>
+          </p:cNvPr>
+          <p:cNvSpPr txBox="1"/>
+          <p:nvPr/>
+        </p:nvSpPr>
+        <p:spPr>
+          <a:xfrm>
+            <a:off x="4515168" y="5989331"/>
+            <a:ext cx="5486004" cy="892552"/>
+          </a:xfrm>
+          <a:prstGeom prst="rect">
+            <a:avLst/>
+          </a:prstGeom>
+          <a:noFill/>
+        </p:spPr>
+        <p:txBody>
+          <a:bodyPr wrap="square" rtlCol="0">
+            <a:spAutoFit/>
+          </a:bodyPr>
+          <a:lstStyle/>
+          <a:p>
+            <a:pPr algn="ctr"/>
+            <a:r>
+              <a:rPr lang="ko-KR" altLang="en-US" sz="1800" kern="1200" dirty="0">
+                <a:solidFill>
+                  <a:srgbClr val="FF0000"/>
+                </a:solidFill>
+                <a:latin typeface="+mn-lt"/>
+                <a:ea typeface="+mn-ea"/>
+                <a:cs typeface="+mn-cs"/>
+              </a:rPr>
+              <a:t>이렇게 정렬된 두 범위를 </a:t>
+            </a:r>
+            <a:r>
+              <a:rPr lang="en-US" altLang="ko-KR" sz="1800" kern="1200" dirty="0" err="1">
+                <a:solidFill>
+                  <a:srgbClr val="FF0000"/>
+                </a:solidFill>
+                <a:latin typeface="+mn-lt"/>
+                <a:ea typeface="+mn-ea"/>
+                <a:cs typeface="+mn-cs"/>
+              </a:rPr>
+              <a:t>inplace_merge</a:t>
+            </a:r>
+            <a:r>
+              <a:rPr lang="en-US" altLang="ko-KR" sz="1800" kern="1200" dirty="0">
+                <a:solidFill>
+                  <a:srgbClr val="FF0000"/>
+                </a:solidFill>
+                <a:latin typeface="+mn-lt"/>
+                <a:ea typeface="+mn-ea"/>
+                <a:cs typeface="+mn-cs"/>
+              </a:rPr>
+              <a:t> </a:t>
+            </a:r>
+            <a:r>
+              <a:rPr lang="ko-KR" altLang="en-US" sz="1800" kern="1200" dirty="0">
+                <a:solidFill>
+                  <a:srgbClr val="FF0000"/>
+                </a:solidFill>
+                <a:latin typeface="+mn-lt"/>
+                <a:ea typeface="+mn-ea"/>
+                <a:cs typeface="+mn-cs"/>
+              </a:rPr>
+              <a:t>로 다시 </a:t>
+            </a:r>
+            <a:r>
+              <a:rPr lang="ko-KR" altLang="en-US" sz="1800" kern="1200" dirty="0" err="1">
+                <a:solidFill>
+                  <a:srgbClr val="FF0000"/>
+                </a:solidFill>
+                <a:latin typeface="+mn-lt"/>
+                <a:ea typeface="+mn-ea"/>
+                <a:cs typeface="+mn-cs"/>
+              </a:rPr>
+              <a:t>머지</a:t>
+            </a:r>
+            <a:br>
+              <a:rPr lang="en-US" altLang="ko-KR" sz="1800" kern="1200" dirty="0">
+                <a:solidFill>
+                  <a:srgbClr val="FF0000"/>
+                </a:solidFill>
+                <a:latin typeface="+mn-lt"/>
+                <a:ea typeface="+mn-ea"/>
+                <a:cs typeface="+mn-cs"/>
+              </a:rPr>
+            </a:br>
+            <a:br>
+              <a:rPr lang="en-US" altLang="ko-KR" sz="1800" kern="1200" dirty="0">
+                <a:solidFill>
+                  <a:srgbClr val="FF0000"/>
+                </a:solidFill>
+                <a:latin typeface="+mn-lt"/>
+                <a:ea typeface="+mn-ea"/>
+                <a:cs typeface="+mn-cs"/>
+              </a:rPr>
+            </a:br>
+            <a:r>
+              <a:rPr lang="en-US" altLang="ko-KR" sz="1600" kern="1200" dirty="0">
+                <a:solidFill>
+                  <a:srgbClr val="FF0000"/>
+                </a:solidFill>
+                <a:latin typeface="+mn-lt"/>
+                <a:ea typeface="+mn-ea"/>
+                <a:cs typeface="+mn-cs"/>
+              </a:rPr>
+              <a:t>(*</a:t>
+            </a:r>
+            <a:r>
+              <a:rPr lang="en-US" altLang="ko-KR" sz="1600" dirty="0" err="1">
+                <a:solidFill>
+                  <a:srgbClr val="FF0000"/>
+                </a:solidFill>
+              </a:rPr>
+              <a:t>inplce_merge</a:t>
+            </a:r>
+            <a:r>
+              <a:rPr lang="en-US" altLang="ko-KR" sz="1600" dirty="0">
+                <a:solidFill>
+                  <a:srgbClr val="FF0000"/>
+                </a:solidFill>
+              </a:rPr>
+              <a:t> = other_sorted_algorithm.pptx </a:t>
+            </a:r>
+            <a:r>
+              <a:rPr lang="ko-KR" altLang="en-US" sz="1600" dirty="0">
+                <a:solidFill>
+                  <a:srgbClr val="FF0000"/>
+                </a:solidFill>
+              </a:rPr>
+              <a:t>참조</a:t>
+            </a:r>
+            <a:r>
+              <a:rPr lang="en-US" altLang="ko-KR" sz="1600" dirty="0">
+                <a:solidFill>
+                  <a:srgbClr val="FF0000"/>
+                </a:solidFill>
+              </a:rPr>
+              <a:t>)</a:t>
+            </a:r>
+            <a:endParaRPr lang="ko-KR" altLang="en-US" sz="1800" kern="1200" dirty="0">
+              <a:solidFill>
+                <a:srgbClr val="FF0000"/>
+              </a:solidFill>
+              <a:latin typeface="+mn-lt"/>
+              <a:ea typeface="+mn-ea"/>
+              <a:cs typeface="+mn-cs"/>
+            </a:endParaRPr>
+          </a:p>
+        </p:txBody>
+      </p:sp>
+    </p:spTree>
+    <p:extLst>
+      <p:ext uri="{BB962C8B-B14F-4D97-AF65-F5344CB8AC3E}">
+        <p14:creationId xmlns:p14="http://schemas.microsoft.com/office/powerpoint/2010/main" val="2570512624"/>
       </p:ext>
     </p:extLst>
   </p:cSld>
@@ -6875,6 +15121,247 @@
     <p:extLst>
       <p:ext uri="{BB962C8B-B14F-4D97-AF65-F5344CB8AC3E}">
         <p14:creationId xmlns:p14="http://schemas.microsoft.com/office/powerpoint/2010/main" val="4098546232"/>
+      </p:ext>
+    </p:extLst>
+  </p:cSld>
+  <p:clrMapOvr>
+    <a:masterClrMapping/>
+  </p:clrMapOvr>
+</p:sld>
+</file>
+
+<file path=ppt/slides/slide50.xml><?xml version="1.0" encoding="utf-8"?>
+<p:sld xmlns:a="http://schemas.openxmlformats.org/drawingml/2006/main" xmlns:r="http://schemas.openxmlformats.org/officeDocument/2006/relationships" xmlns:p="http://schemas.openxmlformats.org/presentationml/2006/main">
+  <p:cSld>
+    <p:spTree>
+      <p:nvGrpSpPr>
+        <p:cNvPr id="1" name=""/>
+        <p:cNvGrpSpPr/>
+        <p:nvPr/>
+      </p:nvGrpSpPr>
+      <p:grpSpPr>
+        <a:xfrm>
+          <a:off x="0" y="0"/>
+          <a:ext cx="0" cy="0"/>
+          <a:chOff x="0" y="0"/>
+          <a:chExt cx="0" cy="0"/>
+        </a:xfrm>
+      </p:grpSpPr>
+      <p:sp>
+        <p:nvSpPr>
+          <p:cNvPr id="2" name="제목 1">
+            <a:extLst>
+              <a:ext uri="{FF2B5EF4-FFF2-40B4-BE49-F238E27FC236}">
+                <a16:creationId xmlns:a16="http://schemas.microsoft.com/office/drawing/2014/main" id="{A0628522-72E2-4438-B2B0-03AB1F3484FC}"/>
+              </a:ext>
+            </a:extLst>
+          </p:cNvPr>
+          <p:cNvSpPr>
+            <a:spLocks noGrp="1"/>
+          </p:cNvSpPr>
+          <p:nvPr>
+            <p:ph type="title"/>
+          </p:nvPr>
+        </p:nvSpPr>
+        <p:spPr/>
+        <p:txBody>
+          <a:bodyPr/>
+          <a:lstStyle/>
+          <a:p>
+            <a:r>
+              <a:rPr lang="en-US" altLang="ko-KR" dirty="0" err="1">
+                <a:latin typeface="Consolas" panose="020B0609020204030204" pitchFamily="49" charset="0"/>
+              </a:rPr>
+              <a:t>stable_sort</a:t>
+            </a:r>
+            <a:r>
+              <a:rPr lang="ko-KR" altLang="en-US" dirty="0"/>
+              <a:t> 정리</a:t>
+            </a:r>
+          </a:p>
+        </p:txBody>
+      </p:sp>
+      <p:sp>
+        <p:nvSpPr>
+          <p:cNvPr id="3" name="내용 개체 틀 2">
+            <a:extLst>
+              <a:ext uri="{FF2B5EF4-FFF2-40B4-BE49-F238E27FC236}">
+                <a16:creationId xmlns:a16="http://schemas.microsoft.com/office/drawing/2014/main" id="{15DEEBBB-62D8-4A71-9BB3-9034D32FC9D9}"/>
+              </a:ext>
+            </a:extLst>
+          </p:cNvPr>
+          <p:cNvSpPr>
+            <a:spLocks noGrp="1"/>
+          </p:cNvSpPr>
+          <p:nvPr>
+            <p:ph idx="1"/>
+          </p:nvPr>
+        </p:nvSpPr>
+        <p:spPr/>
+        <p:txBody>
+          <a:bodyPr/>
+          <a:lstStyle/>
+          <a:p>
+            <a:r>
+              <a:rPr lang="en-US" altLang="ko-KR" dirty="0">
+                <a:latin typeface="Consolas" panose="020B0609020204030204" pitchFamily="49" charset="0"/>
+              </a:rPr>
+              <a:t>insertion sort + merge sort</a:t>
+            </a:r>
+            <a:r>
+              <a:rPr lang="en-US" altLang="ko-KR" dirty="0"/>
+              <a:t> </a:t>
+            </a:r>
+            <a:r>
+              <a:rPr lang="ko-KR" altLang="en-US" dirty="0"/>
+              <a:t>로 구현</a:t>
+            </a:r>
+            <a:endParaRPr lang="en-US" altLang="ko-KR" dirty="0"/>
+          </a:p>
+          <a:p>
+            <a:endParaRPr lang="en-US" altLang="ko-KR" dirty="0"/>
+          </a:p>
+          <a:p>
+            <a:r>
+              <a:rPr lang="ko-KR" altLang="en-US" dirty="0"/>
+              <a:t>추가 메모리 많이 필요 </a:t>
+            </a:r>
+            <a:r>
+              <a:rPr lang="en-US" altLang="ko-KR" dirty="0"/>
+              <a:t>(</a:t>
+            </a:r>
+            <a:r>
+              <a:rPr lang="ko-KR" altLang="en-US" dirty="0"/>
+              <a:t>스택 최적화가 들어가긴 했지만</a:t>
+            </a:r>
+            <a:r>
+              <a:rPr lang="en-US" altLang="ko-KR" dirty="0"/>
+              <a:t>)</a:t>
+            </a:r>
+          </a:p>
+          <a:p>
+            <a:endParaRPr lang="en-US" altLang="ko-KR" dirty="0"/>
+          </a:p>
+          <a:p>
+            <a:r>
+              <a:rPr lang="ko-KR" altLang="en-US" dirty="0"/>
+              <a:t>내부적으로 버퍼를 </a:t>
+            </a:r>
+            <a:r>
+              <a:rPr lang="ko-KR" altLang="en-US" dirty="0" err="1"/>
+              <a:t>옮겨다니는</a:t>
+            </a:r>
+            <a:r>
+              <a:rPr lang="ko-KR" altLang="en-US" dirty="0"/>
+              <a:t> 처리</a:t>
+            </a:r>
+            <a:r>
+              <a:rPr lang="en-US" altLang="ko-KR" dirty="0"/>
+              <a:t>, </a:t>
+            </a:r>
+            <a:br>
+              <a:rPr lang="en-US" altLang="ko-KR" dirty="0"/>
+            </a:br>
+            <a:r>
+              <a:rPr lang="ko-KR" altLang="en-US" dirty="0"/>
+              <a:t>혹은 특정  앞의 모든 원소를 뒤로 </a:t>
+            </a:r>
+            <a:r>
+              <a:rPr lang="ko-KR" altLang="en-US" dirty="0" err="1"/>
+              <a:t>한칸씩</a:t>
+            </a:r>
+            <a:r>
+              <a:rPr lang="ko-KR" altLang="en-US" dirty="0"/>
+              <a:t> 미루는 처리 등 복사비용 ↑</a:t>
+            </a:r>
+            <a:endParaRPr lang="en-US" altLang="ko-KR" dirty="0"/>
+          </a:p>
+          <a:p>
+            <a:endParaRPr lang="en-US" altLang="ko-KR" dirty="0"/>
+          </a:p>
+          <a:p>
+            <a:r>
+              <a:rPr lang="ko-KR" altLang="en-US" b="1" dirty="0"/>
+              <a:t>비싼 정렬</a:t>
+            </a:r>
+            <a:r>
+              <a:rPr lang="en-US" altLang="ko-KR" b="1" dirty="0"/>
+              <a:t>. </a:t>
+            </a:r>
+            <a:r>
+              <a:rPr lang="ko-KR" altLang="en-US" b="1" dirty="0"/>
+              <a:t>꼭 필요할 때만 쓰자</a:t>
+            </a:r>
+            <a:r>
+              <a:rPr lang="en-US" altLang="ko-KR" b="1" dirty="0"/>
+              <a:t>.</a:t>
+            </a:r>
+            <a:endParaRPr lang="ko-KR" altLang="en-US" b="1" dirty="0"/>
+          </a:p>
+        </p:txBody>
+      </p:sp>
+    </p:spTree>
+    <p:extLst>
+      <p:ext uri="{BB962C8B-B14F-4D97-AF65-F5344CB8AC3E}">
+        <p14:creationId xmlns:p14="http://schemas.microsoft.com/office/powerpoint/2010/main" val="57924857"/>
+      </p:ext>
+    </p:extLst>
+  </p:cSld>
+  <p:clrMapOvr>
+    <a:masterClrMapping/>
+  </p:clrMapOvr>
+</p:sld>
+</file>
+
+<file path=ppt/slides/slide51.xml><?xml version="1.0" encoding="utf-8"?>
+<p:sld xmlns:a="http://schemas.openxmlformats.org/drawingml/2006/main" xmlns:r="http://schemas.openxmlformats.org/officeDocument/2006/relationships" xmlns:p="http://schemas.openxmlformats.org/presentationml/2006/main">
+  <p:cSld>
+    <p:spTree>
+      <p:nvGrpSpPr>
+        <p:cNvPr id="1" name=""/>
+        <p:cNvGrpSpPr/>
+        <p:nvPr/>
+      </p:nvGrpSpPr>
+      <p:grpSpPr>
+        <a:xfrm>
+          <a:off x="0" y="0"/>
+          <a:ext cx="0" cy="0"/>
+          <a:chOff x="0" y="0"/>
+          <a:chExt cx="0" cy="0"/>
+        </a:xfrm>
+      </p:grpSpPr>
+      <p:sp>
+        <p:nvSpPr>
+          <p:cNvPr id="2" name="제목 1">
+            <a:extLst>
+              <a:ext uri="{FF2B5EF4-FFF2-40B4-BE49-F238E27FC236}">
+                <a16:creationId xmlns:a16="http://schemas.microsoft.com/office/drawing/2014/main" id="{93C20081-9379-4E74-A8EA-D09C19B69EB8}"/>
+              </a:ext>
+            </a:extLst>
+          </p:cNvPr>
+          <p:cNvSpPr>
+            <a:spLocks noGrp="1"/>
+          </p:cNvSpPr>
+          <p:nvPr>
+            <p:ph type="ctrTitle"/>
+          </p:nvPr>
+        </p:nvSpPr>
+        <p:spPr/>
+        <p:txBody>
+          <a:bodyPr/>
+          <a:lstStyle/>
+          <a:p>
+            <a:r>
+              <a:rPr lang="ko-KR" altLang="en-US" dirty="0"/>
+              <a:t>감사합니다</a:t>
+            </a:r>
+          </a:p>
+        </p:txBody>
+      </p:sp>
+    </p:spTree>
+    <p:extLst>
+      <p:ext uri="{BB962C8B-B14F-4D97-AF65-F5344CB8AC3E}">
+        <p14:creationId xmlns:p14="http://schemas.microsoft.com/office/powerpoint/2010/main" val="2418448705"/>
       </p:ext>
     </p:extLst>
   </p:cSld>
@@ -8134,6 +16621,15 @@
 </file>
 
 <file path=customXml/item1.xml><?xml version="1.0" encoding="utf-8"?>
+<?mso-contentType ?>
+<FormTemplates xmlns="http://schemas.microsoft.com/sharepoint/v3/contenttype/forms">
+  <Display>DocumentLibraryForm</Display>
+  <Edit>DocumentLibraryForm</Edit>
+  <New>DocumentLibraryForm</New>
+</FormTemplates>
+</file>
+
+<file path=customXml/item2.xml><?xml version="1.0" encoding="utf-8"?>
 <ct:contentTypeSchema xmlns:ct="http://schemas.microsoft.com/office/2006/metadata/contentType" xmlns:ma="http://schemas.microsoft.com/office/2006/metadata/properties/metaAttributes" ct:_="" ma:_="" ma:contentTypeName="문서" ma:contentTypeID="0x0101003E2F1BC31375E94083A177693EC431F5" ma:contentTypeVersion="2" ma:contentTypeDescription="새 문서를 만듭니다." ma:contentTypeScope="" ma:versionID="a0bb82af9726e1b04edb837aeb92c4cd">
   <xsd:schema xmlns:xsd="http://www.w3.org/2001/XMLSchema" xmlns:xs="http://www.w3.org/2001/XMLSchema" xmlns:p="http://schemas.microsoft.com/office/2006/metadata/properties" xmlns:ns3="244cd0a0-3727-48b1-9fe9-c47772142f47" targetNamespace="http://schemas.microsoft.com/office/2006/metadata/properties" ma:root="true" ma:fieldsID="6c90e7e2de05f3d7c7661e167c6cfab3" ns3:_="">
     <xsd:import namespace="244cd0a0-3727-48b1-9fe9-c47772142f47"/>
@@ -8265,15 +16761,6 @@
 </ct:contentTypeSchema>
 </file>
 
-<file path=customXml/item2.xml><?xml version="1.0" encoding="utf-8"?>
-<?mso-contentType ?>
-<FormTemplates xmlns="http://schemas.microsoft.com/sharepoint/v3/contenttype/forms">
-  <Display>DocumentLibraryForm</Display>
-  <Edit>DocumentLibraryForm</Edit>
-  <New>DocumentLibraryForm</New>
-</FormTemplates>
-</file>
-
 <file path=customXml/item3.xml><?xml version="1.0" encoding="utf-8"?>
 <p:properties xmlns:p="http://schemas.microsoft.com/office/2006/metadata/properties" xmlns:xsi="http://www.w3.org/2001/XMLSchema-instance" xmlns:pc="http://schemas.microsoft.com/office/infopath/2007/PartnerControls">
   <documentManagement/>
@@ -8281,6 +16768,14 @@
 </file>
 
 <file path=customXml/itemProps1.xml><?xml version="1.0" encoding="utf-8"?>
+<ds:datastoreItem xmlns:ds="http://schemas.openxmlformats.org/officeDocument/2006/customXml" ds:itemID="{2F1ECA8A-480A-40D9-95BA-3225432912D9}">
+  <ds:schemaRefs>
+    <ds:schemaRef ds:uri="http://schemas.microsoft.com/sharepoint/v3/contenttype/forms"/>
+  </ds:schemaRefs>
+</ds:datastoreItem>
+</file>
+
+<file path=customXml/itemProps2.xml><?xml version="1.0" encoding="utf-8"?>
 <ds:datastoreItem xmlns:ds="http://schemas.openxmlformats.org/officeDocument/2006/customXml" ds:itemID="{C73AB436-3452-4F46-A6C2-60556E710B96}">
   <ds:schemaRefs>
     <ds:schemaRef ds:uri="http://schemas.microsoft.com/office/2006/metadata/contentType"/>
@@ -8294,14 +16789,6 @@
     <ds:schemaRef ds:uri="http://purl.org/dc/elements/1.1/"/>
     <ds:schemaRef ds:uri="http://purl.org/dc/terms/"/>
     <ds:schemaRef ds:uri="http://schemas.microsoft.com/internal/obd"/>
-  </ds:schemaRefs>
-</ds:datastoreItem>
-</file>
-
-<file path=customXml/itemProps2.xml><?xml version="1.0" encoding="utf-8"?>
-<ds:datastoreItem xmlns:ds="http://schemas.openxmlformats.org/officeDocument/2006/customXml" ds:itemID="{2F1ECA8A-480A-40D9-95BA-3225432912D9}">
-  <ds:schemaRefs>
-    <ds:schemaRef ds:uri="http://schemas.microsoft.com/sharepoint/v3/contenttype/forms"/>
   </ds:schemaRefs>
 </ds:datastoreItem>
 </file>

--- a/opt_study_sorting_operations.pptx
+++ b/opt_study_sorting_operations.pptx
@@ -5,7 +5,7 @@
     <p:sldMasterId id="2147483648" r:id="rId4"/>
   </p:sldMasterIdLst>
   <p:notesMasterIdLst>
-    <p:notesMasterId r:id="rId56"/>
+    <p:notesMasterId r:id="rId69"/>
   </p:notesMasterIdLst>
   <p:sldIdLst>
     <p:sldId id="256" r:id="rId5"/>
@@ -58,22 +58,35 @@
     <p:sldId id="406" r:id="rId52"/>
     <p:sldId id="407" r:id="rId53"/>
     <p:sldId id="408" r:id="rId54"/>
-    <p:sldId id="335" r:id="rId55"/>
+    <p:sldId id="410" r:id="rId55"/>
+    <p:sldId id="411" r:id="rId56"/>
+    <p:sldId id="412" r:id="rId57"/>
+    <p:sldId id="415" r:id="rId58"/>
+    <p:sldId id="416" r:id="rId59"/>
+    <p:sldId id="417" r:id="rId60"/>
+    <p:sldId id="418" r:id="rId61"/>
+    <p:sldId id="413" r:id="rId62"/>
+    <p:sldId id="419" r:id="rId63"/>
+    <p:sldId id="420" r:id="rId64"/>
+    <p:sldId id="421" r:id="rId65"/>
+    <p:sldId id="422" r:id="rId66"/>
+    <p:sldId id="423" r:id="rId67"/>
+    <p:sldId id="335" r:id="rId68"/>
   </p:sldIdLst>
   <p:sldSz cx="12192000" cy="6858000"/>
   <p:notesSz cx="6858000" cy="9144000"/>
   <p:embeddedFontLst>
     <p:embeddedFont>
       <p:font typeface="Consolas" panose="020B0609020204030204" pitchFamily="49" charset="0"/>
-      <p:regular r:id="rId57"/>
-      <p:bold r:id="rId58"/>
-      <p:italic r:id="rId59"/>
-      <p:boldItalic r:id="rId60"/>
+      <p:regular r:id="rId70"/>
+      <p:bold r:id="rId71"/>
+      <p:italic r:id="rId72"/>
+      <p:boldItalic r:id="rId73"/>
     </p:embeddedFont>
     <p:embeddedFont>
       <p:font typeface="나눔바른고딕" panose="020B0603020101020101" pitchFamily="50" charset="-127"/>
-      <p:regular r:id="rId61"/>
-      <p:bold r:id="rId62"/>
+      <p:regular r:id="rId74"/>
+      <p:bold r:id="rId75"/>
     </p:embeddedFont>
   </p:embeddedFontLst>
   <p:defaultTextStyle>
@@ -226,6 +239,19 @@
             <p14:sldId id="406"/>
             <p14:sldId id="407"/>
             <p14:sldId id="408"/>
+            <p14:sldId id="410"/>
+            <p14:sldId id="411"/>
+            <p14:sldId id="412"/>
+            <p14:sldId id="415"/>
+            <p14:sldId id="416"/>
+            <p14:sldId id="417"/>
+            <p14:sldId id="418"/>
+            <p14:sldId id="413"/>
+            <p14:sldId id="419"/>
+            <p14:sldId id="420"/>
+            <p14:sldId id="421"/>
+            <p14:sldId id="422"/>
+            <p14:sldId id="423"/>
             <p14:sldId id="335"/>
           </p14:sldIdLst>
         </p14:section>
@@ -15335,7 +15361,7 @@
           <p:cNvPr id="2" name="제목 1">
             <a:extLst>
               <a:ext uri="{FF2B5EF4-FFF2-40B4-BE49-F238E27FC236}">
-                <a16:creationId xmlns:a16="http://schemas.microsoft.com/office/drawing/2014/main" id="{93C20081-9379-4E74-A8EA-D09C19B69EB8}"/>
+                <a16:creationId xmlns:a16="http://schemas.microsoft.com/office/drawing/2014/main" id="{10646760-DD6C-49A8-AB88-6BB26C7C77C3}"/>
               </a:ext>
             </a:extLst>
           </p:cNvPr>
@@ -15343,7 +15369,7 @@
             <a:spLocks noGrp="1"/>
           </p:cNvSpPr>
           <p:nvPr>
-            <p:ph type="ctrTitle"/>
+            <p:ph type="title"/>
           </p:nvPr>
         </p:nvSpPr>
         <p:spPr/>
@@ -15352,16 +15378,2659 @@
           <a:lstStyle/>
           <a:p>
             <a:r>
-              <a:rPr lang="ko-KR" altLang="en-US" dirty="0"/>
-              <a:t>감사합니다</a:t>
-            </a:r>
+              <a:rPr lang="en-US" altLang="ko-KR" dirty="0">
+                <a:latin typeface="Consolas" panose="020B0609020204030204" pitchFamily="49" charset="0"/>
+              </a:rPr>
+              <a:t>std::</a:t>
+            </a:r>
+            <a:r>
+              <a:rPr lang="en-US" altLang="ko-KR" dirty="0" err="1">
+                <a:latin typeface="Consolas" panose="020B0609020204030204" pitchFamily="49" charset="0"/>
+              </a:rPr>
+              <a:t>nth_element</a:t>
+            </a:r>
+            <a:endParaRPr lang="ko-KR" altLang="en-US" dirty="0">
+              <a:latin typeface="Consolas" panose="020B0609020204030204" pitchFamily="49" charset="0"/>
+            </a:endParaRPr>
+          </a:p>
+        </p:txBody>
+      </p:sp>
+      <p:sp>
+        <p:nvSpPr>
+          <p:cNvPr id="3" name="텍스트 개체 틀 2">
+            <a:extLst>
+              <a:ext uri="{FF2B5EF4-FFF2-40B4-BE49-F238E27FC236}">
+                <a16:creationId xmlns:a16="http://schemas.microsoft.com/office/drawing/2014/main" id="{DECBA3C5-7D54-45EE-AA9B-57D49A625C38}"/>
+              </a:ext>
+            </a:extLst>
+          </p:cNvPr>
+          <p:cNvSpPr>
+            <a:spLocks noGrp="1"/>
+          </p:cNvSpPr>
+          <p:nvPr>
+            <p:ph type="body" idx="1"/>
+          </p:nvPr>
+        </p:nvSpPr>
+        <p:spPr/>
+        <p:txBody>
+          <a:bodyPr/>
+          <a:lstStyle/>
+          <a:p>
+            <a:endParaRPr lang="ko-KR" altLang="en-US"/>
           </a:p>
         </p:txBody>
       </p:sp>
     </p:spTree>
     <p:extLst>
       <p:ext uri="{BB962C8B-B14F-4D97-AF65-F5344CB8AC3E}">
-        <p14:creationId xmlns:p14="http://schemas.microsoft.com/office/powerpoint/2010/main" val="2418448705"/>
+        <p14:creationId xmlns:p14="http://schemas.microsoft.com/office/powerpoint/2010/main" val="997541789"/>
+      </p:ext>
+    </p:extLst>
+  </p:cSld>
+  <p:clrMapOvr>
+    <a:masterClrMapping/>
+  </p:clrMapOvr>
+</p:sld>
+</file>
+
+<file path=ppt/slides/slide52.xml><?xml version="1.0" encoding="utf-8"?>
+<p:sld xmlns:a="http://schemas.openxmlformats.org/drawingml/2006/main" xmlns:r="http://schemas.openxmlformats.org/officeDocument/2006/relationships" xmlns:p="http://schemas.openxmlformats.org/presentationml/2006/main">
+  <p:cSld>
+    <p:spTree>
+      <p:nvGrpSpPr>
+        <p:cNvPr id="1" name=""/>
+        <p:cNvGrpSpPr/>
+        <p:nvPr/>
+      </p:nvGrpSpPr>
+      <p:grpSpPr>
+        <a:xfrm>
+          <a:off x="0" y="0"/>
+          <a:ext cx="0" cy="0"/>
+          <a:chOff x="0" y="0"/>
+          <a:chExt cx="0" cy="0"/>
+        </a:xfrm>
+      </p:grpSpPr>
+      <p:sp>
+        <p:nvSpPr>
+          <p:cNvPr id="2" name="제목 1">
+            <a:extLst>
+              <a:ext uri="{FF2B5EF4-FFF2-40B4-BE49-F238E27FC236}">
+                <a16:creationId xmlns:a16="http://schemas.microsoft.com/office/drawing/2014/main" id="{A0628522-72E2-4438-B2B0-03AB1F3484FC}"/>
+              </a:ext>
+            </a:extLst>
+          </p:cNvPr>
+          <p:cNvSpPr>
+            <a:spLocks noGrp="1"/>
+          </p:cNvSpPr>
+          <p:nvPr>
+            <p:ph type="title"/>
+          </p:nvPr>
+        </p:nvSpPr>
+        <p:spPr/>
+        <p:txBody>
+          <a:bodyPr/>
+          <a:lstStyle/>
+          <a:p>
+            <a:r>
+              <a:rPr lang="en-US" altLang="ko-KR" dirty="0" err="1">
+                <a:latin typeface="Consolas" panose="020B0609020204030204" pitchFamily="49" charset="0"/>
+              </a:rPr>
+              <a:t>nth_element</a:t>
+            </a:r>
+            <a:endParaRPr lang="ko-KR" altLang="en-US" dirty="0"/>
+          </a:p>
+        </p:txBody>
+      </p:sp>
+      <p:pic>
+        <p:nvPicPr>
+          <p:cNvPr id="4" name="내용 개체 틀 3">
+            <a:extLst>
+              <a:ext uri="{FF2B5EF4-FFF2-40B4-BE49-F238E27FC236}">
+                <a16:creationId xmlns:a16="http://schemas.microsoft.com/office/drawing/2014/main" id="{1E556AC2-5914-42B0-9157-372879FD449E}"/>
+              </a:ext>
+            </a:extLst>
+          </p:cNvPr>
+          <p:cNvPicPr>
+            <a:picLocks noGrp="1" noChangeAspect="1"/>
+          </p:cNvPicPr>
+          <p:nvPr>
+            <p:ph idx="1"/>
+          </p:nvPr>
+        </p:nvPicPr>
+        <p:blipFill>
+          <a:blip r:embed="rId2"/>
+          <a:stretch>
+            <a:fillRect/>
+          </a:stretch>
+        </p:blipFill>
+        <p:spPr>
+          <a:xfrm>
+            <a:off x="641569" y="2408286"/>
+            <a:ext cx="10598620" cy="753060"/>
+          </a:xfrm>
+          <a:prstGeom prst="rect">
+            <a:avLst/>
+          </a:prstGeom>
+        </p:spPr>
+      </p:pic>
+      <p:pic>
+        <p:nvPicPr>
+          <p:cNvPr id="5" name="그림 4">
+            <a:extLst>
+              <a:ext uri="{FF2B5EF4-FFF2-40B4-BE49-F238E27FC236}">
+                <a16:creationId xmlns:a16="http://schemas.microsoft.com/office/drawing/2014/main" id="{D87248EA-8473-4E89-BBF2-195ADE6DAEC6}"/>
+              </a:ext>
+            </a:extLst>
+          </p:cNvPr>
+          <p:cNvPicPr>
+            <a:picLocks noChangeAspect="1"/>
+          </p:cNvPicPr>
+          <p:nvPr/>
+        </p:nvPicPr>
+        <p:blipFill rotWithShape="1">
+          <a:blip r:embed="rId3"/>
+          <a:srcRect t="20757"/>
+          <a:stretch/>
+        </p:blipFill>
+        <p:spPr>
+          <a:xfrm>
+            <a:off x="350037" y="3492394"/>
+            <a:ext cx="10626512" cy="939332"/>
+          </a:xfrm>
+          <a:prstGeom prst="rect">
+            <a:avLst/>
+          </a:prstGeom>
+        </p:spPr>
+      </p:pic>
+    </p:spTree>
+    <p:extLst>
+      <p:ext uri="{BB962C8B-B14F-4D97-AF65-F5344CB8AC3E}">
+        <p14:creationId xmlns:p14="http://schemas.microsoft.com/office/powerpoint/2010/main" val="2050308699"/>
+      </p:ext>
+    </p:extLst>
+  </p:cSld>
+  <p:clrMapOvr>
+    <a:masterClrMapping/>
+  </p:clrMapOvr>
+</p:sld>
+</file>
+
+<file path=ppt/slides/slide53.xml><?xml version="1.0" encoding="utf-8"?>
+<p:sld xmlns:a="http://schemas.openxmlformats.org/drawingml/2006/main" xmlns:r="http://schemas.openxmlformats.org/officeDocument/2006/relationships" xmlns:p="http://schemas.openxmlformats.org/presentationml/2006/main">
+  <p:cSld>
+    <p:spTree>
+      <p:nvGrpSpPr>
+        <p:cNvPr id="1" name=""/>
+        <p:cNvGrpSpPr/>
+        <p:nvPr/>
+      </p:nvGrpSpPr>
+      <p:grpSpPr>
+        <a:xfrm>
+          <a:off x="0" y="0"/>
+          <a:ext cx="0" cy="0"/>
+          <a:chOff x="0" y="0"/>
+          <a:chExt cx="0" cy="0"/>
+        </a:xfrm>
+      </p:grpSpPr>
+      <p:sp>
+        <p:nvSpPr>
+          <p:cNvPr id="2" name="제목 1">
+            <a:extLst>
+              <a:ext uri="{FF2B5EF4-FFF2-40B4-BE49-F238E27FC236}">
+                <a16:creationId xmlns:a16="http://schemas.microsoft.com/office/drawing/2014/main" id="{A0628522-72E2-4438-B2B0-03AB1F3484FC}"/>
+              </a:ext>
+            </a:extLst>
+          </p:cNvPr>
+          <p:cNvSpPr>
+            <a:spLocks noGrp="1"/>
+          </p:cNvSpPr>
+          <p:nvPr>
+            <p:ph type="title"/>
+          </p:nvPr>
+        </p:nvSpPr>
+        <p:spPr/>
+        <p:txBody>
+          <a:bodyPr/>
+          <a:lstStyle/>
+          <a:p>
+            <a:r>
+              <a:rPr lang="en-US" altLang="ko-KR" dirty="0" err="1">
+                <a:latin typeface="Consolas" panose="020B0609020204030204" pitchFamily="49" charset="0"/>
+              </a:rPr>
+              <a:t>nth_element</a:t>
+            </a:r>
+            <a:r>
+              <a:rPr lang="en-US" altLang="ko-KR" dirty="0">
+                <a:latin typeface="Consolas" panose="020B0609020204030204" pitchFamily="49" charset="0"/>
+              </a:rPr>
+              <a:t> </a:t>
+            </a:r>
+            <a:r>
+              <a:rPr lang="ko-KR" altLang="en-US" dirty="0">
+                <a:latin typeface="Consolas" panose="020B0609020204030204" pitchFamily="49" charset="0"/>
+              </a:rPr>
+              <a:t>용례</a:t>
+            </a:r>
+            <a:endParaRPr lang="ko-KR" altLang="en-US" dirty="0"/>
+          </a:p>
+        </p:txBody>
+      </p:sp>
+      <p:pic>
+        <p:nvPicPr>
+          <p:cNvPr id="7" name="내용 개체 틀 6">
+            <a:extLst>
+              <a:ext uri="{FF2B5EF4-FFF2-40B4-BE49-F238E27FC236}">
+                <a16:creationId xmlns:a16="http://schemas.microsoft.com/office/drawing/2014/main" id="{8403B605-73B5-463A-A05C-6499AF65F89B}"/>
+              </a:ext>
+            </a:extLst>
+          </p:cNvPr>
+          <p:cNvPicPr>
+            <a:picLocks noGrp="1" noChangeAspect="1"/>
+          </p:cNvPicPr>
+          <p:nvPr>
+            <p:ph idx="1"/>
+          </p:nvPr>
+        </p:nvPicPr>
+        <p:blipFill>
+          <a:blip r:embed="rId2"/>
+          <a:stretch>
+            <a:fillRect/>
+          </a:stretch>
+        </p:blipFill>
+        <p:spPr>
+          <a:xfrm>
+            <a:off x="1016453" y="1753394"/>
+            <a:ext cx="8020050" cy="4152900"/>
+          </a:xfrm>
+          <a:prstGeom prst="rect">
+            <a:avLst/>
+          </a:prstGeom>
+        </p:spPr>
+      </p:pic>
+      <p:sp>
+        <p:nvSpPr>
+          <p:cNvPr id="8" name="TextBox 7">
+            <a:extLst>
+              <a:ext uri="{FF2B5EF4-FFF2-40B4-BE49-F238E27FC236}">
+                <a16:creationId xmlns:a16="http://schemas.microsoft.com/office/drawing/2014/main" id="{30A0CE5C-991D-433D-AEB0-F0EB4103351A}"/>
+              </a:ext>
+            </a:extLst>
+          </p:cNvPr>
+          <p:cNvSpPr txBox="1"/>
+          <p:nvPr/>
+        </p:nvSpPr>
+        <p:spPr>
+          <a:xfrm>
+            <a:off x="5911808" y="4808529"/>
+            <a:ext cx="780983" cy="369332"/>
+          </a:xfrm>
+          <a:prstGeom prst="rect">
+            <a:avLst/>
+          </a:prstGeom>
+          <a:noFill/>
+        </p:spPr>
+        <p:txBody>
+          <a:bodyPr wrap="none" rtlCol="0">
+            <a:spAutoFit/>
+          </a:bodyPr>
+          <a:lstStyle/>
+          <a:p>
+            <a:r>
+              <a:rPr lang="en-US" altLang="ko-KR">
+                <a:solidFill>
+                  <a:srgbClr val="FF0000"/>
+                </a:solidFill>
+              </a:rPr>
+              <a:t>3 </a:t>
+            </a:r>
+            <a:r>
+              <a:rPr lang="ko-KR" altLang="en-US" dirty="0">
+                <a:solidFill>
+                  <a:srgbClr val="FF0000"/>
+                </a:solidFill>
+              </a:rPr>
+              <a:t>출력</a:t>
+            </a:r>
+          </a:p>
+        </p:txBody>
+      </p:sp>
+    </p:spTree>
+    <p:extLst>
+      <p:ext uri="{BB962C8B-B14F-4D97-AF65-F5344CB8AC3E}">
+        <p14:creationId xmlns:p14="http://schemas.microsoft.com/office/powerpoint/2010/main" val="1797226631"/>
+      </p:ext>
+    </p:extLst>
+  </p:cSld>
+  <p:clrMapOvr>
+    <a:masterClrMapping/>
+  </p:clrMapOvr>
+</p:sld>
+</file>
+
+<file path=ppt/slides/slide54.xml><?xml version="1.0" encoding="utf-8"?>
+<p:sld xmlns:a="http://schemas.openxmlformats.org/drawingml/2006/main" xmlns:r="http://schemas.openxmlformats.org/officeDocument/2006/relationships" xmlns:p="http://schemas.openxmlformats.org/presentationml/2006/main">
+  <p:cSld>
+    <p:spTree>
+      <p:nvGrpSpPr>
+        <p:cNvPr id="1" name=""/>
+        <p:cNvGrpSpPr/>
+        <p:nvPr/>
+      </p:nvGrpSpPr>
+      <p:grpSpPr>
+        <a:xfrm>
+          <a:off x="0" y="0"/>
+          <a:ext cx="0" cy="0"/>
+          <a:chOff x="0" y="0"/>
+          <a:chExt cx="0" cy="0"/>
+        </a:xfrm>
+      </p:grpSpPr>
+      <p:sp>
+        <p:nvSpPr>
+          <p:cNvPr id="2" name="제목 1">
+            <a:extLst>
+              <a:ext uri="{FF2B5EF4-FFF2-40B4-BE49-F238E27FC236}">
+                <a16:creationId xmlns:a16="http://schemas.microsoft.com/office/drawing/2014/main" id="{A0628522-72E2-4438-B2B0-03AB1F3484FC}"/>
+              </a:ext>
+            </a:extLst>
+          </p:cNvPr>
+          <p:cNvSpPr>
+            <a:spLocks noGrp="1"/>
+          </p:cNvSpPr>
+          <p:nvPr>
+            <p:ph type="title"/>
+          </p:nvPr>
+        </p:nvSpPr>
+        <p:spPr/>
+        <p:txBody>
+          <a:bodyPr/>
+          <a:lstStyle/>
+          <a:p>
+            <a:r>
+              <a:rPr lang="en-US" altLang="ko-KR" dirty="0" err="1">
+                <a:latin typeface="Consolas" panose="020B0609020204030204" pitchFamily="49" charset="0"/>
+              </a:rPr>
+              <a:t>nth_element</a:t>
+            </a:r>
+            <a:r>
+              <a:rPr lang="en-US" altLang="ko-KR" dirty="0">
+                <a:latin typeface="Consolas" panose="020B0609020204030204" pitchFamily="49" charset="0"/>
+              </a:rPr>
+              <a:t> </a:t>
+            </a:r>
+            <a:r>
+              <a:rPr lang="ko-KR" altLang="en-US" dirty="0">
+                <a:latin typeface="Consolas" panose="020B0609020204030204" pitchFamily="49" charset="0"/>
+              </a:rPr>
+              <a:t>용례</a:t>
+            </a:r>
+            <a:endParaRPr lang="ko-KR" altLang="en-US" dirty="0"/>
+          </a:p>
+        </p:txBody>
+      </p:sp>
+      <p:pic>
+        <p:nvPicPr>
+          <p:cNvPr id="7" name="내용 개체 틀 6">
+            <a:extLst>
+              <a:ext uri="{FF2B5EF4-FFF2-40B4-BE49-F238E27FC236}">
+                <a16:creationId xmlns:a16="http://schemas.microsoft.com/office/drawing/2014/main" id="{8403B605-73B5-463A-A05C-6499AF65F89B}"/>
+              </a:ext>
+            </a:extLst>
+          </p:cNvPr>
+          <p:cNvPicPr>
+            <a:picLocks noGrp="1" noChangeAspect="1"/>
+          </p:cNvPicPr>
+          <p:nvPr>
+            <p:ph idx="1"/>
+          </p:nvPr>
+        </p:nvPicPr>
+        <p:blipFill>
+          <a:blip r:embed="rId2"/>
+          <a:stretch>
+            <a:fillRect/>
+          </a:stretch>
+        </p:blipFill>
+        <p:spPr>
+          <a:xfrm>
+            <a:off x="1016453" y="1753394"/>
+            <a:ext cx="8020050" cy="4152900"/>
+          </a:xfrm>
+          <a:prstGeom prst="rect">
+            <a:avLst/>
+          </a:prstGeom>
+        </p:spPr>
+      </p:pic>
+      <p:sp>
+        <p:nvSpPr>
+          <p:cNvPr id="6" name="직사각형 5">
+            <a:extLst>
+              <a:ext uri="{FF2B5EF4-FFF2-40B4-BE49-F238E27FC236}">
+                <a16:creationId xmlns:a16="http://schemas.microsoft.com/office/drawing/2014/main" id="{26AE4E7B-6F19-4FA4-B9F7-E0655641D833}"/>
+              </a:ext>
+            </a:extLst>
+          </p:cNvPr>
+          <p:cNvSpPr/>
+          <p:nvPr/>
+        </p:nvSpPr>
+        <p:spPr>
+          <a:xfrm>
+            <a:off x="1420049" y="5290307"/>
+            <a:ext cx="1506160" cy="418229"/>
+          </a:xfrm>
+          <a:prstGeom prst="rect">
+            <a:avLst/>
+          </a:prstGeom>
+          <a:noFill/>
+          <a:ln>
+            <a:solidFill>
+              <a:srgbClr val="FF0000"/>
+            </a:solidFill>
+          </a:ln>
+        </p:spPr>
+        <p:style>
+          <a:lnRef idx="2">
+            <a:schemeClr val="accent1">
+              <a:shade val="50000"/>
+            </a:schemeClr>
+          </a:lnRef>
+          <a:fillRef idx="1">
+            <a:schemeClr val="accent1"/>
+          </a:fillRef>
+          <a:effectRef idx="0">
+            <a:schemeClr val="accent1"/>
+          </a:effectRef>
+          <a:fontRef idx="minor">
+            <a:schemeClr val="lt1"/>
+          </a:fontRef>
+        </p:style>
+        <p:txBody>
+          <a:bodyPr rtlCol="0" anchor="ctr"/>
+          <a:lstStyle/>
+          <a:p>
+            <a:pPr algn="ctr"/>
+            <a:endParaRPr lang="ko-KR" altLang="en-US"/>
+          </a:p>
+        </p:txBody>
+      </p:sp>
+    </p:spTree>
+    <p:extLst>
+      <p:ext uri="{BB962C8B-B14F-4D97-AF65-F5344CB8AC3E}">
+        <p14:creationId xmlns:p14="http://schemas.microsoft.com/office/powerpoint/2010/main" val="3753926095"/>
+      </p:ext>
+    </p:extLst>
+  </p:cSld>
+  <p:clrMapOvr>
+    <a:masterClrMapping/>
+  </p:clrMapOvr>
+</p:sld>
+</file>
+
+<file path=ppt/slides/slide55.xml><?xml version="1.0" encoding="utf-8"?>
+<p:sld xmlns:a="http://schemas.openxmlformats.org/drawingml/2006/main" xmlns:r="http://schemas.openxmlformats.org/officeDocument/2006/relationships" xmlns:p="http://schemas.openxmlformats.org/presentationml/2006/main">
+  <p:cSld>
+    <p:spTree>
+      <p:nvGrpSpPr>
+        <p:cNvPr id="1" name=""/>
+        <p:cNvGrpSpPr/>
+        <p:nvPr/>
+      </p:nvGrpSpPr>
+      <p:grpSpPr>
+        <a:xfrm>
+          <a:off x="0" y="0"/>
+          <a:ext cx="0" cy="0"/>
+          <a:chOff x="0" y="0"/>
+          <a:chExt cx="0" cy="0"/>
+        </a:xfrm>
+      </p:grpSpPr>
+      <p:sp>
+        <p:nvSpPr>
+          <p:cNvPr id="2" name="제목 1">
+            <a:extLst>
+              <a:ext uri="{FF2B5EF4-FFF2-40B4-BE49-F238E27FC236}">
+                <a16:creationId xmlns:a16="http://schemas.microsoft.com/office/drawing/2014/main" id="{A0628522-72E2-4438-B2B0-03AB1F3484FC}"/>
+              </a:ext>
+            </a:extLst>
+          </p:cNvPr>
+          <p:cNvSpPr>
+            <a:spLocks noGrp="1"/>
+          </p:cNvSpPr>
+          <p:nvPr>
+            <p:ph type="title"/>
+          </p:nvPr>
+        </p:nvSpPr>
+        <p:spPr/>
+        <p:txBody>
+          <a:bodyPr/>
+          <a:lstStyle/>
+          <a:p>
+            <a:r>
+              <a:rPr lang="en-US" altLang="ko-KR" dirty="0" err="1">
+                <a:latin typeface="Consolas" panose="020B0609020204030204" pitchFamily="49" charset="0"/>
+              </a:rPr>
+              <a:t>nth_element</a:t>
+            </a:r>
+            <a:r>
+              <a:rPr lang="en-US" altLang="ko-KR" dirty="0">
+                <a:latin typeface="Consolas" panose="020B0609020204030204" pitchFamily="49" charset="0"/>
+              </a:rPr>
+              <a:t> </a:t>
+            </a:r>
+            <a:r>
+              <a:rPr lang="ko-KR" altLang="en-US" dirty="0">
+                <a:latin typeface="Consolas" panose="020B0609020204030204" pitchFamily="49" charset="0"/>
+              </a:rPr>
+              <a:t>용례</a:t>
+            </a:r>
+            <a:endParaRPr lang="ko-KR" altLang="en-US" dirty="0"/>
+          </a:p>
+        </p:txBody>
+      </p:sp>
+      <p:pic>
+        <p:nvPicPr>
+          <p:cNvPr id="7" name="내용 개체 틀 6">
+            <a:extLst>
+              <a:ext uri="{FF2B5EF4-FFF2-40B4-BE49-F238E27FC236}">
+                <a16:creationId xmlns:a16="http://schemas.microsoft.com/office/drawing/2014/main" id="{8403B605-73B5-463A-A05C-6499AF65F89B}"/>
+              </a:ext>
+            </a:extLst>
+          </p:cNvPr>
+          <p:cNvPicPr>
+            <a:picLocks noGrp="1" noChangeAspect="1"/>
+          </p:cNvPicPr>
+          <p:nvPr>
+            <p:ph idx="1"/>
+          </p:nvPr>
+        </p:nvPicPr>
+        <p:blipFill>
+          <a:blip r:embed="rId2"/>
+          <a:stretch>
+            <a:fillRect/>
+          </a:stretch>
+        </p:blipFill>
+        <p:spPr>
+          <a:xfrm>
+            <a:off x="1016453" y="1753394"/>
+            <a:ext cx="8020050" cy="4152900"/>
+          </a:xfrm>
+          <a:prstGeom prst="rect">
+            <a:avLst/>
+          </a:prstGeom>
+        </p:spPr>
+      </p:pic>
+      <p:sp>
+        <p:nvSpPr>
+          <p:cNvPr id="8" name="TextBox 7">
+            <a:extLst>
+              <a:ext uri="{FF2B5EF4-FFF2-40B4-BE49-F238E27FC236}">
+                <a16:creationId xmlns:a16="http://schemas.microsoft.com/office/drawing/2014/main" id="{30A0CE5C-991D-433D-AEB0-F0EB4103351A}"/>
+              </a:ext>
+            </a:extLst>
+          </p:cNvPr>
+          <p:cNvSpPr txBox="1"/>
+          <p:nvPr/>
+        </p:nvSpPr>
+        <p:spPr>
+          <a:xfrm>
+            <a:off x="5911808" y="4808529"/>
+            <a:ext cx="780983" cy="369332"/>
+          </a:xfrm>
+          <a:prstGeom prst="rect">
+            <a:avLst/>
+          </a:prstGeom>
+          <a:noFill/>
+        </p:spPr>
+        <p:txBody>
+          <a:bodyPr wrap="none" rtlCol="0">
+            <a:spAutoFit/>
+          </a:bodyPr>
+          <a:lstStyle/>
+          <a:p>
+            <a:r>
+              <a:rPr lang="en-US" altLang="ko-KR">
+                <a:solidFill>
+                  <a:srgbClr val="FF0000"/>
+                </a:solidFill>
+              </a:rPr>
+              <a:t>3 </a:t>
+            </a:r>
+            <a:r>
+              <a:rPr lang="ko-KR" altLang="en-US" dirty="0">
+                <a:solidFill>
+                  <a:srgbClr val="FF0000"/>
+                </a:solidFill>
+              </a:rPr>
+              <a:t>출력</a:t>
+            </a:r>
+          </a:p>
+        </p:txBody>
+      </p:sp>
+      <p:pic>
+        <p:nvPicPr>
+          <p:cNvPr id="3" name="그림 2">
+            <a:extLst>
+              <a:ext uri="{FF2B5EF4-FFF2-40B4-BE49-F238E27FC236}">
+                <a16:creationId xmlns:a16="http://schemas.microsoft.com/office/drawing/2014/main" id="{78B79404-4B35-43D0-91C1-FE0A4972CE0F}"/>
+              </a:ext>
+            </a:extLst>
+          </p:cNvPr>
+          <p:cNvPicPr>
+            <a:picLocks noChangeAspect="1"/>
+          </p:cNvPicPr>
+          <p:nvPr/>
+        </p:nvPicPr>
+        <p:blipFill>
+          <a:blip r:embed="rId3"/>
+          <a:stretch>
+            <a:fillRect/>
+          </a:stretch>
+        </p:blipFill>
+        <p:spPr>
+          <a:xfrm>
+            <a:off x="554182" y="3380353"/>
+            <a:ext cx="11083636" cy="1711912"/>
+          </a:xfrm>
+          <a:prstGeom prst="rect">
+            <a:avLst/>
+          </a:prstGeom>
+        </p:spPr>
+      </p:pic>
+      <p:sp>
+        <p:nvSpPr>
+          <p:cNvPr id="6" name="직사각형 5">
+            <a:extLst>
+              <a:ext uri="{FF2B5EF4-FFF2-40B4-BE49-F238E27FC236}">
+                <a16:creationId xmlns:a16="http://schemas.microsoft.com/office/drawing/2014/main" id="{26AE4E7B-6F19-4FA4-B9F7-E0655641D833}"/>
+              </a:ext>
+            </a:extLst>
+          </p:cNvPr>
+          <p:cNvSpPr/>
+          <p:nvPr/>
+        </p:nvSpPr>
+        <p:spPr>
+          <a:xfrm>
+            <a:off x="1420049" y="5290307"/>
+            <a:ext cx="1506160" cy="418229"/>
+          </a:xfrm>
+          <a:prstGeom prst="rect">
+            <a:avLst/>
+          </a:prstGeom>
+          <a:noFill/>
+          <a:ln>
+            <a:solidFill>
+              <a:srgbClr val="FF0000"/>
+            </a:solidFill>
+          </a:ln>
+        </p:spPr>
+        <p:style>
+          <a:lnRef idx="2">
+            <a:schemeClr val="accent1">
+              <a:shade val="50000"/>
+            </a:schemeClr>
+          </a:lnRef>
+          <a:fillRef idx="1">
+            <a:schemeClr val="accent1"/>
+          </a:fillRef>
+          <a:effectRef idx="0">
+            <a:schemeClr val="accent1"/>
+          </a:effectRef>
+          <a:fontRef idx="minor">
+            <a:schemeClr val="lt1"/>
+          </a:fontRef>
+        </p:style>
+        <p:txBody>
+          <a:bodyPr rtlCol="0" anchor="ctr"/>
+          <a:lstStyle/>
+          <a:p>
+            <a:pPr algn="ctr"/>
+            <a:endParaRPr lang="ko-KR" altLang="en-US"/>
+          </a:p>
+        </p:txBody>
+      </p:sp>
+      <p:sp>
+        <p:nvSpPr>
+          <p:cNvPr id="9" name="직사각형 8">
+            <a:extLst>
+              <a:ext uri="{FF2B5EF4-FFF2-40B4-BE49-F238E27FC236}">
+                <a16:creationId xmlns:a16="http://schemas.microsoft.com/office/drawing/2014/main" id="{518BA0C6-9258-4D49-B7DD-275DB87541C9}"/>
+              </a:ext>
+            </a:extLst>
+          </p:cNvPr>
+          <p:cNvSpPr/>
+          <p:nvPr/>
+        </p:nvSpPr>
+        <p:spPr>
+          <a:xfrm>
+            <a:off x="547705" y="3976152"/>
+            <a:ext cx="8764468" cy="314222"/>
+          </a:xfrm>
+          <a:prstGeom prst="rect">
+            <a:avLst/>
+          </a:prstGeom>
+          <a:noFill/>
+          <a:ln>
+            <a:solidFill>
+              <a:srgbClr val="FF0000"/>
+            </a:solidFill>
+          </a:ln>
+        </p:spPr>
+        <p:style>
+          <a:lnRef idx="2">
+            <a:schemeClr val="accent1">
+              <a:shade val="50000"/>
+            </a:schemeClr>
+          </a:lnRef>
+          <a:fillRef idx="1">
+            <a:schemeClr val="accent1"/>
+          </a:fillRef>
+          <a:effectRef idx="0">
+            <a:schemeClr val="accent1"/>
+          </a:effectRef>
+          <a:fontRef idx="minor">
+            <a:schemeClr val="lt1"/>
+          </a:fontRef>
+        </p:style>
+        <p:txBody>
+          <a:bodyPr rtlCol="0" anchor="ctr"/>
+          <a:lstStyle/>
+          <a:p>
+            <a:pPr algn="ctr"/>
+            <a:endParaRPr lang="ko-KR" altLang="en-US"/>
+          </a:p>
+        </p:txBody>
+      </p:sp>
+      <p:sp>
+        <p:nvSpPr>
+          <p:cNvPr id="10" name="직사각형 9">
+            <a:extLst>
+              <a:ext uri="{FF2B5EF4-FFF2-40B4-BE49-F238E27FC236}">
+                <a16:creationId xmlns:a16="http://schemas.microsoft.com/office/drawing/2014/main" id="{3BAF2B96-AD0C-4FDB-A08C-CDF8D8184861}"/>
+              </a:ext>
+            </a:extLst>
+          </p:cNvPr>
+          <p:cNvSpPr/>
+          <p:nvPr/>
+        </p:nvSpPr>
+        <p:spPr>
+          <a:xfrm>
+            <a:off x="1181921" y="3915985"/>
+            <a:ext cx="327784" cy="418229"/>
+          </a:xfrm>
+          <a:prstGeom prst="rect">
+            <a:avLst/>
+          </a:prstGeom>
+          <a:noFill/>
+          <a:ln>
+            <a:solidFill>
+              <a:srgbClr val="FF0000"/>
+            </a:solidFill>
+          </a:ln>
+        </p:spPr>
+        <p:style>
+          <a:lnRef idx="2">
+            <a:schemeClr val="accent1">
+              <a:shade val="50000"/>
+            </a:schemeClr>
+          </a:lnRef>
+          <a:fillRef idx="1">
+            <a:schemeClr val="accent1"/>
+          </a:fillRef>
+          <a:effectRef idx="0">
+            <a:schemeClr val="accent1"/>
+          </a:effectRef>
+          <a:fontRef idx="minor">
+            <a:schemeClr val="lt1"/>
+          </a:fontRef>
+        </p:style>
+        <p:txBody>
+          <a:bodyPr rtlCol="0" anchor="ctr"/>
+          <a:lstStyle/>
+          <a:p>
+            <a:pPr algn="ctr"/>
+            <a:endParaRPr lang="ko-KR" altLang="en-US"/>
+          </a:p>
+        </p:txBody>
+      </p:sp>
+      <p:sp>
+        <p:nvSpPr>
+          <p:cNvPr id="4" name="TextBox 3">
+            <a:extLst>
+              <a:ext uri="{FF2B5EF4-FFF2-40B4-BE49-F238E27FC236}">
+                <a16:creationId xmlns:a16="http://schemas.microsoft.com/office/drawing/2014/main" id="{3469861B-FA0D-4BBB-8D60-7AF698609863}"/>
+              </a:ext>
+            </a:extLst>
+          </p:cNvPr>
+          <p:cNvSpPr txBox="1"/>
+          <p:nvPr/>
+        </p:nvSpPr>
+        <p:spPr>
+          <a:xfrm>
+            <a:off x="2576959" y="4718560"/>
+            <a:ext cx="1741182" cy="369332"/>
+          </a:xfrm>
+          <a:prstGeom prst="rect">
+            <a:avLst/>
+          </a:prstGeom>
+          <a:noFill/>
+        </p:spPr>
+        <p:txBody>
+          <a:bodyPr wrap="none" rtlCol="0">
+            <a:spAutoFit/>
+          </a:bodyPr>
+          <a:lstStyle/>
+          <a:p>
+            <a:r>
+              <a:rPr lang="ko-KR" altLang="en-US" dirty="0">
+                <a:solidFill>
+                  <a:srgbClr val="FF0000"/>
+                </a:solidFill>
+              </a:rPr>
+              <a:t>앞부분만 정렬됨</a:t>
+            </a:r>
+            <a:r>
+              <a:rPr lang="en-US" altLang="ko-KR" dirty="0">
+                <a:solidFill>
+                  <a:srgbClr val="FF0000"/>
+                </a:solidFill>
+              </a:rPr>
+              <a:t>.</a:t>
+            </a:r>
+            <a:endParaRPr lang="ko-KR" altLang="en-US" dirty="0">
+              <a:solidFill>
+                <a:srgbClr val="FF0000"/>
+              </a:solidFill>
+            </a:endParaRPr>
+          </a:p>
+        </p:txBody>
+      </p:sp>
+    </p:spTree>
+    <p:extLst>
+      <p:ext uri="{BB962C8B-B14F-4D97-AF65-F5344CB8AC3E}">
+        <p14:creationId xmlns:p14="http://schemas.microsoft.com/office/powerpoint/2010/main" val="1385571564"/>
+      </p:ext>
+    </p:extLst>
+  </p:cSld>
+  <p:clrMapOvr>
+    <a:masterClrMapping/>
+  </p:clrMapOvr>
+</p:sld>
+</file>
+
+<file path=ppt/slides/slide56.xml><?xml version="1.0" encoding="utf-8"?>
+<p:sld xmlns:a="http://schemas.openxmlformats.org/drawingml/2006/main" xmlns:r="http://schemas.openxmlformats.org/officeDocument/2006/relationships" xmlns:p="http://schemas.openxmlformats.org/presentationml/2006/main">
+  <p:cSld>
+    <p:spTree>
+      <p:nvGrpSpPr>
+        <p:cNvPr id="1" name=""/>
+        <p:cNvGrpSpPr/>
+        <p:nvPr/>
+      </p:nvGrpSpPr>
+      <p:grpSpPr>
+        <a:xfrm>
+          <a:off x="0" y="0"/>
+          <a:ext cx="0" cy="0"/>
+          <a:chOff x="0" y="0"/>
+          <a:chExt cx="0" cy="0"/>
+        </a:xfrm>
+      </p:grpSpPr>
+      <p:sp>
+        <p:nvSpPr>
+          <p:cNvPr id="2" name="제목 1">
+            <a:extLst>
+              <a:ext uri="{FF2B5EF4-FFF2-40B4-BE49-F238E27FC236}">
+                <a16:creationId xmlns:a16="http://schemas.microsoft.com/office/drawing/2014/main" id="{A0628522-72E2-4438-B2B0-03AB1F3484FC}"/>
+              </a:ext>
+            </a:extLst>
+          </p:cNvPr>
+          <p:cNvSpPr>
+            <a:spLocks noGrp="1"/>
+          </p:cNvSpPr>
+          <p:nvPr>
+            <p:ph type="title"/>
+          </p:nvPr>
+        </p:nvSpPr>
+        <p:spPr/>
+        <p:txBody>
+          <a:bodyPr/>
+          <a:lstStyle/>
+          <a:p>
+            <a:r>
+              <a:rPr lang="en-US" altLang="ko-KR" dirty="0" err="1">
+                <a:latin typeface="Consolas" panose="020B0609020204030204" pitchFamily="49" charset="0"/>
+              </a:rPr>
+              <a:t>nth_element</a:t>
+            </a:r>
+            <a:r>
+              <a:rPr lang="en-US" altLang="ko-KR" dirty="0">
+                <a:latin typeface="Consolas" panose="020B0609020204030204" pitchFamily="49" charset="0"/>
+              </a:rPr>
+              <a:t> </a:t>
+            </a:r>
+            <a:r>
+              <a:rPr lang="ko-KR" altLang="en-US" dirty="0">
+                <a:latin typeface="Consolas" panose="020B0609020204030204" pitchFamily="49" charset="0"/>
+              </a:rPr>
+              <a:t>용례</a:t>
+            </a:r>
+            <a:endParaRPr lang="ko-KR" altLang="en-US" dirty="0"/>
+          </a:p>
+        </p:txBody>
+      </p:sp>
+      <p:pic>
+        <p:nvPicPr>
+          <p:cNvPr id="7" name="내용 개체 틀 6">
+            <a:extLst>
+              <a:ext uri="{FF2B5EF4-FFF2-40B4-BE49-F238E27FC236}">
+                <a16:creationId xmlns:a16="http://schemas.microsoft.com/office/drawing/2014/main" id="{8403B605-73B5-463A-A05C-6499AF65F89B}"/>
+              </a:ext>
+            </a:extLst>
+          </p:cNvPr>
+          <p:cNvPicPr>
+            <a:picLocks noGrp="1" noChangeAspect="1"/>
+          </p:cNvPicPr>
+          <p:nvPr>
+            <p:ph idx="1"/>
+          </p:nvPr>
+        </p:nvPicPr>
+        <p:blipFill>
+          <a:blip r:embed="rId2"/>
+          <a:stretch>
+            <a:fillRect/>
+          </a:stretch>
+        </p:blipFill>
+        <p:spPr>
+          <a:xfrm>
+            <a:off x="1016453" y="1753394"/>
+            <a:ext cx="8020050" cy="4152900"/>
+          </a:xfrm>
+          <a:prstGeom prst="rect">
+            <a:avLst/>
+          </a:prstGeom>
+        </p:spPr>
+      </p:pic>
+      <p:sp>
+        <p:nvSpPr>
+          <p:cNvPr id="8" name="TextBox 7">
+            <a:extLst>
+              <a:ext uri="{FF2B5EF4-FFF2-40B4-BE49-F238E27FC236}">
+                <a16:creationId xmlns:a16="http://schemas.microsoft.com/office/drawing/2014/main" id="{30A0CE5C-991D-433D-AEB0-F0EB4103351A}"/>
+              </a:ext>
+            </a:extLst>
+          </p:cNvPr>
+          <p:cNvSpPr txBox="1"/>
+          <p:nvPr/>
+        </p:nvSpPr>
+        <p:spPr>
+          <a:xfrm>
+            <a:off x="5911808" y="4808529"/>
+            <a:ext cx="780983" cy="369332"/>
+          </a:xfrm>
+          <a:prstGeom prst="rect">
+            <a:avLst/>
+          </a:prstGeom>
+          <a:noFill/>
+        </p:spPr>
+        <p:txBody>
+          <a:bodyPr wrap="none" rtlCol="0">
+            <a:spAutoFit/>
+          </a:bodyPr>
+          <a:lstStyle/>
+          <a:p>
+            <a:r>
+              <a:rPr lang="en-US" altLang="ko-KR">
+                <a:solidFill>
+                  <a:srgbClr val="FF0000"/>
+                </a:solidFill>
+              </a:rPr>
+              <a:t>3 </a:t>
+            </a:r>
+            <a:r>
+              <a:rPr lang="ko-KR" altLang="en-US" dirty="0">
+                <a:solidFill>
+                  <a:srgbClr val="FF0000"/>
+                </a:solidFill>
+              </a:rPr>
+              <a:t>출력</a:t>
+            </a:r>
+          </a:p>
+        </p:txBody>
+      </p:sp>
+      <p:pic>
+        <p:nvPicPr>
+          <p:cNvPr id="3" name="그림 2">
+            <a:extLst>
+              <a:ext uri="{FF2B5EF4-FFF2-40B4-BE49-F238E27FC236}">
+                <a16:creationId xmlns:a16="http://schemas.microsoft.com/office/drawing/2014/main" id="{78B79404-4B35-43D0-91C1-FE0A4972CE0F}"/>
+              </a:ext>
+            </a:extLst>
+          </p:cNvPr>
+          <p:cNvPicPr>
+            <a:picLocks noChangeAspect="1"/>
+          </p:cNvPicPr>
+          <p:nvPr/>
+        </p:nvPicPr>
+        <p:blipFill>
+          <a:blip r:embed="rId3"/>
+          <a:stretch>
+            <a:fillRect/>
+          </a:stretch>
+        </p:blipFill>
+        <p:spPr>
+          <a:xfrm>
+            <a:off x="554182" y="3380353"/>
+            <a:ext cx="11083636" cy="1711912"/>
+          </a:xfrm>
+          <a:prstGeom prst="rect">
+            <a:avLst/>
+          </a:prstGeom>
+        </p:spPr>
+      </p:pic>
+      <p:sp>
+        <p:nvSpPr>
+          <p:cNvPr id="6" name="직사각형 5">
+            <a:extLst>
+              <a:ext uri="{FF2B5EF4-FFF2-40B4-BE49-F238E27FC236}">
+                <a16:creationId xmlns:a16="http://schemas.microsoft.com/office/drawing/2014/main" id="{26AE4E7B-6F19-4FA4-B9F7-E0655641D833}"/>
+              </a:ext>
+            </a:extLst>
+          </p:cNvPr>
+          <p:cNvSpPr/>
+          <p:nvPr/>
+        </p:nvSpPr>
+        <p:spPr>
+          <a:xfrm>
+            <a:off x="1420049" y="5290307"/>
+            <a:ext cx="1506160" cy="418229"/>
+          </a:xfrm>
+          <a:prstGeom prst="rect">
+            <a:avLst/>
+          </a:prstGeom>
+          <a:noFill/>
+          <a:ln>
+            <a:solidFill>
+              <a:srgbClr val="FF0000"/>
+            </a:solidFill>
+          </a:ln>
+        </p:spPr>
+        <p:style>
+          <a:lnRef idx="2">
+            <a:schemeClr val="accent1">
+              <a:shade val="50000"/>
+            </a:schemeClr>
+          </a:lnRef>
+          <a:fillRef idx="1">
+            <a:schemeClr val="accent1"/>
+          </a:fillRef>
+          <a:effectRef idx="0">
+            <a:schemeClr val="accent1"/>
+          </a:effectRef>
+          <a:fontRef idx="minor">
+            <a:schemeClr val="lt1"/>
+          </a:fontRef>
+        </p:style>
+        <p:txBody>
+          <a:bodyPr rtlCol="0" anchor="ctr"/>
+          <a:lstStyle/>
+          <a:p>
+            <a:pPr algn="ctr"/>
+            <a:endParaRPr lang="ko-KR" altLang="en-US"/>
+          </a:p>
+        </p:txBody>
+      </p:sp>
+      <p:sp>
+        <p:nvSpPr>
+          <p:cNvPr id="9" name="직사각형 8">
+            <a:extLst>
+              <a:ext uri="{FF2B5EF4-FFF2-40B4-BE49-F238E27FC236}">
+                <a16:creationId xmlns:a16="http://schemas.microsoft.com/office/drawing/2014/main" id="{518BA0C6-9258-4D49-B7DD-275DB87541C9}"/>
+              </a:ext>
+            </a:extLst>
+          </p:cNvPr>
+          <p:cNvSpPr/>
+          <p:nvPr/>
+        </p:nvSpPr>
+        <p:spPr>
+          <a:xfrm>
+            <a:off x="9354509" y="4002068"/>
+            <a:ext cx="2137986" cy="236079"/>
+          </a:xfrm>
+          <a:prstGeom prst="rect">
+            <a:avLst/>
+          </a:prstGeom>
+          <a:noFill/>
+          <a:ln>
+            <a:solidFill>
+              <a:srgbClr val="FF0000"/>
+            </a:solidFill>
+          </a:ln>
+        </p:spPr>
+        <p:style>
+          <a:lnRef idx="2">
+            <a:schemeClr val="accent1">
+              <a:shade val="50000"/>
+            </a:schemeClr>
+          </a:lnRef>
+          <a:fillRef idx="1">
+            <a:schemeClr val="accent1"/>
+          </a:fillRef>
+          <a:effectRef idx="0">
+            <a:schemeClr val="accent1"/>
+          </a:effectRef>
+          <a:fontRef idx="minor">
+            <a:schemeClr val="lt1"/>
+          </a:fontRef>
+        </p:style>
+        <p:txBody>
+          <a:bodyPr rtlCol="0" anchor="ctr"/>
+          <a:lstStyle/>
+          <a:p>
+            <a:pPr algn="ctr"/>
+            <a:endParaRPr lang="ko-KR" altLang="en-US"/>
+          </a:p>
+        </p:txBody>
+      </p:sp>
+      <p:sp>
+        <p:nvSpPr>
+          <p:cNvPr id="4" name="TextBox 3">
+            <a:extLst>
+              <a:ext uri="{FF2B5EF4-FFF2-40B4-BE49-F238E27FC236}">
+                <a16:creationId xmlns:a16="http://schemas.microsoft.com/office/drawing/2014/main" id="{3469861B-FA0D-4BBB-8D60-7AF698609863}"/>
+              </a:ext>
+            </a:extLst>
+          </p:cNvPr>
+          <p:cNvSpPr txBox="1"/>
+          <p:nvPr/>
+        </p:nvSpPr>
+        <p:spPr>
+          <a:xfrm>
+            <a:off x="2576959" y="4718560"/>
+            <a:ext cx="7229864" cy="369332"/>
+          </a:xfrm>
+          <a:prstGeom prst="rect">
+            <a:avLst/>
+          </a:prstGeom>
+          <a:noFill/>
+        </p:spPr>
+        <p:txBody>
+          <a:bodyPr wrap="none" rtlCol="0">
+            <a:spAutoFit/>
+          </a:bodyPr>
+          <a:lstStyle/>
+          <a:p>
+            <a:r>
+              <a:rPr lang="ko-KR" altLang="en-US" dirty="0">
+                <a:solidFill>
+                  <a:srgbClr val="FF0000"/>
+                </a:solidFill>
+              </a:rPr>
+              <a:t>뒷부분은 완벽히 </a:t>
+            </a:r>
+            <a:r>
+              <a:rPr lang="ko-KR" altLang="en-US" dirty="0" err="1">
+                <a:solidFill>
+                  <a:srgbClr val="FF0000"/>
+                </a:solidFill>
+              </a:rPr>
+              <a:t>정렬되어있지는</a:t>
+            </a:r>
+            <a:r>
+              <a:rPr lang="ko-KR" altLang="en-US" dirty="0">
+                <a:solidFill>
+                  <a:srgbClr val="FF0000"/>
+                </a:solidFill>
+              </a:rPr>
+              <a:t> 않지만</a:t>
+            </a:r>
+            <a:r>
+              <a:rPr lang="en-US" altLang="ko-KR" dirty="0">
+                <a:solidFill>
+                  <a:srgbClr val="FF0000"/>
+                </a:solidFill>
+              </a:rPr>
+              <a:t>, </a:t>
+            </a:r>
+            <a:r>
+              <a:rPr lang="ko-KR" altLang="en-US" dirty="0">
+                <a:solidFill>
+                  <a:srgbClr val="FF0000"/>
+                </a:solidFill>
+              </a:rPr>
+              <a:t>구역</a:t>
+            </a:r>
+            <a:r>
+              <a:rPr lang="en-US" altLang="ko-KR" dirty="0">
+                <a:solidFill>
+                  <a:srgbClr val="FF0000"/>
+                </a:solidFill>
+              </a:rPr>
+              <a:t> </a:t>
+            </a:r>
+            <a:r>
+              <a:rPr lang="ko-KR" altLang="en-US" dirty="0">
+                <a:solidFill>
+                  <a:srgbClr val="FF0000"/>
+                </a:solidFill>
+              </a:rPr>
+              <a:t>단위로 어느정도 정렬되어 있음</a:t>
+            </a:r>
+          </a:p>
+        </p:txBody>
+      </p:sp>
+      <p:sp>
+        <p:nvSpPr>
+          <p:cNvPr id="11" name="직사각형 10">
+            <a:extLst>
+              <a:ext uri="{FF2B5EF4-FFF2-40B4-BE49-F238E27FC236}">
+                <a16:creationId xmlns:a16="http://schemas.microsoft.com/office/drawing/2014/main" id="{16B308CF-2F40-4EED-B3FB-D655E246E5D6}"/>
+              </a:ext>
+            </a:extLst>
+          </p:cNvPr>
+          <p:cNvSpPr/>
+          <p:nvPr/>
+        </p:nvSpPr>
+        <p:spPr>
+          <a:xfrm>
+            <a:off x="637406" y="4253140"/>
+            <a:ext cx="681228" cy="236079"/>
+          </a:xfrm>
+          <a:prstGeom prst="rect">
+            <a:avLst/>
+          </a:prstGeom>
+          <a:noFill/>
+          <a:ln>
+            <a:solidFill>
+              <a:srgbClr val="FF0000"/>
+            </a:solidFill>
+          </a:ln>
+        </p:spPr>
+        <p:style>
+          <a:lnRef idx="2">
+            <a:schemeClr val="accent1">
+              <a:shade val="50000"/>
+            </a:schemeClr>
+          </a:lnRef>
+          <a:fillRef idx="1">
+            <a:schemeClr val="accent1"/>
+          </a:fillRef>
+          <a:effectRef idx="0">
+            <a:schemeClr val="accent1"/>
+          </a:effectRef>
+          <a:fontRef idx="minor">
+            <a:schemeClr val="lt1"/>
+          </a:fontRef>
+        </p:style>
+        <p:txBody>
+          <a:bodyPr rtlCol="0" anchor="ctr"/>
+          <a:lstStyle/>
+          <a:p>
+            <a:pPr algn="ctr"/>
+            <a:endParaRPr lang="ko-KR" altLang="en-US"/>
+          </a:p>
+        </p:txBody>
+      </p:sp>
+      <p:sp>
+        <p:nvSpPr>
+          <p:cNvPr id="12" name="직사각형 11">
+            <a:extLst>
+              <a:ext uri="{FF2B5EF4-FFF2-40B4-BE49-F238E27FC236}">
+                <a16:creationId xmlns:a16="http://schemas.microsoft.com/office/drawing/2014/main" id="{7DC59139-99CB-495D-964C-17BD5DB91CF0}"/>
+              </a:ext>
+            </a:extLst>
+          </p:cNvPr>
+          <p:cNvSpPr/>
+          <p:nvPr/>
+        </p:nvSpPr>
+        <p:spPr>
+          <a:xfrm>
+            <a:off x="1386357" y="4257484"/>
+            <a:ext cx="9250944" cy="231735"/>
+          </a:xfrm>
+          <a:prstGeom prst="rect">
+            <a:avLst/>
+          </a:prstGeom>
+          <a:noFill/>
+          <a:ln>
+            <a:solidFill>
+              <a:srgbClr val="FF0000"/>
+            </a:solidFill>
+          </a:ln>
+        </p:spPr>
+        <p:style>
+          <a:lnRef idx="2">
+            <a:schemeClr val="accent1">
+              <a:shade val="50000"/>
+            </a:schemeClr>
+          </a:lnRef>
+          <a:fillRef idx="1">
+            <a:schemeClr val="accent1"/>
+          </a:fillRef>
+          <a:effectRef idx="0">
+            <a:schemeClr val="accent1"/>
+          </a:effectRef>
+          <a:fontRef idx="minor">
+            <a:schemeClr val="lt1"/>
+          </a:fontRef>
+        </p:style>
+        <p:txBody>
+          <a:bodyPr rtlCol="0" anchor="ctr"/>
+          <a:lstStyle/>
+          <a:p>
+            <a:pPr algn="ctr"/>
+            <a:endParaRPr lang="ko-KR" altLang="en-US"/>
+          </a:p>
+        </p:txBody>
+      </p:sp>
+      <p:sp>
+        <p:nvSpPr>
+          <p:cNvPr id="13" name="직사각형 12">
+            <a:extLst>
+              <a:ext uri="{FF2B5EF4-FFF2-40B4-BE49-F238E27FC236}">
+                <a16:creationId xmlns:a16="http://schemas.microsoft.com/office/drawing/2014/main" id="{30E0A14C-B29B-4600-9F58-143C8C21A11F}"/>
+              </a:ext>
+            </a:extLst>
+          </p:cNvPr>
+          <p:cNvSpPr/>
+          <p:nvPr/>
+        </p:nvSpPr>
+        <p:spPr>
+          <a:xfrm>
+            <a:off x="529581" y="4739944"/>
+            <a:ext cx="2008370" cy="231735"/>
+          </a:xfrm>
+          <a:prstGeom prst="rect">
+            <a:avLst/>
+          </a:prstGeom>
+          <a:noFill/>
+          <a:ln>
+            <a:solidFill>
+              <a:srgbClr val="FF0000"/>
+            </a:solidFill>
+          </a:ln>
+        </p:spPr>
+        <p:style>
+          <a:lnRef idx="2">
+            <a:schemeClr val="accent1">
+              <a:shade val="50000"/>
+            </a:schemeClr>
+          </a:lnRef>
+          <a:fillRef idx="1">
+            <a:schemeClr val="accent1"/>
+          </a:fillRef>
+          <a:effectRef idx="0">
+            <a:schemeClr val="accent1"/>
+          </a:effectRef>
+          <a:fontRef idx="minor">
+            <a:schemeClr val="lt1"/>
+          </a:fontRef>
+        </p:style>
+        <p:txBody>
+          <a:bodyPr rtlCol="0" anchor="ctr"/>
+          <a:lstStyle/>
+          <a:p>
+            <a:pPr algn="ctr"/>
+            <a:endParaRPr lang="ko-KR" altLang="en-US"/>
+          </a:p>
+        </p:txBody>
+      </p:sp>
+      <p:sp>
+        <p:nvSpPr>
+          <p:cNvPr id="14" name="직사각형 13">
+            <a:extLst>
+              <a:ext uri="{FF2B5EF4-FFF2-40B4-BE49-F238E27FC236}">
+                <a16:creationId xmlns:a16="http://schemas.microsoft.com/office/drawing/2014/main" id="{D1C86168-BD4E-4436-B50A-2043B9C1D050}"/>
+              </a:ext>
+            </a:extLst>
+          </p:cNvPr>
+          <p:cNvSpPr/>
+          <p:nvPr/>
+        </p:nvSpPr>
+        <p:spPr>
+          <a:xfrm>
+            <a:off x="525157" y="4491056"/>
+            <a:ext cx="10992351" cy="231735"/>
+          </a:xfrm>
+          <a:prstGeom prst="rect">
+            <a:avLst/>
+          </a:prstGeom>
+          <a:noFill/>
+          <a:ln>
+            <a:solidFill>
+              <a:srgbClr val="FF0000"/>
+            </a:solidFill>
+          </a:ln>
+        </p:spPr>
+        <p:style>
+          <a:lnRef idx="2">
+            <a:schemeClr val="accent1">
+              <a:shade val="50000"/>
+            </a:schemeClr>
+          </a:lnRef>
+          <a:fillRef idx="1">
+            <a:schemeClr val="accent1"/>
+          </a:fillRef>
+          <a:effectRef idx="0">
+            <a:schemeClr val="accent1"/>
+          </a:effectRef>
+          <a:fontRef idx="minor">
+            <a:schemeClr val="lt1"/>
+          </a:fontRef>
+        </p:style>
+        <p:txBody>
+          <a:bodyPr rtlCol="0" anchor="ctr"/>
+          <a:lstStyle/>
+          <a:p>
+            <a:pPr algn="ctr"/>
+            <a:endParaRPr lang="ko-KR" altLang="en-US"/>
+          </a:p>
+        </p:txBody>
+      </p:sp>
+      <p:sp>
+        <p:nvSpPr>
+          <p:cNvPr id="15" name="직사각형 14">
+            <a:extLst>
+              <a:ext uri="{FF2B5EF4-FFF2-40B4-BE49-F238E27FC236}">
+                <a16:creationId xmlns:a16="http://schemas.microsoft.com/office/drawing/2014/main" id="{89270A6D-B61A-49F2-8236-9A4AFB40D36F}"/>
+              </a:ext>
+            </a:extLst>
+          </p:cNvPr>
+          <p:cNvSpPr/>
+          <p:nvPr/>
+        </p:nvSpPr>
+        <p:spPr>
+          <a:xfrm>
+            <a:off x="10718181" y="4253140"/>
+            <a:ext cx="774314" cy="231735"/>
+          </a:xfrm>
+          <a:prstGeom prst="rect">
+            <a:avLst/>
+          </a:prstGeom>
+          <a:noFill/>
+          <a:ln>
+            <a:solidFill>
+              <a:srgbClr val="FF0000"/>
+            </a:solidFill>
+          </a:ln>
+        </p:spPr>
+        <p:style>
+          <a:lnRef idx="2">
+            <a:schemeClr val="accent1">
+              <a:shade val="50000"/>
+            </a:schemeClr>
+          </a:lnRef>
+          <a:fillRef idx="1">
+            <a:schemeClr val="accent1"/>
+          </a:fillRef>
+          <a:effectRef idx="0">
+            <a:schemeClr val="accent1"/>
+          </a:effectRef>
+          <a:fontRef idx="minor">
+            <a:schemeClr val="lt1"/>
+          </a:fontRef>
+        </p:style>
+        <p:txBody>
+          <a:bodyPr rtlCol="0" anchor="ctr"/>
+          <a:lstStyle/>
+          <a:p>
+            <a:pPr algn="ctr"/>
+            <a:endParaRPr lang="ko-KR" altLang="en-US"/>
+          </a:p>
+        </p:txBody>
+      </p:sp>
+    </p:spTree>
+    <p:extLst>
+      <p:ext uri="{BB962C8B-B14F-4D97-AF65-F5344CB8AC3E}">
+        <p14:creationId xmlns:p14="http://schemas.microsoft.com/office/powerpoint/2010/main" val="2408954954"/>
+      </p:ext>
+    </p:extLst>
+  </p:cSld>
+  <p:clrMapOvr>
+    <a:masterClrMapping/>
+  </p:clrMapOvr>
+</p:sld>
+</file>
+
+<file path=ppt/slides/slide57.xml><?xml version="1.0" encoding="utf-8"?>
+<p:sld xmlns:a="http://schemas.openxmlformats.org/drawingml/2006/main" xmlns:r="http://schemas.openxmlformats.org/officeDocument/2006/relationships" xmlns:p="http://schemas.openxmlformats.org/presentationml/2006/main">
+  <p:cSld>
+    <p:spTree>
+      <p:nvGrpSpPr>
+        <p:cNvPr id="1" name=""/>
+        <p:cNvGrpSpPr/>
+        <p:nvPr/>
+      </p:nvGrpSpPr>
+      <p:grpSpPr>
+        <a:xfrm>
+          <a:off x="0" y="0"/>
+          <a:ext cx="0" cy="0"/>
+          <a:chOff x="0" y="0"/>
+          <a:chExt cx="0" cy="0"/>
+        </a:xfrm>
+      </p:grpSpPr>
+      <p:sp>
+        <p:nvSpPr>
+          <p:cNvPr id="2" name="제목 1">
+            <a:extLst>
+              <a:ext uri="{FF2B5EF4-FFF2-40B4-BE49-F238E27FC236}">
+                <a16:creationId xmlns:a16="http://schemas.microsoft.com/office/drawing/2014/main" id="{A0628522-72E2-4438-B2B0-03AB1F3484FC}"/>
+              </a:ext>
+            </a:extLst>
+          </p:cNvPr>
+          <p:cNvSpPr>
+            <a:spLocks noGrp="1"/>
+          </p:cNvSpPr>
+          <p:nvPr>
+            <p:ph type="title"/>
+          </p:nvPr>
+        </p:nvSpPr>
+        <p:spPr/>
+        <p:txBody>
+          <a:bodyPr/>
+          <a:lstStyle/>
+          <a:p>
+            <a:r>
+              <a:rPr lang="en-US" altLang="ko-KR" dirty="0" err="1">
+                <a:latin typeface="Consolas" panose="020B0609020204030204" pitchFamily="49" charset="0"/>
+              </a:rPr>
+              <a:t>nth_element</a:t>
+            </a:r>
+            <a:r>
+              <a:rPr lang="en-US" altLang="ko-KR" dirty="0">
+                <a:latin typeface="Consolas" panose="020B0609020204030204" pitchFamily="49" charset="0"/>
+              </a:rPr>
+              <a:t> vs</a:t>
+            </a:r>
+            <a:r>
+              <a:rPr lang="ko-KR" altLang="en-US" dirty="0">
+                <a:latin typeface="Consolas" panose="020B0609020204030204" pitchFamily="49" charset="0"/>
+              </a:rPr>
+              <a:t> </a:t>
+            </a:r>
+            <a:r>
+              <a:rPr lang="en-US" altLang="ko-KR" dirty="0" err="1">
+                <a:latin typeface="Consolas" panose="020B0609020204030204" pitchFamily="49" charset="0"/>
+              </a:rPr>
+              <a:t>partial_sort</a:t>
+            </a:r>
+            <a:endParaRPr lang="ko-KR" altLang="en-US" dirty="0"/>
+          </a:p>
+        </p:txBody>
+      </p:sp>
+      <p:pic>
+        <p:nvPicPr>
+          <p:cNvPr id="14" name="내용 개체 틀 13">
+            <a:extLst>
+              <a:ext uri="{FF2B5EF4-FFF2-40B4-BE49-F238E27FC236}">
+                <a16:creationId xmlns:a16="http://schemas.microsoft.com/office/drawing/2014/main" id="{AAF42F24-56E2-4E73-8D09-9B65AFC82CB5}"/>
+              </a:ext>
+            </a:extLst>
+          </p:cNvPr>
+          <p:cNvPicPr>
+            <a:picLocks noGrp="1" noChangeAspect="1"/>
+          </p:cNvPicPr>
+          <p:nvPr>
+            <p:ph idx="1"/>
+          </p:nvPr>
+        </p:nvPicPr>
+        <p:blipFill>
+          <a:blip r:embed="rId2"/>
+          <a:stretch>
+            <a:fillRect/>
+          </a:stretch>
+        </p:blipFill>
+        <p:spPr>
+          <a:xfrm>
+            <a:off x="1927989" y="1624053"/>
+            <a:ext cx="7191375" cy="504825"/>
+          </a:xfrm>
+          <a:prstGeom prst="rect">
+            <a:avLst/>
+          </a:prstGeom>
+        </p:spPr>
+      </p:pic>
+      <p:pic>
+        <p:nvPicPr>
+          <p:cNvPr id="15" name="그림 14">
+            <a:extLst>
+              <a:ext uri="{FF2B5EF4-FFF2-40B4-BE49-F238E27FC236}">
+                <a16:creationId xmlns:a16="http://schemas.microsoft.com/office/drawing/2014/main" id="{F6F68E95-75CC-4CCF-B73C-E147F8D88B4A}"/>
+              </a:ext>
+            </a:extLst>
+          </p:cNvPr>
+          <p:cNvPicPr>
+            <a:picLocks noChangeAspect="1"/>
+          </p:cNvPicPr>
+          <p:nvPr/>
+        </p:nvPicPr>
+        <p:blipFill>
+          <a:blip r:embed="rId3"/>
+          <a:stretch>
+            <a:fillRect/>
+          </a:stretch>
+        </p:blipFill>
+        <p:spPr>
+          <a:xfrm>
+            <a:off x="1735489" y="2302264"/>
+            <a:ext cx="7826360" cy="1314152"/>
+          </a:xfrm>
+          <a:prstGeom prst="rect">
+            <a:avLst/>
+          </a:prstGeom>
+        </p:spPr>
+      </p:pic>
+      <p:sp>
+        <p:nvSpPr>
+          <p:cNvPr id="16" name="직사각형 15">
+            <a:extLst>
+              <a:ext uri="{FF2B5EF4-FFF2-40B4-BE49-F238E27FC236}">
+                <a16:creationId xmlns:a16="http://schemas.microsoft.com/office/drawing/2014/main" id="{6C192F2C-5B46-4ADB-A1FD-7CAD8D3EE0AD}"/>
+              </a:ext>
+            </a:extLst>
+          </p:cNvPr>
+          <p:cNvSpPr/>
+          <p:nvPr/>
+        </p:nvSpPr>
+        <p:spPr>
+          <a:xfrm>
+            <a:off x="5466664" y="2992558"/>
+            <a:ext cx="4095185" cy="191068"/>
+          </a:xfrm>
+          <a:prstGeom prst="rect">
+            <a:avLst/>
+          </a:prstGeom>
+          <a:noFill/>
+          <a:ln>
+            <a:solidFill>
+              <a:srgbClr val="FF0000"/>
+            </a:solidFill>
+          </a:ln>
+        </p:spPr>
+        <p:style>
+          <a:lnRef idx="2">
+            <a:schemeClr val="accent1">
+              <a:shade val="50000"/>
+            </a:schemeClr>
+          </a:lnRef>
+          <a:fillRef idx="1">
+            <a:schemeClr val="accent1"/>
+          </a:fillRef>
+          <a:effectRef idx="0">
+            <a:schemeClr val="accent1"/>
+          </a:effectRef>
+          <a:fontRef idx="minor">
+            <a:schemeClr val="lt1"/>
+          </a:fontRef>
+        </p:style>
+        <p:txBody>
+          <a:bodyPr rtlCol="0" anchor="ctr"/>
+          <a:lstStyle/>
+          <a:p>
+            <a:pPr algn="ctr"/>
+            <a:endParaRPr lang="ko-KR" altLang="en-US"/>
+          </a:p>
+        </p:txBody>
+      </p:sp>
+      <p:sp>
+        <p:nvSpPr>
+          <p:cNvPr id="17" name="직사각형 16">
+            <a:extLst>
+              <a:ext uri="{FF2B5EF4-FFF2-40B4-BE49-F238E27FC236}">
+                <a16:creationId xmlns:a16="http://schemas.microsoft.com/office/drawing/2014/main" id="{E177F6F1-30DC-4B02-98C4-28F0B6F9F5AE}"/>
+              </a:ext>
+            </a:extLst>
+          </p:cNvPr>
+          <p:cNvSpPr/>
+          <p:nvPr/>
+        </p:nvSpPr>
+        <p:spPr>
+          <a:xfrm>
+            <a:off x="1735489" y="3192344"/>
+            <a:ext cx="4095185" cy="191068"/>
+          </a:xfrm>
+          <a:prstGeom prst="rect">
+            <a:avLst/>
+          </a:prstGeom>
+          <a:noFill/>
+          <a:ln>
+            <a:solidFill>
+              <a:srgbClr val="FF0000"/>
+            </a:solidFill>
+          </a:ln>
+        </p:spPr>
+        <p:style>
+          <a:lnRef idx="2">
+            <a:schemeClr val="accent1">
+              <a:shade val="50000"/>
+            </a:schemeClr>
+          </a:lnRef>
+          <a:fillRef idx="1">
+            <a:schemeClr val="accent1"/>
+          </a:fillRef>
+          <a:effectRef idx="0">
+            <a:schemeClr val="accent1"/>
+          </a:effectRef>
+          <a:fontRef idx="minor">
+            <a:schemeClr val="lt1"/>
+          </a:fontRef>
+        </p:style>
+        <p:txBody>
+          <a:bodyPr rtlCol="0" anchor="ctr"/>
+          <a:lstStyle/>
+          <a:p>
+            <a:pPr algn="ctr"/>
+            <a:endParaRPr lang="ko-KR" altLang="en-US"/>
+          </a:p>
+        </p:txBody>
+      </p:sp>
+      <p:sp>
+        <p:nvSpPr>
+          <p:cNvPr id="18" name="TextBox 17">
+            <a:extLst>
+              <a:ext uri="{FF2B5EF4-FFF2-40B4-BE49-F238E27FC236}">
+                <a16:creationId xmlns:a16="http://schemas.microsoft.com/office/drawing/2014/main" id="{BBEEB758-EFBB-47EC-808F-D3FFF03B2CE4}"/>
+              </a:ext>
+            </a:extLst>
+          </p:cNvPr>
+          <p:cNvSpPr txBox="1"/>
+          <p:nvPr/>
+        </p:nvSpPr>
+        <p:spPr>
+          <a:xfrm>
+            <a:off x="9561849" y="2918546"/>
+            <a:ext cx="2249334" cy="646331"/>
+          </a:xfrm>
+          <a:prstGeom prst="rect">
+            <a:avLst/>
+          </a:prstGeom>
+          <a:noFill/>
+        </p:spPr>
+        <p:txBody>
+          <a:bodyPr wrap="none" rtlCol="0">
+            <a:spAutoFit/>
+          </a:bodyPr>
+          <a:lstStyle/>
+          <a:p>
+            <a:r>
+              <a:rPr lang="en-US" altLang="ko-KR" dirty="0">
+                <a:solidFill>
+                  <a:srgbClr val="FF0000"/>
+                </a:solidFill>
+              </a:rPr>
+              <a:t>50</a:t>
+            </a:r>
+            <a:r>
+              <a:rPr lang="ko-KR" altLang="en-US" dirty="0">
+                <a:solidFill>
+                  <a:srgbClr val="FF0000"/>
+                </a:solidFill>
+              </a:rPr>
+              <a:t> 근처 부분만 정렬됨</a:t>
+            </a:r>
+            <a:br>
+              <a:rPr lang="en-US" altLang="ko-KR" dirty="0">
+                <a:solidFill>
+                  <a:srgbClr val="FF0000"/>
+                </a:solidFill>
+              </a:rPr>
+            </a:br>
+            <a:r>
+              <a:rPr lang="en-US" altLang="ko-KR" dirty="0">
+                <a:solidFill>
+                  <a:srgbClr val="FF0000"/>
+                </a:solidFill>
+              </a:rPr>
+              <a:t>(</a:t>
+            </a:r>
+            <a:r>
+              <a:rPr lang="ko-KR" altLang="en-US" dirty="0">
+                <a:solidFill>
+                  <a:srgbClr val="FF0000"/>
+                </a:solidFill>
+              </a:rPr>
+              <a:t>정렬된 원소 </a:t>
+            </a:r>
+            <a:r>
+              <a:rPr lang="en-US" altLang="ko-KR" dirty="0">
+                <a:solidFill>
+                  <a:srgbClr val="FF0000"/>
+                </a:solidFill>
+              </a:rPr>
+              <a:t>: 28</a:t>
+            </a:r>
+            <a:r>
+              <a:rPr lang="ko-KR" altLang="en-US" dirty="0">
+                <a:solidFill>
+                  <a:srgbClr val="FF0000"/>
+                </a:solidFill>
+              </a:rPr>
+              <a:t>개</a:t>
+            </a:r>
+            <a:r>
+              <a:rPr lang="en-US" altLang="ko-KR" dirty="0">
+                <a:solidFill>
+                  <a:srgbClr val="FF0000"/>
+                </a:solidFill>
+              </a:rPr>
+              <a:t>)</a:t>
+            </a:r>
+            <a:endParaRPr lang="ko-KR" altLang="en-US" dirty="0">
+              <a:solidFill>
+                <a:srgbClr val="FF0000"/>
+              </a:solidFill>
+            </a:endParaRPr>
+          </a:p>
+        </p:txBody>
+      </p:sp>
+      <p:sp>
+        <p:nvSpPr>
+          <p:cNvPr id="19" name="직사각형 18">
+            <a:extLst>
+              <a:ext uri="{FF2B5EF4-FFF2-40B4-BE49-F238E27FC236}">
+                <a16:creationId xmlns:a16="http://schemas.microsoft.com/office/drawing/2014/main" id="{C7C7FD59-4F85-43E5-B088-04FA916737BB}"/>
+              </a:ext>
+            </a:extLst>
+          </p:cNvPr>
+          <p:cNvSpPr/>
+          <p:nvPr/>
+        </p:nvSpPr>
+        <p:spPr>
+          <a:xfrm>
+            <a:off x="7197884" y="1788027"/>
+            <a:ext cx="321247" cy="238126"/>
+          </a:xfrm>
+          <a:prstGeom prst="rect">
+            <a:avLst/>
+          </a:prstGeom>
+          <a:noFill/>
+          <a:ln>
+            <a:solidFill>
+              <a:srgbClr val="FF0000"/>
+            </a:solidFill>
+          </a:ln>
+        </p:spPr>
+        <p:style>
+          <a:lnRef idx="2">
+            <a:schemeClr val="accent1">
+              <a:shade val="50000"/>
+            </a:schemeClr>
+          </a:lnRef>
+          <a:fillRef idx="1">
+            <a:schemeClr val="accent1"/>
+          </a:fillRef>
+          <a:effectRef idx="0">
+            <a:schemeClr val="accent1"/>
+          </a:effectRef>
+          <a:fontRef idx="minor">
+            <a:schemeClr val="lt1"/>
+          </a:fontRef>
+        </p:style>
+        <p:txBody>
+          <a:bodyPr rtlCol="0" anchor="ctr"/>
+          <a:lstStyle/>
+          <a:p>
+            <a:pPr algn="ctr"/>
+            <a:endParaRPr lang="ko-KR" altLang="en-US"/>
+          </a:p>
+        </p:txBody>
+      </p:sp>
+      <p:pic>
+        <p:nvPicPr>
+          <p:cNvPr id="20" name="그림 19">
+            <a:extLst>
+              <a:ext uri="{FF2B5EF4-FFF2-40B4-BE49-F238E27FC236}">
+                <a16:creationId xmlns:a16="http://schemas.microsoft.com/office/drawing/2014/main" id="{A6F9C13C-DFE9-47E1-A245-3225D61D8B8B}"/>
+              </a:ext>
+            </a:extLst>
+          </p:cNvPr>
+          <p:cNvPicPr>
+            <a:picLocks noChangeAspect="1"/>
+          </p:cNvPicPr>
+          <p:nvPr/>
+        </p:nvPicPr>
+        <p:blipFill rotWithShape="1">
+          <a:blip r:embed="rId4"/>
+          <a:srcRect t="11690"/>
+          <a:stretch/>
+        </p:blipFill>
+        <p:spPr>
+          <a:xfrm>
+            <a:off x="1995831" y="4201680"/>
+            <a:ext cx="7305675" cy="412167"/>
+          </a:xfrm>
+          <a:prstGeom prst="rect">
+            <a:avLst/>
+          </a:prstGeom>
+        </p:spPr>
+      </p:pic>
+      <p:cxnSp>
+        <p:nvCxnSpPr>
+          <p:cNvPr id="22" name="직선 연결선 21">
+            <a:extLst>
+              <a:ext uri="{FF2B5EF4-FFF2-40B4-BE49-F238E27FC236}">
+                <a16:creationId xmlns:a16="http://schemas.microsoft.com/office/drawing/2014/main" id="{5B962D39-0B5D-4940-AD83-9F1897EB87C8}"/>
+              </a:ext>
+            </a:extLst>
+          </p:cNvPr>
+          <p:cNvCxnSpPr/>
+          <p:nvPr/>
+        </p:nvCxnSpPr>
+        <p:spPr>
+          <a:xfrm>
+            <a:off x="638106" y="3914162"/>
+            <a:ext cx="10558360" cy="0"/>
+          </a:xfrm>
+          <a:prstGeom prst="line">
+            <a:avLst/>
+          </a:prstGeom>
+        </p:spPr>
+        <p:style>
+          <a:lnRef idx="1">
+            <a:schemeClr val="dk1"/>
+          </a:lnRef>
+          <a:fillRef idx="0">
+            <a:schemeClr val="dk1"/>
+          </a:fillRef>
+          <a:effectRef idx="0">
+            <a:schemeClr val="dk1"/>
+          </a:effectRef>
+          <a:fontRef idx="minor">
+            <a:schemeClr val="tx1"/>
+          </a:fontRef>
+        </p:style>
+      </p:cxnSp>
+      <p:sp>
+        <p:nvSpPr>
+          <p:cNvPr id="23" name="직사각형 22">
+            <a:extLst>
+              <a:ext uri="{FF2B5EF4-FFF2-40B4-BE49-F238E27FC236}">
+                <a16:creationId xmlns:a16="http://schemas.microsoft.com/office/drawing/2014/main" id="{3577C665-E91D-40E8-88FE-563449DE9A11}"/>
+              </a:ext>
+            </a:extLst>
+          </p:cNvPr>
+          <p:cNvSpPr/>
+          <p:nvPr/>
+        </p:nvSpPr>
+        <p:spPr>
+          <a:xfrm>
+            <a:off x="7366789" y="4249627"/>
+            <a:ext cx="321247" cy="238126"/>
+          </a:xfrm>
+          <a:prstGeom prst="rect">
+            <a:avLst/>
+          </a:prstGeom>
+          <a:noFill/>
+          <a:ln>
+            <a:solidFill>
+              <a:srgbClr val="FF0000"/>
+            </a:solidFill>
+          </a:ln>
+        </p:spPr>
+        <p:style>
+          <a:lnRef idx="2">
+            <a:schemeClr val="accent1">
+              <a:shade val="50000"/>
+            </a:schemeClr>
+          </a:lnRef>
+          <a:fillRef idx="1">
+            <a:schemeClr val="accent1"/>
+          </a:fillRef>
+          <a:effectRef idx="0">
+            <a:schemeClr val="accent1"/>
+          </a:effectRef>
+          <a:fontRef idx="minor">
+            <a:schemeClr val="lt1"/>
+          </a:fontRef>
+        </p:style>
+        <p:txBody>
+          <a:bodyPr rtlCol="0" anchor="ctr"/>
+          <a:lstStyle/>
+          <a:p>
+            <a:pPr algn="ctr"/>
+            <a:endParaRPr lang="ko-KR" altLang="en-US"/>
+          </a:p>
+        </p:txBody>
+      </p:sp>
+      <p:sp>
+        <p:nvSpPr>
+          <p:cNvPr id="24" name="TextBox 23">
+            <a:extLst>
+              <a:ext uri="{FF2B5EF4-FFF2-40B4-BE49-F238E27FC236}">
+                <a16:creationId xmlns:a16="http://schemas.microsoft.com/office/drawing/2014/main" id="{5866857C-A75B-4F0B-A7E5-9B92979E6260}"/>
+              </a:ext>
+            </a:extLst>
+          </p:cNvPr>
+          <p:cNvSpPr txBox="1"/>
+          <p:nvPr/>
+        </p:nvSpPr>
+        <p:spPr>
+          <a:xfrm>
+            <a:off x="7358507" y="3873087"/>
+            <a:ext cx="1697581" cy="369332"/>
+          </a:xfrm>
+          <a:prstGeom prst="rect">
+            <a:avLst/>
+          </a:prstGeom>
+          <a:noFill/>
+        </p:spPr>
+        <p:txBody>
+          <a:bodyPr wrap="none" rtlCol="0">
+            <a:spAutoFit/>
+          </a:bodyPr>
+          <a:lstStyle/>
+          <a:p>
+            <a:r>
+              <a:rPr lang="en-US" altLang="ko-KR" dirty="0">
+                <a:solidFill>
+                  <a:srgbClr val="FF0000"/>
+                </a:solidFill>
+              </a:rPr>
+              <a:t>past-the-end </a:t>
+            </a:r>
+            <a:endParaRPr lang="ko-KR" altLang="en-US" dirty="0">
+              <a:solidFill>
+                <a:srgbClr val="FF0000"/>
+              </a:solidFill>
+            </a:endParaRPr>
+          </a:p>
+        </p:txBody>
+      </p:sp>
+      <p:pic>
+        <p:nvPicPr>
+          <p:cNvPr id="25" name="그림 24">
+            <a:extLst>
+              <a:ext uri="{FF2B5EF4-FFF2-40B4-BE49-F238E27FC236}">
+                <a16:creationId xmlns:a16="http://schemas.microsoft.com/office/drawing/2014/main" id="{4EDC8447-0CBB-48A5-AF22-281C6BD3C5C6}"/>
+              </a:ext>
+            </a:extLst>
+          </p:cNvPr>
+          <p:cNvPicPr>
+            <a:picLocks noChangeAspect="1"/>
+          </p:cNvPicPr>
+          <p:nvPr/>
+        </p:nvPicPr>
+        <p:blipFill rotWithShape="1">
+          <a:blip r:embed="rId5"/>
+          <a:srcRect t="5692"/>
+          <a:stretch/>
+        </p:blipFill>
+        <p:spPr>
+          <a:xfrm>
+            <a:off x="1778281" y="5007277"/>
+            <a:ext cx="7832866" cy="1239342"/>
+          </a:xfrm>
+          <a:prstGeom prst="rect">
+            <a:avLst/>
+          </a:prstGeom>
+        </p:spPr>
+      </p:pic>
+      <p:sp>
+        <p:nvSpPr>
+          <p:cNvPr id="26" name="직사각형 25">
+            <a:extLst>
+              <a:ext uri="{FF2B5EF4-FFF2-40B4-BE49-F238E27FC236}">
+                <a16:creationId xmlns:a16="http://schemas.microsoft.com/office/drawing/2014/main" id="{7B307359-A4EB-43FC-B8CE-C4216983672B}"/>
+              </a:ext>
+            </a:extLst>
+          </p:cNvPr>
+          <p:cNvSpPr/>
+          <p:nvPr/>
+        </p:nvSpPr>
+        <p:spPr>
+          <a:xfrm>
+            <a:off x="1762900" y="5469573"/>
+            <a:ext cx="7848247" cy="157038"/>
+          </a:xfrm>
+          <a:prstGeom prst="rect">
+            <a:avLst/>
+          </a:prstGeom>
+          <a:noFill/>
+          <a:ln>
+            <a:solidFill>
+              <a:srgbClr val="FF0000"/>
+            </a:solidFill>
+          </a:ln>
+        </p:spPr>
+        <p:style>
+          <a:lnRef idx="2">
+            <a:schemeClr val="accent1">
+              <a:shade val="50000"/>
+            </a:schemeClr>
+          </a:lnRef>
+          <a:fillRef idx="1">
+            <a:schemeClr val="accent1"/>
+          </a:fillRef>
+          <a:effectRef idx="0">
+            <a:schemeClr val="accent1"/>
+          </a:effectRef>
+          <a:fontRef idx="minor">
+            <a:schemeClr val="lt1"/>
+          </a:fontRef>
+        </p:style>
+        <p:txBody>
+          <a:bodyPr rtlCol="0" anchor="ctr"/>
+          <a:lstStyle/>
+          <a:p>
+            <a:pPr algn="ctr"/>
+            <a:endParaRPr lang="ko-KR" altLang="en-US"/>
+          </a:p>
+        </p:txBody>
+      </p:sp>
+      <p:sp>
+        <p:nvSpPr>
+          <p:cNvPr id="27" name="직사각형 26">
+            <a:extLst>
+              <a:ext uri="{FF2B5EF4-FFF2-40B4-BE49-F238E27FC236}">
+                <a16:creationId xmlns:a16="http://schemas.microsoft.com/office/drawing/2014/main" id="{16AB2DEB-36CB-4150-816E-1BA0CEB29F4B}"/>
+              </a:ext>
+            </a:extLst>
+          </p:cNvPr>
+          <p:cNvSpPr/>
+          <p:nvPr/>
+        </p:nvSpPr>
+        <p:spPr>
+          <a:xfrm>
+            <a:off x="1764973" y="5647011"/>
+            <a:ext cx="6135928" cy="172742"/>
+          </a:xfrm>
+          <a:prstGeom prst="rect">
+            <a:avLst/>
+          </a:prstGeom>
+          <a:noFill/>
+          <a:ln>
+            <a:solidFill>
+              <a:srgbClr val="FF0000"/>
+            </a:solidFill>
+          </a:ln>
+        </p:spPr>
+        <p:style>
+          <a:lnRef idx="2">
+            <a:schemeClr val="accent1">
+              <a:shade val="50000"/>
+            </a:schemeClr>
+          </a:lnRef>
+          <a:fillRef idx="1">
+            <a:schemeClr val="accent1"/>
+          </a:fillRef>
+          <a:effectRef idx="0">
+            <a:schemeClr val="accent1"/>
+          </a:effectRef>
+          <a:fontRef idx="minor">
+            <a:schemeClr val="lt1"/>
+          </a:fontRef>
+        </p:style>
+        <p:txBody>
+          <a:bodyPr rtlCol="0" anchor="ctr"/>
+          <a:lstStyle/>
+          <a:p>
+            <a:pPr algn="ctr"/>
+            <a:endParaRPr lang="ko-KR" altLang="en-US"/>
+          </a:p>
+        </p:txBody>
+      </p:sp>
+      <p:sp>
+        <p:nvSpPr>
+          <p:cNvPr id="28" name="TextBox 27">
+            <a:extLst>
+              <a:ext uri="{FF2B5EF4-FFF2-40B4-BE49-F238E27FC236}">
+                <a16:creationId xmlns:a16="http://schemas.microsoft.com/office/drawing/2014/main" id="{4715CB5D-E4D1-4588-B762-EAF072158C3B}"/>
+              </a:ext>
+            </a:extLst>
+          </p:cNvPr>
+          <p:cNvSpPr txBox="1"/>
+          <p:nvPr/>
+        </p:nvSpPr>
+        <p:spPr>
+          <a:xfrm>
+            <a:off x="9611147" y="5410216"/>
+            <a:ext cx="2113079" cy="646331"/>
+          </a:xfrm>
+          <a:prstGeom prst="rect">
+            <a:avLst/>
+          </a:prstGeom>
+          <a:noFill/>
+        </p:spPr>
+        <p:txBody>
+          <a:bodyPr wrap="none" rtlCol="0">
+            <a:spAutoFit/>
+          </a:bodyPr>
+          <a:lstStyle/>
+          <a:p>
+            <a:r>
+              <a:rPr lang="en-US" altLang="ko-KR" dirty="0">
+                <a:solidFill>
+                  <a:srgbClr val="FF0000"/>
+                </a:solidFill>
+              </a:rPr>
+              <a:t>0~50 </a:t>
+            </a:r>
+            <a:r>
+              <a:rPr lang="ko-KR" altLang="en-US" dirty="0">
+                <a:solidFill>
+                  <a:srgbClr val="FF0000"/>
+                </a:solidFill>
+              </a:rPr>
+              <a:t>까지  정렬됨</a:t>
+            </a:r>
+            <a:br>
+              <a:rPr lang="en-US" altLang="ko-KR" dirty="0">
+                <a:solidFill>
+                  <a:srgbClr val="FF0000"/>
+                </a:solidFill>
+              </a:rPr>
+            </a:br>
+            <a:r>
+              <a:rPr lang="en-US" altLang="ko-KR" dirty="0">
+                <a:solidFill>
+                  <a:srgbClr val="FF0000"/>
+                </a:solidFill>
+              </a:rPr>
+              <a:t>(</a:t>
+            </a:r>
+            <a:r>
+              <a:rPr lang="ko-KR" altLang="en-US" dirty="0">
+                <a:solidFill>
+                  <a:srgbClr val="FF0000"/>
+                </a:solidFill>
+              </a:rPr>
+              <a:t>정렬된 원소 </a:t>
+            </a:r>
+            <a:r>
+              <a:rPr lang="en-US" altLang="ko-KR" dirty="0">
+                <a:solidFill>
+                  <a:srgbClr val="FF0000"/>
+                </a:solidFill>
+              </a:rPr>
+              <a:t>: 51</a:t>
+            </a:r>
+            <a:r>
+              <a:rPr lang="ko-KR" altLang="en-US" dirty="0">
+                <a:solidFill>
+                  <a:srgbClr val="FF0000"/>
+                </a:solidFill>
+              </a:rPr>
+              <a:t>개</a:t>
+            </a:r>
+            <a:r>
+              <a:rPr lang="en-US" altLang="ko-KR" dirty="0">
+                <a:solidFill>
+                  <a:srgbClr val="FF0000"/>
+                </a:solidFill>
+              </a:rPr>
+              <a:t>)</a:t>
+            </a:r>
+            <a:endParaRPr lang="ko-KR" altLang="en-US" dirty="0">
+              <a:solidFill>
+                <a:srgbClr val="FF0000"/>
+              </a:solidFill>
+            </a:endParaRPr>
+          </a:p>
+        </p:txBody>
+      </p:sp>
+      <p:sp>
+        <p:nvSpPr>
+          <p:cNvPr id="29" name="TextBox 28">
+            <a:extLst>
+              <a:ext uri="{FF2B5EF4-FFF2-40B4-BE49-F238E27FC236}">
+                <a16:creationId xmlns:a16="http://schemas.microsoft.com/office/drawing/2014/main" id="{53147031-06FF-4523-B3DF-5EDD1C2C4480}"/>
+              </a:ext>
+            </a:extLst>
+          </p:cNvPr>
+          <p:cNvSpPr txBox="1"/>
+          <p:nvPr/>
+        </p:nvSpPr>
+        <p:spPr>
+          <a:xfrm>
+            <a:off x="9648894" y="5976438"/>
+            <a:ext cx="1673215" cy="369332"/>
+          </a:xfrm>
+          <a:prstGeom prst="rect">
+            <a:avLst/>
+          </a:prstGeom>
+          <a:noFill/>
+        </p:spPr>
+        <p:txBody>
+          <a:bodyPr wrap="none" rtlCol="0">
+            <a:spAutoFit/>
+          </a:bodyPr>
+          <a:lstStyle/>
+          <a:p>
+            <a:r>
+              <a:rPr lang="en-US" altLang="ko-KR">
+                <a:solidFill>
+                  <a:srgbClr val="FF0000"/>
+                </a:solidFill>
+              </a:rPr>
+              <a:t>Heap sort </a:t>
+            </a:r>
+            <a:r>
+              <a:rPr lang="ko-KR" altLang="en-US" dirty="0">
+                <a:solidFill>
+                  <a:srgbClr val="FF0000"/>
+                </a:solidFill>
+              </a:rPr>
+              <a:t>구현</a:t>
+            </a:r>
+          </a:p>
+        </p:txBody>
+      </p:sp>
+    </p:spTree>
+    <p:extLst>
+      <p:ext uri="{BB962C8B-B14F-4D97-AF65-F5344CB8AC3E}">
+        <p14:creationId xmlns:p14="http://schemas.microsoft.com/office/powerpoint/2010/main" val="3489928454"/>
+      </p:ext>
+    </p:extLst>
+  </p:cSld>
+  <p:clrMapOvr>
+    <a:masterClrMapping/>
+  </p:clrMapOvr>
+</p:sld>
+</file>
+
+<file path=ppt/slides/slide58.xml><?xml version="1.0" encoding="utf-8"?>
+<p:sld xmlns:a="http://schemas.openxmlformats.org/drawingml/2006/main" xmlns:r="http://schemas.openxmlformats.org/officeDocument/2006/relationships" xmlns:p="http://schemas.openxmlformats.org/presentationml/2006/main">
+  <p:cSld>
+    <p:spTree>
+      <p:nvGrpSpPr>
+        <p:cNvPr id="1" name=""/>
+        <p:cNvGrpSpPr/>
+        <p:nvPr/>
+      </p:nvGrpSpPr>
+      <p:grpSpPr>
+        <a:xfrm>
+          <a:off x="0" y="0"/>
+          <a:ext cx="0" cy="0"/>
+          <a:chOff x="0" y="0"/>
+          <a:chExt cx="0" cy="0"/>
+        </a:xfrm>
+      </p:grpSpPr>
+      <p:sp>
+        <p:nvSpPr>
+          <p:cNvPr id="2" name="제목 1">
+            <a:extLst>
+              <a:ext uri="{FF2B5EF4-FFF2-40B4-BE49-F238E27FC236}">
+                <a16:creationId xmlns:a16="http://schemas.microsoft.com/office/drawing/2014/main" id="{A0628522-72E2-4438-B2B0-03AB1F3484FC}"/>
+              </a:ext>
+            </a:extLst>
+          </p:cNvPr>
+          <p:cNvSpPr>
+            <a:spLocks noGrp="1"/>
+          </p:cNvSpPr>
+          <p:nvPr>
+            <p:ph type="title"/>
+          </p:nvPr>
+        </p:nvSpPr>
+        <p:spPr/>
+        <p:txBody>
+          <a:bodyPr/>
+          <a:lstStyle/>
+          <a:p>
+            <a:r>
+              <a:rPr lang="en-US" altLang="ko-KR" dirty="0" err="1">
+                <a:latin typeface="Consolas" panose="020B0609020204030204" pitchFamily="49" charset="0"/>
+              </a:rPr>
+              <a:t>nth_element</a:t>
+            </a:r>
+            <a:r>
+              <a:rPr lang="en-US" altLang="ko-KR" dirty="0">
+                <a:latin typeface="Consolas" panose="020B0609020204030204" pitchFamily="49" charset="0"/>
+              </a:rPr>
+              <a:t> </a:t>
+            </a:r>
+            <a:r>
+              <a:rPr lang="ko-KR" altLang="en-US" dirty="0">
+                <a:latin typeface="Consolas" panose="020B0609020204030204" pitchFamily="49" charset="0"/>
+              </a:rPr>
+              <a:t>구현</a:t>
+            </a:r>
+            <a:endParaRPr lang="ko-KR" altLang="en-US" dirty="0"/>
+          </a:p>
+        </p:txBody>
+      </p:sp>
+      <p:pic>
+        <p:nvPicPr>
+          <p:cNvPr id="5" name="내용 개체 틀 4">
+            <a:extLst>
+              <a:ext uri="{FF2B5EF4-FFF2-40B4-BE49-F238E27FC236}">
+                <a16:creationId xmlns:a16="http://schemas.microsoft.com/office/drawing/2014/main" id="{B63ACF0C-794D-4CED-978D-6CE935F23286}"/>
+              </a:ext>
+            </a:extLst>
+          </p:cNvPr>
+          <p:cNvPicPr>
+            <a:picLocks noGrp="1" noChangeAspect="1"/>
+          </p:cNvPicPr>
+          <p:nvPr>
+            <p:ph idx="1"/>
+          </p:nvPr>
+        </p:nvPicPr>
+        <p:blipFill>
+          <a:blip r:embed="rId2"/>
+          <a:stretch>
+            <a:fillRect/>
+          </a:stretch>
+        </p:blipFill>
+        <p:spPr>
+          <a:xfrm>
+            <a:off x="1280611" y="1368735"/>
+            <a:ext cx="9630779" cy="5265119"/>
+          </a:xfrm>
+          <a:prstGeom prst="rect">
+            <a:avLst/>
+          </a:prstGeom>
+        </p:spPr>
+      </p:pic>
+    </p:spTree>
+    <p:extLst>
+      <p:ext uri="{BB962C8B-B14F-4D97-AF65-F5344CB8AC3E}">
+        <p14:creationId xmlns:p14="http://schemas.microsoft.com/office/powerpoint/2010/main" val="2640006098"/>
+      </p:ext>
+    </p:extLst>
+  </p:cSld>
+  <p:clrMapOvr>
+    <a:masterClrMapping/>
+  </p:clrMapOvr>
+</p:sld>
+</file>
+
+<file path=ppt/slides/slide59.xml><?xml version="1.0" encoding="utf-8"?>
+<p:sld xmlns:a="http://schemas.openxmlformats.org/drawingml/2006/main" xmlns:r="http://schemas.openxmlformats.org/officeDocument/2006/relationships" xmlns:p="http://schemas.openxmlformats.org/presentationml/2006/main">
+  <p:cSld>
+    <p:spTree>
+      <p:nvGrpSpPr>
+        <p:cNvPr id="1" name=""/>
+        <p:cNvGrpSpPr/>
+        <p:nvPr/>
+      </p:nvGrpSpPr>
+      <p:grpSpPr>
+        <a:xfrm>
+          <a:off x="0" y="0"/>
+          <a:ext cx="0" cy="0"/>
+          <a:chOff x="0" y="0"/>
+          <a:chExt cx="0" cy="0"/>
+        </a:xfrm>
+      </p:grpSpPr>
+      <p:sp>
+        <p:nvSpPr>
+          <p:cNvPr id="2" name="제목 1">
+            <a:extLst>
+              <a:ext uri="{FF2B5EF4-FFF2-40B4-BE49-F238E27FC236}">
+                <a16:creationId xmlns:a16="http://schemas.microsoft.com/office/drawing/2014/main" id="{A0628522-72E2-4438-B2B0-03AB1F3484FC}"/>
+              </a:ext>
+            </a:extLst>
+          </p:cNvPr>
+          <p:cNvSpPr>
+            <a:spLocks noGrp="1"/>
+          </p:cNvSpPr>
+          <p:nvPr>
+            <p:ph type="title"/>
+          </p:nvPr>
+        </p:nvSpPr>
+        <p:spPr/>
+        <p:txBody>
+          <a:bodyPr/>
+          <a:lstStyle/>
+          <a:p>
+            <a:r>
+              <a:rPr lang="en-US" altLang="ko-KR" dirty="0" err="1">
+                <a:latin typeface="Consolas" panose="020B0609020204030204" pitchFamily="49" charset="0"/>
+              </a:rPr>
+              <a:t>nth_element</a:t>
+            </a:r>
+            <a:r>
+              <a:rPr lang="en-US" altLang="ko-KR" dirty="0">
+                <a:latin typeface="Consolas" panose="020B0609020204030204" pitchFamily="49" charset="0"/>
+              </a:rPr>
+              <a:t> </a:t>
+            </a:r>
+            <a:r>
+              <a:rPr lang="ko-KR" altLang="en-US" dirty="0">
+                <a:latin typeface="Consolas" panose="020B0609020204030204" pitchFamily="49" charset="0"/>
+              </a:rPr>
+              <a:t>구현</a:t>
+            </a:r>
+            <a:endParaRPr lang="ko-KR" altLang="en-US" dirty="0"/>
+          </a:p>
+        </p:txBody>
+      </p:sp>
+      <p:pic>
+        <p:nvPicPr>
+          <p:cNvPr id="5" name="내용 개체 틀 4">
+            <a:extLst>
+              <a:ext uri="{FF2B5EF4-FFF2-40B4-BE49-F238E27FC236}">
+                <a16:creationId xmlns:a16="http://schemas.microsoft.com/office/drawing/2014/main" id="{B63ACF0C-794D-4CED-978D-6CE935F23286}"/>
+              </a:ext>
+            </a:extLst>
+          </p:cNvPr>
+          <p:cNvPicPr>
+            <a:picLocks noGrp="1" noChangeAspect="1"/>
+          </p:cNvPicPr>
+          <p:nvPr>
+            <p:ph idx="1"/>
+          </p:nvPr>
+        </p:nvPicPr>
+        <p:blipFill>
+          <a:blip r:embed="rId2"/>
+          <a:stretch>
+            <a:fillRect/>
+          </a:stretch>
+        </p:blipFill>
+        <p:spPr>
+          <a:xfrm>
+            <a:off x="1280611" y="1368735"/>
+            <a:ext cx="9630779" cy="5265119"/>
+          </a:xfrm>
+          <a:prstGeom prst="rect">
+            <a:avLst/>
+          </a:prstGeom>
+        </p:spPr>
+      </p:pic>
+      <p:sp>
+        <p:nvSpPr>
+          <p:cNvPr id="9" name="TextBox 8">
+            <a:extLst>
+              <a:ext uri="{FF2B5EF4-FFF2-40B4-BE49-F238E27FC236}">
+                <a16:creationId xmlns:a16="http://schemas.microsoft.com/office/drawing/2014/main" id="{F1EE2BBB-853E-4DE0-ADDF-103C84D0575B}"/>
+              </a:ext>
+            </a:extLst>
+          </p:cNvPr>
+          <p:cNvSpPr txBox="1"/>
+          <p:nvPr/>
+        </p:nvSpPr>
+        <p:spPr>
+          <a:xfrm>
+            <a:off x="2907740" y="3429000"/>
+            <a:ext cx="3921586" cy="369332"/>
+          </a:xfrm>
+          <a:prstGeom prst="rect">
+            <a:avLst/>
+          </a:prstGeom>
+          <a:noFill/>
+        </p:spPr>
+        <p:txBody>
+          <a:bodyPr wrap="none" rtlCol="0">
+            <a:spAutoFit/>
+          </a:bodyPr>
+          <a:lstStyle/>
+          <a:p>
+            <a:r>
+              <a:rPr lang="ko-KR" altLang="en-US" dirty="0">
+                <a:solidFill>
+                  <a:srgbClr val="FF0000"/>
+                </a:solidFill>
+              </a:rPr>
+              <a:t>또</a:t>
+            </a:r>
+            <a:r>
+              <a:rPr lang="en-US" altLang="ko-KR" dirty="0">
+                <a:solidFill>
+                  <a:srgbClr val="FF0000"/>
+                </a:solidFill>
+              </a:rPr>
+              <a:t>? -&gt; insertion sort </a:t>
+            </a:r>
+            <a:r>
+              <a:rPr lang="ko-KR" altLang="en-US" dirty="0">
+                <a:solidFill>
+                  <a:srgbClr val="FF0000"/>
+                </a:solidFill>
+              </a:rPr>
+              <a:t>사용 시 매번 나옴</a:t>
+            </a:r>
+          </a:p>
+        </p:txBody>
+      </p:sp>
+      <p:sp>
+        <p:nvSpPr>
+          <p:cNvPr id="6" name="직사각형 5">
+            <a:extLst>
+              <a:ext uri="{FF2B5EF4-FFF2-40B4-BE49-F238E27FC236}">
+                <a16:creationId xmlns:a16="http://schemas.microsoft.com/office/drawing/2014/main" id="{22D9B0E4-3650-482D-9680-3781114A7648}"/>
+              </a:ext>
+            </a:extLst>
+          </p:cNvPr>
+          <p:cNvSpPr/>
+          <p:nvPr/>
+        </p:nvSpPr>
+        <p:spPr>
+          <a:xfrm>
+            <a:off x="2398140" y="3725969"/>
+            <a:ext cx="1008211" cy="238126"/>
+          </a:xfrm>
+          <a:prstGeom prst="rect">
+            <a:avLst/>
+          </a:prstGeom>
+          <a:noFill/>
+          <a:ln>
+            <a:solidFill>
+              <a:srgbClr val="FF0000"/>
+            </a:solidFill>
+          </a:ln>
+        </p:spPr>
+        <p:style>
+          <a:lnRef idx="2">
+            <a:schemeClr val="accent1">
+              <a:shade val="50000"/>
+            </a:schemeClr>
+          </a:lnRef>
+          <a:fillRef idx="1">
+            <a:schemeClr val="accent1"/>
+          </a:fillRef>
+          <a:effectRef idx="0">
+            <a:schemeClr val="accent1"/>
+          </a:effectRef>
+          <a:fontRef idx="minor">
+            <a:schemeClr val="lt1"/>
+          </a:fontRef>
+        </p:style>
+        <p:txBody>
+          <a:bodyPr rtlCol="0" anchor="ctr"/>
+          <a:lstStyle/>
+          <a:p>
+            <a:pPr algn="ctr"/>
+            <a:endParaRPr lang="ko-KR" altLang="en-US"/>
+          </a:p>
+        </p:txBody>
+      </p:sp>
+    </p:spTree>
+    <p:extLst>
+      <p:ext uri="{BB962C8B-B14F-4D97-AF65-F5344CB8AC3E}">
+        <p14:creationId xmlns:p14="http://schemas.microsoft.com/office/powerpoint/2010/main" val="4088055095"/>
       </p:ext>
     </p:extLst>
   </p:cSld>
@@ -15572,6 +18241,1328 @@
     <p:extLst>
       <p:ext uri="{BB962C8B-B14F-4D97-AF65-F5344CB8AC3E}">
         <p14:creationId xmlns:p14="http://schemas.microsoft.com/office/powerpoint/2010/main" val="1037681853"/>
+      </p:ext>
+    </p:extLst>
+  </p:cSld>
+  <p:clrMapOvr>
+    <a:masterClrMapping/>
+  </p:clrMapOvr>
+</p:sld>
+</file>
+
+<file path=ppt/slides/slide60.xml><?xml version="1.0" encoding="utf-8"?>
+<p:sld xmlns:a="http://schemas.openxmlformats.org/drawingml/2006/main" xmlns:r="http://schemas.openxmlformats.org/officeDocument/2006/relationships" xmlns:p="http://schemas.openxmlformats.org/presentationml/2006/main">
+  <p:cSld>
+    <p:spTree>
+      <p:nvGrpSpPr>
+        <p:cNvPr id="1" name=""/>
+        <p:cNvGrpSpPr/>
+        <p:nvPr/>
+      </p:nvGrpSpPr>
+      <p:grpSpPr>
+        <a:xfrm>
+          <a:off x="0" y="0"/>
+          <a:ext cx="0" cy="0"/>
+          <a:chOff x="0" y="0"/>
+          <a:chExt cx="0" cy="0"/>
+        </a:xfrm>
+      </p:grpSpPr>
+      <p:sp>
+        <p:nvSpPr>
+          <p:cNvPr id="2" name="제목 1">
+            <a:extLst>
+              <a:ext uri="{FF2B5EF4-FFF2-40B4-BE49-F238E27FC236}">
+                <a16:creationId xmlns:a16="http://schemas.microsoft.com/office/drawing/2014/main" id="{A0628522-72E2-4438-B2B0-03AB1F3484FC}"/>
+              </a:ext>
+            </a:extLst>
+          </p:cNvPr>
+          <p:cNvSpPr>
+            <a:spLocks noGrp="1"/>
+          </p:cNvSpPr>
+          <p:nvPr>
+            <p:ph type="title"/>
+          </p:nvPr>
+        </p:nvSpPr>
+        <p:spPr/>
+        <p:txBody>
+          <a:bodyPr/>
+          <a:lstStyle/>
+          <a:p>
+            <a:r>
+              <a:rPr lang="en-US" altLang="ko-KR" dirty="0" err="1">
+                <a:latin typeface="Consolas" panose="020B0609020204030204" pitchFamily="49" charset="0"/>
+              </a:rPr>
+              <a:t>nth_element</a:t>
+            </a:r>
+            <a:r>
+              <a:rPr lang="en-US" altLang="ko-KR" dirty="0">
+                <a:latin typeface="Consolas" panose="020B0609020204030204" pitchFamily="49" charset="0"/>
+              </a:rPr>
+              <a:t> </a:t>
+            </a:r>
+            <a:r>
+              <a:rPr lang="ko-KR" altLang="en-US" dirty="0">
+                <a:latin typeface="Consolas" panose="020B0609020204030204" pitchFamily="49" charset="0"/>
+              </a:rPr>
+              <a:t>구현</a:t>
+            </a:r>
+            <a:endParaRPr lang="ko-KR" altLang="en-US" dirty="0"/>
+          </a:p>
+        </p:txBody>
+      </p:sp>
+      <p:pic>
+        <p:nvPicPr>
+          <p:cNvPr id="5" name="내용 개체 틀 4">
+            <a:extLst>
+              <a:ext uri="{FF2B5EF4-FFF2-40B4-BE49-F238E27FC236}">
+                <a16:creationId xmlns:a16="http://schemas.microsoft.com/office/drawing/2014/main" id="{B63ACF0C-794D-4CED-978D-6CE935F23286}"/>
+              </a:ext>
+            </a:extLst>
+          </p:cNvPr>
+          <p:cNvPicPr>
+            <a:picLocks noGrp="1" noChangeAspect="1"/>
+          </p:cNvPicPr>
+          <p:nvPr>
+            <p:ph idx="1"/>
+          </p:nvPr>
+        </p:nvPicPr>
+        <p:blipFill>
+          <a:blip r:embed="rId2"/>
+          <a:stretch>
+            <a:fillRect/>
+          </a:stretch>
+        </p:blipFill>
+        <p:spPr>
+          <a:xfrm>
+            <a:off x="1280611" y="1368735"/>
+            <a:ext cx="9630779" cy="5265119"/>
+          </a:xfrm>
+          <a:prstGeom prst="rect">
+            <a:avLst/>
+          </a:prstGeom>
+        </p:spPr>
+      </p:pic>
+      <p:sp>
+        <p:nvSpPr>
+          <p:cNvPr id="9" name="TextBox 8">
+            <a:extLst>
+              <a:ext uri="{FF2B5EF4-FFF2-40B4-BE49-F238E27FC236}">
+                <a16:creationId xmlns:a16="http://schemas.microsoft.com/office/drawing/2014/main" id="{F1EE2BBB-853E-4DE0-ADDF-103C84D0575B}"/>
+              </a:ext>
+            </a:extLst>
+          </p:cNvPr>
+          <p:cNvSpPr txBox="1"/>
+          <p:nvPr/>
+        </p:nvSpPr>
+        <p:spPr>
+          <a:xfrm>
+            <a:off x="4498394" y="3363724"/>
+            <a:ext cx="6525697" cy="369332"/>
+          </a:xfrm>
+          <a:prstGeom prst="rect">
+            <a:avLst/>
+          </a:prstGeom>
+          <a:noFill/>
+        </p:spPr>
+        <p:txBody>
+          <a:bodyPr wrap="none" rtlCol="0">
+            <a:spAutoFit/>
+          </a:bodyPr>
+          <a:lstStyle/>
+          <a:p>
+            <a:r>
+              <a:rPr lang="ko-KR" altLang="en-US" b="1" dirty="0">
+                <a:solidFill>
+                  <a:srgbClr val="FF0000"/>
+                </a:solidFill>
+              </a:rPr>
+              <a:t>적당한 </a:t>
+            </a:r>
+            <a:r>
+              <a:rPr lang="ko-KR" altLang="en-US" b="1" dirty="0" err="1">
+                <a:solidFill>
+                  <a:srgbClr val="FF0000"/>
+                </a:solidFill>
+              </a:rPr>
+              <a:t>중위값</a:t>
+            </a:r>
+            <a:r>
+              <a:rPr lang="en-US" altLang="ko-KR" dirty="0">
+                <a:solidFill>
+                  <a:srgbClr val="FF0000"/>
+                </a:solidFill>
+              </a:rPr>
+              <a:t>(pivot)</a:t>
+            </a:r>
+            <a:r>
+              <a:rPr lang="ko-KR" altLang="en-US" dirty="0">
+                <a:solidFill>
+                  <a:srgbClr val="FF0000"/>
+                </a:solidFill>
+              </a:rPr>
+              <a:t>을 찾아</a:t>
+            </a:r>
+            <a:r>
+              <a:rPr lang="en-US" altLang="ko-KR" dirty="0">
+                <a:solidFill>
+                  <a:srgbClr val="FF0000"/>
+                </a:solidFill>
+              </a:rPr>
+              <a:t>, </a:t>
+            </a:r>
+            <a:r>
+              <a:rPr lang="ko-KR" altLang="en-US" dirty="0">
+                <a:solidFill>
+                  <a:srgbClr val="FF0000"/>
+                </a:solidFill>
+              </a:rPr>
+              <a:t>그보다 </a:t>
+            </a:r>
+            <a:r>
+              <a:rPr lang="ko-KR" altLang="en-US" dirty="0" err="1">
+                <a:solidFill>
+                  <a:srgbClr val="FF0000"/>
+                </a:solidFill>
+              </a:rPr>
+              <a:t>큰값</a:t>
+            </a:r>
+            <a:r>
+              <a:rPr lang="en-US" altLang="ko-KR" dirty="0">
+                <a:solidFill>
+                  <a:srgbClr val="FF0000"/>
+                </a:solidFill>
+              </a:rPr>
+              <a:t>/</a:t>
+            </a:r>
+            <a:r>
+              <a:rPr lang="ko-KR" altLang="en-US" dirty="0" err="1">
+                <a:solidFill>
+                  <a:srgbClr val="FF0000"/>
+                </a:solidFill>
+              </a:rPr>
+              <a:t>작은값으로</a:t>
+            </a:r>
+            <a:r>
+              <a:rPr lang="ko-KR" altLang="en-US" dirty="0">
+                <a:solidFill>
+                  <a:srgbClr val="FF0000"/>
+                </a:solidFill>
+              </a:rPr>
+              <a:t> 구역을 나눈다</a:t>
+            </a:r>
+          </a:p>
+        </p:txBody>
+      </p:sp>
+      <p:sp>
+        <p:nvSpPr>
+          <p:cNvPr id="6" name="직사각형 5">
+            <a:extLst>
+              <a:ext uri="{FF2B5EF4-FFF2-40B4-BE49-F238E27FC236}">
+                <a16:creationId xmlns:a16="http://schemas.microsoft.com/office/drawing/2014/main" id="{22D9B0E4-3650-482D-9680-3781114A7648}"/>
+              </a:ext>
+            </a:extLst>
+          </p:cNvPr>
+          <p:cNvSpPr/>
+          <p:nvPr/>
+        </p:nvSpPr>
+        <p:spPr>
+          <a:xfrm>
+            <a:off x="1684102" y="3724833"/>
+            <a:ext cx="9027827" cy="2345488"/>
+          </a:xfrm>
+          <a:prstGeom prst="rect">
+            <a:avLst/>
+          </a:prstGeom>
+          <a:noFill/>
+          <a:ln>
+            <a:solidFill>
+              <a:srgbClr val="FF0000"/>
+            </a:solidFill>
+          </a:ln>
+        </p:spPr>
+        <p:style>
+          <a:lnRef idx="2">
+            <a:schemeClr val="accent1">
+              <a:shade val="50000"/>
+            </a:schemeClr>
+          </a:lnRef>
+          <a:fillRef idx="1">
+            <a:schemeClr val="accent1"/>
+          </a:fillRef>
+          <a:effectRef idx="0">
+            <a:schemeClr val="accent1"/>
+          </a:effectRef>
+          <a:fontRef idx="minor">
+            <a:schemeClr val="lt1"/>
+          </a:fontRef>
+        </p:style>
+        <p:txBody>
+          <a:bodyPr rtlCol="0" anchor="ctr"/>
+          <a:lstStyle/>
+          <a:p>
+            <a:pPr algn="ctr"/>
+            <a:endParaRPr lang="ko-KR" altLang="en-US"/>
+          </a:p>
+        </p:txBody>
+      </p:sp>
+      <p:sp>
+        <p:nvSpPr>
+          <p:cNvPr id="7" name="TextBox 6">
+            <a:extLst>
+              <a:ext uri="{FF2B5EF4-FFF2-40B4-BE49-F238E27FC236}">
+                <a16:creationId xmlns:a16="http://schemas.microsoft.com/office/drawing/2014/main" id="{2655970F-5BF5-42CF-91C3-9D721BA2A9E4}"/>
+              </a:ext>
+            </a:extLst>
+          </p:cNvPr>
+          <p:cNvSpPr txBox="1"/>
+          <p:nvPr/>
+        </p:nvSpPr>
+        <p:spPr>
+          <a:xfrm>
+            <a:off x="6490496" y="4814123"/>
+            <a:ext cx="3453125" cy="923330"/>
+          </a:xfrm>
+          <a:prstGeom prst="rect">
+            <a:avLst/>
+          </a:prstGeom>
+          <a:noFill/>
+        </p:spPr>
+        <p:txBody>
+          <a:bodyPr wrap="none" rtlCol="0">
+            <a:spAutoFit/>
+          </a:bodyPr>
+          <a:lstStyle/>
+          <a:p>
+            <a:r>
+              <a:rPr lang="en-US" altLang="ko-KR" dirty="0">
+                <a:solidFill>
+                  <a:srgbClr val="FF0000"/>
+                </a:solidFill>
+              </a:rPr>
+              <a:t>pivot</a:t>
+            </a:r>
+            <a:r>
+              <a:rPr lang="ko-KR" altLang="en-US" dirty="0">
+                <a:solidFill>
+                  <a:srgbClr val="FF0000"/>
+                </a:solidFill>
+              </a:rPr>
+              <a:t>에 따라</a:t>
+            </a:r>
+            <a:r>
+              <a:rPr lang="en-US" altLang="ko-KR" dirty="0">
+                <a:solidFill>
+                  <a:srgbClr val="FF0000"/>
+                </a:solidFill>
+              </a:rPr>
+              <a:t> first, last</a:t>
+            </a:r>
+            <a:r>
+              <a:rPr lang="ko-KR" altLang="en-US" dirty="0">
+                <a:solidFill>
+                  <a:srgbClr val="FF0000"/>
+                </a:solidFill>
+              </a:rPr>
+              <a:t> 를 조정하며</a:t>
+            </a:r>
+            <a:br>
+              <a:rPr lang="en-US" altLang="ko-KR" dirty="0">
+                <a:solidFill>
+                  <a:srgbClr val="FF0000"/>
+                </a:solidFill>
+              </a:rPr>
+            </a:br>
+            <a:r>
+              <a:rPr lang="en-US" altLang="ko-KR" dirty="0">
+                <a:solidFill>
+                  <a:srgbClr val="FF0000"/>
+                </a:solidFill>
+              </a:rPr>
+              <a:t>nth </a:t>
+            </a:r>
+            <a:r>
+              <a:rPr lang="ko-KR" altLang="en-US" dirty="0">
+                <a:solidFill>
+                  <a:srgbClr val="FF0000"/>
+                </a:solidFill>
+              </a:rPr>
+              <a:t>가 존재하는 구역을 찾는다</a:t>
+            </a:r>
+            <a:br>
+              <a:rPr lang="en-US" altLang="ko-KR" dirty="0">
+                <a:solidFill>
+                  <a:srgbClr val="FF0000"/>
+                </a:solidFill>
+              </a:rPr>
+            </a:br>
+            <a:endParaRPr lang="ko-KR" altLang="en-US" dirty="0">
+              <a:solidFill>
+                <a:srgbClr val="FF0000"/>
+              </a:solidFill>
+            </a:endParaRPr>
+          </a:p>
+        </p:txBody>
+      </p:sp>
+      <p:sp>
+        <p:nvSpPr>
+          <p:cNvPr id="3" name="오른쪽 대괄호 2">
+            <a:extLst>
+              <a:ext uri="{FF2B5EF4-FFF2-40B4-BE49-F238E27FC236}">
+                <a16:creationId xmlns:a16="http://schemas.microsoft.com/office/drawing/2014/main" id="{FC93B183-13E6-4B51-8E79-B7504E263F78}"/>
+              </a:ext>
+            </a:extLst>
+          </p:cNvPr>
+          <p:cNvSpPr/>
+          <p:nvPr/>
+        </p:nvSpPr>
+        <p:spPr>
+          <a:xfrm>
+            <a:off x="6137662" y="4407542"/>
+            <a:ext cx="230244" cy="1210429"/>
+          </a:xfrm>
+          <a:prstGeom prst="rightBracket">
+            <a:avLst/>
+          </a:prstGeom>
+          <a:ln>
+            <a:solidFill>
+              <a:srgbClr val="FF0000"/>
+            </a:solidFill>
+          </a:ln>
+        </p:spPr>
+        <p:style>
+          <a:lnRef idx="1">
+            <a:schemeClr val="accent1"/>
+          </a:lnRef>
+          <a:fillRef idx="0">
+            <a:schemeClr val="accent1"/>
+          </a:fillRef>
+          <a:effectRef idx="0">
+            <a:schemeClr val="accent1"/>
+          </a:effectRef>
+          <a:fontRef idx="minor">
+            <a:schemeClr val="tx1"/>
+          </a:fontRef>
+        </p:style>
+        <p:txBody>
+          <a:bodyPr rtlCol="0" anchor="ctr"/>
+          <a:lstStyle/>
+          <a:p>
+            <a:pPr algn="ctr"/>
+            <a:endParaRPr lang="ko-KR" altLang="en-US"/>
+          </a:p>
+        </p:txBody>
+      </p:sp>
+    </p:spTree>
+    <p:extLst>
+      <p:ext uri="{BB962C8B-B14F-4D97-AF65-F5344CB8AC3E}">
+        <p14:creationId xmlns:p14="http://schemas.microsoft.com/office/powerpoint/2010/main" val="2318275135"/>
+      </p:ext>
+    </p:extLst>
+  </p:cSld>
+  <p:clrMapOvr>
+    <a:masterClrMapping/>
+  </p:clrMapOvr>
+</p:sld>
+</file>
+
+<file path=ppt/slides/slide61.xml><?xml version="1.0" encoding="utf-8"?>
+<p:sld xmlns:a="http://schemas.openxmlformats.org/drawingml/2006/main" xmlns:r="http://schemas.openxmlformats.org/officeDocument/2006/relationships" xmlns:p="http://schemas.openxmlformats.org/presentationml/2006/main">
+  <p:cSld>
+    <p:spTree>
+      <p:nvGrpSpPr>
+        <p:cNvPr id="1" name=""/>
+        <p:cNvGrpSpPr/>
+        <p:nvPr/>
+      </p:nvGrpSpPr>
+      <p:grpSpPr>
+        <a:xfrm>
+          <a:off x="0" y="0"/>
+          <a:ext cx="0" cy="0"/>
+          <a:chOff x="0" y="0"/>
+          <a:chExt cx="0" cy="0"/>
+        </a:xfrm>
+      </p:grpSpPr>
+      <p:sp>
+        <p:nvSpPr>
+          <p:cNvPr id="2" name="제목 1">
+            <a:extLst>
+              <a:ext uri="{FF2B5EF4-FFF2-40B4-BE49-F238E27FC236}">
+                <a16:creationId xmlns:a16="http://schemas.microsoft.com/office/drawing/2014/main" id="{A0628522-72E2-4438-B2B0-03AB1F3484FC}"/>
+              </a:ext>
+            </a:extLst>
+          </p:cNvPr>
+          <p:cNvSpPr>
+            <a:spLocks noGrp="1"/>
+          </p:cNvSpPr>
+          <p:nvPr>
+            <p:ph type="title"/>
+          </p:nvPr>
+        </p:nvSpPr>
+        <p:spPr/>
+        <p:txBody>
+          <a:bodyPr/>
+          <a:lstStyle/>
+          <a:p>
+            <a:r>
+              <a:rPr lang="en-US" altLang="ko-KR" dirty="0" err="1">
+                <a:latin typeface="Consolas" panose="020B0609020204030204" pitchFamily="49" charset="0"/>
+              </a:rPr>
+              <a:t>nth_element</a:t>
+            </a:r>
+            <a:r>
+              <a:rPr lang="en-US" altLang="ko-KR" dirty="0">
+                <a:latin typeface="Consolas" panose="020B0609020204030204" pitchFamily="49" charset="0"/>
+              </a:rPr>
+              <a:t> </a:t>
+            </a:r>
+            <a:r>
+              <a:rPr lang="ko-KR" altLang="en-US" dirty="0">
+                <a:latin typeface="Consolas" panose="020B0609020204030204" pitchFamily="49" charset="0"/>
+              </a:rPr>
+              <a:t>구현</a:t>
+            </a:r>
+            <a:endParaRPr lang="ko-KR" altLang="en-US" dirty="0"/>
+          </a:p>
+        </p:txBody>
+      </p:sp>
+      <p:pic>
+        <p:nvPicPr>
+          <p:cNvPr id="5" name="내용 개체 틀 4">
+            <a:extLst>
+              <a:ext uri="{FF2B5EF4-FFF2-40B4-BE49-F238E27FC236}">
+                <a16:creationId xmlns:a16="http://schemas.microsoft.com/office/drawing/2014/main" id="{B63ACF0C-794D-4CED-978D-6CE935F23286}"/>
+              </a:ext>
+            </a:extLst>
+          </p:cNvPr>
+          <p:cNvPicPr>
+            <a:picLocks noGrp="1" noChangeAspect="1"/>
+          </p:cNvPicPr>
+          <p:nvPr>
+            <p:ph idx="1"/>
+          </p:nvPr>
+        </p:nvPicPr>
+        <p:blipFill>
+          <a:blip r:embed="rId2"/>
+          <a:stretch>
+            <a:fillRect/>
+          </a:stretch>
+        </p:blipFill>
+        <p:spPr>
+          <a:xfrm>
+            <a:off x="1280611" y="1368735"/>
+            <a:ext cx="9630779" cy="5265119"/>
+          </a:xfrm>
+          <a:prstGeom prst="rect">
+            <a:avLst/>
+          </a:prstGeom>
+        </p:spPr>
+      </p:pic>
+      <p:sp>
+        <p:nvSpPr>
+          <p:cNvPr id="6" name="직사각형 5">
+            <a:extLst>
+              <a:ext uri="{FF2B5EF4-FFF2-40B4-BE49-F238E27FC236}">
+                <a16:creationId xmlns:a16="http://schemas.microsoft.com/office/drawing/2014/main" id="{22D9B0E4-3650-482D-9680-3781114A7648}"/>
+              </a:ext>
+            </a:extLst>
+          </p:cNvPr>
+          <p:cNvSpPr/>
+          <p:nvPr/>
+        </p:nvSpPr>
+        <p:spPr>
+          <a:xfrm>
+            <a:off x="1697258" y="6168057"/>
+            <a:ext cx="9027827" cy="369332"/>
+          </a:xfrm>
+          <a:prstGeom prst="rect">
+            <a:avLst/>
+          </a:prstGeom>
+          <a:noFill/>
+          <a:ln>
+            <a:solidFill>
+              <a:srgbClr val="FF0000"/>
+            </a:solidFill>
+          </a:ln>
+        </p:spPr>
+        <p:style>
+          <a:lnRef idx="2">
+            <a:schemeClr val="accent1">
+              <a:shade val="50000"/>
+            </a:schemeClr>
+          </a:lnRef>
+          <a:fillRef idx="1">
+            <a:schemeClr val="accent1"/>
+          </a:fillRef>
+          <a:effectRef idx="0">
+            <a:schemeClr val="accent1"/>
+          </a:effectRef>
+          <a:fontRef idx="minor">
+            <a:schemeClr val="lt1"/>
+          </a:fontRef>
+        </p:style>
+        <p:txBody>
+          <a:bodyPr rtlCol="0" anchor="ctr"/>
+          <a:lstStyle/>
+          <a:p>
+            <a:pPr algn="ctr"/>
+            <a:endParaRPr lang="ko-KR" altLang="en-US"/>
+          </a:p>
+        </p:txBody>
+      </p:sp>
+      <p:sp>
+        <p:nvSpPr>
+          <p:cNvPr id="7" name="TextBox 6">
+            <a:extLst>
+              <a:ext uri="{FF2B5EF4-FFF2-40B4-BE49-F238E27FC236}">
+                <a16:creationId xmlns:a16="http://schemas.microsoft.com/office/drawing/2014/main" id="{2655970F-5BF5-42CF-91C3-9D721BA2A9E4}"/>
+              </a:ext>
+            </a:extLst>
+          </p:cNvPr>
+          <p:cNvSpPr txBox="1"/>
+          <p:nvPr/>
+        </p:nvSpPr>
+        <p:spPr>
+          <a:xfrm>
+            <a:off x="7572992" y="5798725"/>
+            <a:ext cx="3200235" cy="369332"/>
+          </a:xfrm>
+          <a:prstGeom prst="rect">
+            <a:avLst/>
+          </a:prstGeom>
+          <a:noFill/>
+        </p:spPr>
+        <p:txBody>
+          <a:bodyPr wrap="none" rtlCol="0">
+            <a:spAutoFit/>
+          </a:bodyPr>
+          <a:lstStyle/>
+          <a:p>
+            <a:r>
+              <a:rPr lang="ko-KR" altLang="en-US" dirty="0">
+                <a:solidFill>
+                  <a:srgbClr val="FF0000"/>
+                </a:solidFill>
+              </a:rPr>
+              <a:t>해당 구역을 </a:t>
+            </a:r>
+            <a:r>
+              <a:rPr lang="en-US" altLang="ko-KR" dirty="0">
+                <a:solidFill>
+                  <a:srgbClr val="FF0000"/>
+                </a:solidFill>
+              </a:rPr>
+              <a:t>Insertion Sort </a:t>
+            </a:r>
+            <a:r>
+              <a:rPr lang="ko-KR" altLang="en-US" dirty="0">
+                <a:solidFill>
+                  <a:srgbClr val="FF0000"/>
+                </a:solidFill>
+              </a:rPr>
+              <a:t>한다</a:t>
+            </a:r>
+          </a:p>
+        </p:txBody>
+      </p:sp>
+    </p:spTree>
+    <p:extLst>
+      <p:ext uri="{BB962C8B-B14F-4D97-AF65-F5344CB8AC3E}">
+        <p14:creationId xmlns:p14="http://schemas.microsoft.com/office/powerpoint/2010/main" val="2826038189"/>
+      </p:ext>
+    </p:extLst>
+  </p:cSld>
+  <p:clrMapOvr>
+    <a:masterClrMapping/>
+  </p:clrMapOvr>
+</p:sld>
+</file>
+
+<file path=ppt/slides/slide62.xml><?xml version="1.0" encoding="utf-8"?>
+<p:sld xmlns:a="http://schemas.openxmlformats.org/drawingml/2006/main" xmlns:r="http://schemas.openxmlformats.org/officeDocument/2006/relationships" xmlns:p="http://schemas.openxmlformats.org/presentationml/2006/main">
+  <p:cSld>
+    <p:spTree>
+      <p:nvGrpSpPr>
+        <p:cNvPr id="1" name=""/>
+        <p:cNvGrpSpPr/>
+        <p:nvPr/>
+      </p:nvGrpSpPr>
+      <p:grpSpPr>
+        <a:xfrm>
+          <a:off x="0" y="0"/>
+          <a:ext cx="0" cy="0"/>
+          <a:chOff x="0" y="0"/>
+          <a:chExt cx="0" cy="0"/>
+        </a:xfrm>
+      </p:grpSpPr>
+      <p:sp>
+        <p:nvSpPr>
+          <p:cNvPr id="2" name="제목 1">
+            <a:extLst>
+              <a:ext uri="{FF2B5EF4-FFF2-40B4-BE49-F238E27FC236}">
+                <a16:creationId xmlns:a16="http://schemas.microsoft.com/office/drawing/2014/main" id="{A8F1490C-DC8A-43A6-BD2A-407199B5195A}"/>
+              </a:ext>
+            </a:extLst>
+          </p:cNvPr>
+          <p:cNvSpPr>
+            <a:spLocks noGrp="1"/>
+          </p:cNvSpPr>
+          <p:nvPr>
+            <p:ph type="title"/>
+          </p:nvPr>
+        </p:nvSpPr>
+        <p:spPr/>
+        <p:txBody>
+          <a:bodyPr/>
+          <a:lstStyle/>
+          <a:p>
+            <a:r>
+              <a:rPr lang="ko-KR" altLang="en-US" dirty="0"/>
+              <a:t>적당한 </a:t>
+            </a:r>
+            <a:r>
+              <a:rPr lang="ko-KR" altLang="en-US" dirty="0" err="1"/>
+              <a:t>중위값은</a:t>
+            </a:r>
+            <a:r>
+              <a:rPr lang="ko-KR" altLang="en-US" dirty="0"/>
+              <a:t> 어떻게 찾았을까</a:t>
+            </a:r>
+            <a:r>
+              <a:rPr lang="en-US" altLang="ko-KR" dirty="0"/>
+              <a:t>?</a:t>
+            </a:r>
+            <a:endParaRPr lang="ko-KR" altLang="en-US" dirty="0"/>
+          </a:p>
+        </p:txBody>
+      </p:sp>
+      <p:pic>
+        <p:nvPicPr>
+          <p:cNvPr id="4" name="내용 개체 틀 3">
+            <a:extLst>
+              <a:ext uri="{FF2B5EF4-FFF2-40B4-BE49-F238E27FC236}">
+                <a16:creationId xmlns:a16="http://schemas.microsoft.com/office/drawing/2014/main" id="{557D93A0-77CE-424C-81B8-6FCAB440D442}"/>
+              </a:ext>
+            </a:extLst>
+          </p:cNvPr>
+          <p:cNvPicPr>
+            <a:picLocks noGrp="1" noChangeAspect="1"/>
+          </p:cNvPicPr>
+          <p:nvPr>
+            <p:ph idx="1"/>
+          </p:nvPr>
+        </p:nvPicPr>
+        <p:blipFill>
+          <a:blip r:embed="rId2"/>
+          <a:stretch>
+            <a:fillRect/>
+          </a:stretch>
+        </p:blipFill>
+        <p:spPr>
+          <a:xfrm>
+            <a:off x="838200" y="1744399"/>
+            <a:ext cx="10515600" cy="1250896"/>
+          </a:xfrm>
+          <a:prstGeom prst="rect">
+            <a:avLst/>
+          </a:prstGeom>
+        </p:spPr>
+      </p:pic>
+      <p:sp>
+        <p:nvSpPr>
+          <p:cNvPr id="5" name="직사각형 4">
+            <a:extLst>
+              <a:ext uri="{FF2B5EF4-FFF2-40B4-BE49-F238E27FC236}">
+                <a16:creationId xmlns:a16="http://schemas.microsoft.com/office/drawing/2014/main" id="{3AD8C9C0-E1DD-4824-B194-9ED155E1D907}"/>
+              </a:ext>
+            </a:extLst>
+          </p:cNvPr>
+          <p:cNvSpPr/>
+          <p:nvPr/>
+        </p:nvSpPr>
+        <p:spPr>
+          <a:xfrm>
+            <a:off x="1203878" y="2679674"/>
+            <a:ext cx="6038960" cy="369332"/>
+          </a:xfrm>
+          <a:prstGeom prst="rect">
+            <a:avLst/>
+          </a:prstGeom>
+          <a:noFill/>
+          <a:ln>
+            <a:solidFill>
+              <a:srgbClr val="FF0000"/>
+            </a:solidFill>
+          </a:ln>
+        </p:spPr>
+        <p:style>
+          <a:lnRef idx="2">
+            <a:schemeClr val="accent1">
+              <a:shade val="50000"/>
+            </a:schemeClr>
+          </a:lnRef>
+          <a:fillRef idx="1">
+            <a:schemeClr val="accent1"/>
+          </a:fillRef>
+          <a:effectRef idx="0">
+            <a:schemeClr val="accent1"/>
+          </a:effectRef>
+          <a:fontRef idx="minor">
+            <a:schemeClr val="lt1"/>
+          </a:fontRef>
+        </p:style>
+        <p:txBody>
+          <a:bodyPr rtlCol="0" anchor="ctr"/>
+          <a:lstStyle/>
+          <a:p>
+            <a:pPr algn="ctr"/>
+            <a:endParaRPr lang="ko-KR" altLang="en-US"/>
+          </a:p>
+        </p:txBody>
+      </p:sp>
+      <p:sp>
+        <p:nvSpPr>
+          <p:cNvPr id="6" name="화살표: 오른쪽 5">
+            <a:extLst>
+              <a:ext uri="{FF2B5EF4-FFF2-40B4-BE49-F238E27FC236}">
+                <a16:creationId xmlns:a16="http://schemas.microsoft.com/office/drawing/2014/main" id="{94242CD9-8AA1-43B2-A15E-40A153A398E5}"/>
+              </a:ext>
+            </a:extLst>
+          </p:cNvPr>
+          <p:cNvSpPr/>
+          <p:nvPr/>
+        </p:nvSpPr>
+        <p:spPr>
+          <a:xfrm rot="5400000">
+            <a:off x="3824527" y="3220961"/>
+            <a:ext cx="546832" cy="209688"/>
+          </a:xfrm>
+          <a:prstGeom prst="rightArrow">
+            <a:avLst/>
+          </a:prstGeom>
+          <a:solidFill>
+            <a:srgbClr val="FF0000"/>
+          </a:solidFill>
+          <a:ln>
+            <a:solidFill>
+              <a:srgbClr val="FF0000"/>
+            </a:solidFill>
+          </a:ln>
+        </p:spPr>
+        <p:style>
+          <a:lnRef idx="2">
+            <a:schemeClr val="accent1">
+              <a:shade val="50000"/>
+            </a:schemeClr>
+          </a:lnRef>
+          <a:fillRef idx="1">
+            <a:schemeClr val="accent1"/>
+          </a:fillRef>
+          <a:effectRef idx="0">
+            <a:schemeClr val="accent1"/>
+          </a:effectRef>
+          <a:fontRef idx="minor">
+            <a:schemeClr val="lt1"/>
+          </a:fontRef>
+        </p:style>
+        <p:txBody>
+          <a:bodyPr rtlCol="0" anchor="ctr"/>
+          <a:lstStyle/>
+          <a:p>
+            <a:pPr algn="ctr"/>
+            <a:endParaRPr lang="ko-KR" altLang="en-US"/>
+          </a:p>
+        </p:txBody>
+      </p:sp>
+      <p:pic>
+        <p:nvPicPr>
+          <p:cNvPr id="7" name="그림 6">
+            <a:extLst>
+              <a:ext uri="{FF2B5EF4-FFF2-40B4-BE49-F238E27FC236}">
+                <a16:creationId xmlns:a16="http://schemas.microsoft.com/office/drawing/2014/main" id="{342FB784-6A59-496D-9881-7374CADED503}"/>
+              </a:ext>
+            </a:extLst>
+          </p:cNvPr>
+          <p:cNvPicPr>
+            <a:picLocks noChangeAspect="1"/>
+          </p:cNvPicPr>
+          <p:nvPr/>
+        </p:nvPicPr>
+        <p:blipFill>
+          <a:blip r:embed="rId3"/>
+          <a:stretch>
+            <a:fillRect/>
+          </a:stretch>
+        </p:blipFill>
+        <p:spPr>
+          <a:xfrm>
+            <a:off x="860520" y="3637571"/>
+            <a:ext cx="7879057" cy="3098666"/>
+          </a:xfrm>
+          <a:prstGeom prst="rect">
+            <a:avLst/>
+          </a:prstGeom>
+        </p:spPr>
+      </p:pic>
+      <p:sp>
+        <p:nvSpPr>
+          <p:cNvPr id="8" name="직사각형 7">
+            <a:extLst>
+              <a:ext uri="{FF2B5EF4-FFF2-40B4-BE49-F238E27FC236}">
+                <a16:creationId xmlns:a16="http://schemas.microsoft.com/office/drawing/2014/main" id="{61322C47-1721-48A1-951B-FD0EC2DBD397}"/>
+              </a:ext>
+            </a:extLst>
+          </p:cNvPr>
+          <p:cNvSpPr/>
+          <p:nvPr/>
+        </p:nvSpPr>
+        <p:spPr>
+          <a:xfrm>
+            <a:off x="3033773" y="4461163"/>
+            <a:ext cx="1807941" cy="229326"/>
+          </a:xfrm>
+          <a:prstGeom prst="rect">
+            <a:avLst/>
+          </a:prstGeom>
+          <a:noFill/>
+          <a:ln>
+            <a:solidFill>
+              <a:srgbClr val="FF0000"/>
+            </a:solidFill>
+          </a:ln>
+        </p:spPr>
+        <p:style>
+          <a:lnRef idx="2">
+            <a:schemeClr val="accent1">
+              <a:shade val="50000"/>
+            </a:schemeClr>
+          </a:lnRef>
+          <a:fillRef idx="1">
+            <a:schemeClr val="accent1"/>
+          </a:fillRef>
+          <a:effectRef idx="0">
+            <a:schemeClr val="accent1"/>
+          </a:effectRef>
+          <a:fontRef idx="minor">
+            <a:schemeClr val="lt1"/>
+          </a:fontRef>
+        </p:style>
+        <p:txBody>
+          <a:bodyPr rtlCol="0" anchor="ctr"/>
+          <a:lstStyle/>
+          <a:p>
+            <a:pPr algn="ctr"/>
+            <a:endParaRPr lang="ko-KR" altLang="en-US"/>
+          </a:p>
+        </p:txBody>
+      </p:sp>
+      <p:sp>
+        <p:nvSpPr>
+          <p:cNvPr id="9" name="직사각형 8">
+            <a:extLst>
+              <a:ext uri="{FF2B5EF4-FFF2-40B4-BE49-F238E27FC236}">
+                <a16:creationId xmlns:a16="http://schemas.microsoft.com/office/drawing/2014/main" id="{C2A42896-823B-45D4-AB79-EB3753D55024}"/>
+              </a:ext>
+            </a:extLst>
+          </p:cNvPr>
+          <p:cNvSpPr/>
+          <p:nvPr/>
+        </p:nvSpPr>
+        <p:spPr>
+          <a:xfrm>
+            <a:off x="1618290" y="6113442"/>
+            <a:ext cx="1519615" cy="229326"/>
+          </a:xfrm>
+          <a:prstGeom prst="rect">
+            <a:avLst/>
+          </a:prstGeom>
+          <a:noFill/>
+          <a:ln>
+            <a:solidFill>
+              <a:srgbClr val="FF0000"/>
+            </a:solidFill>
+          </a:ln>
+        </p:spPr>
+        <p:style>
+          <a:lnRef idx="2">
+            <a:schemeClr val="accent1">
+              <a:shade val="50000"/>
+            </a:schemeClr>
+          </a:lnRef>
+          <a:fillRef idx="1">
+            <a:schemeClr val="accent1"/>
+          </a:fillRef>
+          <a:effectRef idx="0">
+            <a:schemeClr val="accent1"/>
+          </a:effectRef>
+          <a:fontRef idx="minor">
+            <a:schemeClr val="lt1"/>
+          </a:fontRef>
+        </p:style>
+        <p:txBody>
+          <a:bodyPr rtlCol="0" anchor="ctr"/>
+          <a:lstStyle/>
+          <a:p>
+            <a:pPr algn="ctr"/>
+            <a:endParaRPr lang="ko-KR" altLang="en-US"/>
+          </a:p>
+        </p:txBody>
+      </p:sp>
+      <p:sp>
+        <p:nvSpPr>
+          <p:cNvPr id="10" name="TextBox 9">
+            <a:extLst>
+              <a:ext uri="{FF2B5EF4-FFF2-40B4-BE49-F238E27FC236}">
+                <a16:creationId xmlns:a16="http://schemas.microsoft.com/office/drawing/2014/main" id="{078F4E96-4136-4BF6-BFF4-02FB15DFA49D}"/>
+              </a:ext>
+            </a:extLst>
+          </p:cNvPr>
+          <p:cNvSpPr txBox="1"/>
+          <p:nvPr/>
+        </p:nvSpPr>
+        <p:spPr>
+          <a:xfrm>
+            <a:off x="2118250" y="6374493"/>
+            <a:ext cx="6749348" cy="369332"/>
+          </a:xfrm>
+          <a:prstGeom prst="rect">
+            <a:avLst/>
+          </a:prstGeom>
+          <a:noFill/>
+        </p:spPr>
+        <p:txBody>
+          <a:bodyPr wrap="none" rtlCol="0">
+            <a:spAutoFit/>
+          </a:bodyPr>
+          <a:lstStyle/>
+          <a:p>
+            <a:r>
+              <a:rPr lang="en-US" altLang="ko-KR" dirty="0">
+                <a:solidFill>
+                  <a:srgbClr val="FF0000"/>
+                </a:solidFill>
+              </a:rPr>
+              <a:t>first,</a:t>
+            </a:r>
+            <a:r>
+              <a:rPr lang="ko-KR" altLang="en-US" dirty="0">
+                <a:solidFill>
+                  <a:srgbClr val="FF0000"/>
+                </a:solidFill>
+              </a:rPr>
+              <a:t> </a:t>
+            </a:r>
+            <a:r>
+              <a:rPr lang="en-US" altLang="ko-KR" dirty="0">
+                <a:solidFill>
+                  <a:srgbClr val="FF0000"/>
+                </a:solidFill>
+              </a:rPr>
+              <a:t>mid,</a:t>
+            </a:r>
+            <a:r>
+              <a:rPr lang="ko-KR" altLang="en-US" dirty="0">
+                <a:solidFill>
+                  <a:srgbClr val="FF0000"/>
+                </a:solidFill>
+              </a:rPr>
+              <a:t> </a:t>
+            </a:r>
+            <a:r>
+              <a:rPr lang="en-US" altLang="ko-KR" dirty="0">
+                <a:solidFill>
+                  <a:srgbClr val="FF0000"/>
+                </a:solidFill>
+              </a:rPr>
+              <a:t>last</a:t>
+            </a:r>
+            <a:r>
+              <a:rPr lang="ko-KR" altLang="en-US" dirty="0">
+                <a:solidFill>
+                  <a:srgbClr val="FF0000"/>
+                </a:solidFill>
+              </a:rPr>
+              <a:t> 세 원소를 순서대로 정렬</a:t>
+            </a:r>
+            <a:r>
+              <a:rPr lang="en-US" altLang="ko-KR" dirty="0">
+                <a:solidFill>
+                  <a:srgbClr val="FF0000"/>
+                </a:solidFill>
+              </a:rPr>
+              <a:t>. mid</a:t>
+            </a:r>
+            <a:r>
+              <a:rPr lang="ko-KR" altLang="en-US" dirty="0">
+                <a:solidFill>
+                  <a:srgbClr val="FF0000"/>
+                </a:solidFill>
+              </a:rPr>
+              <a:t>가 이 셋 중에 </a:t>
+            </a:r>
+            <a:r>
+              <a:rPr lang="ko-KR" altLang="en-US" dirty="0" err="1">
+                <a:solidFill>
+                  <a:srgbClr val="FF0000"/>
+                </a:solidFill>
+              </a:rPr>
+              <a:t>중위값이</a:t>
+            </a:r>
+            <a:r>
+              <a:rPr lang="ko-KR" altLang="en-US" dirty="0">
+                <a:solidFill>
+                  <a:srgbClr val="FF0000"/>
+                </a:solidFill>
+              </a:rPr>
+              <a:t> 됨</a:t>
+            </a:r>
+            <a:r>
+              <a:rPr lang="en-US" altLang="ko-KR" dirty="0">
+                <a:solidFill>
+                  <a:srgbClr val="FF0000"/>
+                </a:solidFill>
+              </a:rPr>
+              <a:t>.</a:t>
+            </a:r>
+            <a:endParaRPr lang="ko-KR" altLang="en-US" dirty="0">
+              <a:solidFill>
+                <a:srgbClr val="FF0000"/>
+              </a:solidFill>
+            </a:endParaRPr>
+          </a:p>
+        </p:txBody>
+      </p:sp>
+    </p:spTree>
+    <p:extLst>
+      <p:ext uri="{BB962C8B-B14F-4D97-AF65-F5344CB8AC3E}">
+        <p14:creationId xmlns:p14="http://schemas.microsoft.com/office/powerpoint/2010/main" val="2690277393"/>
+      </p:ext>
+    </p:extLst>
+  </p:cSld>
+  <p:clrMapOvr>
+    <a:masterClrMapping/>
+  </p:clrMapOvr>
+</p:sld>
+</file>
+
+<file path=ppt/slides/slide63.xml><?xml version="1.0" encoding="utf-8"?>
+<p:sld xmlns:a="http://schemas.openxmlformats.org/drawingml/2006/main" xmlns:r="http://schemas.openxmlformats.org/officeDocument/2006/relationships" xmlns:p="http://schemas.openxmlformats.org/presentationml/2006/main">
+  <p:cSld>
+    <p:spTree>
+      <p:nvGrpSpPr>
+        <p:cNvPr id="1" name=""/>
+        <p:cNvGrpSpPr/>
+        <p:nvPr/>
+      </p:nvGrpSpPr>
+      <p:grpSpPr>
+        <a:xfrm>
+          <a:off x="0" y="0"/>
+          <a:ext cx="0" cy="0"/>
+          <a:chOff x="0" y="0"/>
+          <a:chExt cx="0" cy="0"/>
+        </a:xfrm>
+      </p:grpSpPr>
+      <p:sp>
+        <p:nvSpPr>
+          <p:cNvPr id="2" name="제목 1">
+            <a:extLst>
+              <a:ext uri="{FF2B5EF4-FFF2-40B4-BE49-F238E27FC236}">
+                <a16:creationId xmlns:a16="http://schemas.microsoft.com/office/drawing/2014/main" id="{A8F1490C-DC8A-43A6-BD2A-407199B5195A}"/>
+              </a:ext>
+            </a:extLst>
+          </p:cNvPr>
+          <p:cNvSpPr>
+            <a:spLocks noGrp="1"/>
+          </p:cNvSpPr>
+          <p:nvPr>
+            <p:ph type="title"/>
+          </p:nvPr>
+        </p:nvSpPr>
+        <p:spPr/>
+        <p:txBody>
+          <a:bodyPr/>
+          <a:lstStyle/>
+          <a:p>
+            <a:r>
+              <a:rPr lang="en-US" altLang="ko-KR" dirty="0"/>
+              <a:t>Tukey's </a:t>
+            </a:r>
+            <a:r>
+              <a:rPr lang="en-US" altLang="ko-KR" dirty="0" err="1"/>
+              <a:t>ninther</a:t>
+            </a:r>
+            <a:endParaRPr lang="ko-KR" altLang="en-US" dirty="0"/>
+          </a:p>
+        </p:txBody>
+      </p:sp>
+      <p:sp>
+        <p:nvSpPr>
+          <p:cNvPr id="9" name="내용 개체 틀 8">
+            <a:extLst>
+              <a:ext uri="{FF2B5EF4-FFF2-40B4-BE49-F238E27FC236}">
+                <a16:creationId xmlns:a16="http://schemas.microsoft.com/office/drawing/2014/main" id="{CB05CC99-44D1-4CC2-9E46-836F095CF090}"/>
+              </a:ext>
+            </a:extLst>
+          </p:cNvPr>
+          <p:cNvSpPr>
+            <a:spLocks noGrp="1"/>
+          </p:cNvSpPr>
+          <p:nvPr>
+            <p:ph idx="1"/>
+          </p:nvPr>
+        </p:nvSpPr>
+        <p:spPr/>
+        <p:txBody>
+          <a:bodyPr/>
+          <a:lstStyle/>
+          <a:p>
+            <a:r>
+              <a:rPr lang="ko-KR" altLang="en-US" dirty="0" err="1"/>
+              <a:t>중위값</a:t>
+            </a:r>
+            <a:r>
+              <a:rPr lang="ko-KR" altLang="en-US" dirty="0"/>
+              <a:t> </a:t>
+            </a:r>
+            <a:r>
+              <a:rPr lang="ko-KR" altLang="en-US" u="sng" dirty="0"/>
+              <a:t>추정치</a:t>
+            </a:r>
+            <a:r>
+              <a:rPr lang="ko-KR" altLang="en-US" dirty="0"/>
+              <a:t>를 얻는 효과적인 방법 중 하나 </a:t>
+            </a:r>
+          </a:p>
+        </p:txBody>
+      </p:sp>
+      <p:pic>
+        <p:nvPicPr>
+          <p:cNvPr id="10" name="그림 9">
+            <a:extLst>
+              <a:ext uri="{FF2B5EF4-FFF2-40B4-BE49-F238E27FC236}">
+                <a16:creationId xmlns:a16="http://schemas.microsoft.com/office/drawing/2014/main" id="{817CFDD6-8838-4CCB-9736-9ACA17E1475A}"/>
+              </a:ext>
+            </a:extLst>
+          </p:cNvPr>
+          <p:cNvPicPr>
+            <a:picLocks noChangeAspect="1"/>
+          </p:cNvPicPr>
+          <p:nvPr/>
+        </p:nvPicPr>
+        <p:blipFill>
+          <a:blip r:embed="rId2"/>
+          <a:stretch>
+            <a:fillRect/>
+          </a:stretch>
+        </p:blipFill>
+        <p:spPr>
+          <a:xfrm>
+            <a:off x="1793680" y="2528888"/>
+            <a:ext cx="8867775" cy="3648075"/>
+          </a:xfrm>
+          <a:prstGeom prst="rect">
+            <a:avLst/>
+          </a:prstGeom>
+        </p:spPr>
+      </p:pic>
+      <p:sp>
+        <p:nvSpPr>
+          <p:cNvPr id="11" name="직사각형 10">
+            <a:extLst>
+              <a:ext uri="{FF2B5EF4-FFF2-40B4-BE49-F238E27FC236}">
+                <a16:creationId xmlns:a16="http://schemas.microsoft.com/office/drawing/2014/main" id="{34C030E5-0A5A-4D7E-9F26-05F61C064157}"/>
+              </a:ext>
+            </a:extLst>
+          </p:cNvPr>
+          <p:cNvSpPr/>
+          <p:nvPr/>
+        </p:nvSpPr>
+        <p:spPr>
+          <a:xfrm>
+            <a:off x="4496800" y="6492875"/>
+            <a:ext cx="7783555" cy="307777"/>
+          </a:xfrm>
+          <a:prstGeom prst="rect">
+            <a:avLst/>
+          </a:prstGeom>
+        </p:spPr>
+        <p:txBody>
+          <a:bodyPr wrap="square">
+            <a:spAutoFit/>
+          </a:bodyPr>
+          <a:lstStyle/>
+          <a:p>
+            <a:r>
+              <a:rPr lang="en-US" altLang="ko-KR" sz="1400" dirty="0">
+                <a:hlinkClick r:id="rId3"/>
+              </a:rPr>
+              <a:t>https://medium.com/@andrewgrex/the-ninther-approximating-medians-b0e04b8807d1</a:t>
+            </a:r>
+            <a:endParaRPr lang="ko-KR" altLang="en-US" sz="1400" dirty="0"/>
+          </a:p>
+        </p:txBody>
+      </p:sp>
+    </p:spTree>
+    <p:extLst>
+      <p:ext uri="{BB962C8B-B14F-4D97-AF65-F5344CB8AC3E}">
+        <p14:creationId xmlns:p14="http://schemas.microsoft.com/office/powerpoint/2010/main" val="438405565"/>
+      </p:ext>
+    </p:extLst>
+  </p:cSld>
+  <p:clrMapOvr>
+    <a:masterClrMapping/>
+  </p:clrMapOvr>
+</p:sld>
+</file>
+
+<file path=ppt/slides/slide64.xml><?xml version="1.0" encoding="utf-8"?>
+<p:sld xmlns:a="http://schemas.openxmlformats.org/drawingml/2006/main" xmlns:r="http://schemas.openxmlformats.org/officeDocument/2006/relationships" xmlns:p="http://schemas.openxmlformats.org/presentationml/2006/main">
+  <p:cSld>
+    <p:spTree>
+      <p:nvGrpSpPr>
+        <p:cNvPr id="1" name=""/>
+        <p:cNvGrpSpPr/>
+        <p:nvPr/>
+      </p:nvGrpSpPr>
+      <p:grpSpPr>
+        <a:xfrm>
+          <a:off x="0" y="0"/>
+          <a:ext cx="0" cy="0"/>
+          <a:chOff x="0" y="0"/>
+          <a:chExt cx="0" cy="0"/>
+        </a:xfrm>
+      </p:grpSpPr>
+      <p:sp>
+        <p:nvSpPr>
+          <p:cNvPr id="2" name="제목 1">
+            <a:extLst>
+              <a:ext uri="{FF2B5EF4-FFF2-40B4-BE49-F238E27FC236}">
+                <a16:creationId xmlns:a16="http://schemas.microsoft.com/office/drawing/2014/main" id="{93C20081-9379-4E74-A8EA-D09C19B69EB8}"/>
+              </a:ext>
+            </a:extLst>
+          </p:cNvPr>
+          <p:cNvSpPr>
+            <a:spLocks noGrp="1"/>
+          </p:cNvSpPr>
+          <p:nvPr>
+            <p:ph type="ctrTitle"/>
+          </p:nvPr>
+        </p:nvSpPr>
+        <p:spPr/>
+        <p:txBody>
+          <a:bodyPr/>
+          <a:lstStyle/>
+          <a:p>
+            <a:r>
+              <a:rPr lang="ko-KR" altLang="en-US" dirty="0"/>
+              <a:t>감사합니다</a:t>
+            </a:r>
+          </a:p>
+        </p:txBody>
+      </p:sp>
+    </p:spTree>
+    <p:extLst>
+      <p:ext uri="{BB962C8B-B14F-4D97-AF65-F5344CB8AC3E}">
+        <p14:creationId xmlns:p14="http://schemas.microsoft.com/office/powerpoint/2010/main" val="2418448705"/>
       </p:ext>
     </p:extLst>
   </p:cSld>
@@ -16621,6 +20612,12 @@
 </file>
 
 <file path=customXml/item1.xml><?xml version="1.0" encoding="utf-8"?>
+<p:properties xmlns:p="http://schemas.microsoft.com/office/2006/metadata/properties" xmlns:xsi="http://www.w3.org/2001/XMLSchema-instance" xmlns:pc="http://schemas.microsoft.com/office/infopath/2007/PartnerControls">
+  <documentManagement/>
+</p:properties>
+</file>
+
+<file path=customXml/item2.xml><?xml version="1.0" encoding="utf-8"?>
 <?mso-contentType ?>
 <FormTemplates xmlns="http://schemas.microsoft.com/sharepoint/v3/contenttype/forms">
   <Display>DocumentLibraryForm</Display>
@@ -16629,7 +20626,7 @@
 </FormTemplates>
 </file>
 
-<file path=customXml/item2.xml><?xml version="1.0" encoding="utf-8"?>
+<file path=customXml/item3.xml><?xml version="1.0" encoding="utf-8"?>
 <ct:contentTypeSchema xmlns:ct="http://schemas.microsoft.com/office/2006/metadata/contentType" xmlns:ma="http://schemas.microsoft.com/office/2006/metadata/properties/metaAttributes" ct:_="" ma:_="" ma:contentTypeName="문서" ma:contentTypeID="0x0101003E2F1BC31375E94083A177693EC431F5" ma:contentTypeVersion="2" ma:contentTypeDescription="새 문서를 만듭니다." ma:contentTypeScope="" ma:versionID="a0bb82af9726e1b04edb837aeb92c4cd">
   <xsd:schema xmlns:xsd="http://www.w3.org/2001/XMLSchema" xmlns:xs="http://www.w3.org/2001/XMLSchema" xmlns:p="http://schemas.microsoft.com/office/2006/metadata/properties" xmlns:ns3="244cd0a0-3727-48b1-9fe9-c47772142f47" targetNamespace="http://schemas.microsoft.com/office/2006/metadata/properties" ma:root="true" ma:fieldsID="6c90e7e2de05f3d7c7661e167c6cfab3" ns3:_="">
     <xsd:import namespace="244cd0a0-3727-48b1-9fe9-c47772142f47"/>
@@ -16761,13 +20758,23 @@
 </ct:contentTypeSchema>
 </file>
 
-<file path=customXml/item3.xml><?xml version="1.0" encoding="utf-8"?>
-<p:properties xmlns:p="http://schemas.microsoft.com/office/2006/metadata/properties" xmlns:xsi="http://www.w3.org/2001/XMLSchema-instance" xmlns:pc="http://schemas.microsoft.com/office/infopath/2007/PartnerControls">
-  <documentManagement/>
-</p:properties>
+<file path=customXml/itemProps1.xml><?xml version="1.0" encoding="utf-8"?>
+<ds:datastoreItem xmlns:ds="http://schemas.openxmlformats.org/officeDocument/2006/customXml" ds:itemID="{A55B3820-51E8-4607-9CED-170B9C0D9C12}">
+  <ds:schemaRefs>
+    <ds:schemaRef ds:uri="http://schemas.microsoft.com/office/infopath/2007/PartnerControls"/>
+    <ds:schemaRef ds:uri="http://purl.org/dc/elements/1.1/"/>
+    <ds:schemaRef ds:uri="244cd0a0-3727-48b1-9fe9-c47772142f47"/>
+    <ds:schemaRef ds:uri="http://schemas.microsoft.com/office/2006/metadata/properties"/>
+    <ds:schemaRef ds:uri="http://www.w3.org/XML/1998/namespace"/>
+    <ds:schemaRef ds:uri="http://schemas.microsoft.com/office/2006/documentManagement/types"/>
+    <ds:schemaRef ds:uri="http://schemas.openxmlformats.org/package/2006/metadata/core-properties"/>
+    <ds:schemaRef ds:uri="http://purl.org/dc/dcmitype/"/>
+    <ds:schemaRef ds:uri="http://purl.org/dc/terms/"/>
+  </ds:schemaRefs>
+</ds:datastoreItem>
 </file>
 
-<file path=customXml/itemProps1.xml><?xml version="1.0" encoding="utf-8"?>
+<file path=customXml/itemProps2.xml><?xml version="1.0" encoding="utf-8"?>
 <ds:datastoreItem xmlns:ds="http://schemas.openxmlformats.org/officeDocument/2006/customXml" ds:itemID="{2F1ECA8A-480A-40D9-95BA-3225432912D9}">
   <ds:schemaRefs>
     <ds:schemaRef ds:uri="http://schemas.microsoft.com/sharepoint/v3/contenttype/forms"/>
@@ -16775,7 +20782,7 @@
 </ds:datastoreItem>
 </file>
 
-<file path=customXml/itemProps2.xml><?xml version="1.0" encoding="utf-8"?>
+<file path=customXml/itemProps3.xml><?xml version="1.0" encoding="utf-8"?>
 <ds:datastoreItem xmlns:ds="http://schemas.openxmlformats.org/officeDocument/2006/customXml" ds:itemID="{C73AB436-3452-4F46-A6C2-60556E710B96}">
   <ds:schemaRefs>
     <ds:schemaRef ds:uri="http://schemas.microsoft.com/office/2006/metadata/contentType"/>
@@ -16791,20 +20798,4 @@
     <ds:schemaRef ds:uri="http://schemas.microsoft.com/internal/obd"/>
   </ds:schemaRefs>
 </ds:datastoreItem>
-</file>
-
-<file path=customXml/itemProps3.xml><?xml version="1.0" encoding="utf-8"?>
-<ds:datastoreItem xmlns:ds="http://schemas.openxmlformats.org/officeDocument/2006/customXml" ds:itemID="{A55B3820-51E8-4607-9CED-170B9C0D9C12}">
-  <ds:schemaRefs>
-    <ds:schemaRef ds:uri="http://schemas.microsoft.com/office/infopath/2007/PartnerControls"/>
-    <ds:schemaRef ds:uri="http://purl.org/dc/elements/1.1/"/>
-    <ds:schemaRef ds:uri="244cd0a0-3727-48b1-9fe9-c47772142f47"/>
-    <ds:schemaRef ds:uri="http://schemas.microsoft.com/office/2006/metadata/properties"/>
-    <ds:schemaRef ds:uri="http://www.w3.org/XML/1998/namespace"/>
-    <ds:schemaRef ds:uri="http://schemas.microsoft.com/office/2006/documentManagement/types"/>
-    <ds:schemaRef ds:uri="http://schemas.openxmlformats.org/package/2006/metadata/core-properties"/>
-    <ds:schemaRef ds:uri="http://purl.org/dc/dcmitype/"/>
-    <ds:schemaRef ds:uri="http://purl.org/dc/terms/"/>
-  </ds:schemaRefs>
-</ds:datastoreItem>
 </file>